--- a/Team_4_Proj_1.pptx
+++ b/Team_4_Proj_1.pptx
@@ -5,14 +5,16 @@
     <p:sldMasterId id="2147483677" r:id="rId1"/>
   </p:sldMasterIdLst>
   <p:notesMasterIdLst>
-    <p:notesMasterId r:id="rId7"/>
+    <p:notesMasterId r:id="rId9"/>
   </p:notesMasterIdLst>
   <p:sldIdLst>
     <p:sldId id="256" r:id="rId2"/>
     <p:sldId id="257" r:id="rId3"/>
     <p:sldId id="258" r:id="rId4"/>
     <p:sldId id="259" r:id="rId5"/>
-    <p:sldId id="260" r:id="rId6"/>
+    <p:sldId id="261" r:id="rId6"/>
+    <p:sldId id="263" r:id="rId7"/>
+    <p:sldId id="260" r:id="rId8"/>
   </p:sldIdLst>
   <p:sldSz cx="12192000" cy="6858000"/>
   <p:notesSz cx="6858000" cy="9144000"/>
@@ -201,7 +203,7 @@
           <a:p>
             <a:fld id="{A817B47D-F3DF-42C8-8551-B9FFD7CFFCDD}" type="datetimeFigureOut">
               <a:rPr lang="en-US" smtClean="0"/>
-              <a:t>3/19/2020</a:t>
+              <a:t>3/20/2020</a:t>
             </a:fld>
             <a:endParaRPr lang="en-US"/>
           </a:p>
@@ -1034,6 +1036,36 @@
           <a:bodyPr/>
           <a:lstStyle/>
           <a:p>
+            <a:r>
+              <a:rPr lang="en-US" dirty="0"/>
+              <a:t>The question I asked was, “Are hurricanes occurring more or less than tropical storms and if so which category is it occurring in the most?” Firstly, to even become a category it has to be wind speeds greater than 73 miles per hour. Therefore, under TS which stands for tropical storms all the storms below 74 miles per hour were filtered into. </a:t>
+            </a:r>
+          </a:p>
+          <a:p>
+            <a:endParaRPr lang="en-US" dirty="0"/>
+          </a:p>
+          <a:p>
+            <a:r>
+              <a:rPr lang="en-US" dirty="0"/>
+              <a:t>The reason I asked this question was to see if global warming was related directly to the number of tropical storms or hurricanes occurring and through this data I saw that it can possibly be because of the number of Tropical storms because there is a big gap between the number of times they occurred. In addition, it was interesting to see that each category occurring decreased as the category increased. </a:t>
+            </a:r>
+          </a:p>
+          <a:p>
+            <a:endParaRPr lang="en-US" dirty="0"/>
+          </a:p>
+          <a:p>
+            <a:r>
+              <a:rPr lang="en-US" dirty="0"/>
+              <a:t>This visual brought me to my next visual’s question about if TS are filtered out then just looking at categories 1 to 5, in which month is it occurring the most from 1851 to 2015? The reason I wanted to investigate this question was to see if hurricanes have been affected equally throughout entering the months from May to October due to an increase of global warming or has it created a bell curve? Results showed that a bell curve occurred and that the hurricanes weren’t just equally distributed throughout May to October and that there was a gradual increase and decrease from 1851 to 2015 instead of a number gap with no pattern. For example, a difference of about 8,000 hurricanes on the right and left months of the peak month. If I saw a pattern which was not creating a bell curve then I would think that global warming is throwing the hurricanes off through out the months which would have gradually created an equality of hurricanes through the months by an increase number of hurricanes in May, June, July, October, and November by 2015 which it didn’t. </a:t>
+            </a:r>
+          </a:p>
+          <a:p>
+            <a:r>
+              <a:rPr lang="en-US" dirty="0"/>
+              <a:t>Why month was hurricanes occurring the most? September. Limitation:  Although it was September what would be the pattern throughout the board throughout the specific years because then each year has to be plotted by category. </a:t>
+            </a:r>
+          </a:p>
+          <a:p>
             <a:endParaRPr lang="en-US" dirty="0"/>
           </a:p>
         </p:txBody>
@@ -1055,7 +1087,91 @@
           <a:p>
             <a:fld id="{7889D460-D7B2-43E9-850A-CB3D07019344}" type="slidenum">
               <a:rPr lang="en-US" smtClean="0"/>
-              <a:t>5</a:t>
+              <a:t>6</a:t>
+            </a:fld>
+            <a:endParaRPr lang="en-US"/>
+          </a:p>
+        </p:txBody>
+      </p:sp>
+    </p:spTree>
+    <p:extLst>
+      <p:ext uri="{BB962C8B-B14F-4D97-AF65-F5344CB8AC3E}">
+        <p14:creationId xmlns:p14="http://schemas.microsoft.com/office/powerpoint/2010/main" val="3393927988"/>
+      </p:ext>
+    </p:extLst>
+  </p:cSld>
+  <p:clrMapOvr>
+    <a:masterClrMapping/>
+  </p:clrMapOvr>
+</p:notes>
+</file>
+
+<file path=ppt/notesSlides/notesSlide6.xml><?xml version="1.0" encoding="utf-8"?>
+<p:notes xmlns:a="http://schemas.openxmlformats.org/drawingml/2006/main" xmlns:r="http://schemas.openxmlformats.org/officeDocument/2006/relationships" xmlns:p="http://schemas.openxmlformats.org/presentationml/2006/main">
+  <p:cSld>
+    <p:spTree>
+      <p:nvGrpSpPr>
+        <p:cNvPr id="1" name=""/>
+        <p:cNvGrpSpPr/>
+        <p:nvPr/>
+      </p:nvGrpSpPr>
+      <p:grpSpPr>
+        <a:xfrm>
+          <a:off x="0" y="0"/>
+          <a:ext cx="0" cy="0"/>
+          <a:chOff x="0" y="0"/>
+          <a:chExt cx="0" cy="0"/>
+        </a:xfrm>
+      </p:grpSpPr>
+      <p:sp>
+        <p:nvSpPr>
+          <p:cNvPr id="2" name="Slide Image Placeholder 1"/>
+          <p:cNvSpPr>
+            <a:spLocks noGrp="1" noRot="1" noChangeAspect="1"/>
+          </p:cNvSpPr>
+          <p:nvPr>
+            <p:ph type="sldImg"/>
+          </p:nvPr>
+        </p:nvSpPr>
+        <p:spPr/>
+      </p:sp>
+      <p:sp>
+        <p:nvSpPr>
+          <p:cNvPr id="3" name="Notes Placeholder 2"/>
+          <p:cNvSpPr>
+            <a:spLocks noGrp="1"/>
+          </p:cNvSpPr>
+          <p:nvPr>
+            <p:ph type="body" idx="1"/>
+          </p:nvPr>
+        </p:nvSpPr>
+        <p:spPr/>
+        <p:txBody>
+          <a:bodyPr/>
+          <a:lstStyle/>
+          <a:p>
+            <a:endParaRPr lang="en-US" dirty="0"/>
+          </a:p>
+        </p:txBody>
+      </p:sp>
+      <p:sp>
+        <p:nvSpPr>
+          <p:cNvPr id="4" name="Slide Number Placeholder 3"/>
+          <p:cNvSpPr>
+            <a:spLocks noGrp="1"/>
+          </p:cNvSpPr>
+          <p:nvPr>
+            <p:ph type="sldNum" sz="quarter" idx="5"/>
+          </p:nvPr>
+        </p:nvSpPr>
+        <p:spPr/>
+        <p:txBody>
+          <a:bodyPr/>
+          <a:lstStyle/>
+          <a:p>
+            <a:fld id="{7889D460-D7B2-43E9-850A-CB3D07019344}" type="slidenum">
+              <a:rPr lang="en-US" smtClean="0"/>
+              <a:t>7</a:t>
             </a:fld>
             <a:endParaRPr lang="en-US"/>
           </a:p>
@@ -1798,7 +1914,7 @@
           <a:p>
             <a:fld id="{DFF4724C-4500-4919-9776-BE89A6686EDF}" type="datetimeFigureOut">
               <a:rPr lang="en-US" smtClean="0"/>
-              <a:t>3/19/2020</a:t>
+              <a:t>3/20/2020</a:t>
             </a:fld>
             <a:endParaRPr lang="en-US"/>
           </a:p>
@@ -2049,7 +2165,7 @@
           <a:p>
             <a:fld id="{DFF4724C-4500-4919-9776-BE89A6686EDF}" type="datetimeFigureOut">
               <a:rPr lang="en-US" smtClean="0"/>
-              <a:t>3/19/2020</a:t>
+              <a:t>3/20/2020</a:t>
             </a:fld>
             <a:endParaRPr lang="en-US"/>
           </a:p>
@@ -2363,7 +2479,7 @@
           <a:p>
             <a:fld id="{DFF4724C-4500-4919-9776-BE89A6686EDF}" type="datetimeFigureOut">
               <a:rPr lang="en-US" smtClean="0"/>
-              <a:t>3/19/2020</a:t>
+              <a:t>3/20/2020</a:t>
             </a:fld>
             <a:endParaRPr lang="en-US"/>
           </a:p>
@@ -2690,7 +2806,7 @@
           <a:p>
             <a:fld id="{DFF4724C-4500-4919-9776-BE89A6686EDF}" type="datetimeFigureOut">
               <a:rPr lang="en-US" smtClean="0"/>
-              <a:t>3/19/2020</a:t>
+              <a:t>3/20/2020</a:t>
             </a:fld>
             <a:endParaRPr lang="en-US"/>
           </a:p>
@@ -3004,7 +3120,7 @@
           <a:p>
             <a:fld id="{DFF4724C-4500-4919-9776-BE89A6686EDF}" type="datetimeFigureOut">
               <a:rPr lang="en-US" smtClean="0"/>
-              <a:t>3/19/2020</a:t>
+              <a:t>3/20/2020</a:t>
             </a:fld>
             <a:endParaRPr lang="en-US"/>
           </a:p>
@@ -3391,7 +3507,7 @@
           <a:p>
             <a:fld id="{DFF4724C-4500-4919-9776-BE89A6686EDF}" type="datetimeFigureOut">
               <a:rPr lang="en-US" smtClean="0"/>
-              <a:t>3/19/2020</a:t>
+              <a:t>3/20/2020</a:t>
             </a:fld>
             <a:endParaRPr lang="en-US"/>
           </a:p>
@@ -3561,7 +3677,7 @@
           <a:p>
             <a:fld id="{DFF4724C-4500-4919-9776-BE89A6686EDF}" type="datetimeFigureOut">
               <a:rPr lang="en-US" smtClean="0"/>
-              <a:t>3/19/2020</a:t>
+              <a:t>3/20/2020</a:t>
             </a:fld>
             <a:endParaRPr lang="en-US"/>
           </a:p>
@@ -3741,7 +3857,7 @@
           <a:p>
             <a:fld id="{DFF4724C-4500-4919-9776-BE89A6686EDF}" type="datetimeFigureOut">
               <a:rPr lang="en-US" smtClean="0"/>
-              <a:t>3/19/2020</a:t>
+              <a:t>3/20/2020</a:t>
             </a:fld>
             <a:endParaRPr lang="en-US"/>
           </a:p>
@@ -3917,7 +4033,7 @@
           <a:p>
             <a:fld id="{DFF4724C-4500-4919-9776-BE89A6686EDF}" type="datetimeFigureOut">
               <a:rPr lang="en-US" smtClean="0"/>
-              <a:t>3/19/2020</a:t>
+              <a:t>3/20/2020</a:t>
             </a:fld>
             <a:endParaRPr lang="en-US"/>
           </a:p>
@@ -4164,7 +4280,7 @@
           <a:p>
             <a:fld id="{DFF4724C-4500-4919-9776-BE89A6686EDF}" type="datetimeFigureOut">
               <a:rPr lang="en-US" smtClean="0"/>
-              <a:t>3/19/2020</a:t>
+              <a:t>3/20/2020</a:t>
             </a:fld>
             <a:endParaRPr lang="en-US"/>
           </a:p>
@@ -4396,7 +4512,7 @@
           <a:p>
             <a:fld id="{DFF4724C-4500-4919-9776-BE89A6686EDF}" type="datetimeFigureOut">
               <a:rPr lang="en-US" smtClean="0"/>
-              <a:t>3/19/2020</a:t>
+              <a:t>3/20/2020</a:t>
             </a:fld>
             <a:endParaRPr lang="en-US"/>
           </a:p>
@@ -4770,7 +4886,7 @@
           <a:p>
             <a:fld id="{DFF4724C-4500-4919-9776-BE89A6686EDF}" type="datetimeFigureOut">
               <a:rPr lang="en-US" smtClean="0"/>
-              <a:t>3/19/2020</a:t>
+              <a:t>3/20/2020</a:t>
             </a:fld>
             <a:endParaRPr lang="en-US"/>
           </a:p>
@@ -4893,7 +5009,7 @@
           <a:p>
             <a:fld id="{DFF4724C-4500-4919-9776-BE89A6686EDF}" type="datetimeFigureOut">
               <a:rPr lang="en-US" smtClean="0"/>
-              <a:t>3/19/2020</a:t>
+              <a:t>3/20/2020</a:t>
             </a:fld>
             <a:endParaRPr lang="en-US"/>
           </a:p>
@@ -4988,7 +5104,7 @@
           <a:p>
             <a:fld id="{DFF4724C-4500-4919-9776-BE89A6686EDF}" type="datetimeFigureOut">
               <a:rPr lang="en-US" smtClean="0"/>
-              <a:t>3/19/2020</a:t>
+              <a:t>3/20/2020</a:t>
             </a:fld>
             <a:endParaRPr lang="en-US"/>
           </a:p>
@@ -5243,7 +5359,7 @@
           <a:p>
             <a:fld id="{DFF4724C-4500-4919-9776-BE89A6686EDF}" type="datetimeFigureOut">
               <a:rPr lang="en-US" smtClean="0"/>
-              <a:t>3/19/2020</a:t>
+              <a:t>3/20/2020</a:t>
             </a:fld>
             <a:endParaRPr lang="en-US"/>
           </a:p>
@@ -5506,7 +5622,7 @@
           <a:p>
             <a:fld id="{DFF4724C-4500-4919-9776-BE89A6686EDF}" type="datetimeFigureOut">
               <a:rPr lang="en-US" smtClean="0"/>
-              <a:t>3/19/2020</a:t>
+              <a:t>3/20/2020</a:t>
             </a:fld>
             <a:endParaRPr lang="en-US"/>
           </a:p>
@@ -6251,7 +6367,7 @@
           <a:p>
             <a:fld id="{DFF4724C-4500-4919-9776-BE89A6686EDF}" type="datetimeFigureOut">
               <a:rPr lang="en-US" smtClean="0"/>
-              <a:t>3/19/2020</a:t>
+              <a:t>3/20/2020</a:t>
             </a:fld>
             <a:endParaRPr lang="en-US"/>
           </a:p>
@@ -9155,20 +9271,15 @@
             </a:r>
             <a:r>
               <a:rPr lang="en-US" dirty="0"/>
-              <a:t> |pandas</a:t>
+              <a:t> | pandas</a:t>
             </a:r>
           </a:p>
           <a:p>
             <a:pPr lvl="1"/>
             <a:r>
               <a:rPr lang="en-US" dirty="0"/>
-              <a:t>Final clean data is exported for team </a:t>
-            </a:r>
-            <a:r>
-              <a:rPr lang="en-US" dirty="0" err="1"/>
-              <a:t>ultilization</a:t>
-            </a:r>
-            <a:endParaRPr lang="en-US" dirty="0"/>
+              <a:t>Final clean data is exported for team utilization</a:t>
+            </a:r>
           </a:p>
           <a:p>
             <a:pPr lvl="1"/>
@@ -9199,6 +9310,62 @@
           </a:p>
         </p:txBody>
       </p:sp>
+      <p:pic>
+        <p:nvPicPr>
+          <p:cNvPr id="4" name="Picture 3">
+            <a:extLst>
+              <a:ext uri="{FF2B5EF4-FFF2-40B4-BE49-F238E27FC236}">
+                <a16:creationId xmlns:a16="http://schemas.microsoft.com/office/drawing/2014/main" id="{27FBF86B-4321-4F7B-BC57-96B70251596F}"/>
+              </a:ext>
+            </a:extLst>
+          </p:cNvPr>
+          <p:cNvPicPr>
+            <a:picLocks noChangeAspect="1"/>
+          </p:cNvPicPr>
+          <p:nvPr/>
+        </p:nvPicPr>
+        <p:blipFill>
+          <a:blip r:embed="rId3"/>
+          <a:stretch>
+            <a:fillRect/>
+          </a:stretch>
+        </p:blipFill>
+        <p:spPr>
+          <a:xfrm>
+            <a:off x="215752" y="5432277"/>
+            <a:ext cx="5880248" cy="1162050"/>
+          </a:xfrm>
+          <a:prstGeom prst="roundRect">
+            <a:avLst>
+              <a:gd name="adj" fmla="val 4167"/>
+            </a:avLst>
+          </a:prstGeom>
+          <a:solidFill>
+            <a:srgbClr val="FFFFFF"/>
+          </a:solidFill>
+          <a:ln w="3175" cap="sq">
+            <a:solidFill>
+              <a:srgbClr val="292929"/>
+            </a:solidFill>
+            <a:miter lim="800000"/>
+          </a:ln>
+          <a:effectLst>
+            <a:reflection blurRad="12700" stA="28000" endPos="28000" dist="5000" dir="5400000" sy="-100000" algn="bl" rotWithShape="0"/>
+          </a:effectLst>
+          <a:scene3d>
+            <a:camera prst="orthographicFront"/>
+            <a:lightRig rig="threePt" dir="t">
+              <a:rot lat="0" lon="0" rev="2700000"/>
+            </a:lightRig>
+          </a:scene3d>
+          <a:sp3d>
+            <a:bevelT h="38100"/>
+            <a:contourClr>
+              <a:srgbClr val="C0C0C0"/>
+            </a:contourClr>
+          </a:sp3d>
+        </p:spPr>
+      </p:pic>
     </p:spTree>
     <p:extLst>
       <p:ext uri="{BB962C8B-B14F-4D97-AF65-F5344CB8AC3E}">
@@ -9677,6 +9844,286 @@
 </file>
 
 <file path=ppt/slides/slide5.xml><?xml version="1.0" encoding="utf-8"?>
+<p:sld xmlns:a="http://schemas.openxmlformats.org/drawingml/2006/main" xmlns:r="http://schemas.openxmlformats.org/officeDocument/2006/relationships" xmlns:p="http://schemas.openxmlformats.org/presentationml/2006/main">
+  <p:cSld>
+    <p:spTree>
+      <p:nvGrpSpPr>
+        <p:cNvPr id="1" name=""/>
+        <p:cNvGrpSpPr/>
+        <p:nvPr/>
+      </p:nvGrpSpPr>
+      <p:grpSpPr>
+        <a:xfrm>
+          <a:off x="0" y="0"/>
+          <a:ext cx="0" cy="0"/>
+          <a:chOff x="0" y="0"/>
+          <a:chExt cx="0" cy="0"/>
+        </a:xfrm>
+      </p:grpSpPr>
+      <p:sp>
+        <p:nvSpPr>
+          <p:cNvPr id="2" name="Title 1">
+            <a:extLst>
+              <a:ext uri="{FF2B5EF4-FFF2-40B4-BE49-F238E27FC236}">
+                <a16:creationId xmlns:a16="http://schemas.microsoft.com/office/drawing/2014/main" id="{498E7BE7-AC7C-6C46-B5DF-C352253290EA}"/>
+              </a:ext>
+            </a:extLst>
+          </p:cNvPr>
+          <p:cNvSpPr>
+            <a:spLocks noGrp="1"/>
+          </p:cNvSpPr>
+          <p:nvPr>
+            <p:ph type="title"/>
+          </p:nvPr>
+        </p:nvSpPr>
+        <p:spPr/>
+        <p:txBody>
+          <a:bodyPr/>
+          <a:lstStyle/>
+          <a:p>
+            <a:r>
+              <a:rPr lang="en-US" dirty="0"/>
+              <a:t>Team Member: OJ</a:t>
+            </a:r>
+          </a:p>
+        </p:txBody>
+      </p:sp>
+      <p:sp>
+        <p:nvSpPr>
+          <p:cNvPr id="3" name="Content Placeholder 2">
+            <a:extLst>
+              <a:ext uri="{FF2B5EF4-FFF2-40B4-BE49-F238E27FC236}">
+                <a16:creationId xmlns:a16="http://schemas.microsoft.com/office/drawing/2014/main" id="{64C16206-387D-674A-AB89-AA8138B31D20}"/>
+              </a:ext>
+            </a:extLst>
+          </p:cNvPr>
+          <p:cNvSpPr>
+            <a:spLocks noGrp="1"/>
+          </p:cNvSpPr>
+          <p:nvPr>
+            <p:ph idx="1"/>
+          </p:nvPr>
+        </p:nvSpPr>
+        <p:spPr/>
+        <p:txBody>
+          <a:bodyPr/>
+          <a:lstStyle/>
+          <a:p>
+            <a:r>
+              <a:rPr lang="en-US" dirty="0"/>
+              <a:t>Describe</a:t>
+            </a:r>
+          </a:p>
+          <a:p>
+            <a:r>
+              <a:rPr lang="en-US" dirty="0"/>
+              <a:t>Why?</a:t>
+            </a:r>
+          </a:p>
+          <a:p>
+            <a:r>
+              <a:rPr lang="en-US" dirty="0"/>
+              <a:t>Analysis</a:t>
+            </a:r>
+          </a:p>
+          <a:p>
+            <a:r>
+              <a:rPr lang="en-US" dirty="0"/>
+              <a:t>Conclusion</a:t>
+            </a:r>
+          </a:p>
+        </p:txBody>
+      </p:sp>
+    </p:spTree>
+    <p:extLst>
+      <p:ext uri="{BB962C8B-B14F-4D97-AF65-F5344CB8AC3E}">
+        <p14:creationId xmlns:p14="http://schemas.microsoft.com/office/powerpoint/2010/main" val="3296628869"/>
+      </p:ext>
+    </p:extLst>
+  </p:cSld>
+  <p:clrMapOvr>
+    <a:masterClrMapping/>
+  </p:clrMapOvr>
+</p:sld>
+</file>
+
+<file path=ppt/slides/slide6.xml><?xml version="1.0" encoding="utf-8"?>
+<p:sld xmlns:a="http://schemas.openxmlformats.org/drawingml/2006/main" xmlns:r="http://schemas.openxmlformats.org/officeDocument/2006/relationships" xmlns:p="http://schemas.openxmlformats.org/presentationml/2006/main">
+  <p:cSld>
+    <p:spTree>
+      <p:nvGrpSpPr>
+        <p:cNvPr id="1" name=""/>
+        <p:cNvGrpSpPr/>
+        <p:nvPr/>
+      </p:nvGrpSpPr>
+      <p:grpSpPr>
+        <a:xfrm>
+          <a:off x="0" y="0"/>
+          <a:ext cx="0" cy="0"/>
+          <a:chOff x="0" y="0"/>
+          <a:chExt cx="0" cy="0"/>
+        </a:xfrm>
+      </p:grpSpPr>
+      <p:sp>
+        <p:nvSpPr>
+          <p:cNvPr id="2" name="Title 1">
+            <a:extLst>
+              <a:ext uri="{FF2B5EF4-FFF2-40B4-BE49-F238E27FC236}">
+                <a16:creationId xmlns:a16="http://schemas.microsoft.com/office/drawing/2014/main" id="{246F6957-5AB9-4754-9CC0-FED055F6F9D6}"/>
+              </a:ext>
+            </a:extLst>
+          </p:cNvPr>
+          <p:cNvSpPr>
+            <a:spLocks noGrp="1"/>
+          </p:cNvSpPr>
+          <p:nvPr>
+            <p:ph type="title"/>
+          </p:nvPr>
+        </p:nvSpPr>
+        <p:spPr/>
+        <p:txBody>
+          <a:bodyPr/>
+          <a:lstStyle/>
+          <a:p>
+            <a:r>
+              <a:rPr lang="en-US" dirty="0"/>
+              <a:t>Team Member: Sarah</a:t>
+            </a:r>
+          </a:p>
+        </p:txBody>
+      </p:sp>
+      <p:sp>
+        <p:nvSpPr>
+          <p:cNvPr id="3" name="Content Placeholder 2">
+            <a:extLst>
+              <a:ext uri="{FF2B5EF4-FFF2-40B4-BE49-F238E27FC236}">
+                <a16:creationId xmlns:a16="http://schemas.microsoft.com/office/drawing/2014/main" id="{ED590991-5F0C-44FB-A457-1D92A6D5EA36}"/>
+              </a:ext>
+            </a:extLst>
+          </p:cNvPr>
+          <p:cNvSpPr>
+            <a:spLocks noGrp="1"/>
+          </p:cNvSpPr>
+          <p:nvPr>
+            <p:ph idx="1"/>
+          </p:nvPr>
+        </p:nvSpPr>
+        <p:spPr/>
+        <p:txBody>
+          <a:bodyPr/>
+          <a:lstStyle/>
+          <a:p>
+            <a:r>
+              <a:rPr lang="en-US" dirty="0"/>
+              <a:t>Describe</a:t>
+            </a:r>
+          </a:p>
+          <a:p>
+            <a:r>
+              <a:rPr lang="en-US" dirty="0"/>
+              <a:t>Why?</a:t>
+            </a:r>
+          </a:p>
+          <a:p>
+            <a:r>
+              <a:rPr lang="en-US" dirty="0"/>
+              <a:t>Analysis</a:t>
+            </a:r>
+          </a:p>
+          <a:p>
+            <a:r>
+              <a:rPr lang="en-US" dirty="0"/>
+              <a:t>Conclusion</a:t>
+            </a:r>
+          </a:p>
+        </p:txBody>
+      </p:sp>
+      <p:pic>
+        <p:nvPicPr>
+          <p:cNvPr id="4" name="Picture 3" descr="A screenshot of a cell phone&#10;&#10;Description automatically generated">
+            <a:extLst>
+              <a:ext uri="{FF2B5EF4-FFF2-40B4-BE49-F238E27FC236}">
+                <a16:creationId xmlns:a16="http://schemas.microsoft.com/office/drawing/2014/main" id="{510DCE79-190C-432D-883F-74E56D307AF9}"/>
+              </a:ext>
+            </a:extLst>
+          </p:cNvPr>
+          <p:cNvPicPr>
+            <a:picLocks noChangeAspect="1"/>
+          </p:cNvPicPr>
+          <p:nvPr/>
+        </p:nvPicPr>
+        <p:blipFill>
+          <a:blip r:embed="rId3">
+            <a:extLst>
+              <a:ext uri="{28A0092B-C50C-407E-A947-70E740481C1C}">
+                <a14:useLocalDpi xmlns:a14="http://schemas.microsoft.com/office/drawing/2010/main" val="0"/>
+              </a:ext>
+            </a:extLst>
+          </a:blip>
+          <a:stretch>
+            <a:fillRect/>
+          </a:stretch>
+        </p:blipFill>
+        <p:spPr>
+          <a:xfrm>
+            <a:off x="5561568" y="3826727"/>
+            <a:ext cx="4847510" cy="2823674"/>
+          </a:xfrm>
+          <a:prstGeom prst="rect">
+            <a:avLst/>
+          </a:prstGeom>
+        </p:spPr>
+      </p:pic>
+      <p:pic>
+        <p:nvPicPr>
+          <p:cNvPr id="5" name="Picture 4" descr="A screenshot of a cell phone&#10;&#10;Description automatically generated">
+            <a:extLst>
+              <a:ext uri="{FF2B5EF4-FFF2-40B4-BE49-F238E27FC236}">
+                <a16:creationId xmlns:a16="http://schemas.microsoft.com/office/drawing/2014/main" id="{2ABAAAD5-8B19-4F3F-81E9-CF987B0A9094}"/>
+              </a:ext>
+            </a:extLst>
+          </p:cNvPr>
+          <p:cNvPicPr>
+            <a:picLocks noChangeAspect="1"/>
+          </p:cNvPicPr>
+          <p:nvPr/>
+        </p:nvPicPr>
+        <p:blipFill>
+          <a:blip r:embed="rId4">
+            <a:extLst>
+              <a:ext uri="{28A0092B-C50C-407E-A947-70E740481C1C}">
+                <a14:useLocalDpi xmlns:a14="http://schemas.microsoft.com/office/drawing/2010/main" val="0"/>
+              </a:ext>
+            </a:extLst>
+          </a:blip>
+          <a:stretch>
+            <a:fillRect/>
+          </a:stretch>
+        </p:blipFill>
+        <p:spPr>
+          <a:xfrm>
+            <a:off x="5561568" y="388205"/>
+            <a:ext cx="4847510" cy="3308425"/>
+          </a:xfrm>
+          <a:prstGeom prst="rect">
+            <a:avLst/>
+          </a:prstGeom>
+        </p:spPr>
+      </p:pic>
+    </p:spTree>
+    <p:extLst>
+      <p:ext uri="{BB962C8B-B14F-4D97-AF65-F5344CB8AC3E}">
+        <p14:creationId xmlns:p14="http://schemas.microsoft.com/office/powerpoint/2010/main" val="130840670"/>
+      </p:ext>
+    </p:extLst>
+  </p:cSld>
+  <p:clrMapOvr>
+    <a:masterClrMapping/>
+  </p:clrMapOvr>
+</p:sld>
+</file>
+
+<file path=ppt/slides/slide7.xml><?xml version="1.0" encoding="utf-8"?>
 <p:sld xmlns:a="http://schemas.openxmlformats.org/drawingml/2006/main" xmlns:r="http://schemas.openxmlformats.org/officeDocument/2006/relationships" xmlns:p="http://schemas.openxmlformats.org/presentationml/2006/main">
   <p:cSld>
     <p:spTree>

--- a/Team_4_Proj_1.pptx
+++ b/Team_4_Proj_1.pptx
@@ -5,16 +5,18 @@
     <p:sldMasterId id="2147483677" r:id="rId1"/>
   </p:sldMasterIdLst>
   <p:notesMasterIdLst>
-    <p:notesMasterId r:id="rId9"/>
+    <p:notesMasterId r:id="rId11"/>
   </p:notesMasterIdLst>
   <p:sldIdLst>
     <p:sldId id="256" r:id="rId2"/>
     <p:sldId id="257" r:id="rId3"/>
     <p:sldId id="258" r:id="rId4"/>
     <p:sldId id="259" r:id="rId5"/>
-    <p:sldId id="261" r:id="rId6"/>
-    <p:sldId id="263" r:id="rId7"/>
-    <p:sldId id="260" r:id="rId8"/>
+    <p:sldId id="263" r:id="rId6"/>
+    <p:sldId id="261" r:id="rId7"/>
+    <p:sldId id="264" r:id="rId8"/>
+    <p:sldId id="265" r:id="rId9"/>
+    <p:sldId id="260" r:id="rId10"/>
   </p:sldIdLst>
   <p:sldSz cx="12192000" cy="6858000"/>
   <p:notesSz cx="6858000" cy="9144000"/>
@@ -1087,7 +1089,7 @@
           <a:p>
             <a:fld id="{7889D460-D7B2-43E9-850A-CB3D07019344}" type="slidenum">
               <a:rPr lang="en-US" smtClean="0"/>
-              <a:t>6</a:t>
+              <a:t>5</a:t>
             </a:fld>
             <a:endParaRPr lang="en-US"/>
           </a:p>
@@ -1171,7 +1173,7 @@
           <a:p>
             <a:fld id="{7889D460-D7B2-43E9-850A-CB3D07019344}" type="slidenum">
               <a:rPr lang="en-US" smtClean="0"/>
-              <a:t>7</a:t>
+              <a:t>9</a:t>
             </a:fld>
             <a:endParaRPr lang="en-US"/>
           </a:p>
@@ -9332,8 +9334,64 @@
         </p:blipFill>
         <p:spPr>
           <a:xfrm>
-            <a:off x="215752" y="5432277"/>
+            <a:off x="121832" y="5424969"/>
             <a:ext cx="5880248" cy="1162050"/>
+          </a:xfrm>
+          <a:prstGeom prst="roundRect">
+            <a:avLst>
+              <a:gd name="adj" fmla="val 4167"/>
+            </a:avLst>
+          </a:prstGeom>
+          <a:solidFill>
+            <a:srgbClr val="FFFFFF"/>
+          </a:solidFill>
+          <a:ln w="3175" cap="sq">
+            <a:solidFill>
+              <a:srgbClr val="292929"/>
+            </a:solidFill>
+            <a:miter lim="800000"/>
+          </a:ln>
+          <a:effectLst>
+            <a:reflection blurRad="12700" stA="28000" endPos="28000" dist="5000" dir="5400000" sy="-100000" algn="bl" rotWithShape="0"/>
+          </a:effectLst>
+          <a:scene3d>
+            <a:camera prst="orthographicFront"/>
+            <a:lightRig rig="threePt" dir="t">
+              <a:rot lat="0" lon="0" rev="2700000"/>
+            </a:lightRig>
+          </a:scene3d>
+          <a:sp3d>
+            <a:bevelT h="38100"/>
+            <a:contourClr>
+              <a:srgbClr val="C0C0C0"/>
+            </a:contourClr>
+          </a:sp3d>
+        </p:spPr>
+      </p:pic>
+      <p:pic>
+        <p:nvPicPr>
+          <p:cNvPr id="5" name="Picture 4">
+            <a:extLst>
+              <a:ext uri="{FF2B5EF4-FFF2-40B4-BE49-F238E27FC236}">
+                <a16:creationId xmlns:a16="http://schemas.microsoft.com/office/drawing/2014/main" id="{E27B6410-B9F3-4680-89F7-CC3CEAAA11B5}"/>
+              </a:ext>
+            </a:extLst>
+          </p:cNvPr>
+          <p:cNvPicPr>
+            <a:picLocks noChangeAspect="1"/>
+          </p:cNvPicPr>
+          <p:nvPr/>
+        </p:nvPicPr>
+        <p:blipFill>
+          <a:blip r:embed="rId4"/>
+          <a:stretch>
+            <a:fillRect/>
+          </a:stretch>
+        </p:blipFill>
+        <p:spPr>
+          <a:xfrm>
+            <a:off x="6189921" y="5424969"/>
+            <a:ext cx="5905500" cy="1162050"/>
           </a:xfrm>
           <a:prstGeom prst="roundRect">
             <a:avLst>
@@ -9865,110 +9923,6 @@
           <p:cNvPr id="2" name="Title 1">
             <a:extLst>
               <a:ext uri="{FF2B5EF4-FFF2-40B4-BE49-F238E27FC236}">
-                <a16:creationId xmlns:a16="http://schemas.microsoft.com/office/drawing/2014/main" id="{498E7BE7-AC7C-6C46-B5DF-C352253290EA}"/>
-              </a:ext>
-            </a:extLst>
-          </p:cNvPr>
-          <p:cNvSpPr>
-            <a:spLocks noGrp="1"/>
-          </p:cNvSpPr>
-          <p:nvPr>
-            <p:ph type="title"/>
-          </p:nvPr>
-        </p:nvSpPr>
-        <p:spPr/>
-        <p:txBody>
-          <a:bodyPr/>
-          <a:lstStyle/>
-          <a:p>
-            <a:r>
-              <a:rPr lang="en-US" dirty="0"/>
-              <a:t>Team Member: OJ</a:t>
-            </a:r>
-          </a:p>
-        </p:txBody>
-      </p:sp>
-      <p:sp>
-        <p:nvSpPr>
-          <p:cNvPr id="3" name="Content Placeholder 2">
-            <a:extLst>
-              <a:ext uri="{FF2B5EF4-FFF2-40B4-BE49-F238E27FC236}">
-                <a16:creationId xmlns:a16="http://schemas.microsoft.com/office/drawing/2014/main" id="{64C16206-387D-674A-AB89-AA8138B31D20}"/>
-              </a:ext>
-            </a:extLst>
-          </p:cNvPr>
-          <p:cNvSpPr>
-            <a:spLocks noGrp="1"/>
-          </p:cNvSpPr>
-          <p:nvPr>
-            <p:ph idx="1"/>
-          </p:nvPr>
-        </p:nvSpPr>
-        <p:spPr/>
-        <p:txBody>
-          <a:bodyPr/>
-          <a:lstStyle/>
-          <a:p>
-            <a:r>
-              <a:rPr lang="en-US" dirty="0"/>
-              <a:t>Describe</a:t>
-            </a:r>
-          </a:p>
-          <a:p>
-            <a:r>
-              <a:rPr lang="en-US" dirty="0"/>
-              <a:t>Why?</a:t>
-            </a:r>
-          </a:p>
-          <a:p>
-            <a:r>
-              <a:rPr lang="en-US" dirty="0"/>
-              <a:t>Analysis</a:t>
-            </a:r>
-          </a:p>
-          <a:p>
-            <a:r>
-              <a:rPr lang="en-US" dirty="0"/>
-              <a:t>Conclusion</a:t>
-            </a:r>
-          </a:p>
-        </p:txBody>
-      </p:sp>
-    </p:spTree>
-    <p:extLst>
-      <p:ext uri="{BB962C8B-B14F-4D97-AF65-F5344CB8AC3E}">
-        <p14:creationId xmlns:p14="http://schemas.microsoft.com/office/powerpoint/2010/main" val="3296628869"/>
-      </p:ext>
-    </p:extLst>
-  </p:cSld>
-  <p:clrMapOvr>
-    <a:masterClrMapping/>
-  </p:clrMapOvr>
-</p:sld>
-</file>
-
-<file path=ppt/slides/slide6.xml><?xml version="1.0" encoding="utf-8"?>
-<p:sld xmlns:a="http://schemas.openxmlformats.org/drawingml/2006/main" xmlns:r="http://schemas.openxmlformats.org/officeDocument/2006/relationships" xmlns:p="http://schemas.openxmlformats.org/presentationml/2006/main">
-  <p:cSld>
-    <p:spTree>
-      <p:nvGrpSpPr>
-        <p:cNvPr id="1" name=""/>
-        <p:cNvGrpSpPr/>
-        <p:nvPr/>
-      </p:nvGrpSpPr>
-      <p:grpSpPr>
-        <a:xfrm>
-          <a:off x="0" y="0"/>
-          <a:ext cx="0" cy="0"/>
-          <a:chOff x="0" y="0"/>
-          <a:chExt cx="0" cy="0"/>
-        </a:xfrm>
-      </p:grpSpPr>
-      <p:sp>
-        <p:nvSpPr>
-          <p:cNvPr id="2" name="Title 1">
-            <a:extLst>
-              <a:ext uri="{FF2B5EF4-FFF2-40B4-BE49-F238E27FC236}">
                 <a16:creationId xmlns:a16="http://schemas.microsoft.com/office/drawing/2014/main" id="{246F6957-5AB9-4754-9CC0-FED055F6F9D6}"/>
               </a:ext>
             </a:extLst>
@@ -10123,7 +10077,277 @@
 </p:sld>
 </file>
 
+<file path=ppt/slides/slide6.xml><?xml version="1.0" encoding="utf-8"?>
+<p:sld xmlns:a="http://schemas.openxmlformats.org/drawingml/2006/main" xmlns:r="http://schemas.openxmlformats.org/officeDocument/2006/relationships" xmlns:p="http://schemas.openxmlformats.org/presentationml/2006/main">
+  <p:cSld>
+    <p:spTree>
+      <p:nvGrpSpPr>
+        <p:cNvPr id="1" name=""/>
+        <p:cNvGrpSpPr/>
+        <p:nvPr/>
+      </p:nvGrpSpPr>
+      <p:grpSpPr>
+        <a:xfrm>
+          <a:off x="0" y="0"/>
+          <a:ext cx="0" cy="0"/>
+          <a:chOff x="0" y="0"/>
+          <a:chExt cx="0" cy="0"/>
+        </a:xfrm>
+      </p:grpSpPr>
+      <p:sp>
+        <p:nvSpPr>
+          <p:cNvPr id="2" name="Title 1">
+            <a:extLst>
+              <a:ext uri="{FF2B5EF4-FFF2-40B4-BE49-F238E27FC236}">
+                <a16:creationId xmlns:a16="http://schemas.microsoft.com/office/drawing/2014/main" id="{498E7BE7-AC7C-6C46-B5DF-C352253290EA}"/>
+              </a:ext>
+            </a:extLst>
+          </p:cNvPr>
+          <p:cNvSpPr>
+            <a:spLocks noGrp="1"/>
+          </p:cNvSpPr>
+          <p:nvPr>
+            <p:ph type="title"/>
+          </p:nvPr>
+        </p:nvSpPr>
+        <p:spPr/>
+        <p:txBody>
+          <a:bodyPr/>
+          <a:lstStyle/>
+          <a:p>
+            <a:r>
+              <a:rPr lang="en-US" dirty="0"/>
+              <a:t>Team Member: OJ</a:t>
+            </a:r>
+          </a:p>
+        </p:txBody>
+      </p:sp>
+      <p:sp>
+        <p:nvSpPr>
+          <p:cNvPr id="3" name="Content Placeholder 2">
+            <a:extLst>
+              <a:ext uri="{FF2B5EF4-FFF2-40B4-BE49-F238E27FC236}">
+                <a16:creationId xmlns:a16="http://schemas.microsoft.com/office/drawing/2014/main" id="{64C16206-387D-674A-AB89-AA8138B31D20}"/>
+              </a:ext>
+            </a:extLst>
+          </p:cNvPr>
+          <p:cNvSpPr>
+            <a:spLocks noGrp="1"/>
+          </p:cNvSpPr>
+          <p:nvPr>
+            <p:ph idx="1"/>
+          </p:nvPr>
+        </p:nvSpPr>
+        <p:spPr/>
+        <p:txBody>
+          <a:bodyPr/>
+          <a:lstStyle/>
+          <a:p>
+            <a:r>
+              <a:rPr lang="en-US" dirty="0"/>
+              <a:t>Describe</a:t>
+            </a:r>
+          </a:p>
+          <a:p>
+            <a:r>
+              <a:rPr lang="en-US" dirty="0"/>
+              <a:t>Why?</a:t>
+            </a:r>
+          </a:p>
+          <a:p>
+            <a:r>
+              <a:rPr lang="en-US" dirty="0"/>
+              <a:t>Analysis</a:t>
+            </a:r>
+          </a:p>
+          <a:p>
+            <a:r>
+              <a:rPr lang="en-US" dirty="0"/>
+              <a:t>Conclusion</a:t>
+            </a:r>
+          </a:p>
+        </p:txBody>
+      </p:sp>
+    </p:spTree>
+    <p:extLst>
+      <p:ext uri="{BB962C8B-B14F-4D97-AF65-F5344CB8AC3E}">
+        <p14:creationId xmlns:p14="http://schemas.microsoft.com/office/powerpoint/2010/main" val="3296628869"/>
+      </p:ext>
+    </p:extLst>
+  </p:cSld>
+  <p:clrMapOvr>
+    <a:masterClrMapping/>
+  </p:clrMapOvr>
+</p:sld>
+</file>
+
 <file path=ppt/slides/slide7.xml><?xml version="1.0" encoding="utf-8"?>
+<p:sld xmlns:a="http://schemas.openxmlformats.org/drawingml/2006/main" xmlns:r="http://schemas.openxmlformats.org/officeDocument/2006/relationships" xmlns:p="http://schemas.openxmlformats.org/presentationml/2006/main">
+  <p:cSld>
+    <p:spTree>
+      <p:nvGrpSpPr>
+        <p:cNvPr id="1" name=""/>
+        <p:cNvGrpSpPr/>
+        <p:nvPr/>
+      </p:nvGrpSpPr>
+      <p:grpSpPr>
+        <a:xfrm>
+          <a:off x="0" y="0"/>
+          <a:ext cx="0" cy="0"/>
+          <a:chOff x="0" y="0"/>
+          <a:chExt cx="0" cy="0"/>
+        </a:xfrm>
+      </p:grpSpPr>
+      <p:sp>
+        <p:nvSpPr>
+          <p:cNvPr id="2" name="Title 1">
+            <a:extLst>
+              <a:ext uri="{FF2B5EF4-FFF2-40B4-BE49-F238E27FC236}">
+                <a16:creationId xmlns:a16="http://schemas.microsoft.com/office/drawing/2014/main" id="{9D4A42E2-D841-45F0-986F-0763617962AE}"/>
+              </a:ext>
+            </a:extLst>
+          </p:cNvPr>
+          <p:cNvSpPr>
+            <a:spLocks noGrp="1"/>
+          </p:cNvSpPr>
+          <p:nvPr>
+            <p:ph type="title"/>
+          </p:nvPr>
+        </p:nvSpPr>
+        <p:spPr/>
+        <p:txBody>
+          <a:bodyPr/>
+          <a:lstStyle/>
+          <a:p>
+            <a:r>
+              <a:rPr lang="en-US" dirty="0"/>
+              <a:t>Team Member: Henry</a:t>
+            </a:r>
+          </a:p>
+        </p:txBody>
+      </p:sp>
+      <p:sp>
+        <p:nvSpPr>
+          <p:cNvPr id="3" name="Content Placeholder 2">
+            <a:extLst>
+              <a:ext uri="{FF2B5EF4-FFF2-40B4-BE49-F238E27FC236}">
+                <a16:creationId xmlns:a16="http://schemas.microsoft.com/office/drawing/2014/main" id="{A3C5E0A1-4BBB-4FD4-8765-9C1869690B8B}"/>
+              </a:ext>
+            </a:extLst>
+          </p:cNvPr>
+          <p:cNvSpPr>
+            <a:spLocks noGrp="1"/>
+          </p:cNvSpPr>
+          <p:nvPr>
+            <p:ph idx="1"/>
+          </p:nvPr>
+        </p:nvSpPr>
+        <p:spPr/>
+        <p:txBody>
+          <a:bodyPr/>
+          <a:lstStyle/>
+          <a:p>
+            <a:endParaRPr lang="en-US"/>
+          </a:p>
+        </p:txBody>
+      </p:sp>
+    </p:spTree>
+    <p:extLst>
+      <p:ext uri="{BB962C8B-B14F-4D97-AF65-F5344CB8AC3E}">
+        <p14:creationId xmlns:p14="http://schemas.microsoft.com/office/powerpoint/2010/main" val="2772068299"/>
+      </p:ext>
+    </p:extLst>
+  </p:cSld>
+  <p:clrMapOvr>
+    <a:masterClrMapping/>
+  </p:clrMapOvr>
+</p:sld>
+</file>
+
+<file path=ppt/slides/slide8.xml><?xml version="1.0" encoding="utf-8"?>
+<p:sld xmlns:a="http://schemas.openxmlformats.org/drawingml/2006/main" xmlns:r="http://schemas.openxmlformats.org/officeDocument/2006/relationships" xmlns:p="http://schemas.openxmlformats.org/presentationml/2006/main">
+  <p:cSld>
+    <p:spTree>
+      <p:nvGrpSpPr>
+        <p:cNvPr id="1" name=""/>
+        <p:cNvGrpSpPr/>
+        <p:nvPr/>
+      </p:nvGrpSpPr>
+      <p:grpSpPr>
+        <a:xfrm>
+          <a:off x="0" y="0"/>
+          <a:ext cx="0" cy="0"/>
+          <a:chOff x="0" y="0"/>
+          <a:chExt cx="0" cy="0"/>
+        </a:xfrm>
+      </p:grpSpPr>
+      <p:sp>
+        <p:nvSpPr>
+          <p:cNvPr id="2" name="Title 1">
+            <a:extLst>
+              <a:ext uri="{FF2B5EF4-FFF2-40B4-BE49-F238E27FC236}">
+                <a16:creationId xmlns:a16="http://schemas.microsoft.com/office/drawing/2014/main" id="{E0ED6F48-913C-4AA6-9222-1B06FBF5522E}"/>
+              </a:ext>
+            </a:extLst>
+          </p:cNvPr>
+          <p:cNvSpPr>
+            <a:spLocks noGrp="1"/>
+          </p:cNvSpPr>
+          <p:nvPr>
+            <p:ph type="title"/>
+          </p:nvPr>
+        </p:nvSpPr>
+        <p:spPr/>
+        <p:txBody>
+          <a:bodyPr/>
+          <a:lstStyle/>
+          <a:p>
+            <a:r>
+              <a:rPr lang="en-US" dirty="0"/>
+              <a:t>Summary</a:t>
+            </a:r>
+          </a:p>
+        </p:txBody>
+      </p:sp>
+      <p:sp>
+        <p:nvSpPr>
+          <p:cNvPr id="3" name="Content Placeholder 2">
+            <a:extLst>
+              <a:ext uri="{FF2B5EF4-FFF2-40B4-BE49-F238E27FC236}">
+                <a16:creationId xmlns:a16="http://schemas.microsoft.com/office/drawing/2014/main" id="{85FA2E1C-6C56-4F26-81A7-BFB8B0A86245}"/>
+              </a:ext>
+            </a:extLst>
+          </p:cNvPr>
+          <p:cNvSpPr>
+            <a:spLocks noGrp="1"/>
+          </p:cNvSpPr>
+          <p:nvPr>
+            <p:ph idx="1"/>
+          </p:nvPr>
+        </p:nvSpPr>
+        <p:spPr/>
+        <p:txBody>
+          <a:bodyPr/>
+          <a:lstStyle/>
+          <a:p>
+            <a:endParaRPr lang="en-US" dirty="0"/>
+          </a:p>
+        </p:txBody>
+      </p:sp>
+    </p:spTree>
+    <p:extLst>
+      <p:ext uri="{BB962C8B-B14F-4D97-AF65-F5344CB8AC3E}">
+        <p14:creationId xmlns:p14="http://schemas.microsoft.com/office/powerpoint/2010/main" val="1484925481"/>
+      </p:ext>
+    </p:extLst>
+  </p:cSld>
+  <p:clrMapOvr>
+    <a:masterClrMapping/>
+  </p:clrMapOvr>
+</p:sld>
+</file>
+
+<file path=ppt/slides/slide9.xml><?xml version="1.0" encoding="utf-8"?>
 <p:sld xmlns:a="http://schemas.openxmlformats.org/drawingml/2006/main" xmlns:r="http://schemas.openxmlformats.org/officeDocument/2006/relationships" xmlns:p="http://schemas.openxmlformats.org/presentationml/2006/main">
   <p:cSld>
     <p:spTree>

--- a/Team_4_Proj_1.pptx
+++ b/Team_4_Proj_1.pptx
@@ -5,7 +5,7 @@
     <p:sldMasterId id="2147483677" r:id="rId1"/>
   </p:sldMasterIdLst>
   <p:notesMasterIdLst>
-    <p:notesMasterId r:id="rId11"/>
+    <p:notesMasterId r:id="rId15"/>
   </p:notesMasterIdLst>
   <p:sldIdLst>
     <p:sldId id="256" r:id="rId2"/>
@@ -13,10 +13,14 @@
     <p:sldId id="258" r:id="rId4"/>
     <p:sldId id="259" r:id="rId5"/>
     <p:sldId id="263" r:id="rId6"/>
-    <p:sldId id="261" r:id="rId7"/>
-    <p:sldId id="264" r:id="rId8"/>
-    <p:sldId id="265" r:id="rId9"/>
-    <p:sldId id="260" r:id="rId10"/>
+    <p:sldId id="267" r:id="rId7"/>
+    <p:sldId id="261" r:id="rId8"/>
+    <p:sldId id="266" r:id="rId9"/>
+    <p:sldId id="269" r:id="rId10"/>
+    <p:sldId id="268" r:id="rId11"/>
+    <p:sldId id="265" r:id="rId12"/>
+    <p:sldId id="270" r:id="rId13"/>
+    <p:sldId id="260" r:id="rId14"/>
   </p:sldIdLst>
   <p:sldSz cx="12192000" cy="6858000"/>
   <p:notesSz cx="6858000" cy="9144000"/>
@@ -516,7 +520,10 @@
           <a:bodyPr/>
           <a:lstStyle/>
           <a:p>
-            <a:endParaRPr lang="en-US" dirty="0"/>
+            <a:r>
+              <a:rPr lang="en-US" dirty="0"/>
+              <a:t>Probably you all remember hurricane Harvey that destroyed Houston not long ago. To some family, this event forever changed their lives. This picture is captured from ISS of Harvey. The topic we would like to talk about today is Global Warming which lots of people believe is the main cause of many devastating/ catastrophic events. </a:t>
+            </a:r>
           </a:p>
         </p:txBody>
       </p:sp>
@@ -547,6 +554,90 @@
     <p:extLst>
       <p:ext uri="{BB962C8B-B14F-4D97-AF65-F5344CB8AC3E}">
         <p14:creationId xmlns:p14="http://schemas.microsoft.com/office/powerpoint/2010/main" val="1562627301"/>
+      </p:ext>
+    </p:extLst>
+  </p:cSld>
+  <p:clrMapOvr>
+    <a:masterClrMapping/>
+  </p:clrMapOvr>
+</p:notes>
+</file>
+
+<file path=ppt/notesSlides/notesSlide10.xml><?xml version="1.0" encoding="utf-8"?>
+<p:notes xmlns:a="http://schemas.openxmlformats.org/drawingml/2006/main" xmlns:r="http://schemas.openxmlformats.org/officeDocument/2006/relationships" xmlns:p="http://schemas.openxmlformats.org/presentationml/2006/main">
+  <p:cSld>
+    <p:spTree>
+      <p:nvGrpSpPr>
+        <p:cNvPr id="1" name=""/>
+        <p:cNvGrpSpPr/>
+        <p:nvPr/>
+      </p:nvGrpSpPr>
+      <p:grpSpPr>
+        <a:xfrm>
+          <a:off x="0" y="0"/>
+          <a:ext cx="0" cy="0"/>
+          <a:chOff x="0" y="0"/>
+          <a:chExt cx="0" cy="0"/>
+        </a:xfrm>
+      </p:grpSpPr>
+      <p:sp>
+        <p:nvSpPr>
+          <p:cNvPr id="2" name="Slide Image Placeholder 1"/>
+          <p:cNvSpPr>
+            <a:spLocks noGrp="1" noRot="1" noChangeAspect="1"/>
+          </p:cNvSpPr>
+          <p:nvPr>
+            <p:ph type="sldImg"/>
+          </p:nvPr>
+        </p:nvSpPr>
+        <p:spPr/>
+      </p:sp>
+      <p:sp>
+        <p:nvSpPr>
+          <p:cNvPr id="3" name="Notes Placeholder 2"/>
+          <p:cNvSpPr>
+            <a:spLocks noGrp="1"/>
+          </p:cNvSpPr>
+          <p:nvPr>
+            <p:ph type="body" idx="1"/>
+          </p:nvPr>
+        </p:nvSpPr>
+        <p:spPr/>
+        <p:txBody>
+          <a:bodyPr/>
+          <a:lstStyle/>
+          <a:p>
+            <a:endParaRPr lang="en-US" dirty="0"/>
+          </a:p>
+        </p:txBody>
+      </p:sp>
+      <p:sp>
+        <p:nvSpPr>
+          <p:cNvPr id="4" name="Slide Number Placeholder 3"/>
+          <p:cNvSpPr>
+            <a:spLocks noGrp="1"/>
+          </p:cNvSpPr>
+          <p:nvPr>
+            <p:ph type="sldNum" sz="quarter" idx="5"/>
+          </p:nvPr>
+        </p:nvSpPr>
+        <p:spPr/>
+        <p:txBody>
+          <a:bodyPr/>
+          <a:lstStyle/>
+          <a:p>
+            <a:fld id="{7889D460-D7B2-43E9-850A-CB3D07019344}" type="slidenum">
+              <a:rPr lang="en-US" smtClean="0"/>
+              <a:t>13</a:t>
+            </a:fld>
+            <a:endParaRPr lang="en-US"/>
+          </a:p>
+        </p:txBody>
+      </p:sp>
+    </p:spTree>
+    <p:extLst>
+      <p:ext uri="{BB962C8B-B14F-4D97-AF65-F5344CB8AC3E}">
+        <p14:creationId xmlns:p14="http://schemas.microsoft.com/office/powerpoint/2010/main" val="1363669969"/>
       </p:ext>
     </p:extLst>
   </p:cSld>
@@ -717,110 +808,6 @@
           <a:bodyPr/>
           <a:lstStyle/>
           <a:p>
-            <a:r>
-              <a:rPr lang="en-US" dirty="0"/>
-              <a:t>Hypothesis: Is it true that hurricane is stronger and more intense and increasing in frequency?</a:t>
-            </a:r>
-          </a:p>
-          <a:p>
-            <a:pPr marL="228600" indent="-228600">
-              <a:buAutoNum type="arabicPeriod"/>
-            </a:pPr>
-            <a:r>
-              <a:rPr lang="en-US" dirty="0"/>
-              <a:t>What is the trend of number of hurricanes in the past 25-50 years, or may be more?</a:t>
-            </a:r>
-          </a:p>
-          <a:p>
-            <a:pPr marL="228600" marR="0" lvl="0" indent="-228600" algn="l" defTabSz="914400" rtl="0" eaLnBrk="1" fontAlgn="auto" latinLnBrk="0" hangingPunct="1">
-              <a:lnSpc>
-                <a:spcPct val="100000"/>
-              </a:lnSpc>
-              <a:spcBef>
-                <a:spcPts val="0"/>
-              </a:spcBef>
-              <a:spcAft>
-                <a:spcPts val="0"/>
-              </a:spcAft>
-              <a:buClrTx/>
-              <a:buSzTx/>
-              <a:buFontTx/>
-              <a:buAutoNum type="arabicPeriod"/>
-              <a:tabLst/>
-              <a:defRPr/>
-            </a:pPr>
-            <a:r>
-              <a:rPr lang="en-US" dirty="0"/>
-              <a:t>How often do we see catastrophic hurricane (Cat 3, 4, 5 )?</a:t>
-            </a:r>
-          </a:p>
-          <a:p>
-            <a:pPr marL="228600" marR="0" lvl="0" indent="-228600" algn="l" defTabSz="914400" rtl="0" eaLnBrk="1" fontAlgn="auto" latinLnBrk="0" hangingPunct="1">
-              <a:lnSpc>
-                <a:spcPct val="100000"/>
-              </a:lnSpc>
-              <a:spcBef>
-                <a:spcPts val="0"/>
-              </a:spcBef>
-              <a:spcAft>
-                <a:spcPts val="0"/>
-              </a:spcAft>
-              <a:buClrTx/>
-              <a:buSzTx/>
-              <a:buFontTx/>
-              <a:buAutoNum type="arabicPeriod"/>
-              <a:tabLst/>
-              <a:defRPr/>
-            </a:pPr>
-            <a:r>
-              <a:rPr lang="en-US" dirty="0"/>
-              <a:t>Are all tropical storms become hurricanes? </a:t>
-            </a:r>
-          </a:p>
-          <a:p>
-            <a:pPr marL="228600" marR="0" lvl="0" indent="-228600" algn="l" defTabSz="914400" rtl="0" eaLnBrk="1" fontAlgn="auto" latinLnBrk="0" hangingPunct="1">
-              <a:lnSpc>
-                <a:spcPct val="100000"/>
-              </a:lnSpc>
-              <a:spcBef>
-                <a:spcPts val="0"/>
-              </a:spcBef>
-              <a:spcAft>
-                <a:spcPts val="0"/>
-              </a:spcAft>
-              <a:buClrTx/>
-              <a:buSzTx/>
-              <a:buFontTx/>
-              <a:buAutoNum type="arabicPeriod"/>
-              <a:tabLst/>
-              <a:defRPr/>
-            </a:pPr>
-            <a:r>
-              <a:rPr lang="en-US" dirty="0"/>
-              <a:t>Where are all the hurricanes on the map? Any trend of a certain concentrated region?</a:t>
-            </a:r>
-          </a:p>
-          <a:p>
-            <a:pPr marL="228600" marR="0" lvl="0" indent="-228600" algn="l" defTabSz="914400" rtl="0" eaLnBrk="1" fontAlgn="auto" latinLnBrk="0" hangingPunct="1">
-              <a:lnSpc>
-                <a:spcPct val="100000"/>
-              </a:lnSpc>
-              <a:spcBef>
-                <a:spcPts val="0"/>
-              </a:spcBef>
-              <a:spcAft>
-                <a:spcPts val="0"/>
-              </a:spcAft>
-              <a:buClrTx/>
-              <a:buSzTx/>
-              <a:buFontTx/>
-              <a:buAutoNum type="arabicPeriod"/>
-              <a:tabLst/>
-              <a:defRPr/>
-            </a:pPr>
-            <a:endParaRPr lang="en-US" dirty="0"/>
-          </a:p>
-          <a:p>
             <a:pPr marL="0" marR="0" lvl="0" indent="0" algn="l" defTabSz="914400" rtl="0" eaLnBrk="1" fontAlgn="auto" latinLnBrk="0" hangingPunct="1">
               <a:lnSpc>
                 <a:spcPct val="100000"/>
@@ -840,8 +827,51 @@
             </a:pPr>
             <a:r>
               <a:rPr lang="en-US" dirty="0"/>
+              <a:t>Hypothesis: Is it true that hurricane is stronger, more intense and increasing in frequency?</a:t>
+            </a:r>
+          </a:p>
+          <a:p>
+            <a:pPr marL="0" marR="0" lvl="0" indent="0" algn="l" defTabSz="914400" rtl="0" eaLnBrk="1" fontAlgn="auto" latinLnBrk="0" hangingPunct="1">
+              <a:lnSpc>
+                <a:spcPct val="100000"/>
+              </a:lnSpc>
+              <a:spcBef>
+                <a:spcPts val="0"/>
+              </a:spcBef>
+              <a:spcAft>
+                <a:spcPts val="0"/>
+              </a:spcAft>
+              <a:buClrTx/>
+              <a:buSzTx/>
+              <a:buFontTx/>
+              <a:buNone/>
+              <a:tabLst/>
+              <a:defRPr/>
+            </a:pPr>
+            <a:r>
+              <a:rPr lang="en-US" dirty="0"/>
               <a:t>To validate by data and hard evidence the claim from NASA about hurricane</a:t>
             </a:r>
+          </a:p>
+          <a:p>
+            <a:pPr marL="0" marR="0" lvl="0" indent="0" algn="l" defTabSz="914400" rtl="0" eaLnBrk="1" fontAlgn="auto" latinLnBrk="0" hangingPunct="1">
+              <a:lnSpc>
+                <a:spcPct val="100000"/>
+              </a:lnSpc>
+              <a:spcBef>
+                <a:spcPts val="0"/>
+              </a:spcBef>
+              <a:spcAft>
+                <a:spcPts val="0"/>
+              </a:spcAft>
+              <a:buClrTx/>
+              <a:buSzTx/>
+              <a:buFontTx/>
+              <a:buNone/>
+              <a:tabLst/>
+              <a:defRPr/>
+            </a:pPr>
+            <a:endParaRPr lang="en-US" dirty="0"/>
           </a:p>
           <a:p>
             <a:pPr marL="0" indent="0">
@@ -1064,7 +1094,7 @@
           <a:p>
             <a:r>
               <a:rPr lang="en-US" dirty="0"/>
-              <a:t>Why month was hurricanes occurring the most? September. Limitation:  Although it was September what would be the pattern throughout the board throughout the specific years because then each year has to be plotted by category. </a:t>
+              <a:t>What month was hurricanes occurring the most? September. Limitation:  Although it was September what would be the pattern throughout the board throughout the specific years because then each year has to be plotted by category. </a:t>
             </a:r>
           </a:p>
           <a:p>
@@ -1152,6 +1182,36 @@
           <a:bodyPr/>
           <a:lstStyle/>
           <a:p>
+            <a:r>
+              <a:rPr lang="en-US" dirty="0"/>
+              <a:t>The question I asked was, “Are hurricanes occurring more or less than tropical storms and if so which category is it occurring in the most?” Firstly, to even become a category it has to be wind speeds greater than 73 miles per hour. Therefore, under TS which stands for tropical storms all the storms below 74 miles per hour were filtered into. </a:t>
+            </a:r>
+          </a:p>
+          <a:p>
+            <a:endParaRPr lang="en-US" dirty="0"/>
+          </a:p>
+          <a:p>
+            <a:r>
+              <a:rPr lang="en-US" dirty="0"/>
+              <a:t>The reason I asked this question was to see if global warming was related directly to the number of tropical storms or hurricanes occurring and through this data I saw that it can possibly be because of the number of Tropical storms because there is a big gap between the number of times they occurred. In addition, it was interesting to see that each category occurring decreased as the category increased. </a:t>
+            </a:r>
+          </a:p>
+          <a:p>
+            <a:endParaRPr lang="en-US" dirty="0"/>
+          </a:p>
+          <a:p>
+            <a:r>
+              <a:rPr lang="en-US" dirty="0"/>
+              <a:t>This visual brought me to my next visual’s question about if TS are filtered out then just looking at categories 1 to 5, in which month is it occurring the most from 1851 to 2015? The reason I wanted to investigate this question was to see if hurricanes have been affected equally throughout entering the months from May to October due to an increase of global warming or has it created a bell curve? Results showed that a bell curve occurred and that the hurricanes weren’t just equally distributed throughout May to October and that there was a gradual increase and decrease from 1851 to 2015 instead of a number gap with no pattern. For example, a difference of about 8,000 hurricanes on the right and left months of the peak month. If I saw a pattern which was not creating a bell curve then I would think that global warming is throwing the hurricanes off through out the months which would have gradually created an equality of hurricanes through the months by an increase number of hurricanes in May, June, July, October, and November by 2015 which it didn’t. </a:t>
+            </a:r>
+          </a:p>
+          <a:p>
+            <a:r>
+              <a:rPr lang="en-US" dirty="0"/>
+              <a:t>What month was hurricanes occurring the most? September. Limitation:  Although it was September what would be the pattern throughout the board throughout the specific years because then each year has to be plotted by category. </a:t>
+            </a:r>
+          </a:p>
+          <a:p>
             <a:endParaRPr lang="en-US" dirty="0"/>
           </a:p>
         </p:txBody>
@@ -1173,7 +1233,7 @@
           <a:p>
             <a:fld id="{7889D460-D7B2-43E9-850A-CB3D07019344}" type="slidenum">
               <a:rPr lang="en-US" smtClean="0"/>
-              <a:t>9</a:t>
+              <a:t>6</a:t>
             </a:fld>
             <a:endParaRPr lang="en-US"/>
           </a:p>
@@ -1182,7 +1242,665 @@
     </p:spTree>
     <p:extLst>
       <p:ext uri="{BB962C8B-B14F-4D97-AF65-F5344CB8AC3E}">
-        <p14:creationId xmlns:p14="http://schemas.microsoft.com/office/powerpoint/2010/main" val="1363669969"/>
+        <p14:creationId xmlns:p14="http://schemas.microsoft.com/office/powerpoint/2010/main" val="288619308"/>
+      </p:ext>
+    </p:extLst>
+  </p:cSld>
+  <p:clrMapOvr>
+    <a:masterClrMapping/>
+  </p:clrMapOvr>
+</p:notes>
+</file>
+
+<file path=ppt/notesSlides/notesSlide7.xml><?xml version="1.0" encoding="utf-8"?>
+<p:notes xmlns:a="http://schemas.openxmlformats.org/drawingml/2006/main" xmlns:r="http://schemas.openxmlformats.org/officeDocument/2006/relationships" xmlns:p="http://schemas.openxmlformats.org/presentationml/2006/main">
+  <p:cSld>
+    <p:spTree>
+      <p:nvGrpSpPr>
+        <p:cNvPr id="1" name=""/>
+        <p:cNvGrpSpPr/>
+        <p:nvPr/>
+      </p:nvGrpSpPr>
+      <p:grpSpPr>
+        <a:xfrm>
+          <a:off x="0" y="0"/>
+          <a:ext cx="0" cy="0"/>
+          <a:chOff x="0" y="0"/>
+          <a:chExt cx="0" cy="0"/>
+        </a:xfrm>
+      </p:grpSpPr>
+      <p:sp>
+        <p:nvSpPr>
+          <p:cNvPr id="2" name="Slide Image Placeholder 1"/>
+          <p:cNvSpPr>
+            <a:spLocks noGrp="1" noRot="1" noChangeAspect="1"/>
+          </p:cNvSpPr>
+          <p:nvPr>
+            <p:ph type="sldImg"/>
+          </p:nvPr>
+        </p:nvSpPr>
+        <p:spPr/>
+      </p:sp>
+      <p:sp>
+        <p:nvSpPr>
+          <p:cNvPr id="3" name="Notes Placeholder 2"/>
+          <p:cNvSpPr>
+            <a:spLocks noGrp="1"/>
+          </p:cNvSpPr>
+          <p:nvPr>
+            <p:ph type="body" idx="1"/>
+          </p:nvPr>
+        </p:nvSpPr>
+        <p:spPr/>
+        <p:txBody>
+          <a:bodyPr/>
+          <a:lstStyle/>
+          <a:p>
+            <a:pPr rtl="0" latinLnBrk="0"/>
+            <a:r>
+              <a:rPr lang="en-US" sz="1200" b="1" kern="1200" dirty="0">
+                <a:solidFill>
+                  <a:schemeClr val="tx1"/>
+                </a:solidFill>
+                <a:effectLst/>
+                <a:latin typeface="+mn-lt"/>
+                <a:ea typeface="+mn-ea"/>
+                <a:cs typeface="+mn-cs"/>
+              </a:rPr>
+              <a:t>Analysis: Plot A</a:t>
+            </a:r>
+            <a:endParaRPr lang="en-US" dirty="0">
+              <a:effectLst/>
+            </a:endParaRPr>
+          </a:p>
+          <a:p>
+            <a:pPr rtl="0" latinLnBrk="0"/>
+            <a:r>
+              <a:rPr lang="en-US" sz="1200" dirty="0">
+                <a:effectLst/>
+              </a:rPr>
+              <a:t>-</a:t>
+            </a:r>
+            <a:r>
+              <a:rPr lang="en-US" sz="1200" kern="1200" dirty="0">
+                <a:solidFill>
+                  <a:schemeClr val="tx1"/>
+                </a:solidFill>
+                <a:effectLst/>
+                <a:latin typeface="+mn-lt"/>
+                <a:ea typeface="+mn-ea"/>
+                <a:cs typeface="+mn-cs"/>
+              </a:rPr>
+              <a:t>After cleaning up the data and doing the necessary groupings for the analysis, a pie plot was created to show the 10 top hurricanes that occurred during the time interval. 92% of the storm was unnamed and 8% represented the 10 top hurricane hits. </a:t>
+            </a:r>
+            <a:endParaRPr lang="en-US" dirty="0">
+              <a:effectLst/>
+            </a:endParaRPr>
+          </a:p>
+          <a:p>
+            <a:pPr rtl="0" latinLnBrk="0"/>
+            <a:r>
+              <a:rPr lang="en-US" sz="1200" dirty="0">
+                <a:effectLst/>
+              </a:rPr>
+              <a:t>-</a:t>
+            </a:r>
+            <a:endParaRPr lang="en-US" dirty="0">
+              <a:effectLst/>
+            </a:endParaRPr>
+          </a:p>
+          <a:p>
+            <a:pPr rtl="0" latinLnBrk="0"/>
+            <a:r>
+              <a:rPr lang="en-US" sz="1200" b="1" kern="1200" dirty="0">
+                <a:solidFill>
+                  <a:schemeClr val="tx1"/>
+                </a:solidFill>
+                <a:effectLst/>
+                <a:latin typeface="+mn-lt"/>
+                <a:ea typeface="+mn-ea"/>
+                <a:cs typeface="+mn-cs"/>
+              </a:rPr>
+              <a:t>Plot B (Periodic hurricane intervals)</a:t>
+            </a:r>
+            <a:endParaRPr lang="en-US" dirty="0">
+              <a:effectLst/>
+            </a:endParaRPr>
+          </a:p>
+          <a:p>
+            <a:pPr rtl="0" latinLnBrk="0"/>
+            <a:r>
+              <a:rPr lang="en-US" sz="1200" dirty="0">
+                <a:effectLst/>
+              </a:rPr>
+              <a:t>-</a:t>
+            </a:r>
+            <a:r>
+              <a:rPr lang="en-US" sz="1200" kern="1200" dirty="0">
+                <a:solidFill>
+                  <a:schemeClr val="tx1"/>
+                </a:solidFill>
+                <a:effectLst/>
+                <a:latin typeface="+mn-lt"/>
+                <a:ea typeface="+mn-ea"/>
+                <a:cs typeface="+mn-cs"/>
+              </a:rPr>
+              <a:t>The second plot shows the average storm hits yearly. An average of 10 storms occurs during each hurricane season looking at the plot. </a:t>
+            </a:r>
+            <a:endParaRPr lang="en-US" dirty="0">
+              <a:effectLst/>
+            </a:endParaRPr>
+          </a:p>
+          <a:p>
+            <a:pPr rtl="0" latinLnBrk="0"/>
+            <a:r>
+              <a:rPr lang="en-US" sz="1200" dirty="0">
+                <a:effectLst/>
+              </a:rPr>
+              <a:t>-</a:t>
+            </a:r>
+            <a:r>
+              <a:rPr lang="en-US" sz="1200" kern="1200" dirty="0">
+                <a:solidFill>
+                  <a:schemeClr val="tx1"/>
+                </a:solidFill>
+                <a:effectLst/>
+                <a:latin typeface="+mn-lt"/>
+                <a:ea typeface="+mn-ea"/>
+                <a:cs typeface="+mn-cs"/>
+              </a:rPr>
+              <a:t>The plot also shows a slight increase in the occurrence &amp; severity of storms over the decades.</a:t>
+            </a:r>
+            <a:endParaRPr lang="en-US" dirty="0">
+              <a:effectLst/>
+            </a:endParaRPr>
+          </a:p>
+          <a:p>
+            <a:pPr rtl="0" latinLnBrk="0"/>
+            <a:r>
+              <a:rPr lang="en-US" sz="1200" dirty="0">
+                <a:effectLst/>
+              </a:rPr>
+              <a:t>-</a:t>
+            </a:r>
+            <a:r>
+              <a:rPr lang="en-US" sz="1200" kern="1200" dirty="0">
+                <a:solidFill>
+                  <a:schemeClr val="tx1"/>
+                </a:solidFill>
+                <a:effectLst/>
+                <a:latin typeface="+mn-lt"/>
+                <a:ea typeface="+mn-ea"/>
+                <a:cs typeface="+mn-cs"/>
+              </a:rPr>
+              <a:t>It could also be said that with the slight spike in hurricane activities, this could be as a result of multi-decadal oscillation patterns in the north Atlantic ocean.</a:t>
+            </a:r>
+            <a:endParaRPr lang="en-US" dirty="0">
+              <a:effectLst/>
+            </a:endParaRPr>
+          </a:p>
+          <a:p>
+            <a:pPr rtl="0" latinLnBrk="0"/>
+            <a:r>
+              <a:rPr lang="en-US" sz="1200" dirty="0">
+                <a:effectLst/>
+              </a:rPr>
+              <a:t>-</a:t>
+            </a:r>
+            <a:r>
+              <a:rPr lang="en-US" sz="1200" b="1" kern="1200" dirty="0">
+                <a:solidFill>
+                  <a:schemeClr val="tx1"/>
+                </a:solidFill>
+                <a:effectLst/>
+                <a:latin typeface="+mn-lt"/>
+                <a:ea typeface="+mn-ea"/>
+                <a:cs typeface="+mn-cs"/>
+              </a:rPr>
+              <a:t>Conclusion:</a:t>
+            </a:r>
+            <a:endParaRPr lang="en-US" dirty="0">
+              <a:effectLst/>
+            </a:endParaRPr>
+          </a:p>
+          <a:p>
+            <a:pPr rtl="0" latinLnBrk="0"/>
+            <a:r>
+              <a:rPr lang="en-US" sz="1200" dirty="0">
+                <a:effectLst/>
+              </a:rPr>
+              <a:t>-</a:t>
+            </a:r>
+            <a:r>
+              <a:rPr lang="en-US" sz="1200" kern="1200" dirty="0">
+                <a:solidFill>
+                  <a:schemeClr val="tx1"/>
+                </a:solidFill>
+                <a:effectLst/>
+                <a:latin typeface="+mn-lt"/>
+                <a:ea typeface="+mn-ea"/>
+                <a:cs typeface="+mn-cs"/>
+              </a:rPr>
+              <a:t>From the analysis above, it's still uncertain to say if climate change is the cause for the increase in occurrence &amp; severity of storms. </a:t>
+            </a:r>
+            <a:endParaRPr lang="en-US" dirty="0">
+              <a:effectLst/>
+            </a:endParaRPr>
+          </a:p>
+          <a:p>
+            <a:pPr rtl="0" latinLnBrk="0"/>
+            <a:r>
+              <a:rPr lang="en-US" sz="1200" dirty="0">
+                <a:effectLst/>
+              </a:rPr>
+              <a:t>-</a:t>
+            </a:r>
+            <a:r>
+              <a:rPr lang="en-US" sz="1200" kern="1200" dirty="0">
+                <a:solidFill>
+                  <a:schemeClr val="tx1"/>
+                </a:solidFill>
+                <a:effectLst/>
+                <a:latin typeface="+mn-lt"/>
+                <a:ea typeface="+mn-ea"/>
+                <a:cs typeface="+mn-cs"/>
+              </a:rPr>
+              <a:t>A more comprehensive analysis taking all other causes and effects would validate the concept of global warming.</a:t>
+            </a:r>
+            <a:endParaRPr lang="en-US" dirty="0">
+              <a:effectLst/>
+            </a:endParaRPr>
+          </a:p>
+          <a:p>
+            <a:endParaRPr lang="en-US" dirty="0"/>
+          </a:p>
+          <a:p>
+            <a:endParaRPr lang="en-US" dirty="0"/>
+          </a:p>
+        </p:txBody>
+      </p:sp>
+      <p:sp>
+        <p:nvSpPr>
+          <p:cNvPr id="4" name="Slide Number Placeholder 3"/>
+          <p:cNvSpPr>
+            <a:spLocks noGrp="1"/>
+          </p:cNvSpPr>
+          <p:nvPr>
+            <p:ph type="sldNum" sz="quarter" idx="5"/>
+          </p:nvPr>
+        </p:nvSpPr>
+        <p:spPr/>
+        <p:txBody>
+          <a:bodyPr/>
+          <a:lstStyle/>
+          <a:p>
+            <a:fld id="{7889D460-D7B2-43E9-850A-CB3D07019344}" type="slidenum">
+              <a:rPr lang="en-US" smtClean="0"/>
+              <a:t>7</a:t>
+            </a:fld>
+            <a:endParaRPr lang="en-US"/>
+          </a:p>
+        </p:txBody>
+      </p:sp>
+    </p:spTree>
+    <p:extLst>
+      <p:ext uri="{BB962C8B-B14F-4D97-AF65-F5344CB8AC3E}">
+        <p14:creationId xmlns:p14="http://schemas.microsoft.com/office/powerpoint/2010/main" val="3098838857"/>
+      </p:ext>
+    </p:extLst>
+  </p:cSld>
+  <p:clrMapOvr>
+    <a:masterClrMapping/>
+  </p:clrMapOvr>
+</p:notes>
+</file>
+
+<file path=ppt/notesSlides/notesSlide8.xml><?xml version="1.0" encoding="utf-8"?>
+<p:notes xmlns:a="http://schemas.openxmlformats.org/drawingml/2006/main" xmlns:r="http://schemas.openxmlformats.org/officeDocument/2006/relationships" xmlns:p="http://schemas.openxmlformats.org/presentationml/2006/main">
+  <p:cSld>
+    <p:spTree>
+      <p:nvGrpSpPr>
+        <p:cNvPr id="1" name=""/>
+        <p:cNvGrpSpPr/>
+        <p:nvPr/>
+      </p:nvGrpSpPr>
+      <p:grpSpPr>
+        <a:xfrm>
+          <a:off x="0" y="0"/>
+          <a:ext cx="0" cy="0"/>
+          <a:chOff x="0" y="0"/>
+          <a:chExt cx="0" cy="0"/>
+        </a:xfrm>
+      </p:grpSpPr>
+      <p:sp>
+        <p:nvSpPr>
+          <p:cNvPr id="2" name="Slide Image Placeholder 1"/>
+          <p:cNvSpPr>
+            <a:spLocks noGrp="1" noRot="1" noChangeAspect="1"/>
+          </p:cNvSpPr>
+          <p:nvPr>
+            <p:ph type="sldImg"/>
+          </p:nvPr>
+        </p:nvSpPr>
+        <p:spPr/>
+      </p:sp>
+      <p:sp>
+        <p:nvSpPr>
+          <p:cNvPr id="3" name="Notes Placeholder 2"/>
+          <p:cNvSpPr>
+            <a:spLocks noGrp="1"/>
+          </p:cNvSpPr>
+          <p:nvPr>
+            <p:ph type="body" idx="1"/>
+          </p:nvPr>
+        </p:nvSpPr>
+        <p:spPr/>
+        <p:txBody>
+          <a:bodyPr/>
+          <a:lstStyle/>
+          <a:p>
+            <a:pPr marL="228600" indent="-228600">
+              <a:buAutoNum type="arabicPeriod"/>
+            </a:pPr>
+            <a:r>
+              <a:rPr lang="en-US" dirty="0"/>
+              <a:t>What is the trend of number of hurricanes in the past 25-50 years, or may be more?</a:t>
+            </a:r>
+          </a:p>
+          <a:p>
+            <a:pPr marL="228600" marR="0" lvl="0" indent="-228600" algn="l" defTabSz="914400" rtl="0" eaLnBrk="1" fontAlgn="auto" latinLnBrk="0" hangingPunct="1">
+              <a:lnSpc>
+                <a:spcPct val="100000"/>
+              </a:lnSpc>
+              <a:spcBef>
+                <a:spcPts val="0"/>
+              </a:spcBef>
+              <a:spcAft>
+                <a:spcPts val="0"/>
+              </a:spcAft>
+              <a:buClrTx/>
+              <a:buSzTx/>
+              <a:buFontTx/>
+              <a:buAutoNum type="arabicPeriod"/>
+              <a:tabLst/>
+              <a:defRPr/>
+            </a:pPr>
+            <a:r>
+              <a:rPr lang="en-US" dirty="0"/>
+              <a:t>How often do we see catastrophic hurricane (Cat 3, 4, 5 )?</a:t>
+            </a:r>
+          </a:p>
+          <a:p>
+            <a:pPr marL="228600" marR="0" lvl="0" indent="-228600" algn="l" defTabSz="914400" rtl="0" eaLnBrk="1" fontAlgn="auto" latinLnBrk="0" hangingPunct="1">
+              <a:lnSpc>
+                <a:spcPct val="100000"/>
+              </a:lnSpc>
+              <a:spcBef>
+                <a:spcPts val="0"/>
+              </a:spcBef>
+              <a:spcAft>
+                <a:spcPts val="0"/>
+              </a:spcAft>
+              <a:buClrTx/>
+              <a:buSzTx/>
+              <a:buFontTx/>
+              <a:buAutoNum type="arabicPeriod"/>
+              <a:tabLst/>
+              <a:defRPr/>
+            </a:pPr>
+            <a:r>
+              <a:rPr lang="en-US" dirty="0"/>
+              <a:t>Where are all the hurricanes on the map? Any trend of a certain concentrated region?</a:t>
+            </a:r>
+          </a:p>
+          <a:p>
+            <a:pPr marL="0" marR="0" lvl="0" indent="0" algn="l" defTabSz="914400" rtl="0" eaLnBrk="1" fontAlgn="auto" latinLnBrk="0" hangingPunct="1">
+              <a:lnSpc>
+                <a:spcPct val="100000"/>
+              </a:lnSpc>
+              <a:spcBef>
+                <a:spcPts val="0"/>
+              </a:spcBef>
+              <a:spcAft>
+                <a:spcPts val="0"/>
+              </a:spcAft>
+              <a:buClrTx/>
+              <a:buSzTx/>
+              <a:buFontTx/>
+              <a:buNone/>
+              <a:tabLst/>
+              <a:defRPr/>
+            </a:pPr>
+            <a:endParaRPr lang="en-US" dirty="0"/>
+          </a:p>
+          <a:p>
+            <a:pPr marL="0" marR="0" lvl="0" indent="0" algn="l" defTabSz="914400" rtl="0" eaLnBrk="1" fontAlgn="auto" latinLnBrk="0" hangingPunct="1">
+              <a:lnSpc>
+                <a:spcPct val="100000"/>
+              </a:lnSpc>
+              <a:spcBef>
+                <a:spcPts val="0"/>
+              </a:spcBef>
+              <a:spcAft>
+                <a:spcPts val="0"/>
+              </a:spcAft>
+              <a:buClrTx/>
+              <a:buSzTx/>
+              <a:buFontTx/>
+              <a:buNone/>
+              <a:tabLst/>
+              <a:defRPr/>
+            </a:pPr>
+            <a:r>
+              <a:rPr lang="en-US" dirty="0"/>
+              <a:t>Why: tendency of increasing as per claim</a:t>
+            </a:r>
+          </a:p>
+          <a:p>
+            <a:pPr marL="228600" marR="0" lvl="0" indent="-228600" algn="l" defTabSz="914400" rtl="0" eaLnBrk="1" fontAlgn="auto" latinLnBrk="0" hangingPunct="1">
+              <a:lnSpc>
+                <a:spcPct val="100000"/>
+              </a:lnSpc>
+              <a:spcBef>
+                <a:spcPts val="0"/>
+              </a:spcBef>
+              <a:spcAft>
+                <a:spcPts val="0"/>
+              </a:spcAft>
+              <a:buClrTx/>
+              <a:buSzTx/>
+              <a:buFontTx/>
+              <a:buAutoNum type="arabicPeriod"/>
+              <a:tabLst/>
+              <a:defRPr/>
+            </a:pPr>
+            <a:endParaRPr lang="en-US" dirty="0"/>
+          </a:p>
+        </p:txBody>
+      </p:sp>
+      <p:sp>
+        <p:nvSpPr>
+          <p:cNvPr id="4" name="Slide Number Placeholder 3"/>
+          <p:cNvSpPr>
+            <a:spLocks noGrp="1"/>
+          </p:cNvSpPr>
+          <p:nvPr>
+            <p:ph type="sldNum" sz="quarter" idx="5"/>
+          </p:nvPr>
+        </p:nvSpPr>
+        <p:spPr/>
+        <p:txBody>
+          <a:bodyPr/>
+          <a:lstStyle/>
+          <a:p>
+            <a:fld id="{7889D460-D7B2-43E9-850A-CB3D07019344}" type="slidenum">
+              <a:rPr lang="en-US" smtClean="0"/>
+              <a:t>8</a:t>
+            </a:fld>
+            <a:endParaRPr lang="en-US"/>
+          </a:p>
+        </p:txBody>
+      </p:sp>
+    </p:spTree>
+    <p:extLst>
+      <p:ext uri="{BB962C8B-B14F-4D97-AF65-F5344CB8AC3E}">
+        <p14:creationId xmlns:p14="http://schemas.microsoft.com/office/powerpoint/2010/main" val="1215040778"/>
+      </p:ext>
+    </p:extLst>
+  </p:cSld>
+  <p:clrMapOvr>
+    <a:masterClrMapping/>
+  </p:clrMapOvr>
+</p:notes>
+</file>
+
+<file path=ppt/notesSlides/notesSlide9.xml><?xml version="1.0" encoding="utf-8"?>
+<p:notes xmlns:a="http://schemas.openxmlformats.org/drawingml/2006/main" xmlns:r="http://schemas.openxmlformats.org/officeDocument/2006/relationships" xmlns:p="http://schemas.openxmlformats.org/presentationml/2006/main">
+  <p:cSld>
+    <p:spTree>
+      <p:nvGrpSpPr>
+        <p:cNvPr id="1" name=""/>
+        <p:cNvGrpSpPr/>
+        <p:nvPr/>
+      </p:nvGrpSpPr>
+      <p:grpSpPr>
+        <a:xfrm>
+          <a:off x="0" y="0"/>
+          <a:ext cx="0" cy="0"/>
+          <a:chOff x="0" y="0"/>
+          <a:chExt cx="0" cy="0"/>
+        </a:xfrm>
+      </p:grpSpPr>
+      <p:sp>
+        <p:nvSpPr>
+          <p:cNvPr id="2" name="Slide Image Placeholder 1"/>
+          <p:cNvSpPr>
+            <a:spLocks noGrp="1" noRot="1" noChangeAspect="1"/>
+          </p:cNvSpPr>
+          <p:nvPr>
+            <p:ph type="sldImg"/>
+          </p:nvPr>
+        </p:nvSpPr>
+        <p:spPr/>
+      </p:sp>
+      <p:sp>
+        <p:nvSpPr>
+          <p:cNvPr id="3" name="Notes Placeholder 2"/>
+          <p:cNvSpPr>
+            <a:spLocks noGrp="1"/>
+          </p:cNvSpPr>
+          <p:nvPr>
+            <p:ph type="body" idx="1"/>
+          </p:nvPr>
+        </p:nvSpPr>
+        <p:spPr/>
+        <p:txBody>
+          <a:bodyPr/>
+          <a:lstStyle/>
+          <a:p>
+            <a:pPr marL="228600" indent="-228600">
+              <a:buAutoNum type="arabicPeriod"/>
+            </a:pPr>
+            <a:r>
+              <a:rPr lang="en-US" dirty="0"/>
+              <a:t>What is the trend of number of hurricanes in the past 25-50 years, or may be more?</a:t>
+            </a:r>
+          </a:p>
+          <a:p>
+            <a:pPr marL="228600" marR="0" lvl="0" indent="-228600" algn="l" defTabSz="914400" rtl="0" eaLnBrk="1" fontAlgn="auto" latinLnBrk="0" hangingPunct="1">
+              <a:lnSpc>
+                <a:spcPct val="100000"/>
+              </a:lnSpc>
+              <a:spcBef>
+                <a:spcPts val="0"/>
+              </a:spcBef>
+              <a:spcAft>
+                <a:spcPts val="0"/>
+              </a:spcAft>
+              <a:buClrTx/>
+              <a:buSzTx/>
+              <a:buFontTx/>
+              <a:buAutoNum type="arabicPeriod"/>
+              <a:tabLst/>
+              <a:defRPr/>
+            </a:pPr>
+            <a:r>
+              <a:rPr lang="en-US" dirty="0"/>
+              <a:t>How often do we see catastrophic hurricane (Cat 3, 4, 5 )?</a:t>
+            </a:r>
+          </a:p>
+          <a:p>
+            <a:pPr marL="228600" marR="0" lvl="0" indent="-228600" algn="l" defTabSz="914400" rtl="0" eaLnBrk="1" fontAlgn="auto" latinLnBrk="0" hangingPunct="1">
+              <a:lnSpc>
+                <a:spcPct val="100000"/>
+              </a:lnSpc>
+              <a:spcBef>
+                <a:spcPts val="0"/>
+              </a:spcBef>
+              <a:spcAft>
+                <a:spcPts val="0"/>
+              </a:spcAft>
+              <a:buClrTx/>
+              <a:buSzTx/>
+              <a:buFontTx/>
+              <a:buAutoNum type="arabicPeriod"/>
+              <a:tabLst/>
+              <a:defRPr/>
+            </a:pPr>
+            <a:r>
+              <a:rPr lang="en-US" dirty="0"/>
+              <a:t>Where are all the hurricanes on the map? Any trend of a certain concentrated region?</a:t>
+            </a:r>
+          </a:p>
+          <a:p>
+            <a:pPr marL="228600" marR="0" lvl="0" indent="-228600" algn="l" defTabSz="914400" rtl="0" eaLnBrk="1" fontAlgn="auto" latinLnBrk="0" hangingPunct="1">
+              <a:lnSpc>
+                <a:spcPct val="100000"/>
+              </a:lnSpc>
+              <a:spcBef>
+                <a:spcPts val="0"/>
+              </a:spcBef>
+              <a:spcAft>
+                <a:spcPts val="0"/>
+              </a:spcAft>
+              <a:buClrTx/>
+              <a:buSzTx/>
+              <a:buFontTx/>
+              <a:buAutoNum type="arabicPeriod"/>
+              <a:tabLst/>
+              <a:defRPr/>
+            </a:pPr>
+            <a:endParaRPr lang="en-US" dirty="0"/>
+          </a:p>
+        </p:txBody>
+      </p:sp>
+      <p:sp>
+        <p:nvSpPr>
+          <p:cNvPr id="4" name="Slide Number Placeholder 3"/>
+          <p:cNvSpPr>
+            <a:spLocks noGrp="1"/>
+          </p:cNvSpPr>
+          <p:nvPr>
+            <p:ph type="sldNum" sz="quarter" idx="5"/>
+          </p:nvPr>
+        </p:nvSpPr>
+        <p:spPr/>
+        <p:txBody>
+          <a:bodyPr/>
+          <a:lstStyle/>
+          <a:p>
+            <a:fld id="{7889D460-D7B2-43E9-850A-CB3D07019344}" type="slidenum">
+              <a:rPr lang="en-US" smtClean="0"/>
+              <a:t>9</a:t>
+            </a:fld>
+            <a:endParaRPr lang="en-US"/>
+          </a:p>
+        </p:txBody>
+      </p:sp>
+    </p:spTree>
+    <p:extLst>
+      <p:ext uri="{BB962C8B-B14F-4D97-AF65-F5344CB8AC3E}">
+        <p14:creationId xmlns:p14="http://schemas.microsoft.com/office/powerpoint/2010/main" val="2950039912"/>
       </p:ext>
     </p:extLst>
   </p:cSld>
@@ -7062,6 +7780,7 @@
   <p:clrMapOvr>
     <a:masterClrMapping/>
   </p:clrMapOvr>
+  <p:transition/>
   <p:timing>
     <p:tnLst>
       <p:par>
@@ -7085,7 +7804,7 @@
                               <p:par>
                                 <p:cTn id="5" presetID="6" presetClass="entr" presetSubtype="16" fill="hold" grpId="0" nodeType="clickEffect">
                                   <p:stCondLst>
-                                    <p:cond delay="0"/>
+                                    <p:cond delay="5000"/>
                                   </p:stCondLst>
                                   <p:childTnLst>
                                     <p:set>
@@ -7108,7 +7827,7 @@
                                     </p:set>
                                     <p:animEffect transition="in" filter="circle(in)">
                                       <p:cBhvr>
-                                        <p:cTn id="7" dur="2000"/>
+                                        <p:cTn id="7" dur="1000"/>
                                         <p:tgtEl>
                                           <p:spTgt spid="5"/>
                                         </p:tgtEl>
@@ -7209,6 +7928,1791 @@
       <p:bldP spid="5" grpId="0"/>
     </p:bldLst>
   </p:timing>
+</p:sld>
+</file>
+
+<file path=ppt/slides/slide10.xml><?xml version="1.0" encoding="utf-8"?>
+<p:sld xmlns:a="http://schemas.openxmlformats.org/drawingml/2006/main" xmlns:r="http://schemas.openxmlformats.org/officeDocument/2006/relationships" xmlns:p="http://schemas.openxmlformats.org/presentationml/2006/main">
+  <p:cSld>
+    <p:spTree>
+      <p:nvGrpSpPr>
+        <p:cNvPr id="1" name=""/>
+        <p:cNvGrpSpPr/>
+        <p:nvPr/>
+      </p:nvGrpSpPr>
+      <p:grpSpPr>
+        <a:xfrm>
+          <a:off x="0" y="0"/>
+          <a:ext cx="0" cy="0"/>
+          <a:chOff x="0" y="0"/>
+          <a:chExt cx="0" cy="0"/>
+        </a:xfrm>
+      </p:grpSpPr>
+      <p:sp>
+        <p:nvSpPr>
+          <p:cNvPr id="2" name="Title 1">
+            <a:extLst>
+              <a:ext uri="{FF2B5EF4-FFF2-40B4-BE49-F238E27FC236}">
+                <a16:creationId xmlns:a16="http://schemas.microsoft.com/office/drawing/2014/main" id="{E0ED6F48-913C-4AA6-9222-1B06FBF5522E}"/>
+              </a:ext>
+            </a:extLst>
+          </p:cNvPr>
+          <p:cNvSpPr>
+            <a:spLocks noGrp="1"/>
+          </p:cNvSpPr>
+          <p:nvPr>
+            <p:ph type="title"/>
+          </p:nvPr>
+        </p:nvSpPr>
+        <p:spPr/>
+        <p:txBody>
+          <a:bodyPr/>
+          <a:lstStyle/>
+          <a:p>
+            <a:r>
+              <a:rPr lang="en-US" dirty="0"/>
+              <a:t>Challenges</a:t>
+            </a:r>
+          </a:p>
+        </p:txBody>
+      </p:sp>
+      <p:sp>
+        <p:nvSpPr>
+          <p:cNvPr id="3" name="Content Placeholder 2">
+            <a:extLst>
+              <a:ext uri="{FF2B5EF4-FFF2-40B4-BE49-F238E27FC236}">
+                <a16:creationId xmlns:a16="http://schemas.microsoft.com/office/drawing/2014/main" id="{85FA2E1C-6C56-4F26-81A7-BFB8B0A86245}"/>
+              </a:ext>
+            </a:extLst>
+          </p:cNvPr>
+          <p:cNvSpPr>
+            <a:spLocks noGrp="1"/>
+          </p:cNvSpPr>
+          <p:nvPr>
+            <p:ph idx="1"/>
+          </p:nvPr>
+        </p:nvSpPr>
+        <p:spPr>
+          <a:xfrm>
+            <a:off x="677335" y="1598615"/>
+            <a:ext cx="8596668" cy="1830385"/>
+          </a:xfrm>
+        </p:spPr>
+        <p:txBody>
+          <a:bodyPr/>
+          <a:lstStyle/>
+          <a:p>
+            <a:r>
+              <a:rPr lang="en-US" dirty="0"/>
+              <a:t>Date format: year,  month, date was combined into one string; no separator</a:t>
+            </a:r>
+          </a:p>
+          <a:p>
+            <a:r>
+              <a:rPr lang="en-US" dirty="0"/>
+              <a:t>Coordinates were in different format: **N, **W</a:t>
+            </a:r>
+          </a:p>
+          <a:p>
+            <a:r>
+              <a:rPr lang="en-US" dirty="0"/>
+              <a:t>Multiple indexes data frame encountered</a:t>
+            </a:r>
+          </a:p>
+          <a:p>
+            <a:r>
+              <a:rPr lang="en-US" dirty="0"/>
+              <a:t>Watermarks on </a:t>
+            </a:r>
+            <a:r>
+              <a:rPr lang="en-US" dirty="0" err="1"/>
+              <a:t>Gmaps</a:t>
+            </a:r>
+            <a:r>
+              <a:rPr lang="en-US" dirty="0"/>
+              <a:t> </a:t>
+            </a:r>
+          </a:p>
+          <a:p>
+            <a:endParaRPr lang="en-US" dirty="0"/>
+          </a:p>
+          <a:p>
+            <a:endParaRPr lang="en-US" dirty="0"/>
+          </a:p>
+          <a:p>
+            <a:endParaRPr lang="en-US" dirty="0"/>
+          </a:p>
+          <a:p>
+            <a:endParaRPr lang="en-US" dirty="0"/>
+          </a:p>
+        </p:txBody>
+      </p:sp>
+      <p:sp>
+        <p:nvSpPr>
+          <p:cNvPr id="4" name="Title 1">
+            <a:extLst>
+              <a:ext uri="{FF2B5EF4-FFF2-40B4-BE49-F238E27FC236}">
+                <a16:creationId xmlns:a16="http://schemas.microsoft.com/office/drawing/2014/main" id="{E9550DE4-9B69-4672-81BA-6A8C55BFB79E}"/>
+              </a:ext>
+            </a:extLst>
+          </p:cNvPr>
+          <p:cNvSpPr txBox="1">
+            <a:spLocks/>
+          </p:cNvSpPr>
+          <p:nvPr/>
+        </p:nvSpPr>
+        <p:spPr>
+          <a:xfrm>
+            <a:off x="677335" y="3606801"/>
+            <a:ext cx="8596668" cy="1320800"/>
+          </a:xfrm>
+          <a:prstGeom prst="rect">
+            <a:avLst/>
+          </a:prstGeom>
+        </p:spPr>
+        <p:txBody>
+          <a:bodyPr vert="horz" lIns="91440" tIns="45720" rIns="91440" bIns="45720" rtlCol="0" anchor="t">
+            <a:normAutofit/>
+          </a:bodyPr>
+          <a:lstStyle>
+            <a:lvl1pPr algn="l" defTabSz="457189" rtl="0" eaLnBrk="1" latinLnBrk="0" hangingPunct="1">
+              <a:spcBef>
+                <a:spcPct val="0"/>
+              </a:spcBef>
+              <a:buNone/>
+              <a:defRPr sz="3600" kern="1200">
+                <a:solidFill>
+                  <a:schemeClr val="accent1"/>
+                </a:solidFill>
+                <a:latin typeface="+mj-lt"/>
+                <a:ea typeface="+mj-ea"/>
+                <a:cs typeface="+mj-cs"/>
+              </a:defRPr>
+            </a:lvl1pPr>
+            <a:lvl2pPr eaLnBrk="1" hangingPunct="1">
+              <a:defRPr>
+                <a:solidFill>
+                  <a:schemeClr val="tx2"/>
+                </a:solidFill>
+              </a:defRPr>
+            </a:lvl2pPr>
+            <a:lvl3pPr eaLnBrk="1" hangingPunct="1">
+              <a:defRPr>
+                <a:solidFill>
+                  <a:schemeClr val="tx2"/>
+                </a:solidFill>
+              </a:defRPr>
+            </a:lvl3pPr>
+            <a:lvl4pPr eaLnBrk="1" hangingPunct="1">
+              <a:defRPr>
+                <a:solidFill>
+                  <a:schemeClr val="tx2"/>
+                </a:solidFill>
+              </a:defRPr>
+            </a:lvl4pPr>
+            <a:lvl5pPr eaLnBrk="1" hangingPunct="1">
+              <a:defRPr>
+                <a:solidFill>
+                  <a:schemeClr val="tx2"/>
+                </a:solidFill>
+              </a:defRPr>
+            </a:lvl5pPr>
+            <a:lvl6pPr eaLnBrk="1" hangingPunct="1">
+              <a:defRPr>
+                <a:solidFill>
+                  <a:schemeClr val="tx2"/>
+                </a:solidFill>
+              </a:defRPr>
+            </a:lvl6pPr>
+            <a:lvl7pPr eaLnBrk="1" hangingPunct="1">
+              <a:defRPr>
+                <a:solidFill>
+                  <a:schemeClr val="tx2"/>
+                </a:solidFill>
+              </a:defRPr>
+            </a:lvl7pPr>
+            <a:lvl8pPr eaLnBrk="1" hangingPunct="1">
+              <a:defRPr>
+                <a:solidFill>
+                  <a:schemeClr val="tx2"/>
+                </a:solidFill>
+              </a:defRPr>
+            </a:lvl8pPr>
+            <a:lvl9pPr eaLnBrk="1" hangingPunct="1">
+              <a:defRPr>
+                <a:solidFill>
+                  <a:schemeClr val="tx2"/>
+                </a:solidFill>
+              </a:defRPr>
+            </a:lvl9pPr>
+          </a:lstStyle>
+          <a:p>
+            <a:r>
+              <a:rPr lang="en-US" dirty="0"/>
+              <a:t>Limitations</a:t>
+            </a:r>
+          </a:p>
+        </p:txBody>
+      </p:sp>
+      <p:sp>
+        <p:nvSpPr>
+          <p:cNvPr id="6" name="Content Placeholder 2">
+            <a:extLst>
+              <a:ext uri="{FF2B5EF4-FFF2-40B4-BE49-F238E27FC236}">
+                <a16:creationId xmlns:a16="http://schemas.microsoft.com/office/drawing/2014/main" id="{31D3D021-B199-495C-AB77-82FE4AF3148E}"/>
+              </a:ext>
+            </a:extLst>
+          </p:cNvPr>
+          <p:cNvSpPr txBox="1">
+            <a:spLocks/>
+          </p:cNvSpPr>
+          <p:nvPr/>
+        </p:nvSpPr>
+        <p:spPr>
+          <a:xfrm>
+            <a:off x="677335" y="4570415"/>
+            <a:ext cx="8596668" cy="1830385"/>
+          </a:xfrm>
+          <a:prstGeom prst="rect">
+            <a:avLst/>
+          </a:prstGeom>
+        </p:spPr>
+        <p:txBody>
+          <a:bodyPr vert="horz" lIns="91440" tIns="45720" rIns="91440" bIns="45720" rtlCol="0">
+            <a:normAutofit/>
+          </a:bodyPr>
+          <a:lstStyle>
+            <a:lvl1pPr marL="342891" indent="-342891" algn="l" defTabSz="457189" rtl="0" eaLnBrk="1" latinLnBrk="0" hangingPunct="1">
+              <a:spcBef>
+                <a:spcPts val="1000"/>
+              </a:spcBef>
+              <a:spcAft>
+                <a:spcPts val="0"/>
+              </a:spcAft>
+              <a:buClr>
+                <a:schemeClr val="accent1"/>
+              </a:buClr>
+              <a:buSzPct val="80000"/>
+              <a:buFont typeface="Wingdings 3" charset="2"/>
+              <a:buChar char=""/>
+              <a:defRPr sz="1800" kern="1200">
+                <a:solidFill>
+                  <a:schemeClr val="tx1">
+                    <a:lumMod val="75000"/>
+                    <a:lumOff val="25000"/>
+                  </a:schemeClr>
+                </a:solidFill>
+                <a:latin typeface="+mn-lt"/>
+                <a:ea typeface="+mn-ea"/>
+                <a:cs typeface="+mn-cs"/>
+              </a:defRPr>
+            </a:lvl1pPr>
+            <a:lvl2pPr marL="742932" indent="-285744" algn="l" defTabSz="457189" rtl="0" eaLnBrk="1" latinLnBrk="0" hangingPunct="1">
+              <a:spcBef>
+                <a:spcPts val="1000"/>
+              </a:spcBef>
+              <a:spcAft>
+                <a:spcPts val="0"/>
+              </a:spcAft>
+              <a:buClr>
+                <a:schemeClr val="accent1"/>
+              </a:buClr>
+              <a:buSzPct val="80000"/>
+              <a:buFont typeface="Wingdings 3" charset="2"/>
+              <a:buChar char=""/>
+              <a:defRPr sz="1600" kern="1200">
+                <a:solidFill>
+                  <a:schemeClr val="tx1">
+                    <a:lumMod val="75000"/>
+                    <a:lumOff val="25000"/>
+                  </a:schemeClr>
+                </a:solidFill>
+                <a:latin typeface="+mn-lt"/>
+                <a:ea typeface="+mn-ea"/>
+                <a:cs typeface="+mn-cs"/>
+              </a:defRPr>
+            </a:lvl2pPr>
+            <a:lvl3pPr marL="1142971" indent="-228594" algn="l" defTabSz="457189" rtl="0" eaLnBrk="1" latinLnBrk="0" hangingPunct="1">
+              <a:spcBef>
+                <a:spcPts val="1000"/>
+              </a:spcBef>
+              <a:spcAft>
+                <a:spcPts val="0"/>
+              </a:spcAft>
+              <a:buClr>
+                <a:schemeClr val="accent1"/>
+              </a:buClr>
+              <a:buSzPct val="80000"/>
+              <a:buFont typeface="Wingdings 3" charset="2"/>
+              <a:buChar char=""/>
+              <a:defRPr sz="1400" kern="1200">
+                <a:solidFill>
+                  <a:schemeClr val="tx1">
+                    <a:lumMod val="75000"/>
+                    <a:lumOff val="25000"/>
+                  </a:schemeClr>
+                </a:solidFill>
+                <a:latin typeface="+mn-lt"/>
+                <a:ea typeface="+mn-ea"/>
+                <a:cs typeface="+mn-cs"/>
+              </a:defRPr>
+            </a:lvl3pPr>
+            <a:lvl4pPr marL="1600160" indent="-228594" algn="l" defTabSz="457189" rtl="0" eaLnBrk="1" latinLnBrk="0" hangingPunct="1">
+              <a:spcBef>
+                <a:spcPts val="1000"/>
+              </a:spcBef>
+              <a:spcAft>
+                <a:spcPts val="0"/>
+              </a:spcAft>
+              <a:buClr>
+                <a:schemeClr val="accent1"/>
+              </a:buClr>
+              <a:buSzPct val="80000"/>
+              <a:buFont typeface="Wingdings 3" charset="2"/>
+              <a:buChar char=""/>
+              <a:defRPr sz="1200" kern="1200">
+                <a:solidFill>
+                  <a:schemeClr val="tx1">
+                    <a:lumMod val="75000"/>
+                    <a:lumOff val="25000"/>
+                  </a:schemeClr>
+                </a:solidFill>
+                <a:latin typeface="+mn-lt"/>
+                <a:ea typeface="+mn-ea"/>
+                <a:cs typeface="+mn-cs"/>
+              </a:defRPr>
+            </a:lvl4pPr>
+            <a:lvl5pPr marL="2057349" indent="-228594" algn="l" defTabSz="457189" rtl="0" eaLnBrk="1" latinLnBrk="0" hangingPunct="1">
+              <a:spcBef>
+                <a:spcPts val="1000"/>
+              </a:spcBef>
+              <a:spcAft>
+                <a:spcPts val="0"/>
+              </a:spcAft>
+              <a:buClr>
+                <a:schemeClr val="accent1"/>
+              </a:buClr>
+              <a:buSzPct val="80000"/>
+              <a:buFont typeface="Wingdings 3" charset="2"/>
+              <a:buChar char=""/>
+              <a:defRPr sz="1200" kern="1200">
+                <a:solidFill>
+                  <a:schemeClr val="tx1">
+                    <a:lumMod val="75000"/>
+                    <a:lumOff val="25000"/>
+                  </a:schemeClr>
+                </a:solidFill>
+                <a:latin typeface="+mn-lt"/>
+                <a:ea typeface="+mn-ea"/>
+                <a:cs typeface="+mn-cs"/>
+              </a:defRPr>
+            </a:lvl5pPr>
+            <a:lvl6pPr marL="2514537" indent="-228594" algn="l" defTabSz="457189" rtl="0" eaLnBrk="1" latinLnBrk="0" hangingPunct="1">
+              <a:spcBef>
+                <a:spcPts val="1000"/>
+              </a:spcBef>
+              <a:spcAft>
+                <a:spcPts val="0"/>
+              </a:spcAft>
+              <a:buClr>
+                <a:schemeClr val="accent1"/>
+              </a:buClr>
+              <a:buSzPct val="80000"/>
+              <a:buFont typeface="Wingdings 3" charset="2"/>
+              <a:buChar char=""/>
+              <a:defRPr sz="1200" kern="1200">
+                <a:solidFill>
+                  <a:schemeClr val="tx1">
+                    <a:lumMod val="75000"/>
+                    <a:lumOff val="25000"/>
+                  </a:schemeClr>
+                </a:solidFill>
+                <a:latin typeface="+mn-lt"/>
+                <a:ea typeface="+mn-ea"/>
+                <a:cs typeface="+mn-cs"/>
+              </a:defRPr>
+            </a:lvl6pPr>
+            <a:lvl7pPr marL="2971726" indent="-228594" algn="l" defTabSz="457189" rtl="0" eaLnBrk="1" latinLnBrk="0" hangingPunct="1">
+              <a:spcBef>
+                <a:spcPts val="1000"/>
+              </a:spcBef>
+              <a:spcAft>
+                <a:spcPts val="0"/>
+              </a:spcAft>
+              <a:buClr>
+                <a:schemeClr val="accent1"/>
+              </a:buClr>
+              <a:buSzPct val="80000"/>
+              <a:buFont typeface="Wingdings 3" charset="2"/>
+              <a:buChar char=""/>
+              <a:defRPr sz="1200" kern="1200">
+                <a:solidFill>
+                  <a:schemeClr val="tx1">
+                    <a:lumMod val="75000"/>
+                    <a:lumOff val="25000"/>
+                  </a:schemeClr>
+                </a:solidFill>
+                <a:latin typeface="+mn-lt"/>
+                <a:ea typeface="+mn-ea"/>
+                <a:cs typeface="+mn-cs"/>
+              </a:defRPr>
+            </a:lvl7pPr>
+            <a:lvl8pPr marL="3428914" indent="-228594" algn="l" defTabSz="457189" rtl="0" eaLnBrk="1" latinLnBrk="0" hangingPunct="1">
+              <a:spcBef>
+                <a:spcPts val="1000"/>
+              </a:spcBef>
+              <a:spcAft>
+                <a:spcPts val="0"/>
+              </a:spcAft>
+              <a:buClr>
+                <a:schemeClr val="accent1"/>
+              </a:buClr>
+              <a:buSzPct val="80000"/>
+              <a:buFont typeface="Wingdings 3" charset="2"/>
+              <a:buChar char=""/>
+              <a:defRPr sz="1200" kern="1200">
+                <a:solidFill>
+                  <a:schemeClr val="tx1">
+                    <a:lumMod val="75000"/>
+                    <a:lumOff val="25000"/>
+                  </a:schemeClr>
+                </a:solidFill>
+                <a:latin typeface="+mn-lt"/>
+                <a:ea typeface="+mn-ea"/>
+                <a:cs typeface="+mn-cs"/>
+              </a:defRPr>
+            </a:lvl8pPr>
+            <a:lvl9pPr marL="3886103" indent="-228594" algn="l" defTabSz="457189" rtl="0" eaLnBrk="1" latinLnBrk="0" hangingPunct="1">
+              <a:spcBef>
+                <a:spcPts val="1000"/>
+              </a:spcBef>
+              <a:spcAft>
+                <a:spcPts val="0"/>
+              </a:spcAft>
+              <a:buClr>
+                <a:schemeClr val="accent1"/>
+              </a:buClr>
+              <a:buSzPct val="80000"/>
+              <a:buFont typeface="Wingdings 3" charset="2"/>
+              <a:buChar char=""/>
+              <a:defRPr sz="1200" kern="1200">
+                <a:solidFill>
+                  <a:schemeClr val="tx1">
+                    <a:lumMod val="75000"/>
+                    <a:lumOff val="25000"/>
+                  </a:schemeClr>
+                </a:solidFill>
+                <a:latin typeface="+mn-lt"/>
+                <a:ea typeface="+mn-ea"/>
+                <a:cs typeface="+mn-cs"/>
+              </a:defRPr>
+            </a:lvl9pPr>
+          </a:lstStyle>
+          <a:p>
+            <a:r>
+              <a:rPr lang="en-US" dirty="0"/>
+              <a:t>Does it included every storms/ hurricanes that actually occurred?</a:t>
+            </a:r>
+          </a:p>
+          <a:p>
+            <a:r>
+              <a:rPr lang="en-US" dirty="0"/>
+              <a:t>200yrs dataset</a:t>
+            </a:r>
+          </a:p>
+          <a:p>
+            <a:endParaRPr lang="en-US" dirty="0"/>
+          </a:p>
+          <a:p>
+            <a:endParaRPr lang="en-US" dirty="0"/>
+          </a:p>
+          <a:p>
+            <a:endParaRPr lang="en-US" dirty="0"/>
+          </a:p>
+          <a:p>
+            <a:endParaRPr lang="en-US" dirty="0"/>
+          </a:p>
+          <a:p>
+            <a:endParaRPr lang="en-US" dirty="0"/>
+          </a:p>
+        </p:txBody>
+      </p:sp>
+    </p:spTree>
+    <p:extLst>
+      <p:ext uri="{BB962C8B-B14F-4D97-AF65-F5344CB8AC3E}">
+        <p14:creationId xmlns:p14="http://schemas.microsoft.com/office/powerpoint/2010/main" val="1641962416"/>
+      </p:ext>
+    </p:extLst>
+  </p:cSld>
+  <p:clrMapOvr>
+    <a:masterClrMapping/>
+  </p:clrMapOvr>
+  <mc:AlternateContent xmlns:mc="http://schemas.openxmlformats.org/markup-compatibility/2006">
+    <mc:Choice xmlns:p14="http://schemas.microsoft.com/office/powerpoint/2010/main" Requires="p14">
+      <p:transition spd="med" p14:dur="700">
+        <p:fade/>
+      </p:transition>
+    </mc:Choice>
+    <mc:Fallback>
+      <p:transition spd="med">
+        <p:fade/>
+      </p:transition>
+    </mc:Fallback>
+  </mc:AlternateContent>
+</p:sld>
+</file>
+
+<file path=ppt/slides/slide11.xml><?xml version="1.0" encoding="utf-8"?>
+<p:sld xmlns:a="http://schemas.openxmlformats.org/drawingml/2006/main" xmlns:r="http://schemas.openxmlformats.org/officeDocument/2006/relationships" xmlns:p="http://schemas.openxmlformats.org/presentationml/2006/main">
+  <p:cSld>
+    <p:spTree>
+      <p:nvGrpSpPr>
+        <p:cNvPr id="1" name=""/>
+        <p:cNvGrpSpPr/>
+        <p:nvPr/>
+      </p:nvGrpSpPr>
+      <p:grpSpPr>
+        <a:xfrm>
+          <a:off x="0" y="0"/>
+          <a:ext cx="0" cy="0"/>
+          <a:chOff x="0" y="0"/>
+          <a:chExt cx="0" cy="0"/>
+        </a:xfrm>
+      </p:grpSpPr>
+      <p:sp>
+        <p:nvSpPr>
+          <p:cNvPr id="2" name="Title 1">
+            <a:extLst>
+              <a:ext uri="{FF2B5EF4-FFF2-40B4-BE49-F238E27FC236}">
+                <a16:creationId xmlns:a16="http://schemas.microsoft.com/office/drawing/2014/main" id="{E0ED6F48-913C-4AA6-9222-1B06FBF5522E}"/>
+              </a:ext>
+            </a:extLst>
+          </p:cNvPr>
+          <p:cNvSpPr>
+            <a:spLocks noGrp="1"/>
+          </p:cNvSpPr>
+          <p:nvPr>
+            <p:ph type="title"/>
+          </p:nvPr>
+        </p:nvSpPr>
+        <p:spPr/>
+        <p:txBody>
+          <a:bodyPr/>
+          <a:lstStyle/>
+          <a:p>
+            <a:r>
+              <a:rPr lang="en-US" dirty="0"/>
+              <a:t>Summary (Atlantic)</a:t>
+            </a:r>
+          </a:p>
+        </p:txBody>
+      </p:sp>
+      <p:sp>
+        <p:nvSpPr>
+          <p:cNvPr id="3" name="Content Placeholder 2">
+            <a:extLst>
+              <a:ext uri="{FF2B5EF4-FFF2-40B4-BE49-F238E27FC236}">
+                <a16:creationId xmlns:a16="http://schemas.microsoft.com/office/drawing/2014/main" id="{85FA2E1C-6C56-4F26-81A7-BFB8B0A86245}"/>
+              </a:ext>
+            </a:extLst>
+          </p:cNvPr>
+          <p:cNvSpPr>
+            <a:spLocks noGrp="1"/>
+          </p:cNvSpPr>
+          <p:nvPr>
+            <p:ph idx="1"/>
+          </p:nvPr>
+        </p:nvSpPr>
+        <p:spPr>
+          <a:xfrm>
+            <a:off x="677334" y="1270000"/>
+            <a:ext cx="10422465" cy="4457700"/>
+          </a:xfrm>
+        </p:spPr>
+        <p:txBody>
+          <a:bodyPr>
+            <a:normAutofit/>
+          </a:bodyPr>
+          <a:lstStyle/>
+          <a:p>
+            <a:r>
+              <a:rPr lang="en-US" dirty="0"/>
+              <a:t>Increasing Trend of Tropical Storm Occurrence observed</a:t>
+            </a:r>
+          </a:p>
+          <a:p>
+            <a:r>
+              <a:rPr lang="en-US" dirty="0"/>
+              <a:t>No clear trend of Hurricane getting more stronger/ intense over time</a:t>
+            </a:r>
+          </a:p>
+          <a:p>
+            <a:r>
+              <a:rPr lang="en-US" dirty="0"/>
+              <a:t>~50% Hurricanes and ~50% Tropical Storms (200yrs period)</a:t>
+            </a:r>
+          </a:p>
+          <a:p>
+            <a:r>
+              <a:rPr lang="en-US" dirty="0"/>
+              <a:t>Average 105 Tropical Storms per years</a:t>
+            </a:r>
+          </a:p>
+          <a:p>
+            <a:endParaRPr lang="en-US" dirty="0"/>
+          </a:p>
+          <a:p>
+            <a:pPr marL="0" indent="0">
+              <a:buNone/>
+            </a:pPr>
+            <a:r>
+              <a:rPr lang="en-US" dirty="0"/>
+              <a:t>What else:</a:t>
+            </a:r>
+          </a:p>
+          <a:p>
+            <a:r>
+              <a:rPr lang="en-US" dirty="0"/>
+              <a:t>Pacific Analysis</a:t>
+            </a:r>
+          </a:p>
+          <a:p>
+            <a:r>
+              <a:rPr lang="en-US" dirty="0"/>
+              <a:t>Factors affect Hurricane besides Global Warming</a:t>
+            </a:r>
+          </a:p>
+          <a:p>
+            <a:r>
+              <a:rPr lang="en-US" dirty="0"/>
+              <a:t>Expand Dataset into millennium: Has it been like this even before industrial revolution?</a:t>
+            </a:r>
+          </a:p>
+          <a:p>
+            <a:r>
+              <a:rPr lang="en-US" dirty="0"/>
+              <a:t>Analyze hurricane energy for better resolution of hurricane severity</a:t>
+            </a:r>
+          </a:p>
+        </p:txBody>
+      </p:sp>
+    </p:spTree>
+    <p:extLst>
+      <p:ext uri="{BB962C8B-B14F-4D97-AF65-F5344CB8AC3E}">
+        <p14:creationId xmlns:p14="http://schemas.microsoft.com/office/powerpoint/2010/main" val="1484925481"/>
+      </p:ext>
+    </p:extLst>
+  </p:cSld>
+  <p:clrMapOvr>
+    <a:masterClrMapping/>
+  </p:clrMapOvr>
+  <mc:AlternateContent xmlns:mc="http://schemas.openxmlformats.org/markup-compatibility/2006">
+    <mc:Choice xmlns:p14="http://schemas.microsoft.com/office/powerpoint/2010/main" Requires="p14">
+      <p:transition spd="med" p14:dur="700">
+        <p:fade/>
+      </p:transition>
+    </mc:Choice>
+    <mc:Fallback>
+      <p:transition spd="med">
+        <p:fade/>
+      </p:transition>
+    </mc:Fallback>
+  </mc:AlternateContent>
+  <p:timing>
+    <p:tnLst>
+      <p:par>
+        <p:cTn id="1" dur="indefinite" restart="never" nodeType="tmRoot">
+          <p:childTnLst>
+            <p:seq concurrent="1" nextAc="seek">
+              <p:cTn id="2" dur="indefinite" nodeType="mainSeq">
+                <p:childTnLst>
+                  <p:par>
+                    <p:cTn id="3" fill="hold">
+                      <p:stCondLst>
+                        <p:cond delay="indefinite"/>
+                      </p:stCondLst>
+                      <p:childTnLst>
+                        <p:par>
+                          <p:cTn id="4" fill="hold">
+                            <p:stCondLst>
+                              <p:cond delay="0"/>
+                            </p:stCondLst>
+                            <p:childTnLst>
+                              <p:par>
+                                <p:cTn id="5" presetID="2" presetClass="entr" presetSubtype="8" fill="hold" nodeType="clickEffect">
+                                  <p:stCondLst>
+                                    <p:cond delay="500"/>
+                                  </p:stCondLst>
+                                  <p:childTnLst>
+                                    <p:set>
+                                      <p:cBhvr>
+                                        <p:cTn id="6" dur="1" fill="hold">
+                                          <p:stCondLst>
+                                            <p:cond delay="0"/>
+                                          </p:stCondLst>
+                                        </p:cTn>
+                                        <p:tgtEl>
+                                          <p:spTgt spid="3">
+                                            <p:txEl>
+                                              <p:pRg st="0" end="0"/>
+                                            </p:txEl>
+                                          </p:spTgt>
+                                        </p:tgtEl>
+                                        <p:attrNameLst>
+                                          <p:attrName>style.visibility</p:attrName>
+                                        </p:attrNameLst>
+                                      </p:cBhvr>
+                                      <p:to>
+                                        <p:strVal val="visible"/>
+                                      </p:to>
+                                    </p:set>
+                                    <p:anim calcmode="lin" valueType="num">
+                                      <p:cBhvr additive="base">
+                                        <p:cTn id="7" dur="500" fill="hold"/>
+                                        <p:tgtEl>
+                                          <p:spTgt spid="3">
+                                            <p:txEl>
+                                              <p:pRg st="0" end="0"/>
+                                            </p:txEl>
+                                          </p:spTgt>
+                                        </p:tgtEl>
+                                        <p:attrNameLst>
+                                          <p:attrName>ppt_x</p:attrName>
+                                        </p:attrNameLst>
+                                      </p:cBhvr>
+                                      <p:tavLst>
+                                        <p:tav tm="0">
+                                          <p:val>
+                                            <p:strVal val="0-#ppt_w/2"/>
+                                          </p:val>
+                                        </p:tav>
+                                        <p:tav tm="100000">
+                                          <p:val>
+                                            <p:strVal val="#ppt_x"/>
+                                          </p:val>
+                                        </p:tav>
+                                      </p:tavLst>
+                                    </p:anim>
+                                    <p:anim calcmode="lin" valueType="num">
+                                      <p:cBhvr additive="base">
+                                        <p:cTn id="8" dur="500" fill="hold"/>
+                                        <p:tgtEl>
+                                          <p:spTgt spid="3">
+                                            <p:txEl>
+                                              <p:pRg st="0" end="0"/>
+                                            </p:txEl>
+                                          </p:spTgt>
+                                        </p:tgtEl>
+                                        <p:attrNameLst>
+                                          <p:attrName>ppt_y</p:attrName>
+                                        </p:attrNameLst>
+                                      </p:cBhvr>
+                                      <p:tavLst>
+                                        <p:tav tm="0">
+                                          <p:val>
+                                            <p:strVal val="#ppt_y"/>
+                                          </p:val>
+                                        </p:tav>
+                                        <p:tav tm="100000">
+                                          <p:val>
+                                            <p:strVal val="#ppt_y"/>
+                                          </p:val>
+                                        </p:tav>
+                                      </p:tavLst>
+                                    </p:anim>
+                                  </p:childTnLst>
+                                </p:cTn>
+                              </p:par>
+                            </p:childTnLst>
+                          </p:cTn>
+                        </p:par>
+                        <p:par>
+                          <p:cTn id="9" fill="hold">
+                            <p:stCondLst>
+                              <p:cond delay="1000"/>
+                            </p:stCondLst>
+                            <p:childTnLst>
+                              <p:par>
+                                <p:cTn id="10" presetID="2" presetClass="entr" presetSubtype="8" fill="hold" nodeType="afterEffect">
+                                  <p:stCondLst>
+                                    <p:cond delay="500"/>
+                                  </p:stCondLst>
+                                  <p:childTnLst>
+                                    <p:set>
+                                      <p:cBhvr>
+                                        <p:cTn id="11" dur="1" fill="hold">
+                                          <p:stCondLst>
+                                            <p:cond delay="0"/>
+                                          </p:stCondLst>
+                                        </p:cTn>
+                                        <p:tgtEl>
+                                          <p:spTgt spid="3">
+                                            <p:txEl>
+                                              <p:pRg st="1" end="1"/>
+                                            </p:txEl>
+                                          </p:spTgt>
+                                        </p:tgtEl>
+                                        <p:attrNameLst>
+                                          <p:attrName>style.visibility</p:attrName>
+                                        </p:attrNameLst>
+                                      </p:cBhvr>
+                                      <p:to>
+                                        <p:strVal val="visible"/>
+                                      </p:to>
+                                    </p:set>
+                                    <p:anim calcmode="lin" valueType="num">
+                                      <p:cBhvr additive="base">
+                                        <p:cTn id="12" dur="500" fill="hold"/>
+                                        <p:tgtEl>
+                                          <p:spTgt spid="3">
+                                            <p:txEl>
+                                              <p:pRg st="1" end="1"/>
+                                            </p:txEl>
+                                          </p:spTgt>
+                                        </p:tgtEl>
+                                        <p:attrNameLst>
+                                          <p:attrName>ppt_x</p:attrName>
+                                        </p:attrNameLst>
+                                      </p:cBhvr>
+                                      <p:tavLst>
+                                        <p:tav tm="0">
+                                          <p:val>
+                                            <p:strVal val="0-#ppt_w/2"/>
+                                          </p:val>
+                                        </p:tav>
+                                        <p:tav tm="100000">
+                                          <p:val>
+                                            <p:strVal val="#ppt_x"/>
+                                          </p:val>
+                                        </p:tav>
+                                      </p:tavLst>
+                                    </p:anim>
+                                    <p:anim calcmode="lin" valueType="num">
+                                      <p:cBhvr additive="base">
+                                        <p:cTn id="13" dur="500" fill="hold"/>
+                                        <p:tgtEl>
+                                          <p:spTgt spid="3">
+                                            <p:txEl>
+                                              <p:pRg st="1" end="1"/>
+                                            </p:txEl>
+                                          </p:spTgt>
+                                        </p:tgtEl>
+                                        <p:attrNameLst>
+                                          <p:attrName>ppt_y</p:attrName>
+                                        </p:attrNameLst>
+                                      </p:cBhvr>
+                                      <p:tavLst>
+                                        <p:tav tm="0">
+                                          <p:val>
+                                            <p:strVal val="#ppt_y"/>
+                                          </p:val>
+                                        </p:tav>
+                                        <p:tav tm="100000">
+                                          <p:val>
+                                            <p:strVal val="#ppt_y"/>
+                                          </p:val>
+                                        </p:tav>
+                                      </p:tavLst>
+                                    </p:anim>
+                                  </p:childTnLst>
+                                </p:cTn>
+                              </p:par>
+                            </p:childTnLst>
+                          </p:cTn>
+                        </p:par>
+                        <p:par>
+                          <p:cTn id="14" fill="hold">
+                            <p:stCondLst>
+                              <p:cond delay="2000"/>
+                            </p:stCondLst>
+                            <p:childTnLst>
+                              <p:par>
+                                <p:cTn id="15" presetID="2" presetClass="entr" presetSubtype="8" fill="hold" nodeType="afterEffect">
+                                  <p:stCondLst>
+                                    <p:cond delay="500"/>
+                                  </p:stCondLst>
+                                  <p:childTnLst>
+                                    <p:set>
+                                      <p:cBhvr>
+                                        <p:cTn id="16" dur="1" fill="hold">
+                                          <p:stCondLst>
+                                            <p:cond delay="0"/>
+                                          </p:stCondLst>
+                                        </p:cTn>
+                                        <p:tgtEl>
+                                          <p:spTgt spid="3">
+                                            <p:txEl>
+                                              <p:pRg st="2" end="2"/>
+                                            </p:txEl>
+                                          </p:spTgt>
+                                        </p:tgtEl>
+                                        <p:attrNameLst>
+                                          <p:attrName>style.visibility</p:attrName>
+                                        </p:attrNameLst>
+                                      </p:cBhvr>
+                                      <p:to>
+                                        <p:strVal val="visible"/>
+                                      </p:to>
+                                    </p:set>
+                                    <p:anim calcmode="lin" valueType="num">
+                                      <p:cBhvr additive="base">
+                                        <p:cTn id="17" dur="500" fill="hold"/>
+                                        <p:tgtEl>
+                                          <p:spTgt spid="3">
+                                            <p:txEl>
+                                              <p:pRg st="2" end="2"/>
+                                            </p:txEl>
+                                          </p:spTgt>
+                                        </p:tgtEl>
+                                        <p:attrNameLst>
+                                          <p:attrName>ppt_x</p:attrName>
+                                        </p:attrNameLst>
+                                      </p:cBhvr>
+                                      <p:tavLst>
+                                        <p:tav tm="0">
+                                          <p:val>
+                                            <p:strVal val="0-#ppt_w/2"/>
+                                          </p:val>
+                                        </p:tav>
+                                        <p:tav tm="100000">
+                                          <p:val>
+                                            <p:strVal val="#ppt_x"/>
+                                          </p:val>
+                                        </p:tav>
+                                      </p:tavLst>
+                                    </p:anim>
+                                    <p:anim calcmode="lin" valueType="num">
+                                      <p:cBhvr additive="base">
+                                        <p:cTn id="18" dur="500" fill="hold"/>
+                                        <p:tgtEl>
+                                          <p:spTgt spid="3">
+                                            <p:txEl>
+                                              <p:pRg st="2" end="2"/>
+                                            </p:txEl>
+                                          </p:spTgt>
+                                        </p:tgtEl>
+                                        <p:attrNameLst>
+                                          <p:attrName>ppt_y</p:attrName>
+                                        </p:attrNameLst>
+                                      </p:cBhvr>
+                                      <p:tavLst>
+                                        <p:tav tm="0">
+                                          <p:val>
+                                            <p:strVal val="#ppt_y"/>
+                                          </p:val>
+                                        </p:tav>
+                                        <p:tav tm="100000">
+                                          <p:val>
+                                            <p:strVal val="#ppt_y"/>
+                                          </p:val>
+                                        </p:tav>
+                                      </p:tavLst>
+                                    </p:anim>
+                                  </p:childTnLst>
+                                </p:cTn>
+                              </p:par>
+                            </p:childTnLst>
+                          </p:cTn>
+                        </p:par>
+                        <p:par>
+                          <p:cTn id="19" fill="hold">
+                            <p:stCondLst>
+                              <p:cond delay="3000"/>
+                            </p:stCondLst>
+                            <p:childTnLst>
+                              <p:par>
+                                <p:cTn id="20" presetID="2" presetClass="entr" presetSubtype="8" fill="hold" nodeType="afterEffect">
+                                  <p:stCondLst>
+                                    <p:cond delay="200"/>
+                                  </p:stCondLst>
+                                  <p:childTnLst>
+                                    <p:set>
+                                      <p:cBhvr>
+                                        <p:cTn id="21" dur="1" fill="hold">
+                                          <p:stCondLst>
+                                            <p:cond delay="0"/>
+                                          </p:stCondLst>
+                                        </p:cTn>
+                                        <p:tgtEl>
+                                          <p:spTgt spid="3">
+                                            <p:txEl>
+                                              <p:pRg st="3" end="3"/>
+                                            </p:txEl>
+                                          </p:spTgt>
+                                        </p:tgtEl>
+                                        <p:attrNameLst>
+                                          <p:attrName>style.visibility</p:attrName>
+                                        </p:attrNameLst>
+                                      </p:cBhvr>
+                                      <p:to>
+                                        <p:strVal val="visible"/>
+                                      </p:to>
+                                    </p:set>
+                                    <p:anim calcmode="lin" valueType="num">
+                                      <p:cBhvr additive="base">
+                                        <p:cTn id="22" dur="300" fill="hold"/>
+                                        <p:tgtEl>
+                                          <p:spTgt spid="3">
+                                            <p:txEl>
+                                              <p:pRg st="3" end="3"/>
+                                            </p:txEl>
+                                          </p:spTgt>
+                                        </p:tgtEl>
+                                        <p:attrNameLst>
+                                          <p:attrName>ppt_x</p:attrName>
+                                        </p:attrNameLst>
+                                      </p:cBhvr>
+                                      <p:tavLst>
+                                        <p:tav tm="0">
+                                          <p:val>
+                                            <p:strVal val="0-#ppt_w/2"/>
+                                          </p:val>
+                                        </p:tav>
+                                        <p:tav tm="100000">
+                                          <p:val>
+                                            <p:strVal val="#ppt_x"/>
+                                          </p:val>
+                                        </p:tav>
+                                      </p:tavLst>
+                                    </p:anim>
+                                    <p:anim calcmode="lin" valueType="num">
+                                      <p:cBhvr additive="base">
+                                        <p:cTn id="23" dur="300" fill="hold"/>
+                                        <p:tgtEl>
+                                          <p:spTgt spid="3">
+                                            <p:txEl>
+                                              <p:pRg st="3" end="3"/>
+                                            </p:txEl>
+                                          </p:spTgt>
+                                        </p:tgtEl>
+                                        <p:attrNameLst>
+                                          <p:attrName>ppt_y</p:attrName>
+                                        </p:attrNameLst>
+                                      </p:cBhvr>
+                                      <p:tavLst>
+                                        <p:tav tm="0">
+                                          <p:val>
+                                            <p:strVal val="#ppt_y"/>
+                                          </p:val>
+                                        </p:tav>
+                                        <p:tav tm="100000">
+                                          <p:val>
+                                            <p:strVal val="#ppt_y"/>
+                                          </p:val>
+                                        </p:tav>
+                                      </p:tavLst>
+                                    </p:anim>
+                                  </p:childTnLst>
+                                </p:cTn>
+                              </p:par>
+                            </p:childTnLst>
+                          </p:cTn>
+                        </p:par>
+                        <p:par>
+                          <p:cTn id="24" fill="hold">
+                            <p:stCondLst>
+                              <p:cond delay="3500"/>
+                            </p:stCondLst>
+                            <p:childTnLst>
+                              <p:par>
+                                <p:cTn id="25" presetID="2" presetClass="entr" presetSubtype="8" fill="hold" nodeType="afterEffect">
+                                  <p:stCondLst>
+                                    <p:cond delay="0"/>
+                                  </p:stCondLst>
+                                  <p:childTnLst>
+                                    <p:set>
+                                      <p:cBhvr>
+                                        <p:cTn id="26" dur="1" fill="hold">
+                                          <p:stCondLst>
+                                            <p:cond delay="0"/>
+                                          </p:stCondLst>
+                                        </p:cTn>
+                                        <p:tgtEl>
+                                          <p:spTgt spid="3">
+                                            <p:txEl>
+                                              <p:pRg st="5" end="5"/>
+                                            </p:txEl>
+                                          </p:spTgt>
+                                        </p:tgtEl>
+                                        <p:attrNameLst>
+                                          <p:attrName>style.visibility</p:attrName>
+                                        </p:attrNameLst>
+                                      </p:cBhvr>
+                                      <p:to>
+                                        <p:strVal val="visible"/>
+                                      </p:to>
+                                    </p:set>
+                                    <p:anim calcmode="lin" valueType="num">
+                                      <p:cBhvr additive="base">
+                                        <p:cTn id="27" dur="500" fill="hold"/>
+                                        <p:tgtEl>
+                                          <p:spTgt spid="3">
+                                            <p:txEl>
+                                              <p:pRg st="5" end="5"/>
+                                            </p:txEl>
+                                          </p:spTgt>
+                                        </p:tgtEl>
+                                        <p:attrNameLst>
+                                          <p:attrName>ppt_x</p:attrName>
+                                        </p:attrNameLst>
+                                      </p:cBhvr>
+                                      <p:tavLst>
+                                        <p:tav tm="0">
+                                          <p:val>
+                                            <p:strVal val="0-#ppt_w/2"/>
+                                          </p:val>
+                                        </p:tav>
+                                        <p:tav tm="100000">
+                                          <p:val>
+                                            <p:strVal val="#ppt_x"/>
+                                          </p:val>
+                                        </p:tav>
+                                      </p:tavLst>
+                                    </p:anim>
+                                    <p:anim calcmode="lin" valueType="num">
+                                      <p:cBhvr additive="base">
+                                        <p:cTn id="28" dur="500" fill="hold"/>
+                                        <p:tgtEl>
+                                          <p:spTgt spid="3">
+                                            <p:txEl>
+                                              <p:pRg st="5" end="5"/>
+                                            </p:txEl>
+                                          </p:spTgt>
+                                        </p:tgtEl>
+                                        <p:attrNameLst>
+                                          <p:attrName>ppt_y</p:attrName>
+                                        </p:attrNameLst>
+                                      </p:cBhvr>
+                                      <p:tavLst>
+                                        <p:tav tm="0">
+                                          <p:val>
+                                            <p:strVal val="#ppt_y"/>
+                                          </p:val>
+                                        </p:tav>
+                                        <p:tav tm="100000">
+                                          <p:val>
+                                            <p:strVal val="#ppt_y"/>
+                                          </p:val>
+                                        </p:tav>
+                                      </p:tavLst>
+                                    </p:anim>
+                                  </p:childTnLst>
+                                </p:cTn>
+                              </p:par>
+                            </p:childTnLst>
+                          </p:cTn>
+                        </p:par>
+                        <p:par>
+                          <p:cTn id="29" fill="hold">
+                            <p:stCondLst>
+                              <p:cond delay="4000"/>
+                            </p:stCondLst>
+                            <p:childTnLst>
+                              <p:par>
+                                <p:cTn id="30" presetID="2" presetClass="entr" presetSubtype="8" fill="hold" nodeType="afterEffect">
+                                  <p:stCondLst>
+                                    <p:cond delay="0"/>
+                                  </p:stCondLst>
+                                  <p:childTnLst>
+                                    <p:set>
+                                      <p:cBhvr>
+                                        <p:cTn id="31" dur="1" fill="hold">
+                                          <p:stCondLst>
+                                            <p:cond delay="0"/>
+                                          </p:stCondLst>
+                                        </p:cTn>
+                                        <p:tgtEl>
+                                          <p:spTgt spid="3">
+                                            <p:txEl>
+                                              <p:pRg st="6" end="6"/>
+                                            </p:txEl>
+                                          </p:spTgt>
+                                        </p:tgtEl>
+                                        <p:attrNameLst>
+                                          <p:attrName>style.visibility</p:attrName>
+                                        </p:attrNameLst>
+                                      </p:cBhvr>
+                                      <p:to>
+                                        <p:strVal val="visible"/>
+                                      </p:to>
+                                    </p:set>
+                                    <p:anim calcmode="lin" valueType="num">
+                                      <p:cBhvr additive="base">
+                                        <p:cTn id="32" dur="500" fill="hold"/>
+                                        <p:tgtEl>
+                                          <p:spTgt spid="3">
+                                            <p:txEl>
+                                              <p:pRg st="6" end="6"/>
+                                            </p:txEl>
+                                          </p:spTgt>
+                                        </p:tgtEl>
+                                        <p:attrNameLst>
+                                          <p:attrName>ppt_x</p:attrName>
+                                        </p:attrNameLst>
+                                      </p:cBhvr>
+                                      <p:tavLst>
+                                        <p:tav tm="0">
+                                          <p:val>
+                                            <p:strVal val="0-#ppt_w/2"/>
+                                          </p:val>
+                                        </p:tav>
+                                        <p:tav tm="100000">
+                                          <p:val>
+                                            <p:strVal val="#ppt_x"/>
+                                          </p:val>
+                                        </p:tav>
+                                      </p:tavLst>
+                                    </p:anim>
+                                    <p:anim calcmode="lin" valueType="num">
+                                      <p:cBhvr additive="base">
+                                        <p:cTn id="33" dur="500" fill="hold"/>
+                                        <p:tgtEl>
+                                          <p:spTgt spid="3">
+                                            <p:txEl>
+                                              <p:pRg st="6" end="6"/>
+                                            </p:txEl>
+                                          </p:spTgt>
+                                        </p:tgtEl>
+                                        <p:attrNameLst>
+                                          <p:attrName>ppt_y</p:attrName>
+                                        </p:attrNameLst>
+                                      </p:cBhvr>
+                                      <p:tavLst>
+                                        <p:tav tm="0">
+                                          <p:val>
+                                            <p:strVal val="#ppt_y"/>
+                                          </p:val>
+                                        </p:tav>
+                                        <p:tav tm="100000">
+                                          <p:val>
+                                            <p:strVal val="#ppt_y"/>
+                                          </p:val>
+                                        </p:tav>
+                                      </p:tavLst>
+                                    </p:anim>
+                                  </p:childTnLst>
+                                </p:cTn>
+                              </p:par>
+                            </p:childTnLst>
+                          </p:cTn>
+                        </p:par>
+                        <p:par>
+                          <p:cTn id="34" fill="hold">
+                            <p:stCondLst>
+                              <p:cond delay="4500"/>
+                            </p:stCondLst>
+                            <p:childTnLst>
+                              <p:par>
+                                <p:cTn id="35" presetID="2" presetClass="entr" presetSubtype="8" fill="hold" nodeType="afterEffect">
+                                  <p:stCondLst>
+                                    <p:cond delay="0"/>
+                                  </p:stCondLst>
+                                  <p:childTnLst>
+                                    <p:set>
+                                      <p:cBhvr>
+                                        <p:cTn id="36" dur="1" fill="hold">
+                                          <p:stCondLst>
+                                            <p:cond delay="0"/>
+                                          </p:stCondLst>
+                                        </p:cTn>
+                                        <p:tgtEl>
+                                          <p:spTgt spid="3">
+                                            <p:txEl>
+                                              <p:pRg st="7" end="7"/>
+                                            </p:txEl>
+                                          </p:spTgt>
+                                        </p:tgtEl>
+                                        <p:attrNameLst>
+                                          <p:attrName>style.visibility</p:attrName>
+                                        </p:attrNameLst>
+                                      </p:cBhvr>
+                                      <p:to>
+                                        <p:strVal val="visible"/>
+                                      </p:to>
+                                    </p:set>
+                                    <p:anim calcmode="lin" valueType="num">
+                                      <p:cBhvr additive="base">
+                                        <p:cTn id="37" dur="500" fill="hold"/>
+                                        <p:tgtEl>
+                                          <p:spTgt spid="3">
+                                            <p:txEl>
+                                              <p:pRg st="7" end="7"/>
+                                            </p:txEl>
+                                          </p:spTgt>
+                                        </p:tgtEl>
+                                        <p:attrNameLst>
+                                          <p:attrName>ppt_x</p:attrName>
+                                        </p:attrNameLst>
+                                      </p:cBhvr>
+                                      <p:tavLst>
+                                        <p:tav tm="0">
+                                          <p:val>
+                                            <p:strVal val="0-#ppt_w/2"/>
+                                          </p:val>
+                                        </p:tav>
+                                        <p:tav tm="100000">
+                                          <p:val>
+                                            <p:strVal val="#ppt_x"/>
+                                          </p:val>
+                                        </p:tav>
+                                      </p:tavLst>
+                                    </p:anim>
+                                    <p:anim calcmode="lin" valueType="num">
+                                      <p:cBhvr additive="base">
+                                        <p:cTn id="38" dur="500" fill="hold"/>
+                                        <p:tgtEl>
+                                          <p:spTgt spid="3">
+                                            <p:txEl>
+                                              <p:pRg st="7" end="7"/>
+                                            </p:txEl>
+                                          </p:spTgt>
+                                        </p:tgtEl>
+                                        <p:attrNameLst>
+                                          <p:attrName>ppt_y</p:attrName>
+                                        </p:attrNameLst>
+                                      </p:cBhvr>
+                                      <p:tavLst>
+                                        <p:tav tm="0">
+                                          <p:val>
+                                            <p:strVal val="#ppt_y"/>
+                                          </p:val>
+                                        </p:tav>
+                                        <p:tav tm="100000">
+                                          <p:val>
+                                            <p:strVal val="#ppt_y"/>
+                                          </p:val>
+                                        </p:tav>
+                                      </p:tavLst>
+                                    </p:anim>
+                                  </p:childTnLst>
+                                </p:cTn>
+                              </p:par>
+                            </p:childTnLst>
+                          </p:cTn>
+                        </p:par>
+                        <p:par>
+                          <p:cTn id="39" fill="hold">
+                            <p:stCondLst>
+                              <p:cond delay="5000"/>
+                            </p:stCondLst>
+                            <p:childTnLst>
+                              <p:par>
+                                <p:cTn id="40" presetID="2" presetClass="entr" presetSubtype="8" fill="hold" nodeType="afterEffect">
+                                  <p:stCondLst>
+                                    <p:cond delay="0"/>
+                                  </p:stCondLst>
+                                  <p:childTnLst>
+                                    <p:set>
+                                      <p:cBhvr>
+                                        <p:cTn id="41" dur="1" fill="hold">
+                                          <p:stCondLst>
+                                            <p:cond delay="0"/>
+                                          </p:stCondLst>
+                                        </p:cTn>
+                                        <p:tgtEl>
+                                          <p:spTgt spid="3">
+                                            <p:txEl>
+                                              <p:pRg st="8" end="8"/>
+                                            </p:txEl>
+                                          </p:spTgt>
+                                        </p:tgtEl>
+                                        <p:attrNameLst>
+                                          <p:attrName>style.visibility</p:attrName>
+                                        </p:attrNameLst>
+                                      </p:cBhvr>
+                                      <p:to>
+                                        <p:strVal val="visible"/>
+                                      </p:to>
+                                    </p:set>
+                                    <p:anim calcmode="lin" valueType="num">
+                                      <p:cBhvr additive="base">
+                                        <p:cTn id="42" dur="500" fill="hold"/>
+                                        <p:tgtEl>
+                                          <p:spTgt spid="3">
+                                            <p:txEl>
+                                              <p:pRg st="8" end="8"/>
+                                            </p:txEl>
+                                          </p:spTgt>
+                                        </p:tgtEl>
+                                        <p:attrNameLst>
+                                          <p:attrName>ppt_x</p:attrName>
+                                        </p:attrNameLst>
+                                      </p:cBhvr>
+                                      <p:tavLst>
+                                        <p:tav tm="0">
+                                          <p:val>
+                                            <p:strVal val="0-#ppt_w/2"/>
+                                          </p:val>
+                                        </p:tav>
+                                        <p:tav tm="100000">
+                                          <p:val>
+                                            <p:strVal val="#ppt_x"/>
+                                          </p:val>
+                                        </p:tav>
+                                      </p:tavLst>
+                                    </p:anim>
+                                    <p:anim calcmode="lin" valueType="num">
+                                      <p:cBhvr additive="base">
+                                        <p:cTn id="43" dur="500" fill="hold"/>
+                                        <p:tgtEl>
+                                          <p:spTgt spid="3">
+                                            <p:txEl>
+                                              <p:pRg st="8" end="8"/>
+                                            </p:txEl>
+                                          </p:spTgt>
+                                        </p:tgtEl>
+                                        <p:attrNameLst>
+                                          <p:attrName>ppt_y</p:attrName>
+                                        </p:attrNameLst>
+                                      </p:cBhvr>
+                                      <p:tavLst>
+                                        <p:tav tm="0">
+                                          <p:val>
+                                            <p:strVal val="#ppt_y"/>
+                                          </p:val>
+                                        </p:tav>
+                                        <p:tav tm="100000">
+                                          <p:val>
+                                            <p:strVal val="#ppt_y"/>
+                                          </p:val>
+                                        </p:tav>
+                                      </p:tavLst>
+                                    </p:anim>
+                                  </p:childTnLst>
+                                </p:cTn>
+                              </p:par>
+                            </p:childTnLst>
+                          </p:cTn>
+                        </p:par>
+                        <p:par>
+                          <p:cTn id="44" fill="hold">
+                            <p:stCondLst>
+                              <p:cond delay="5500"/>
+                            </p:stCondLst>
+                            <p:childTnLst>
+                              <p:par>
+                                <p:cTn id="45" presetID="2" presetClass="entr" presetSubtype="8" fill="hold" nodeType="afterEffect">
+                                  <p:stCondLst>
+                                    <p:cond delay="0"/>
+                                  </p:stCondLst>
+                                  <p:childTnLst>
+                                    <p:set>
+                                      <p:cBhvr>
+                                        <p:cTn id="46" dur="1" fill="hold">
+                                          <p:stCondLst>
+                                            <p:cond delay="0"/>
+                                          </p:stCondLst>
+                                        </p:cTn>
+                                        <p:tgtEl>
+                                          <p:spTgt spid="3">
+                                            <p:txEl>
+                                              <p:pRg st="9" end="9"/>
+                                            </p:txEl>
+                                          </p:spTgt>
+                                        </p:tgtEl>
+                                        <p:attrNameLst>
+                                          <p:attrName>style.visibility</p:attrName>
+                                        </p:attrNameLst>
+                                      </p:cBhvr>
+                                      <p:to>
+                                        <p:strVal val="visible"/>
+                                      </p:to>
+                                    </p:set>
+                                    <p:anim calcmode="lin" valueType="num">
+                                      <p:cBhvr additive="base">
+                                        <p:cTn id="47" dur="500" fill="hold"/>
+                                        <p:tgtEl>
+                                          <p:spTgt spid="3">
+                                            <p:txEl>
+                                              <p:pRg st="9" end="9"/>
+                                            </p:txEl>
+                                          </p:spTgt>
+                                        </p:tgtEl>
+                                        <p:attrNameLst>
+                                          <p:attrName>ppt_x</p:attrName>
+                                        </p:attrNameLst>
+                                      </p:cBhvr>
+                                      <p:tavLst>
+                                        <p:tav tm="0">
+                                          <p:val>
+                                            <p:strVal val="0-#ppt_w/2"/>
+                                          </p:val>
+                                        </p:tav>
+                                        <p:tav tm="100000">
+                                          <p:val>
+                                            <p:strVal val="#ppt_x"/>
+                                          </p:val>
+                                        </p:tav>
+                                      </p:tavLst>
+                                    </p:anim>
+                                    <p:anim calcmode="lin" valueType="num">
+                                      <p:cBhvr additive="base">
+                                        <p:cTn id="48" dur="500" fill="hold"/>
+                                        <p:tgtEl>
+                                          <p:spTgt spid="3">
+                                            <p:txEl>
+                                              <p:pRg st="9" end="9"/>
+                                            </p:txEl>
+                                          </p:spTgt>
+                                        </p:tgtEl>
+                                        <p:attrNameLst>
+                                          <p:attrName>ppt_y</p:attrName>
+                                        </p:attrNameLst>
+                                      </p:cBhvr>
+                                      <p:tavLst>
+                                        <p:tav tm="0">
+                                          <p:val>
+                                            <p:strVal val="#ppt_y"/>
+                                          </p:val>
+                                        </p:tav>
+                                        <p:tav tm="100000">
+                                          <p:val>
+                                            <p:strVal val="#ppt_y"/>
+                                          </p:val>
+                                        </p:tav>
+                                      </p:tavLst>
+                                    </p:anim>
+                                  </p:childTnLst>
+                                </p:cTn>
+                              </p:par>
+                            </p:childTnLst>
+                          </p:cTn>
+                        </p:par>
+                      </p:childTnLst>
+                    </p:cTn>
+                  </p:par>
+                </p:childTnLst>
+              </p:cTn>
+              <p:prevCondLst>
+                <p:cond evt="onPrev" delay="0">
+                  <p:tgtEl>
+                    <p:sldTgt/>
+                  </p:tgtEl>
+                </p:cond>
+              </p:prevCondLst>
+              <p:nextCondLst>
+                <p:cond evt="onNext" delay="0">
+                  <p:tgtEl>
+                    <p:sldTgt/>
+                  </p:tgtEl>
+                </p:cond>
+              </p:nextCondLst>
+            </p:seq>
+          </p:childTnLst>
+        </p:cTn>
+      </p:par>
+    </p:tnLst>
+  </p:timing>
+</p:sld>
+</file>
+
+<file path=ppt/slides/slide12.xml><?xml version="1.0" encoding="utf-8"?>
+<p:sld xmlns:a="http://schemas.openxmlformats.org/drawingml/2006/main" xmlns:r="http://schemas.openxmlformats.org/officeDocument/2006/relationships" xmlns:p="http://schemas.openxmlformats.org/presentationml/2006/main">
+  <p:cSld>
+    <p:spTree>
+      <p:nvGrpSpPr>
+        <p:cNvPr id="1" name=""/>
+        <p:cNvGrpSpPr/>
+        <p:nvPr/>
+      </p:nvGrpSpPr>
+      <p:grpSpPr>
+        <a:xfrm>
+          <a:off x="0" y="0"/>
+          <a:ext cx="0" cy="0"/>
+          <a:chOff x="0" y="0"/>
+          <a:chExt cx="0" cy="0"/>
+        </a:xfrm>
+      </p:grpSpPr>
+      <p:sp>
+        <p:nvSpPr>
+          <p:cNvPr id="2" name="Title 1">
+            <a:extLst>
+              <a:ext uri="{FF2B5EF4-FFF2-40B4-BE49-F238E27FC236}">
+                <a16:creationId xmlns:a16="http://schemas.microsoft.com/office/drawing/2014/main" id="{E0ED6F48-913C-4AA6-9222-1B06FBF5522E}"/>
+              </a:ext>
+            </a:extLst>
+          </p:cNvPr>
+          <p:cNvSpPr>
+            <a:spLocks noGrp="1"/>
+          </p:cNvSpPr>
+          <p:nvPr>
+            <p:ph type="title"/>
+          </p:nvPr>
+        </p:nvSpPr>
+        <p:spPr>
+          <a:xfrm>
+            <a:off x="934510" y="1438274"/>
+            <a:ext cx="8596668" cy="3724275"/>
+          </a:xfrm>
+        </p:spPr>
+        <p:txBody>
+          <a:bodyPr>
+            <a:normAutofit/>
+          </a:bodyPr>
+          <a:lstStyle/>
+          <a:p>
+            <a:pPr algn="ctr"/>
+            <a:r>
+              <a:rPr lang="en-US" sz="6600" dirty="0"/>
+              <a:t>THANK YOU!</a:t>
+            </a:r>
+            <a:br>
+              <a:rPr lang="en-US" sz="6600" dirty="0"/>
+            </a:br>
+            <a:br>
+              <a:rPr lang="en-US" sz="6600" dirty="0"/>
+            </a:br>
+            <a:r>
+              <a:rPr lang="en-US" sz="6600" dirty="0"/>
+              <a:t>Q&amp;A</a:t>
+            </a:r>
+          </a:p>
+        </p:txBody>
+      </p:sp>
+    </p:spTree>
+    <p:extLst>
+      <p:ext uri="{BB962C8B-B14F-4D97-AF65-F5344CB8AC3E}">
+        <p14:creationId xmlns:p14="http://schemas.microsoft.com/office/powerpoint/2010/main" val="516368088"/>
+      </p:ext>
+    </p:extLst>
+  </p:cSld>
+  <p:clrMapOvr>
+    <a:masterClrMapping/>
+  </p:clrMapOvr>
+  <mc:AlternateContent xmlns:mc="http://schemas.openxmlformats.org/markup-compatibility/2006">
+    <mc:Choice xmlns:p14="http://schemas.microsoft.com/office/powerpoint/2010/main" Requires="p14">
+      <p:transition spd="med" p14:dur="700">
+        <p:fade/>
+      </p:transition>
+    </mc:Choice>
+    <mc:Fallback>
+      <p:transition spd="med">
+        <p:fade/>
+      </p:transition>
+    </mc:Fallback>
+  </mc:AlternateContent>
+</p:sld>
+</file>
+
+<file path=ppt/slides/slide13.xml><?xml version="1.0" encoding="utf-8"?>
+<p:sld xmlns:a="http://schemas.openxmlformats.org/drawingml/2006/main" xmlns:r="http://schemas.openxmlformats.org/officeDocument/2006/relationships" xmlns:p="http://schemas.openxmlformats.org/presentationml/2006/main">
+  <p:cSld>
+    <p:spTree>
+      <p:nvGrpSpPr>
+        <p:cNvPr id="1" name=""/>
+        <p:cNvGrpSpPr/>
+        <p:nvPr/>
+      </p:nvGrpSpPr>
+      <p:grpSpPr>
+        <a:xfrm>
+          <a:off x="0" y="0"/>
+          <a:ext cx="0" cy="0"/>
+          <a:chOff x="0" y="0"/>
+          <a:chExt cx="0" cy="0"/>
+        </a:xfrm>
+      </p:grpSpPr>
+      <p:sp>
+        <p:nvSpPr>
+          <p:cNvPr id="2" name="Title 1">
+            <a:extLst>
+              <a:ext uri="{FF2B5EF4-FFF2-40B4-BE49-F238E27FC236}">
+                <a16:creationId xmlns:a16="http://schemas.microsoft.com/office/drawing/2014/main" id="{428DDD17-EA40-4E09-A5FA-6519EAAB8EA3}"/>
+              </a:ext>
+            </a:extLst>
+          </p:cNvPr>
+          <p:cNvSpPr>
+            <a:spLocks noGrp="1"/>
+          </p:cNvSpPr>
+          <p:nvPr>
+            <p:ph type="title"/>
+          </p:nvPr>
+        </p:nvSpPr>
+        <p:spPr/>
+        <p:txBody>
+          <a:bodyPr/>
+          <a:lstStyle/>
+          <a:p>
+            <a:endParaRPr lang="en-US"/>
+          </a:p>
+        </p:txBody>
+      </p:sp>
+      <p:sp>
+        <p:nvSpPr>
+          <p:cNvPr id="3" name="Content Placeholder 2">
+            <a:extLst>
+              <a:ext uri="{FF2B5EF4-FFF2-40B4-BE49-F238E27FC236}">
+                <a16:creationId xmlns:a16="http://schemas.microsoft.com/office/drawing/2014/main" id="{A67A72B7-D9AA-4C1C-953E-181817452D91}"/>
+              </a:ext>
+            </a:extLst>
+          </p:cNvPr>
+          <p:cNvSpPr>
+            <a:spLocks noGrp="1"/>
+          </p:cNvSpPr>
+          <p:nvPr>
+            <p:ph idx="1"/>
+          </p:nvPr>
+        </p:nvSpPr>
+        <p:spPr/>
+        <p:txBody>
+          <a:bodyPr/>
+          <a:lstStyle/>
+          <a:p>
+            <a:endParaRPr lang="en-US"/>
+          </a:p>
+        </p:txBody>
+      </p:sp>
+      <p:pic>
+        <p:nvPicPr>
+          <p:cNvPr id="4" name="Picture 3">
+            <a:extLst>
+              <a:ext uri="{FF2B5EF4-FFF2-40B4-BE49-F238E27FC236}">
+                <a16:creationId xmlns:a16="http://schemas.microsoft.com/office/drawing/2014/main" id="{ED6FE4D0-1D88-4F0A-914D-23924F4A71EF}"/>
+              </a:ext>
+            </a:extLst>
+          </p:cNvPr>
+          <p:cNvPicPr>
+            <a:picLocks noChangeAspect="1"/>
+          </p:cNvPicPr>
+          <p:nvPr/>
+        </p:nvPicPr>
+        <p:blipFill>
+          <a:blip r:embed="rId3"/>
+          <a:stretch>
+            <a:fillRect/>
+          </a:stretch>
+        </p:blipFill>
+        <p:spPr>
+          <a:xfrm>
+            <a:off x="733029" y="425140"/>
+            <a:ext cx="8540974" cy="6007719"/>
+          </a:xfrm>
+          <a:prstGeom prst="rect">
+            <a:avLst/>
+          </a:prstGeom>
+        </p:spPr>
+      </p:pic>
+    </p:spTree>
+    <p:extLst>
+      <p:ext uri="{BB962C8B-B14F-4D97-AF65-F5344CB8AC3E}">
+        <p14:creationId xmlns:p14="http://schemas.microsoft.com/office/powerpoint/2010/main" val="2686583393"/>
+      </p:ext>
+    </p:extLst>
+  </p:cSld>
+  <p:clrMapOvr>
+    <a:masterClrMapping/>
+  </p:clrMapOvr>
+  <mc:AlternateContent xmlns:mc="http://schemas.openxmlformats.org/markup-compatibility/2006">
+    <mc:Choice xmlns:p14="http://schemas.microsoft.com/office/powerpoint/2010/main" Requires="p14">
+      <p:transition spd="med" p14:dur="700">
+        <p:fade/>
+      </p:transition>
+    </mc:Choice>
+    <mc:Fallback>
+      <p:transition spd="med">
+        <p:fade/>
+      </p:transition>
+    </mc:Fallback>
+  </mc:AlternateContent>
 </p:sld>
 </file>
 
@@ -7282,12 +9786,14 @@
         </p:nvSpPr>
         <p:spPr>
           <a:xfrm>
-            <a:off x="677335" y="1006714"/>
-            <a:ext cx="8596668" cy="4844575"/>
+            <a:off x="677334" y="1006714"/>
+            <a:ext cx="10244665" cy="5317886"/>
           </a:xfrm>
         </p:spPr>
         <p:txBody>
-          <a:bodyPr/>
+          <a:bodyPr>
+            <a:normAutofit/>
+          </a:bodyPr>
           <a:lstStyle/>
           <a:p>
             <a:r>
@@ -7412,9 +9918,9 @@
           <a:p>
             <a:pPr marL="742932" lvl="2" indent="-342891">
               <a:tabLst>
-                <a:tab pos="4862392" algn="r"/>
-                <a:tab pos="6400640" algn="l"/>
-                <a:tab pos="8340517" algn="r"/>
+                <a:tab pos="5943600" algn="r"/>
+                <a:tab pos="7378700" algn="l"/>
+                <a:tab pos="8750300" algn="r"/>
               </a:tabLst>
             </a:pPr>
             <a:r>
@@ -7426,17 +9932,19 @@
                   </a:schemeClr>
                 </a:solidFill>
               </a:rPr>
-              <a:t>Intro &amp; Topic Discover	01 min	H. Le</a:t>
-            </a:r>
-          </a:p>
-          <a:p>
-            <a:pPr marL="742932" lvl="2" indent="-342891">
-              <a:tabLst>
-                <a:tab pos="4862392" algn="r"/>
-                <a:tab pos="6400640" algn="l"/>
-                <a:tab pos="8340517" algn="r"/>
-              </a:tabLst>
-            </a:pPr>
+              <a:t>Intro &amp; Topic Discover	01 min	S. </a:t>
+            </a:r>
+            <a:r>
+              <a:rPr lang="en-US" sz="1600" dirty="0" err="1">
+                <a:solidFill>
+                  <a:schemeClr val="accent6">
+                    <a:lumMod val="40000"/>
+                    <a:lumOff val="60000"/>
+                  </a:schemeClr>
+                </a:solidFill>
+              </a:rPr>
+              <a:t>Sutar</a:t>
+            </a:r>
             <a:r>
               <a:rPr lang="en-US" sz="1600" dirty="0">
                 <a:solidFill>
@@ -7446,15 +9954,15 @@
                   </a:schemeClr>
                 </a:solidFill>
               </a:rPr>
-              <a:t>50-yrs Hurricane Review	02 min	H. Le	</a:t>
+              <a:t> 	</a:t>
             </a:r>
           </a:p>
           <a:p>
             <a:pPr marL="742932" lvl="2" indent="-342891">
               <a:tabLst>
-                <a:tab pos="4862392" algn="r"/>
-                <a:tab pos="6400640" algn="l"/>
-                <a:tab pos="8340517" algn="r"/>
+                <a:tab pos="5943600" algn="r"/>
+                <a:tab pos="7378700" algn="l"/>
+                <a:tab pos="8750300" algn="r"/>
               </a:tabLst>
             </a:pPr>
             <a:r>
@@ -7466,7 +9974,187 @@
                   </a:schemeClr>
                 </a:solidFill>
               </a:rPr>
-              <a:t>50-yrs Tropical Storm	02 min	H. Le</a:t>
+              <a:t>Data Sourcing, Clean-Up and Exploration	01 min	O.J. </a:t>
+            </a:r>
+            <a:r>
+              <a:rPr lang="en-US" sz="1600" dirty="0" err="1">
+                <a:solidFill>
+                  <a:schemeClr val="accent6">
+                    <a:lumMod val="40000"/>
+                    <a:lumOff val="60000"/>
+                  </a:schemeClr>
+                </a:solidFill>
+              </a:rPr>
+              <a:t>Ndebbio</a:t>
+            </a:r>
+            <a:r>
+              <a:rPr lang="en-US" sz="1600" dirty="0">
+                <a:solidFill>
+                  <a:schemeClr val="accent6">
+                    <a:lumMod val="40000"/>
+                    <a:lumOff val="60000"/>
+                  </a:schemeClr>
+                </a:solidFill>
+              </a:rPr>
+              <a:t>	</a:t>
+            </a:r>
+          </a:p>
+          <a:p>
+            <a:pPr marL="742932" lvl="2" indent="-342891">
+              <a:tabLst>
+                <a:tab pos="5943600" algn="r"/>
+                <a:tab pos="7378700" algn="l"/>
+                <a:tab pos="8750300" algn="r"/>
+              </a:tabLst>
+            </a:pPr>
+            <a:r>
+              <a:rPr lang="en-US" sz="1600" dirty="0">
+                <a:solidFill>
+                  <a:schemeClr val="accent6">
+                    <a:lumMod val="40000"/>
+                    <a:lumOff val="60000"/>
+                  </a:schemeClr>
+                </a:solidFill>
+              </a:rPr>
+              <a:t>200yrs/50yrs/Yearly Storms 	02 min	S. </a:t>
+            </a:r>
+            <a:r>
+              <a:rPr lang="en-US" sz="1600" dirty="0" err="1">
+                <a:solidFill>
+                  <a:schemeClr val="accent6">
+                    <a:lumMod val="40000"/>
+                    <a:lumOff val="60000"/>
+                  </a:schemeClr>
+                </a:solidFill>
+              </a:rPr>
+              <a:t>Sutar</a:t>
+            </a:r>
+            <a:endParaRPr lang="en-US" sz="1600" dirty="0">
+              <a:solidFill>
+                <a:schemeClr val="accent6">
+                  <a:lumMod val="40000"/>
+                  <a:lumOff val="60000"/>
+                </a:schemeClr>
+              </a:solidFill>
+            </a:endParaRPr>
+          </a:p>
+          <a:p>
+            <a:pPr marL="742932" lvl="2" indent="-342891">
+              <a:tabLst>
+                <a:tab pos="5943600" algn="r"/>
+                <a:tab pos="7378700" algn="l"/>
+                <a:tab pos="8750300" algn="r"/>
+              </a:tabLst>
+            </a:pPr>
+            <a:r>
+              <a:rPr lang="en-US" sz="1600" dirty="0">
+                <a:solidFill>
+                  <a:schemeClr val="accent6">
+                    <a:lumMod val="40000"/>
+                    <a:lumOff val="60000"/>
+                  </a:schemeClr>
+                </a:solidFill>
+              </a:rPr>
+              <a:t>Storm Frequency	02 min	O.J. </a:t>
+            </a:r>
+            <a:r>
+              <a:rPr lang="en-US" sz="1600" dirty="0" err="1">
+                <a:solidFill>
+                  <a:schemeClr val="accent6">
+                    <a:lumMod val="40000"/>
+                    <a:lumOff val="60000"/>
+                  </a:schemeClr>
+                </a:solidFill>
+              </a:rPr>
+              <a:t>Ndebbio</a:t>
+            </a:r>
+            <a:endParaRPr lang="en-US" sz="1600" dirty="0">
+              <a:solidFill>
+                <a:schemeClr val="accent6">
+                  <a:lumMod val="40000"/>
+                  <a:lumOff val="60000"/>
+                </a:schemeClr>
+              </a:solidFill>
+            </a:endParaRPr>
+          </a:p>
+          <a:p>
+            <a:pPr marL="742932" lvl="2" indent="-342891">
+              <a:tabLst>
+                <a:tab pos="5943600" algn="r"/>
+                <a:tab pos="7378700" algn="l"/>
+                <a:tab pos="8750300" algn="r"/>
+              </a:tabLst>
+            </a:pPr>
+            <a:r>
+              <a:rPr lang="en-US" sz="1600" dirty="0">
+                <a:solidFill>
+                  <a:schemeClr val="accent6">
+                    <a:lumMod val="40000"/>
+                    <a:lumOff val="60000"/>
+                  </a:schemeClr>
+                </a:solidFill>
+              </a:rPr>
+              <a:t>Category 3, 4, 5 Hurricanes | Storm Trackers	02 min	H. Le</a:t>
+            </a:r>
+          </a:p>
+          <a:p>
+            <a:pPr marL="742932" lvl="2" indent="-342891">
+              <a:tabLst>
+                <a:tab pos="5943600" algn="r"/>
+                <a:tab pos="7378700" algn="l"/>
+                <a:tab pos="8750300" algn="r"/>
+              </a:tabLst>
+            </a:pPr>
+            <a:r>
+              <a:rPr lang="en-US" sz="1600" dirty="0">
+                <a:solidFill>
+                  <a:schemeClr val="accent6">
+                    <a:lumMod val="40000"/>
+                    <a:lumOff val="60000"/>
+                  </a:schemeClr>
+                </a:solidFill>
+              </a:rPr>
+              <a:t>Challenges | Limitations	01 min	H. Le</a:t>
+            </a:r>
+          </a:p>
+          <a:p>
+            <a:pPr marL="742932" lvl="2" indent="-342891">
+              <a:tabLst>
+                <a:tab pos="5943600" algn="r"/>
+                <a:tab pos="7378700" algn="l"/>
+                <a:tab pos="8750300" algn="r"/>
+              </a:tabLst>
+            </a:pPr>
+            <a:r>
+              <a:rPr lang="en-US" sz="1600" dirty="0">
+                <a:solidFill>
+                  <a:schemeClr val="accent6">
+                    <a:lumMod val="40000"/>
+                    <a:lumOff val="60000"/>
+                  </a:schemeClr>
+                </a:solidFill>
+              </a:rPr>
+              <a:t>Summary	 01 min	H. Le</a:t>
+            </a:r>
+          </a:p>
+          <a:p>
+            <a:pPr marL="742932" lvl="2" indent="-342891">
+              <a:tabLst>
+                <a:tab pos="5943600" algn="r"/>
+                <a:tab pos="7378700" algn="l"/>
+                <a:tab pos="8750300" algn="r"/>
+              </a:tabLst>
+            </a:pPr>
+            <a:r>
+              <a:rPr lang="en-US" sz="1600" dirty="0">
+                <a:solidFill>
+                  <a:schemeClr val="accent6">
+                    <a:lumMod val="40000"/>
+                    <a:lumOff val="60000"/>
+                  </a:schemeClr>
+                </a:solidFill>
+              </a:rPr>
+              <a:t>Q&amp;A	 05 min	Team 4</a:t>
             </a:r>
           </a:p>
           <a:p>
@@ -7512,6 +10200,9 @@
   <p:clrMapOvr>
     <a:masterClrMapping/>
   </p:clrMapOvr>
+  <p:transition>
+    <p:fade/>
+  </p:transition>
   <p:timing>
     <p:tnLst>
       <p:par>
@@ -8074,7 +10765,7 @@
                               <p:par>
                                 <p:cTn id="36" presetID="47" presetClass="entr" presetSubtype="0" fill="hold" nodeType="afterEffect">
                                   <p:stCondLst>
-                                    <p:cond delay="1500"/>
+                                    <p:cond delay="0"/>
                                   </p:stCondLst>
                                   <p:childTnLst>
                                     <p:set>
@@ -8174,13 +10865,13 @@
                         <p:par>
                           <p:cTn id="41" fill="hold">
                             <p:stCondLst>
-                              <p:cond delay="3000"/>
+                              <p:cond delay="1500"/>
                             </p:stCondLst>
                             <p:childTnLst>
                               <p:par>
                                 <p:cTn id="42" presetID="47" presetClass="entr" presetSubtype="0" fill="hold" nodeType="afterEffect">
                                   <p:stCondLst>
-                                    <p:cond delay="1500"/>
+                                    <p:cond delay="0"/>
                                   </p:stCondLst>
                                   <p:childTnLst>
                                     <p:set>
@@ -8280,13 +10971,13 @@
                         <p:par>
                           <p:cTn id="47" fill="hold">
                             <p:stCondLst>
-                              <p:cond delay="5200"/>
+                              <p:cond delay="2200"/>
                             </p:stCondLst>
                             <p:childTnLst>
                               <p:par>
                                 <p:cTn id="48" presetID="47" presetClass="entr" presetSubtype="0" fill="hold" nodeType="afterEffect">
                                   <p:stCondLst>
-                                    <p:cond delay="1500"/>
+                                    <p:cond delay="0"/>
                                   </p:stCondLst>
                                   <p:childTnLst>
                                     <p:set>
@@ -8357,6 +11048,536 @@
                                           <p:spTgt spid="3">
                                             <p:txEl>
                                               <p:pRg st="8" end="8"/>
+                                            </p:txEl>
+                                          </p:spTgt>
+                                        </p:tgtEl>
+                                        <p:attrNameLst>
+                                          <p:attrName>ppt_y</p:attrName>
+                                        </p:attrNameLst>
+                                      </p:cBhvr>
+                                      <p:tavLst>
+                                        <p:tav tm="0">
+                                          <p:val>
+                                            <p:strVal val="#ppt_y-.1"/>
+                                          </p:val>
+                                        </p:tav>
+                                        <p:tav tm="100000">
+                                          <p:val>
+                                            <p:strVal val="#ppt_y"/>
+                                          </p:val>
+                                        </p:tav>
+                                      </p:tavLst>
+                                    </p:anim>
+                                  </p:childTnLst>
+                                </p:cTn>
+                              </p:par>
+                            </p:childTnLst>
+                          </p:cTn>
+                        </p:par>
+                        <p:par>
+                          <p:cTn id="53" fill="hold">
+                            <p:stCondLst>
+                              <p:cond delay="2950"/>
+                            </p:stCondLst>
+                            <p:childTnLst>
+                              <p:par>
+                                <p:cTn id="54" presetID="47" presetClass="entr" presetSubtype="0" fill="hold" nodeType="afterEffect">
+                                  <p:stCondLst>
+                                    <p:cond delay="0"/>
+                                  </p:stCondLst>
+                                  <p:childTnLst>
+                                    <p:set>
+                                      <p:cBhvr>
+                                        <p:cTn id="55" dur="1" fill="hold">
+                                          <p:stCondLst>
+                                            <p:cond delay="0"/>
+                                          </p:stCondLst>
+                                        </p:cTn>
+                                        <p:tgtEl>
+                                          <p:spTgt spid="3">
+                                            <p:txEl>
+                                              <p:pRg st="9" end="9"/>
+                                            </p:txEl>
+                                          </p:spTgt>
+                                        </p:tgtEl>
+                                        <p:attrNameLst>
+                                          <p:attrName>style.visibility</p:attrName>
+                                        </p:attrNameLst>
+                                      </p:cBhvr>
+                                      <p:to>
+                                        <p:strVal val="visible"/>
+                                      </p:to>
+                                    </p:set>
+                                    <p:animEffect transition="in" filter="fade">
+                                      <p:cBhvr>
+                                        <p:cTn id="56" dur="750"/>
+                                        <p:tgtEl>
+                                          <p:spTgt spid="3">
+                                            <p:txEl>
+                                              <p:pRg st="9" end="9"/>
+                                            </p:txEl>
+                                          </p:spTgt>
+                                        </p:tgtEl>
+                                      </p:cBhvr>
+                                    </p:animEffect>
+                                    <p:anim calcmode="lin" valueType="num">
+                                      <p:cBhvr>
+                                        <p:cTn id="57" dur="750" fill="hold"/>
+                                        <p:tgtEl>
+                                          <p:spTgt spid="3">
+                                            <p:txEl>
+                                              <p:pRg st="9" end="9"/>
+                                            </p:txEl>
+                                          </p:spTgt>
+                                        </p:tgtEl>
+                                        <p:attrNameLst>
+                                          <p:attrName>ppt_x</p:attrName>
+                                        </p:attrNameLst>
+                                      </p:cBhvr>
+                                      <p:tavLst>
+                                        <p:tav tm="0">
+                                          <p:val>
+                                            <p:strVal val="#ppt_x"/>
+                                          </p:val>
+                                        </p:tav>
+                                        <p:tav tm="100000">
+                                          <p:val>
+                                            <p:strVal val="#ppt_x"/>
+                                          </p:val>
+                                        </p:tav>
+                                      </p:tavLst>
+                                    </p:anim>
+                                    <p:anim calcmode="lin" valueType="num">
+                                      <p:cBhvr>
+                                        <p:cTn id="58" dur="750" fill="hold"/>
+                                        <p:tgtEl>
+                                          <p:spTgt spid="3">
+                                            <p:txEl>
+                                              <p:pRg st="9" end="9"/>
+                                            </p:txEl>
+                                          </p:spTgt>
+                                        </p:tgtEl>
+                                        <p:attrNameLst>
+                                          <p:attrName>ppt_y</p:attrName>
+                                        </p:attrNameLst>
+                                      </p:cBhvr>
+                                      <p:tavLst>
+                                        <p:tav tm="0">
+                                          <p:val>
+                                            <p:strVal val="#ppt_y-.1"/>
+                                          </p:val>
+                                        </p:tav>
+                                        <p:tav tm="100000">
+                                          <p:val>
+                                            <p:strVal val="#ppt_y"/>
+                                          </p:val>
+                                        </p:tav>
+                                      </p:tavLst>
+                                    </p:anim>
+                                  </p:childTnLst>
+                                </p:cTn>
+                              </p:par>
+                            </p:childTnLst>
+                          </p:cTn>
+                        </p:par>
+                        <p:par>
+                          <p:cTn id="59" fill="hold">
+                            <p:stCondLst>
+                              <p:cond delay="3700"/>
+                            </p:stCondLst>
+                            <p:childTnLst>
+                              <p:par>
+                                <p:cTn id="60" presetID="47" presetClass="entr" presetSubtype="0" fill="hold" nodeType="afterEffect">
+                                  <p:stCondLst>
+                                    <p:cond delay="0"/>
+                                  </p:stCondLst>
+                                  <p:childTnLst>
+                                    <p:set>
+                                      <p:cBhvr>
+                                        <p:cTn id="61" dur="1" fill="hold">
+                                          <p:stCondLst>
+                                            <p:cond delay="0"/>
+                                          </p:stCondLst>
+                                        </p:cTn>
+                                        <p:tgtEl>
+                                          <p:spTgt spid="3">
+                                            <p:txEl>
+                                              <p:pRg st="10" end="10"/>
+                                            </p:txEl>
+                                          </p:spTgt>
+                                        </p:tgtEl>
+                                        <p:attrNameLst>
+                                          <p:attrName>style.visibility</p:attrName>
+                                        </p:attrNameLst>
+                                      </p:cBhvr>
+                                      <p:to>
+                                        <p:strVal val="visible"/>
+                                      </p:to>
+                                    </p:set>
+                                    <p:animEffect transition="in" filter="fade">
+                                      <p:cBhvr>
+                                        <p:cTn id="62" dur="750"/>
+                                        <p:tgtEl>
+                                          <p:spTgt spid="3">
+                                            <p:txEl>
+                                              <p:pRg st="10" end="10"/>
+                                            </p:txEl>
+                                          </p:spTgt>
+                                        </p:tgtEl>
+                                      </p:cBhvr>
+                                    </p:animEffect>
+                                    <p:anim calcmode="lin" valueType="num">
+                                      <p:cBhvr>
+                                        <p:cTn id="63" dur="750" fill="hold"/>
+                                        <p:tgtEl>
+                                          <p:spTgt spid="3">
+                                            <p:txEl>
+                                              <p:pRg st="10" end="10"/>
+                                            </p:txEl>
+                                          </p:spTgt>
+                                        </p:tgtEl>
+                                        <p:attrNameLst>
+                                          <p:attrName>ppt_x</p:attrName>
+                                        </p:attrNameLst>
+                                      </p:cBhvr>
+                                      <p:tavLst>
+                                        <p:tav tm="0">
+                                          <p:val>
+                                            <p:strVal val="#ppt_x"/>
+                                          </p:val>
+                                        </p:tav>
+                                        <p:tav tm="100000">
+                                          <p:val>
+                                            <p:strVal val="#ppt_x"/>
+                                          </p:val>
+                                        </p:tav>
+                                      </p:tavLst>
+                                    </p:anim>
+                                    <p:anim calcmode="lin" valueType="num">
+                                      <p:cBhvr>
+                                        <p:cTn id="64" dur="750" fill="hold"/>
+                                        <p:tgtEl>
+                                          <p:spTgt spid="3">
+                                            <p:txEl>
+                                              <p:pRg st="10" end="10"/>
+                                            </p:txEl>
+                                          </p:spTgt>
+                                        </p:tgtEl>
+                                        <p:attrNameLst>
+                                          <p:attrName>ppt_y</p:attrName>
+                                        </p:attrNameLst>
+                                      </p:cBhvr>
+                                      <p:tavLst>
+                                        <p:tav tm="0">
+                                          <p:val>
+                                            <p:strVal val="#ppt_y-.1"/>
+                                          </p:val>
+                                        </p:tav>
+                                        <p:tav tm="100000">
+                                          <p:val>
+                                            <p:strVal val="#ppt_y"/>
+                                          </p:val>
+                                        </p:tav>
+                                      </p:tavLst>
+                                    </p:anim>
+                                  </p:childTnLst>
+                                </p:cTn>
+                              </p:par>
+                            </p:childTnLst>
+                          </p:cTn>
+                        </p:par>
+                        <p:par>
+                          <p:cTn id="65" fill="hold">
+                            <p:stCondLst>
+                              <p:cond delay="4450"/>
+                            </p:stCondLst>
+                            <p:childTnLst>
+                              <p:par>
+                                <p:cTn id="66" presetID="47" presetClass="entr" presetSubtype="0" fill="hold" nodeType="afterEffect">
+                                  <p:stCondLst>
+                                    <p:cond delay="0"/>
+                                  </p:stCondLst>
+                                  <p:childTnLst>
+                                    <p:set>
+                                      <p:cBhvr>
+                                        <p:cTn id="67" dur="1" fill="hold">
+                                          <p:stCondLst>
+                                            <p:cond delay="0"/>
+                                          </p:stCondLst>
+                                        </p:cTn>
+                                        <p:tgtEl>
+                                          <p:spTgt spid="3">
+                                            <p:txEl>
+                                              <p:pRg st="11" end="11"/>
+                                            </p:txEl>
+                                          </p:spTgt>
+                                        </p:tgtEl>
+                                        <p:attrNameLst>
+                                          <p:attrName>style.visibility</p:attrName>
+                                        </p:attrNameLst>
+                                      </p:cBhvr>
+                                      <p:to>
+                                        <p:strVal val="visible"/>
+                                      </p:to>
+                                    </p:set>
+                                    <p:animEffect transition="in" filter="fade">
+                                      <p:cBhvr>
+                                        <p:cTn id="68" dur="750"/>
+                                        <p:tgtEl>
+                                          <p:spTgt spid="3">
+                                            <p:txEl>
+                                              <p:pRg st="11" end="11"/>
+                                            </p:txEl>
+                                          </p:spTgt>
+                                        </p:tgtEl>
+                                      </p:cBhvr>
+                                    </p:animEffect>
+                                    <p:anim calcmode="lin" valueType="num">
+                                      <p:cBhvr>
+                                        <p:cTn id="69" dur="750" fill="hold"/>
+                                        <p:tgtEl>
+                                          <p:spTgt spid="3">
+                                            <p:txEl>
+                                              <p:pRg st="11" end="11"/>
+                                            </p:txEl>
+                                          </p:spTgt>
+                                        </p:tgtEl>
+                                        <p:attrNameLst>
+                                          <p:attrName>ppt_x</p:attrName>
+                                        </p:attrNameLst>
+                                      </p:cBhvr>
+                                      <p:tavLst>
+                                        <p:tav tm="0">
+                                          <p:val>
+                                            <p:strVal val="#ppt_x"/>
+                                          </p:val>
+                                        </p:tav>
+                                        <p:tav tm="100000">
+                                          <p:val>
+                                            <p:strVal val="#ppt_x"/>
+                                          </p:val>
+                                        </p:tav>
+                                      </p:tavLst>
+                                    </p:anim>
+                                    <p:anim calcmode="lin" valueType="num">
+                                      <p:cBhvr>
+                                        <p:cTn id="70" dur="750" fill="hold"/>
+                                        <p:tgtEl>
+                                          <p:spTgt spid="3">
+                                            <p:txEl>
+                                              <p:pRg st="11" end="11"/>
+                                            </p:txEl>
+                                          </p:spTgt>
+                                        </p:tgtEl>
+                                        <p:attrNameLst>
+                                          <p:attrName>ppt_y</p:attrName>
+                                        </p:attrNameLst>
+                                      </p:cBhvr>
+                                      <p:tavLst>
+                                        <p:tav tm="0">
+                                          <p:val>
+                                            <p:strVal val="#ppt_y-.1"/>
+                                          </p:val>
+                                        </p:tav>
+                                        <p:tav tm="100000">
+                                          <p:val>
+                                            <p:strVal val="#ppt_y"/>
+                                          </p:val>
+                                        </p:tav>
+                                      </p:tavLst>
+                                    </p:anim>
+                                  </p:childTnLst>
+                                </p:cTn>
+                              </p:par>
+                            </p:childTnLst>
+                          </p:cTn>
+                        </p:par>
+                        <p:par>
+                          <p:cTn id="71" fill="hold">
+                            <p:stCondLst>
+                              <p:cond delay="5200"/>
+                            </p:stCondLst>
+                            <p:childTnLst>
+                              <p:par>
+                                <p:cTn id="72" presetID="47" presetClass="entr" presetSubtype="0" fill="hold" nodeType="afterEffect">
+                                  <p:stCondLst>
+                                    <p:cond delay="0"/>
+                                  </p:stCondLst>
+                                  <p:childTnLst>
+                                    <p:set>
+                                      <p:cBhvr>
+                                        <p:cTn id="73" dur="1" fill="hold">
+                                          <p:stCondLst>
+                                            <p:cond delay="0"/>
+                                          </p:stCondLst>
+                                        </p:cTn>
+                                        <p:tgtEl>
+                                          <p:spTgt spid="3">
+                                            <p:txEl>
+                                              <p:pRg st="12" end="12"/>
+                                            </p:txEl>
+                                          </p:spTgt>
+                                        </p:tgtEl>
+                                        <p:attrNameLst>
+                                          <p:attrName>style.visibility</p:attrName>
+                                        </p:attrNameLst>
+                                      </p:cBhvr>
+                                      <p:to>
+                                        <p:strVal val="visible"/>
+                                      </p:to>
+                                    </p:set>
+                                    <p:animEffect transition="in" filter="fade">
+                                      <p:cBhvr>
+                                        <p:cTn id="74" dur="750"/>
+                                        <p:tgtEl>
+                                          <p:spTgt spid="3">
+                                            <p:txEl>
+                                              <p:pRg st="12" end="12"/>
+                                            </p:txEl>
+                                          </p:spTgt>
+                                        </p:tgtEl>
+                                      </p:cBhvr>
+                                    </p:animEffect>
+                                    <p:anim calcmode="lin" valueType="num">
+                                      <p:cBhvr>
+                                        <p:cTn id="75" dur="750" fill="hold"/>
+                                        <p:tgtEl>
+                                          <p:spTgt spid="3">
+                                            <p:txEl>
+                                              <p:pRg st="12" end="12"/>
+                                            </p:txEl>
+                                          </p:spTgt>
+                                        </p:tgtEl>
+                                        <p:attrNameLst>
+                                          <p:attrName>ppt_x</p:attrName>
+                                        </p:attrNameLst>
+                                      </p:cBhvr>
+                                      <p:tavLst>
+                                        <p:tav tm="0">
+                                          <p:val>
+                                            <p:strVal val="#ppt_x"/>
+                                          </p:val>
+                                        </p:tav>
+                                        <p:tav tm="100000">
+                                          <p:val>
+                                            <p:strVal val="#ppt_x"/>
+                                          </p:val>
+                                        </p:tav>
+                                      </p:tavLst>
+                                    </p:anim>
+                                    <p:anim calcmode="lin" valueType="num">
+                                      <p:cBhvr>
+                                        <p:cTn id="76" dur="750" fill="hold"/>
+                                        <p:tgtEl>
+                                          <p:spTgt spid="3">
+                                            <p:txEl>
+                                              <p:pRg st="12" end="12"/>
+                                            </p:txEl>
+                                          </p:spTgt>
+                                        </p:tgtEl>
+                                        <p:attrNameLst>
+                                          <p:attrName>ppt_y</p:attrName>
+                                        </p:attrNameLst>
+                                      </p:cBhvr>
+                                      <p:tavLst>
+                                        <p:tav tm="0">
+                                          <p:val>
+                                            <p:strVal val="#ppt_y-.1"/>
+                                          </p:val>
+                                        </p:tav>
+                                        <p:tav tm="100000">
+                                          <p:val>
+                                            <p:strVal val="#ppt_y"/>
+                                          </p:val>
+                                        </p:tav>
+                                      </p:tavLst>
+                                    </p:anim>
+                                  </p:childTnLst>
+                                </p:cTn>
+                              </p:par>
+                            </p:childTnLst>
+                          </p:cTn>
+                        </p:par>
+                        <p:par>
+                          <p:cTn id="77" fill="hold">
+                            <p:stCondLst>
+                              <p:cond delay="5950"/>
+                            </p:stCondLst>
+                            <p:childTnLst>
+                              <p:par>
+                                <p:cTn id="78" presetID="47" presetClass="entr" presetSubtype="0" fill="hold" nodeType="afterEffect">
+                                  <p:stCondLst>
+                                    <p:cond delay="0"/>
+                                  </p:stCondLst>
+                                  <p:childTnLst>
+                                    <p:set>
+                                      <p:cBhvr>
+                                        <p:cTn id="79" dur="1" fill="hold">
+                                          <p:stCondLst>
+                                            <p:cond delay="0"/>
+                                          </p:stCondLst>
+                                        </p:cTn>
+                                        <p:tgtEl>
+                                          <p:spTgt spid="3">
+                                            <p:txEl>
+                                              <p:pRg st="13" end="13"/>
+                                            </p:txEl>
+                                          </p:spTgt>
+                                        </p:tgtEl>
+                                        <p:attrNameLst>
+                                          <p:attrName>style.visibility</p:attrName>
+                                        </p:attrNameLst>
+                                      </p:cBhvr>
+                                      <p:to>
+                                        <p:strVal val="visible"/>
+                                      </p:to>
+                                    </p:set>
+                                    <p:animEffect transition="in" filter="fade">
+                                      <p:cBhvr>
+                                        <p:cTn id="80" dur="750"/>
+                                        <p:tgtEl>
+                                          <p:spTgt spid="3">
+                                            <p:txEl>
+                                              <p:pRg st="13" end="13"/>
+                                            </p:txEl>
+                                          </p:spTgt>
+                                        </p:tgtEl>
+                                      </p:cBhvr>
+                                    </p:animEffect>
+                                    <p:anim calcmode="lin" valueType="num">
+                                      <p:cBhvr>
+                                        <p:cTn id="81" dur="750" fill="hold"/>
+                                        <p:tgtEl>
+                                          <p:spTgt spid="3">
+                                            <p:txEl>
+                                              <p:pRg st="13" end="13"/>
+                                            </p:txEl>
+                                          </p:spTgt>
+                                        </p:tgtEl>
+                                        <p:attrNameLst>
+                                          <p:attrName>ppt_x</p:attrName>
+                                        </p:attrNameLst>
+                                      </p:cBhvr>
+                                      <p:tavLst>
+                                        <p:tav tm="0">
+                                          <p:val>
+                                            <p:strVal val="#ppt_x"/>
+                                          </p:val>
+                                        </p:tav>
+                                        <p:tav tm="100000">
+                                          <p:val>
+                                            <p:strVal val="#ppt_x"/>
+                                          </p:val>
+                                        </p:tav>
+                                      </p:tavLst>
+                                    </p:anim>
+                                    <p:anim calcmode="lin" valueType="num">
+                                      <p:cBhvr>
+                                        <p:cTn id="82" dur="750" fill="hold"/>
+                                        <p:tgtEl>
+                                          <p:spTgt spid="3">
+                                            <p:txEl>
+                                              <p:pRg st="13" end="13"/>
                                             </p:txEl>
                                           </p:spTgt>
                                         </p:tgtEl>
@@ -8640,7 +11861,7 @@
           <a:p>
             <a:r>
               <a:rPr lang="en-US" dirty="0"/>
-              <a:t>Topic Discover</a:t>
+              <a:t>Topic Discover </a:t>
             </a:r>
           </a:p>
         </p:txBody>
@@ -8655,6 +11876,9 @@
   <p:clrMapOvr>
     <a:masterClrMapping/>
   </p:clrMapOvr>
+  <p:transition spd="slow">
+    <p:fade/>
+  </p:transition>
   <p:timing>
     <p:tnLst>
       <p:par>
@@ -8763,15 +11987,24 @@
                                   </p:childTnLst>
                                 </p:cTn>
                               </p:par>
+                            </p:childTnLst>
+                          </p:cTn>
+                        </p:par>
+                        <p:par>
+                          <p:cTn id="13" fill="hold">
+                            <p:stCondLst>
+                              <p:cond delay="500"/>
+                            </p:stCondLst>
+                            <p:childTnLst>
                               <p:par>
-                                <p:cTn id="13" presetID="22" presetClass="entr" presetSubtype="8" fill="hold" nodeType="withEffect">
+                                <p:cTn id="14" presetID="22" presetClass="entr" presetSubtype="8" fill="hold" nodeType="afterEffect">
                                   <p:stCondLst>
                                     <p:cond delay="0"/>
                                   </p:stCondLst>
                                   <p:childTnLst>
                                     <p:set>
                                       <p:cBhvr>
-                                        <p:cTn id="14" dur="1" fill="hold">
+                                        <p:cTn id="15" dur="1" fill="hold">
                                           <p:stCondLst>
                                             <p:cond delay="0"/>
                                           </p:stCondLst>
@@ -8789,7 +12022,7 @@
                                     </p:set>
                                     <p:animEffect transition="in" filter="wipe(left)">
                                       <p:cBhvr>
-                                        <p:cTn id="15" dur="500"/>
+                                        <p:cTn id="16" dur="500"/>
                                         <p:tgtEl>
                                           <p:spTgt spid="9"/>
                                         </p:tgtEl>
@@ -8805,26 +12038,26 @@
                     </p:cTn>
                   </p:par>
                   <p:par>
-                    <p:cTn id="16" fill="hold">
+                    <p:cTn id="17" fill="hold">
                       <p:stCondLst>
                         <p:cond delay="indefinite"/>
                       </p:stCondLst>
                       <p:childTnLst>
                         <p:par>
-                          <p:cTn id="17" fill="hold">
+                          <p:cTn id="18" fill="hold">
                             <p:stCondLst>
                               <p:cond delay="0"/>
                             </p:stCondLst>
                             <p:childTnLst>
                               <p:par>
-                                <p:cTn id="18" presetID="26" presetClass="entr" presetSubtype="0" fill="hold" grpId="0" nodeType="clickEffect">
+                                <p:cTn id="19" presetID="26" presetClass="entr" presetSubtype="0" fill="hold" grpId="0" nodeType="clickEffect">
                                   <p:stCondLst>
                                     <p:cond delay="0"/>
                                   </p:stCondLst>
                                   <p:childTnLst>
                                     <p:set>
                                       <p:cBhvr>
-                                        <p:cTn id="19" dur="1" fill="hold">
+                                        <p:cTn id="20" dur="1" fill="hold">
                                           <p:stCondLst>
                                             <p:cond delay="0"/>
                                           </p:stCondLst>
@@ -8842,7 +12075,7 @@
                                     </p:set>
                                     <p:animEffect transition="in" filter="wipe(down)">
                                       <p:cBhvr>
-                                        <p:cTn id="20" dur="580">
+                                        <p:cTn id="21" dur="580">
                                           <p:stCondLst>
                                             <p:cond delay="0"/>
                                           </p:stCondLst>
@@ -8854,7 +12087,7 @@
                                     </p:animEffect>
                                     <p:anim calcmode="lin" valueType="num">
                                       <p:cBhvr>
-                                        <p:cTn id="21" dur="1822" tmFilter="0,0; 0.14,0.36; 0.43,0.73; 0.71,0.91; 1.0,1.0">
+                                        <p:cTn id="22" dur="1822" tmFilter="0,0; 0.14,0.36; 0.43,0.73; 0.71,0.91; 1.0,1.0">
                                           <p:stCondLst>
                                             <p:cond delay="0"/>
                                           </p:stCondLst>
@@ -8881,7 +12114,7 @@
                                     </p:anim>
                                     <p:anim calcmode="lin" valueType="num">
                                       <p:cBhvr>
-                                        <p:cTn id="22" dur="664" tmFilter="0.0,0.0; 0.25,0.07; 0.50,0.2; 0.75,0.467; 1.0,1.0">
+                                        <p:cTn id="23" dur="664" tmFilter="0.0,0.0; 0.25,0.07; 0.50,0.2; 0.75,0.467; 1.0,1.0">
                                           <p:stCondLst>
                                             <p:cond delay="0"/>
                                           </p:stCondLst>
@@ -8908,7 +12141,7 @@
                                     </p:anim>
                                     <p:anim calcmode="lin" valueType="num">
                                       <p:cBhvr>
-                                        <p:cTn id="23" dur="664" tmFilter="0, 0; 0.125,0.2665; 0.25,0.4; 0.375,0.465; 0.5,0.5;  0.625,0.535; 0.75,0.6; 0.875,0.7335; 1,1">
+                                        <p:cTn id="24" dur="664" tmFilter="0, 0; 0.125,0.2665; 0.25,0.4; 0.375,0.465; 0.5,0.5;  0.625,0.535; 0.75,0.6; 0.875,0.7335; 1,1">
                                           <p:stCondLst>
                                             <p:cond delay="664"/>
                                           </p:stCondLst>
@@ -8935,7 +12168,7 @@
                                     </p:anim>
                                     <p:anim calcmode="lin" valueType="num">
                                       <p:cBhvr>
-                                        <p:cTn id="24" dur="332" tmFilter="0, 0; 0.125,0.2665; 0.25,0.4; 0.375,0.465; 0.5,0.5;  0.625,0.535; 0.75,0.6; 0.875,0.7335; 1,1">
+                                        <p:cTn id="25" dur="332" tmFilter="0, 0; 0.125,0.2665; 0.25,0.4; 0.375,0.465; 0.5,0.5;  0.625,0.535; 0.75,0.6; 0.875,0.7335; 1,1">
                                           <p:stCondLst>
                                             <p:cond delay="1324"/>
                                           </p:stCondLst>
@@ -8962,7 +12195,7 @@
                                     </p:anim>
                                     <p:anim calcmode="lin" valueType="num">
                                       <p:cBhvr>
-                                        <p:cTn id="25" dur="164" tmFilter="0, 0; 0.125,0.2665; 0.25,0.4; 0.375,0.465; 0.5,0.5;  0.625,0.535; 0.75,0.6; 0.875,0.7335; 1,1">
+                                        <p:cTn id="26" dur="164" tmFilter="0, 0; 0.125,0.2665; 0.25,0.4; 0.375,0.465; 0.5,0.5;  0.625,0.535; 0.75,0.6; 0.875,0.7335; 1,1">
                                           <p:stCondLst>
                                             <p:cond delay="1656"/>
                                           </p:stCondLst>
@@ -8989,7 +12222,7 @@
                                     </p:anim>
                                     <p:animScale>
                                       <p:cBhvr>
-                                        <p:cTn id="26" dur="26">
+                                        <p:cTn id="27" dur="26">
                                           <p:stCondLst>
                                             <p:cond delay="650"/>
                                           </p:stCondLst>
@@ -9002,7 +12235,7 @@
                                     </p:animScale>
                                     <p:animScale>
                                       <p:cBhvr>
-                                        <p:cTn id="27" dur="166" decel="50000">
+                                        <p:cTn id="28" dur="166" decel="50000">
                                           <p:stCondLst>
                                             <p:cond delay="676"/>
                                           </p:stCondLst>
@@ -9015,7 +12248,7 @@
                                     </p:animScale>
                                     <p:animScale>
                                       <p:cBhvr>
-                                        <p:cTn id="28" dur="26">
+                                        <p:cTn id="29" dur="26">
                                           <p:stCondLst>
                                             <p:cond delay="1312"/>
                                           </p:stCondLst>
@@ -9028,7 +12261,7 @@
                                     </p:animScale>
                                     <p:animScale>
                                       <p:cBhvr>
-                                        <p:cTn id="29" dur="166" decel="50000">
+                                        <p:cTn id="30" dur="166" decel="50000">
                                           <p:stCondLst>
                                             <p:cond delay="1338"/>
                                           </p:stCondLst>
@@ -9041,7 +12274,7 @@
                                     </p:animScale>
                                     <p:animScale>
                                       <p:cBhvr>
-                                        <p:cTn id="30" dur="26">
+                                        <p:cTn id="31" dur="26">
                                           <p:stCondLst>
                                             <p:cond delay="1642"/>
                                           </p:stCondLst>
@@ -9054,7 +12287,7 @@
                                     </p:animScale>
                                     <p:animScale>
                                       <p:cBhvr>
-                                        <p:cTn id="31" dur="166" decel="50000">
+                                        <p:cTn id="32" dur="166" decel="50000">
                                           <p:stCondLst>
                                             <p:cond delay="1668"/>
                                           </p:stCondLst>
@@ -9067,7 +12300,7 @@
                                     </p:animScale>
                                     <p:animScale>
                                       <p:cBhvr>
-                                        <p:cTn id="32" dur="26">
+                                        <p:cTn id="33" dur="26">
                                           <p:stCondLst>
                                             <p:cond delay="1808"/>
                                           </p:stCondLst>
@@ -9080,7 +12313,7 @@
                                     </p:animScale>
                                     <p:animScale>
                                       <p:cBhvr>
-                                        <p:cTn id="33" dur="166" decel="50000">
+                                        <p:cTn id="34" dur="166" decel="50000">
                                           <p:stCondLst>
                                             <p:cond delay="1834"/>
                                           </p:stCondLst>
@@ -9161,7 +12394,12 @@
             <p:ph type="title"/>
           </p:nvPr>
         </p:nvSpPr>
-        <p:spPr/>
+        <p:spPr>
+          <a:xfrm>
+            <a:off x="677335" y="431800"/>
+            <a:ext cx="8596668" cy="1320800"/>
+          </a:xfrm>
+        </p:spPr>
         <p:txBody>
           <a:bodyPr/>
           <a:lstStyle/>
@@ -9191,7 +12429,7 @@
         </p:nvSpPr>
         <p:spPr>
           <a:xfrm>
-            <a:off x="677335" y="1703390"/>
+            <a:off x="677335" y="1230315"/>
             <a:ext cx="8596668" cy="3880773"/>
           </a:xfrm>
         </p:spPr>
@@ -9274,6 +12512,13 @@
             <a:r>
               <a:rPr lang="en-US" dirty="0"/>
               <a:t> | pandas</a:t>
+            </a:r>
+          </a:p>
+          <a:p>
+            <a:pPr lvl="1"/>
+            <a:r>
+              <a:rPr lang="en-US" dirty="0"/>
+              <a:t>Split Dataset into Hurricanes and Tropical Storms</a:t>
             </a:r>
           </a:p>
           <a:p>
@@ -9334,7 +12579,7 @@
         </p:blipFill>
         <p:spPr>
           <a:xfrm>
-            <a:off x="121832" y="5424969"/>
+            <a:off x="121832" y="5247169"/>
             <a:ext cx="5880248" cy="1162050"/>
           </a:xfrm>
           <a:prstGeom prst="roundRect">
@@ -9390,7 +12635,7 @@
         </p:blipFill>
         <p:spPr>
           <a:xfrm>
-            <a:off x="6189921" y="5424969"/>
+            <a:off x="6189921" y="5247169"/>
             <a:ext cx="5905500" cy="1162050"/>
           </a:xfrm>
           <a:prstGeom prst="roundRect">
@@ -9434,6 +12679,9 @@
   <p:clrMapOvr>
     <a:masterClrMapping/>
   </p:clrMapOvr>
+  <p:transition spd="slow">
+    <p:fade/>
+  </p:transition>
   <p:timing>
     <p:tnLst>
       <p:par>
@@ -9509,7 +12757,7 @@
                               <p:par>
                                 <p:cTn id="9" presetID="22" presetClass="entr" presetSubtype="8" fill="hold" nodeType="afterEffect">
                                   <p:stCondLst>
-                                    <p:cond delay="1500"/>
+                                    <p:cond delay="500"/>
                                   </p:stCondLst>
                                   <p:childTnLst>
                                     <p:set>
@@ -9555,7 +12803,7 @@
                         <p:par>
                           <p:cTn id="12" fill="hold">
                             <p:stCondLst>
-                              <p:cond delay="2500"/>
+                              <p:cond delay="1500"/>
                             </p:stCondLst>
                             <p:childTnLst>
                               <p:par>
@@ -9867,6 +13115,247 @@
                                         </p:tgtEl>
                                       </p:cBhvr>
                                     </p:animEffect>
+                                  </p:childTnLst>
+                                </p:cTn>
+                              </p:par>
+                            </p:childTnLst>
+                          </p:cTn>
+                        </p:par>
+                        <p:par>
+                          <p:cTn id="37" fill="hold">
+                            <p:stCondLst>
+                              <p:cond delay="9750"/>
+                            </p:stCondLst>
+                            <p:childTnLst>
+                              <p:par>
+                                <p:cTn id="38" presetID="22" presetClass="entr" presetSubtype="8" fill="hold" nodeType="afterEffect">
+                                  <p:stCondLst>
+                                    <p:cond delay="2000"/>
+                                  </p:stCondLst>
+                                  <p:childTnLst>
+                                    <p:set>
+                                      <p:cBhvr>
+                                        <p:cTn id="39" dur="1" fill="hold">
+                                          <p:stCondLst>
+                                            <p:cond delay="0"/>
+                                          </p:stCondLst>
+                                        </p:cTn>
+                                        <p:tgtEl>
+                                          <p:spTgt spid="3">
+                                            <p:txEl>
+                                              <p:pRg st="8" end="8"/>
+                                            </p:txEl>
+                                          </p:spTgt>
+                                        </p:tgtEl>
+                                        <p:attrNameLst>
+                                          <p:attrName>style.visibility</p:attrName>
+                                        </p:attrNameLst>
+                                      </p:cBhvr>
+                                      <p:to>
+                                        <p:strVal val="visible"/>
+                                      </p:to>
+                                    </p:set>
+                                    <p:animEffect transition="in" filter="wipe(left)">
+                                      <p:cBhvr>
+                                        <p:cTn id="40" dur="500"/>
+                                        <p:tgtEl>
+                                          <p:spTgt spid="3">
+                                            <p:txEl>
+                                              <p:pRg st="8" end="8"/>
+                                            </p:txEl>
+                                          </p:spTgt>
+                                        </p:tgtEl>
+                                      </p:cBhvr>
+                                    </p:animEffect>
+                                  </p:childTnLst>
+                                </p:cTn>
+                              </p:par>
+                            </p:childTnLst>
+                          </p:cTn>
+                        </p:par>
+                      </p:childTnLst>
+                    </p:cTn>
+                  </p:par>
+                  <p:par>
+                    <p:cTn id="41" fill="hold">
+                      <p:stCondLst>
+                        <p:cond delay="indefinite"/>
+                      </p:stCondLst>
+                      <p:childTnLst>
+                        <p:par>
+                          <p:cTn id="42" fill="hold">
+                            <p:stCondLst>
+                              <p:cond delay="0"/>
+                            </p:stCondLst>
+                            <p:childTnLst>
+                              <p:par>
+                                <p:cTn id="43" presetID="42" presetClass="entr" presetSubtype="0" fill="hold" nodeType="clickEffect">
+                                  <p:stCondLst>
+                                    <p:cond delay="0"/>
+                                  </p:stCondLst>
+                                  <p:childTnLst>
+                                    <p:set>
+                                      <p:cBhvr>
+                                        <p:cTn id="44" dur="1" fill="hold">
+                                          <p:stCondLst>
+                                            <p:cond delay="0"/>
+                                          </p:stCondLst>
+                                        </p:cTn>
+                                        <p:tgtEl>
+                                          <p:spTgt spid="4"/>
+                                        </p:tgtEl>
+                                        <p:attrNameLst>
+                                          <p:attrName>style.visibility</p:attrName>
+                                        </p:attrNameLst>
+                                      </p:cBhvr>
+                                      <p:to>
+                                        <p:strVal val="visible"/>
+                                      </p:to>
+                                    </p:set>
+                                    <p:animEffect transition="in" filter="fade">
+                                      <p:cBhvr>
+                                        <p:cTn id="45" dur="1000"/>
+                                        <p:tgtEl>
+                                          <p:spTgt spid="4"/>
+                                        </p:tgtEl>
+                                      </p:cBhvr>
+                                    </p:animEffect>
+                                    <p:anim calcmode="lin" valueType="num">
+                                      <p:cBhvr>
+                                        <p:cTn id="46" dur="1000" fill="hold"/>
+                                        <p:tgtEl>
+                                          <p:spTgt spid="4"/>
+                                        </p:tgtEl>
+                                        <p:attrNameLst>
+                                          <p:attrName>ppt_x</p:attrName>
+                                        </p:attrNameLst>
+                                      </p:cBhvr>
+                                      <p:tavLst>
+                                        <p:tav tm="0">
+                                          <p:val>
+                                            <p:strVal val="#ppt_x"/>
+                                          </p:val>
+                                        </p:tav>
+                                        <p:tav tm="100000">
+                                          <p:val>
+                                            <p:strVal val="#ppt_x"/>
+                                          </p:val>
+                                        </p:tav>
+                                      </p:tavLst>
+                                    </p:anim>
+                                    <p:anim calcmode="lin" valueType="num">
+                                      <p:cBhvr>
+                                        <p:cTn id="47" dur="1000" fill="hold"/>
+                                        <p:tgtEl>
+                                          <p:spTgt spid="4"/>
+                                        </p:tgtEl>
+                                        <p:attrNameLst>
+                                          <p:attrName>ppt_y</p:attrName>
+                                        </p:attrNameLst>
+                                      </p:cBhvr>
+                                      <p:tavLst>
+                                        <p:tav tm="0">
+                                          <p:val>
+                                            <p:strVal val="#ppt_y+.1"/>
+                                          </p:val>
+                                        </p:tav>
+                                        <p:tav tm="100000">
+                                          <p:val>
+                                            <p:strVal val="#ppt_y"/>
+                                          </p:val>
+                                        </p:tav>
+                                      </p:tavLst>
+                                    </p:anim>
+                                  </p:childTnLst>
+                                </p:cTn>
+                              </p:par>
+                            </p:childTnLst>
+                          </p:cTn>
+                        </p:par>
+                        <p:par>
+                          <p:cTn id="48" fill="hold">
+                            <p:stCondLst>
+                              <p:cond delay="1000"/>
+                            </p:stCondLst>
+                            <p:childTnLst>
+                              <p:par>
+                                <p:cTn id="49" presetID="42" presetClass="entr" presetSubtype="0" fill="hold" nodeType="afterEffect">
+                                  <p:stCondLst>
+                                    <p:cond delay="0"/>
+                                  </p:stCondLst>
+                                  <p:childTnLst>
+                                    <p:set>
+                                      <p:cBhvr>
+                                        <p:cTn id="50" dur="1" fill="hold">
+                                          <p:stCondLst>
+                                            <p:cond delay="0"/>
+                                          </p:stCondLst>
+                                        </p:cTn>
+                                        <p:tgtEl>
+                                          <p:spTgt spid="5"/>
+                                        </p:tgtEl>
+                                        <p:attrNameLst>
+                                          <p:attrName>style.visibility</p:attrName>
+                                        </p:attrNameLst>
+                                      </p:cBhvr>
+                                      <p:to>
+                                        <p:strVal val="visible"/>
+                                      </p:to>
+                                    </p:set>
+                                    <p:animEffect transition="in" filter="fade">
+                                      <p:cBhvr>
+                                        <p:cTn id="51" dur="1000"/>
+                                        <p:tgtEl>
+                                          <p:spTgt spid="5"/>
+                                        </p:tgtEl>
+                                      </p:cBhvr>
+                                    </p:animEffect>
+                                    <p:anim calcmode="lin" valueType="num">
+                                      <p:cBhvr>
+                                        <p:cTn id="52" dur="1000" fill="hold"/>
+                                        <p:tgtEl>
+                                          <p:spTgt spid="5"/>
+                                        </p:tgtEl>
+                                        <p:attrNameLst>
+                                          <p:attrName>ppt_x</p:attrName>
+                                        </p:attrNameLst>
+                                      </p:cBhvr>
+                                      <p:tavLst>
+                                        <p:tav tm="0">
+                                          <p:val>
+                                            <p:strVal val="#ppt_x"/>
+                                          </p:val>
+                                        </p:tav>
+                                        <p:tav tm="100000">
+                                          <p:val>
+                                            <p:strVal val="#ppt_x"/>
+                                          </p:val>
+                                        </p:tav>
+                                      </p:tavLst>
+                                    </p:anim>
+                                    <p:anim calcmode="lin" valueType="num">
+                                      <p:cBhvr>
+                                        <p:cTn id="53" dur="1000" fill="hold"/>
+                                        <p:tgtEl>
+                                          <p:spTgt spid="5"/>
+                                        </p:tgtEl>
+                                        <p:attrNameLst>
+                                          <p:attrName>ppt_y</p:attrName>
+                                        </p:attrNameLst>
+                                      </p:cBhvr>
+                                      <p:tavLst>
+                                        <p:tav tm="0">
+                                          <p:val>
+                                            <p:strVal val="#ppt_y+.1"/>
+                                          </p:val>
+                                        </p:tav>
+                                        <p:tav tm="100000">
+                                          <p:val>
+                                            <p:strVal val="#ppt_y"/>
+                                          </p:val>
+                                        </p:tav>
+                                      </p:tavLst>
+                                    </p:anim>
                                   </p:childTnLst>
                                 </p:cTn>
                               </p:par>
@@ -9969,19 +13458,19 @@
           <a:p>
             <a:r>
               <a:rPr lang="en-US" dirty="0"/>
-              <a:t>Describe</a:t>
+              <a:t>Questions to Answer</a:t>
             </a:r>
           </a:p>
           <a:p>
             <a:r>
               <a:rPr lang="en-US" dirty="0"/>
-              <a:t>Why?</a:t>
+              <a:t>Why These Questions?</a:t>
             </a:r>
           </a:p>
           <a:p>
             <a:r>
               <a:rPr lang="en-US" dirty="0"/>
-              <a:t>Analysis</a:t>
+              <a:t>Data Analytics</a:t>
             </a:r>
           </a:p>
           <a:p>
@@ -10020,8 +13509,8 @@
         </p:blipFill>
         <p:spPr>
           <a:xfrm>
-            <a:off x="5561568" y="3826727"/>
-            <a:ext cx="4847510" cy="2823674"/>
+            <a:off x="6096000" y="3362666"/>
+            <a:ext cx="5875175" cy="3422289"/>
           </a:xfrm>
           <a:prstGeom prst="rect">
             <a:avLst/>
@@ -10056,8 +13545,8 @@
         </p:blipFill>
         <p:spPr>
           <a:xfrm>
-            <a:off x="5561568" y="388205"/>
-            <a:ext cx="4847510" cy="3308425"/>
+            <a:off x="6096000" y="73045"/>
+            <a:ext cx="5875175" cy="3240397"/>
           </a:xfrm>
           <a:prstGeom prst="rect">
             <a:avLst/>
@@ -10074,10 +13563,1016 @@
   <p:clrMapOvr>
     <a:masterClrMapping/>
   </p:clrMapOvr>
+  <p:transition spd="slow">
+    <p:fade/>
+  </p:transition>
+  <p:timing>
+    <p:tnLst>
+      <p:par>
+        <p:cTn id="1" dur="indefinite" restart="never" nodeType="tmRoot">
+          <p:childTnLst>
+            <p:seq concurrent="1" nextAc="seek">
+              <p:cTn id="2" dur="indefinite" nodeType="mainSeq">
+                <p:childTnLst>
+                  <p:par>
+                    <p:cTn id="3" fill="hold">
+                      <p:stCondLst>
+                        <p:cond delay="indefinite"/>
+                      </p:stCondLst>
+                      <p:childTnLst>
+                        <p:par>
+                          <p:cTn id="4" fill="hold">
+                            <p:stCondLst>
+                              <p:cond delay="0"/>
+                            </p:stCondLst>
+                            <p:childTnLst>
+                              <p:par>
+                                <p:cTn id="5" presetID="42" presetClass="entr" presetSubtype="0" fill="hold" grpId="0" nodeType="clickEffect">
+                                  <p:stCondLst>
+                                    <p:cond delay="0"/>
+                                  </p:stCondLst>
+                                  <p:childTnLst>
+                                    <p:set>
+                                      <p:cBhvr>
+                                        <p:cTn id="6" dur="1" fill="hold">
+                                          <p:stCondLst>
+                                            <p:cond delay="0"/>
+                                          </p:stCondLst>
+                                        </p:cTn>
+                                        <p:tgtEl>
+                                          <p:spTgt spid="3">
+                                            <p:txEl>
+                                              <p:pRg st="0" end="0"/>
+                                            </p:txEl>
+                                          </p:spTgt>
+                                        </p:tgtEl>
+                                        <p:attrNameLst>
+                                          <p:attrName>style.visibility</p:attrName>
+                                        </p:attrNameLst>
+                                      </p:cBhvr>
+                                      <p:to>
+                                        <p:strVal val="visible"/>
+                                      </p:to>
+                                    </p:set>
+                                    <p:animEffect transition="in" filter="fade">
+                                      <p:cBhvr>
+                                        <p:cTn id="7" dur="1000"/>
+                                        <p:tgtEl>
+                                          <p:spTgt spid="3">
+                                            <p:txEl>
+                                              <p:pRg st="0" end="0"/>
+                                            </p:txEl>
+                                          </p:spTgt>
+                                        </p:tgtEl>
+                                      </p:cBhvr>
+                                    </p:animEffect>
+                                    <p:anim calcmode="lin" valueType="num">
+                                      <p:cBhvr>
+                                        <p:cTn id="8" dur="1000" fill="hold"/>
+                                        <p:tgtEl>
+                                          <p:spTgt spid="3">
+                                            <p:txEl>
+                                              <p:pRg st="0" end="0"/>
+                                            </p:txEl>
+                                          </p:spTgt>
+                                        </p:tgtEl>
+                                        <p:attrNameLst>
+                                          <p:attrName>ppt_x</p:attrName>
+                                        </p:attrNameLst>
+                                      </p:cBhvr>
+                                      <p:tavLst>
+                                        <p:tav tm="0">
+                                          <p:val>
+                                            <p:strVal val="#ppt_x"/>
+                                          </p:val>
+                                        </p:tav>
+                                        <p:tav tm="100000">
+                                          <p:val>
+                                            <p:strVal val="#ppt_x"/>
+                                          </p:val>
+                                        </p:tav>
+                                      </p:tavLst>
+                                    </p:anim>
+                                    <p:anim calcmode="lin" valueType="num">
+                                      <p:cBhvr>
+                                        <p:cTn id="9" dur="1000" fill="hold"/>
+                                        <p:tgtEl>
+                                          <p:spTgt spid="3">
+                                            <p:txEl>
+                                              <p:pRg st="0" end="0"/>
+                                            </p:txEl>
+                                          </p:spTgt>
+                                        </p:tgtEl>
+                                        <p:attrNameLst>
+                                          <p:attrName>ppt_y</p:attrName>
+                                        </p:attrNameLst>
+                                      </p:cBhvr>
+                                      <p:tavLst>
+                                        <p:tav tm="0">
+                                          <p:val>
+                                            <p:strVal val="#ppt_y+.1"/>
+                                          </p:val>
+                                        </p:tav>
+                                        <p:tav tm="100000">
+                                          <p:val>
+                                            <p:strVal val="#ppt_y"/>
+                                          </p:val>
+                                        </p:tav>
+                                      </p:tavLst>
+                                    </p:anim>
+                                  </p:childTnLst>
+                                </p:cTn>
+                              </p:par>
+                            </p:childTnLst>
+                          </p:cTn>
+                        </p:par>
+                        <p:par>
+                          <p:cTn id="10" fill="hold">
+                            <p:stCondLst>
+                              <p:cond delay="1000"/>
+                            </p:stCondLst>
+                            <p:childTnLst>
+                              <p:par>
+                                <p:cTn id="11" presetID="42" presetClass="entr" presetSubtype="0" fill="hold" grpId="0" nodeType="afterEffect">
+                                  <p:stCondLst>
+                                    <p:cond delay="0"/>
+                                  </p:stCondLst>
+                                  <p:childTnLst>
+                                    <p:set>
+                                      <p:cBhvr>
+                                        <p:cTn id="12" dur="1" fill="hold">
+                                          <p:stCondLst>
+                                            <p:cond delay="0"/>
+                                          </p:stCondLst>
+                                        </p:cTn>
+                                        <p:tgtEl>
+                                          <p:spTgt spid="3">
+                                            <p:txEl>
+                                              <p:pRg st="1" end="1"/>
+                                            </p:txEl>
+                                          </p:spTgt>
+                                        </p:tgtEl>
+                                        <p:attrNameLst>
+                                          <p:attrName>style.visibility</p:attrName>
+                                        </p:attrNameLst>
+                                      </p:cBhvr>
+                                      <p:to>
+                                        <p:strVal val="visible"/>
+                                      </p:to>
+                                    </p:set>
+                                    <p:animEffect transition="in" filter="fade">
+                                      <p:cBhvr>
+                                        <p:cTn id="13" dur="1000"/>
+                                        <p:tgtEl>
+                                          <p:spTgt spid="3">
+                                            <p:txEl>
+                                              <p:pRg st="1" end="1"/>
+                                            </p:txEl>
+                                          </p:spTgt>
+                                        </p:tgtEl>
+                                      </p:cBhvr>
+                                    </p:animEffect>
+                                    <p:anim calcmode="lin" valueType="num">
+                                      <p:cBhvr>
+                                        <p:cTn id="14" dur="1000" fill="hold"/>
+                                        <p:tgtEl>
+                                          <p:spTgt spid="3">
+                                            <p:txEl>
+                                              <p:pRg st="1" end="1"/>
+                                            </p:txEl>
+                                          </p:spTgt>
+                                        </p:tgtEl>
+                                        <p:attrNameLst>
+                                          <p:attrName>ppt_x</p:attrName>
+                                        </p:attrNameLst>
+                                      </p:cBhvr>
+                                      <p:tavLst>
+                                        <p:tav tm="0">
+                                          <p:val>
+                                            <p:strVal val="#ppt_x"/>
+                                          </p:val>
+                                        </p:tav>
+                                        <p:tav tm="100000">
+                                          <p:val>
+                                            <p:strVal val="#ppt_x"/>
+                                          </p:val>
+                                        </p:tav>
+                                      </p:tavLst>
+                                    </p:anim>
+                                    <p:anim calcmode="lin" valueType="num">
+                                      <p:cBhvr>
+                                        <p:cTn id="15" dur="1000" fill="hold"/>
+                                        <p:tgtEl>
+                                          <p:spTgt spid="3">
+                                            <p:txEl>
+                                              <p:pRg st="1" end="1"/>
+                                            </p:txEl>
+                                          </p:spTgt>
+                                        </p:tgtEl>
+                                        <p:attrNameLst>
+                                          <p:attrName>ppt_y</p:attrName>
+                                        </p:attrNameLst>
+                                      </p:cBhvr>
+                                      <p:tavLst>
+                                        <p:tav tm="0">
+                                          <p:val>
+                                            <p:strVal val="#ppt_y+.1"/>
+                                          </p:val>
+                                        </p:tav>
+                                        <p:tav tm="100000">
+                                          <p:val>
+                                            <p:strVal val="#ppt_y"/>
+                                          </p:val>
+                                        </p:tav>
+                                      </p:tavLst>
+                                    </p:anim>
+                                  </p:childTnLst>
+                                </p:cTn>
+                              </p:par>
+                            </p:childTnLst>
+                          </p:cTn>
+                        </p:par>
+                        <p:par>
+                          <p:cTn id="16" fill="hold">
+                            <p:stCondLst>
+                              <p:cond delay="2000"/>
+                            </p:stCondLst>
+                            <p:childTnLst>
+                              <p:par>
+                                <p:cTn id="17" presetID="42" presetClass="entr" presetSubtype="0" fill="hold" grpId="0" nodeType="afterEffect">
+                                  <p:stCondLst>
+                                    <p:cond delay="0"/>
+                                  </p:stCondLst>
+                                  <p:childTnLst>
+                                    <p:set>
+                                      <p:cBhvr>
+                                        <p:cTn id="18" dur="1" fill="hold">
+                                          <p:stCondLst>
+                                            <p:cond delay="0"/>
+                                          </p:stCondLst>
+                                        </p:cTn>
+                                        <p:tgtEl>
+                                          <p:spTgt spid="3">
+                                            <p:txEl>
+                                              <p:pRg st="2" end="2"/>
+                                            </p:txEl>
+                                          </p:spTgt>
+                                        </p:tgtEl>
+                                        <p:attrNameLst>
+                                          <p:attrName>style.visibility</p:attrName>
+                                        </p:attrNameLst>
+                                      </p:cBhvr>
+                                      <p:to>
+                                        <p:strVal val="visible"/>
+                                      </p:to>
+                                    </p:set>
+                                    <p:animEffect transition="in" filter="fade">
+                                      <p:cBhvr>
+                                        <p:cTn id="19" dur="1000"/>
+                                        <p:tgtEl>
+                                          <p:spTgt spid="3">
+                                            <p:txEl>
+                                              <p:pRg st="2" end="2"/>
+                                            </p:txEl>
+                                          </p:spTgt>
+                                        </p:tgtEl>
+                                      </p:cBhvr>
+                                    </p:animEffect>
+                                    <p:anim calcmode="lin" valueType="num">
+                                      <p:cBhvr>
+                                        <p:cTn id="20" dur="1000" fill="hold"/>
+                                        <p:tgtEl>
+                                          <p:spTgt spid="3">
+                                            <p:txEl>
+                                              <p:pRg st="2" end="2"/>
+                                            </p:txEl>
+                                          </p:spTgt>
+                                        </p:tgtEl>
+                                        <p:attrNameLst>
+                                          <p:attrName>ppt_x</p:attrName>
+                                        </p:attrNameLst>
+                                      </p:cBhvr>
+                                      <p:tavLst>
+                                        <p:tav tm="0">
+                                          <p:val>
+                                            <p:strVal val="#ppt_x"/>
+                                          </p:val>
+                                        </p:tav>
+                                        <p:tav tm="100000">
+                                          <p:val>
+                                            <p:strVal val="#ppt_x"/>
+                                          </p:val>
+                                        </p:tav>
+                                      </p:tavLst>
+                                    </p:anim>
+                                    <p:anim calcmode="lin" valueType="num">
+                                      <p:cBhvr>
+                                        <p:cTn id="21" dur="1000" fill="hold"/>
+                                        <p:tgtEl>
+                                          <p:spTgt spid="3">
+                                            <p:txEl>
+                                              <p:pRg st="2" end="2"/>
+                                            </p:txEl>
+                                          </p:spTgt>
+                                        </p:tgtEl>
+                                        <p:attrNameLst>
+                                          <p:attrName>ppt_y</p:attrName>
+                                        </p:attrNameLst>
+                                      </p:cBhvr>
+                                      <p:tavLst>
+                                        <p:tav tm="0">
+                                          <p:val>
+                                            <p:strVal val="#ppt_y+.1"/>
+                                          </p:val>
+                                        </p:tav>
+                                        <p:tav tm="100000">
+                                          <p:val>
+                                            <p:strVal val="#ppt_y"/>
+                                          </p:val>
+                                        </p:tav>
+                                      </p:tavLst>
+                                    </p:anim>
+                                  </p:childTnLst>
+                                </p:cTn>
+                              </p:par>
+                            </p:childTnLst>
+                          </p:cTn>
+                        </p:par>
+                        <p:par>
+                          <p:cTn id="22" fill="hold">
+                            <p:stCondLst>
+                              <p:cond delay="3000"/>
+                            </p:stCondLst>
+                            <p:childTnLst>
+                              <p:par>
+                                <p:cTn id="23" presetID="42" presetClass="entr" presetSubtype="0" fill="hold" grpId="0" nodeType="afterEffect">
+                                  <p:stCondLst>
+                                    <p:cond delay="0"/>
+                                  </p:stCondLst>
+                                  <p:childTnLst>
+                                    <p:set>
+                                      <p:cBhvr>
+                                        <p:cTn id="24" dur="1" fill="hold">
+                                          <p:stCondLst>
+                                            <p:cond delay="0"/>
+                                          </p:stCondLst>
+                                        </p:cTn>
+                                        <p:tgtEl>
+                                          <p:spTgt spid="3">
+                                            <p:txEl>
+                                              <p:pRg st="3" end="3"/>
+                                            </p:txEl>
+                                          </p:spTgt>
+                                        </p:tgtEl>
+                                        <p:attrNameLst>
+                                          <p:attrName>style.visibility</p:attrName>
+                                        </p:attrNameLst>
+                                      </p:cBhvr>
+                                      <p:to>
+                                        <p:strVal val="visible"/>
+                                      </p:to>
+                                    </p:set>
+                                    <p:animEffect transition="in" filter="fade">
+                                      <p:cBhvr>
+                                        <p:cTn id="25" dur="1000"/>
+                                        <p:tgtEl>
+                                          <p:spTgt spid="3">
+                                            <p:txEl>
+                                              <p:pRg st="3" end="3"/>
+                                            </p:txEl>
+                                          </p:spTgt>
+                                        </p:tgtEl>
+                                      </p:cBhvr>
+                                    </p:animEffect>
+                                    <p:anim calcmode="lin" valueType="num">
+                                      <p:cBhvr>
+                                        <p:cTn id="26" dur="1000" fill="hold"/>
+                                        <p:tgtEl>
+                                          <p:spTgt spid="3">
+                                            <p:txEl>
+                                              <p:pRg st="3" end="3"/>
+                                            </p:txEl>
+                                          </p:spTgt>
+                                        </p:tgtEl>
+                                        <p:attrNameLst>
+                                          <p:attrName>ppt_x</p:attrName>
+                                        </p:attrNameLst>
+                                      </p:cBhvr>
+                                      <p:tavLst>
+                                        <p:tav tm="0">
+                                          <p:val>
+                                            <p:strVal val="#ppt_x"/>
+                                          </p:val>
+                                        </p:tav>
+                                        <p:tav tm="100000">
+                                          <p:val>
+                                            <p:strVal val="#ppt_x"/>
+                                          </p:val>
+                                        </p:tav>
+                                      </p:tavLst>
+                                    </p:anim>
+                                    <p:anim calcmode="lin" valueType="num">
+                                      <p:cBhvr>
+                                        <p:cTn id="27" dur="1000" fill="hold"/>
+                                        <p:tgtEl>
+                                          <p:spTgt spid="3">
+                                            <p:txEl>
+                                              <p:pRg st="3" end="3"/>
+                                            </p:txEl>
+                                          </p:spTgt>
+                                        </p:tgtEl>
+                                        <p:attrNameLst>
+                                          <p:attrName>ppt_y</p:attrName>
+                                        </p:attrNameLst>
+                                      </p:cBhvr>
+                                      <p:tavLst>
+                                        <p:tav tm="0">
+                                          <p:val>
+                                            <p:strVal val="#ppt_y+.1"/>
+                                          </p:val>
+                                        </p:tav>
+                                        <p:tav tm="100000">
+                                          <p:val>
+                                            <p:strVal val="#ppt_y"/>
+                                          </p:val>
+                                        </p:tav>
+                                      </p:tavLst>
+                                    </p:anim>
+                                  </p:childTnLst>
+                                </p:cTn>
+                              </p:par>
+                            </p:childTnLst>
+                          </p:cTn>
+                        </p:par>
+                      </p:childTnLst>
+                    </p:cTn>
+                  </p:par>
+                  <p:par>
+                    <p:cTn id="28" fill="hold">
+                      <p:stCondLst>
+                        <p:cond delay="indefinite"/>
+                      </p:stCondLst>
+                      <p:childTnLst>
+                        <p:par>
+                          <p:cTn id="29" fill="hold">
+                            <p:stCondLst>
+                              <p:cond delay="0"/>
+                            </p:stCondLst>
+                            <p:childTnLst>
+                              <p:par>
+                                <p:cTn id="30" presetID="22" presetClass="entr" presetSubtype="8" fill="hold" nodeType="clickEffect">
+                                  <p:stCondLst>
+                                    <p:cond delay="0"/>
+                                  </p:stCondLst>
+                                  <p:childTnLst>
+                                    <p:set>
+                                      <p:cBhvr>
+                                        <p:cTn id="31" dur="1" fill="hold">
+                                          <p:stCondLst>
+                                            <p:cond delay="0"/>
+                                          </p:stCondLst>
+                                        </p:cTn>
+                                        <p:tgtEl>
+                                          <p:spTgt spid="5"/>
+                                        </p:tgtEl>
+                                        <p:attrNameLst>
+                                          <p:attrName>style.visibility</p:attrName>
+                                        </p:attrNameLst>
+                                      </p:cBhvr>
+                                      <p:to>
+                                        <p:strVal val="visible"/>
+                                      </p:to>
+                                    </p:set>
+                                    <p:animEffect transition="in" filter="wipe(left)">
+                                      <p:cBhvr>
+                                        <p:cTn id="32" dur="500"/>
+                                        <p:tgtEl>
+                                          <p:spTgt spid="5"/>
+                                        </p:tgtEl>
+                                      </p:cBhvr>
+                                    </p:animEffect>
+                                  </p:childTnLst>
+                                </p:cTn>
+                              </p:par>
+                            </p:childTnLst>
+                          </p:cTn>
+                        </p:par>
+                      </p:childTnLst>
+                    </p:cTn>
+                  </p:par>
+                  <p:par>
+                    <p:cTn id="33" fill="hold">
+                      <p:stCondLst>
+                        <p:cond delay="indefinite"/>
+                      </p:stCondLst>
+                      <p:childTnLst>
+                        <p:par>
+                          <p:cTn id="34" fill="hold">
+                            <p:stCondLst>
+                              <p:cond delay="0"/>
+                            </p:stCondLst>
+                            <p:childTnLst>
+                              <p:par>
+                                <p:cTn id="35" presetID="22" presetClass="entr" presetSubtype="8" fill="hold" nodeType="clickEffect">
+                                  <p:stCondLst>
+                                    <p:cond delay="0"/>
+                                  </p:stCondLst>
+                                  <p:childTnLst>
+                                    <p:set>
+                                      <p:cBhvr>
+                                        <p:cTn id="36" dur="1" fill="hold">
+                                          <p:stCondLst>
+                                            <p:cond delay="0"/>
+                                          </p:stCondLst>
+                                        </p:cTn>
+                                        <p:tgtEl>
+                                          <p:spTgt spid="4"/>
+                                        </p:tgtEl>
+                                        <p:attrNameLst>
+                                          <p:attrName>style.visibility</p:attrName>
+                                        </p:attrNameLst>
+                                      </p:cBhvr>
+                                      <p:to>
+                                        <p:strVal val="visible"/>
+                                      </p:to>
+                                    </p:set>
+                                    <p:animEffect transition="in" filter="wipe(left)">
+                                      <p:cBhvr>
+                                        <p:cTn id="37" dur="500"/>
+                                        <p:tgtEl>
+                                          <p:spTgt spid="4"/>
+                                        </p:tgtEl>
+                                      </p:cBhvr>
+                                    </p:animEffect>
+                                  </p:childTnLst>
+                                </p:cTn>
+                              </p:par>
+                            </p:childTnLst>
+                          </p:cTn>
+                        </p:par>
+                      </p:childTnLst>
+                    </p:cTn>
+                  </p:par>
+                </p:childTnLst>
+              </p:cTn>
+              <p:prevCondLst>
+                <p:cond evt="onPrev" delay="0">
+                  <p:tgtEl>
+                    <p:sldTgt/>
+                  </p:tgtEl>
+                </p:cond>
+              </p:prevCondLst>
+              <p:nextCondLst>
+                <p:cond evt="onNext" delay="0">
+                  <p:tgtEl>
+                    <p:sldTgt/>
+                  </p:tgtEl>
+                </p:cond>
+              </p:nextCondLst>
+            </p:seq>
+          </p:childTnLst>
+        </p:cTn>
+      </p:par>
+    </p:tnLst>
+    <p:bldLst>
+      <p:bldP spid="3" grpId="0" uiExpand="1" build="p"/>
+    </p:bldLst>
+  </p:timing>
 </p:sld>
 </file>
 
 <file path=ppt/slides/slide6.xml><?xml version="1.0" encoding="utf-8"?>
+<p:sld xmlns:a="http://schemas.openxmlformats.org/drawingml/2006/main" xmlns:r="http://schemas.openxmlformats.org/officeDocument/2006/relationships" xmlns:p="http://schemas.openxmlformats.org/presentationml/2006/main">
+  <p:cSld>
+    <p:spTree>
+      <p:nvGrpSpPr>
+        <p:cNvPr id="1" name=""/>
+        <p:cNvGrpSpPr/>
+        <p:nvPr/>
+      </p:nvGrpSpPr>
+      <p:grpSpPr>
+        <a:xfrm>
+          <a:off x="0" y="0"/>
+          <a:ext cx="0" cy="0"/>
+          <a:chOff x="0" y="0"/>
+          <a:chExt cx="0" cy="0"/>
+        </a:xfrm>
+      </p:grpSpPr>
+      <p:sp>
+        <p:nvSpPr>
+          <p:cNvPr id="2" name="Title 1">
+            <a:extLst>
+              <a:ext uri="{FF2B5EF4-FFF2-40B4-BE49-F238E27FC236}">
+                <a16:creationId xmlns:a16="http://schemas.microsoft.com/office/drawing/2014/main" id="{246F6957-5AB9-4754-9CC0-FED055F6F9D6}"/>
+              </a:ext>
+            </a:extLst>
+          </p:cNvPr>
+          <p:cNvSpPr>
+            <a:spLocks noGrp="1"/>
+          </p:cNvSpPr>
+          <p:nvPr>
+            <p:ph type="title"/>
+          </p:nvPr>
+        </p:nvSpPr>
+        <p:spPr/>
+        <p:txBody>
+          <a:bodyPr/>
+          <a:lstStyle/>
+          <a:p>
+            <a:r>
+              <a:rPr lang="en-US" dirty="0"/>
+              <a:t>Team Member: Sarah / Henry</a:t>
+            </a:r>
+          </a:p>
+        </p:txBody>
+      </p:sp>
+      <p:pic>
+        <p:nvPicPr>
+          <p:cNvPr id="6" name="Picture 5">
+            <a:extLst>
+              <a:ext uri="{FF2B5EF4-FFF2-40B4-BE49-F238E27FC236}">
+                <a16:creationId xmlns:a16="http://schemas.microsoft.com/office/drawing/2014/main" id="{3007EEC4-9891-48CC-AE9A-EBE37E9B579D}"/>
+              </a:ext>
+            </a:extLst>
+          </p:cNvPr>
+          <p:cNvPicPr>
+            <a:picLocks noChangeAspect="1"/>
+          </p:cNvPicPr>
+          <p:nvPr/>
+        </p:nvPicPr>
+        <p:blipFill>
+          <a:blip r:embed="rId3">
+            <a:extLst>
+              <a:ext uri="{28A0092B-C50C-407E-A947-70E740481C1C}">
+                <a14:useLocalDpi xmlns:a14="http://schemas.microsoft.com/office/drawing/2010/main" val="0"/>
+              </a:ext>
+            </a:extLst>
+          </a:blip>
+          <a:stretch>
+            <a:fillRect/>
+          </a:stretch>
+        </p:blipFill>
+        <p:spPr>
+          <a:xfrm>
+            <a:off x="197897" y="1545516"/>
+            <a:ext cx="5898103" cy="3932069"/>
+          </a:xfrm>
+          <a:prstGeom prst="rect">
+            <a:avLst/>
+          </a:prstGeom>
+          <a:solidFill>
+            <a:srgbClr val="FFFFFF">
+              <a:shade val="85000"/>
+            </a:srgbClr>
+          </a:solidFill>
+          <a:ln w="88900" cap="sq">
+            <a:solidFill>
+              <a:srgbClr val="FFFFFF"/>
+            </a:solidFill>
+            <a:miter lim="800000"/>
+          </a:ln>
+          <a:effectLst>
+            <a:outerShdw blurRad="55000" dist="18000" dir="5400000" algn="tl" rotWithShape="0">
+              <a:srgbClr val="000000">
+                <a:alpha val="40000"/>
+              </a:srgbClr>
+            </a:outerShdw>
+          </a:effectLst>
+          <a:scene3d>
+            <a:camera prst="orthographicFront"/>
+            <a:lightRig rig="twoPt" dir="t">
+              <a:rot lat="0" lon="0" rev="7200000"/>
+            </a:lightRig>
+          </a:scene3d>
+          <a:sp3d>
+            <a:bevelT w="25400" h="19050"/>
+            <a:contourClr>
+              <a:srgbClr val="FFFFFF"/>
+            </a:contourClr>
+          </a:sp3d>
+        </p:spPr>
+      </p:pic>
+      <p:pic>
+        <p:nvPicPr>
+          <p:cNvPr id="7" name="Picture 4">
+            <a:extLst>
+              <a:ext uri="{FF2B5EF4-FFF2-40B4-BE49-F238E27FC236}">
+                <a16:creationId xmlns:a16="http://schemas.microsoft.com/office/drawing/2014/main" id="{6ECFE940-33AD-4A69-8058-BD87082BB382}"/>
+              </a:ext>
+            </a:extLst>
+          </p:cNvPr>
+          <p:cNvPicPr>
+            <a:picLocks noChangeAspect="1" noChangeArrowheads="1"/>
+          </p:cNvPicPr>
+          <p:nvPr/>
+        </p:nvPicPr>
+        <p:blipFill>
+          <a:blip r:embed="rId4">
+            <a:extLst>
+              <a:ext uri="{28A0092B-C50C-407E-A947-70E740481C1C}">
+                <a14:useLocalDpi xmlns:a14="http://schemas.microsoft.com/office/drawing/2010/main" val="0"/>
+              </a:ext>
+            </a:extLst>
+          </a:blip>
+          <a:srcRect/>
+          <a:stretch>
+            <a:fillRect/>
+          </a:stretch>
+        </p:blipFill>
+        <p:spPr bwMode="auto">
+          <a:xfrm>
+            <a:off x="6228746" y="1545516"/>
+            <a:ext cx="5849398" cy="3934372"/>
+          </a:xfrm>
+          <a:prstGeom prst="rect">
+            <a:avLst/>
+          </a:prstGeom>
+          <a:solidFill>
+            <a:srgbClr val="FFFFFF">
+              <a:shade val="85000"/>
+            </a:srgbClr>
+          </a:solidFill>
+          <a:ln w="88900" cap="sq">
+            <a:solidFill>
+              <a:srgbClr val="FFFFFF"/>
+            </a:solidFill>
+            <a:miter lim="800000"/>
+          </a:ln>
+          <a:effectLst>
+            <a:outerShdw blurRad="55000" dist="18000" dir="5400000" algn="tl" rotWithShape="0">
+              <a:srgbClr val="000000">
+                <a:alpha val="40000"/>
+              </a:srgbClr>
+            </a:outerShdw>
+          </a:effectLst>
+          <a:scene3d>
+            <a:camera prst="orthographicFront"/>
+            <a:lightRig rig="twoPt" dir="t">
+              <a:rot lat="0" lon="0" rev="7200000"/>
+            </a:lightRig>
+          </a:scene3d>
+          <a:sp3d>
+            <a:bevelT w="25400" h="19050"/>
+            <a:contourClr>
+              <a:srgbClr val="FFFFFF"/>
+            </a:contourClr>
+          </a:sp3d>
+          <a:extLst>
+            <a:ext uri="{909E8E84-426E-40DD-AFC4-6F175D3DCCD1}">
+              <a14:hiddenFill xmlns:a14="http://schemas.microsoft.com/office/drawing/2010/main">
+                <a:solidFill>
+                  <a:srgbClr val="FFFFFF"/>
+                </a:solidFill>
+              </a14:hiddenFill>
+            </a:ext>
+          </a:extLst>
+        </p:spPr>
+      </p:pic>
+    </p:spTree>
+    <p:extLst>
+      <p:ext uri="{BB962C8B-B14F-4D97-AF65-F5344CB8AC3E}">
+        <p14:creationId xmlns:p14="http://schemas.microsoft.com/office/powerpoint/2010/main" val="16435732"/>
+      </p:ext>
+    </p:extLst>
+  </p:cSld>
+  <p:clrMapOvr>
+    <a:masterClrMapping/>
+  </p:clrMapOvr>
+  <p:transition spd="slow">
+    <p:fade/>
+  </p:transition>
+  <p:timing>
+    <p:tnLst>
+      <p:par>
+        <p:cTn id="1" dur="indefinite" restart="never" nodeType="tmRoot">
+          <p:childTnLst>
+            <p:seq concurrent="1" nextAc="seek">
+              <p:cTn id="2" dur="indefinite" nodeType="mainSeq">
+                <p:childTnLst>
+                  <p:par>
+                    <p:cTn id="3" fill="hold">
+                      <p:stCondLst>
+                        <p:cond delay="indefinite"/>
+                      </p:stCondLst>
+                      <p:childTnLst>
+                        <p:par>
+                          <p:cTn id="4" fill="hold">
+                            <p:stCondLst>
+                              <p:cond delay="0"/>
+                            </p:stCondLst>
+                            <p:childTnLst>
+                              <p:par>
+                                <p:cTn id="5" presetID="42" presetClass="entr" presetSubtype="0" fill="hold" nodeType="clickEffect">
+                                  <p:stCondLst>
+                                    <p:cond delay="0"/>
+                                  </p:stCondLst>
+                                  <p:childTnLst>
+                                    <p:set>
+                                      <p:cBhvr>
+                                        <p:cTn id="6" dur="1" fill="hold">
+                                          <p:stCondLst>
+                                            <p:cond delay="0"/>
+                                          </p:stCondLst>
+                                        </p:cTn>
+                                        <p:tgtEl>
+                                          <p:spTgt spid="6"/>
+                                        </p:tgtEl>
+                                        <p:attrNameLst>
+                                          <p:attrName>style.visibility</p:attrName>
+                                        </p:attrNameLst>
+                                      </p:cBhvr>
+                                      <p:to>
+                                        <p:strVal val="visible"/>
+                                      </p:to>
+                                    </p:set>
+                                    <p:animEffect transition="in" filter="fade">
+                                      <p:cBhvr>
+                                        <p:cTn id="7" dur="1000"/>
+                                        <p:tgtEl>
+                                          <p:spTgt spid="6"/>
+                                        </p:tgtEl>
+                                      </p:cBhvr>
+                                    </p:animEffect>
+                                    <p:anim calcmode="lin" valueType="num">
+                                      <p:cBhvr>
+                                        <p:cTn id="8" dur="1000" fill="hold"/>
+                                        <p:tgtEl>
+                                          <p:spTgt spid="6"/>
+                                        </p:tgtEl>
+                                        <p:attrNameLst>
+                                          <p:attrName>ppt_x</p:attrName>
+                                        </p:attrNameLst>
+                                      </p:cBhvr>
+                                      <p:tavLst>
+                                        <p:tav tm="0">
+                                          <p:val>
+                                            <p:strVal val="#ppt_x"/>
+                                          </p:val>
+                                        </p:tav>
+                                        <p:tav tm="100000">
+                                          <p:val>
+                                            <p:strVal val="#ppt_x"/>
+                                          </p:val>
+                                        </p:tav>
+                                      </p:tavLst>
+                                    </p:anim>
+                                    <p:anim calcmode="lin" valueType="num">
+                                      <p:cBhvr>
+                                        <p:cTn id="9" dur="1000" fill="hold"/>
+                                        <p:tgtEl>
+                                          <p:spTgt spid="6"/>
+                                        </p:tgtEl>
+                                        <p:attrNameLst>
+                                          <p:attrName>ppt_y</p:attrName>
+                                        </p:attrNameLst>
+                                      </p:cBhvr>
+                                      <p:tavLst>
+                                        <p:tav tm="0">
+                                          <p:val>
+                                            <p:strVal val="#ppt_y+.1"/>
+                                          </p:val>
+                                        </p:tav>
+                                        <p:tav tm="100000">
+                                          <p:val>
+                                            <p:strVal val="#ppt_y"/>
+                                          </p:val>
+                                        </p:tav>
+                                      </p:tavLst>
+                                    </p:anim>
+                                  </p:childTnLst>
+                                </p:cTn>
+                              </p:par>
+                            </p:childTnLst>
+                          </p:cTn>
+                        </p:par>
+                      </p:childTnLst>
+                    </p:cTn>
+                  </p:par>
+                  <p:par>
+                    <p:cTn id="10" fill="hold">
+                      <p:stCondLst>
+                        <p:cond delay="indefinite"/>
+                      </p:stCondLst>
+                      <p:childTnLst>
+                        <p:par>
+                          <p:cTn id="11" fill="hold">
+                            <p:stCondLst>
+                              <p:cond delay="0"/>
+                            </p:stCondLst>
+                            <p:childTnLst>
+                              <p:par>
+                                <p:cTn id="12" presetID="42" presetClass="entr" presetSubtype="0" fill="hold" nodeType="clickEffect">
+                                  <p:stCondLst>
+                                    <p:cond delay="0"/>
+                                  </p:stCondLst>
+                                  <p:childTnLst>
+                                    <p:set>
+                                      <p:cBhvr>
+                                        <p:cTn id="13" dur="1" fill="hold">
+                                          <p:stCondLst>
+                                            <p:cond delay="0"/>
+                                          </p:stCondLst>
+                                        </p:cTn>
+                                        <p:tgtEl>
+                                          <p:spTgt spid="7"/>
+                                        </p:tgtEl>
+                                        <p:attrNameLst>
+                                          <p:attrName>style.visibility</p:attrName>
+                                        </p:attrNameLst>
+                                      </p:cBhvr>
+                                      <p:to>
+                                        <p:strVal val="visible"/>
+                                      </p:to>
+                                    </p:set>
+                                    <p:animEffect transition="in" filter="fade">
+                                      <p:cBhvr>
+                                        <p:cTn id="14" dur="1000"/>
+                                        <p:tgtEl>
+                                          <p:spTgt spid="7"/>
+                                        </p:tgtEl>
+                                      </p:cBhvr>
+                                    </p:animEffect>
+                                    <p:anim calcmode="lin" valueType="num">
+                                      <p:cBhvr>
+                                        <p:cTn id="15" dur="1000" fill="hold"/>
+                                        <p:tgtEl>
+                                          <p:spTgt spid="7"/>
+                                        </p:tgtEl>
+                                        <p:attrNameLst>
+                                          <p:attrName>ppt_x</p:attrName>
+                                        </p:attrNameLst>
+                                      </p:cBhvr>
+                                      <p:tavLst>
+                                        <p:tav tm="0">
+                                          <p:val>
+                                            <p:strVal val="#ppt_x"/>
+                                          </p:val>
+                                        </p:tav>
+                                        <p:tav tm="100000">
+                                          <p:val>
+                                            <p:strVal val="#ppt_x"/>
+                                          </p:val>
+                                        </p:tav>
+                                      </p:tavLst>
+                                    </p:anim>
+                                    <p:anim calcmode="lin" valueType="num">
+                                      <p:cBhvr>
+                                        <p:cTn id="16" dur="1000" fill="hold"/>
+                                        <p:tgtEl>
+                                          <p:spTgt spid="7"/>
+                                        </p:tgtEl>
+                                        <p:attrNameLst>
+                                          <p:attrName>ppt_y</p:attrName>
+                                        </p:attrNameLst>
+                                      </p:cBhvr>
+                                      <p:tavLst>
+                                        <p:tav tm="0">
+                                          <p:val>
+                                            <p:strVal val="#ppt_y+.1"/>
+                                          </p:val>
+                                        </p:tav>
+                                        <p:tav tm="100000">
+                                          <p:val>
+                                            <p:strVal val="#ppt_y"/>
+                                          </p:val>
+                                        </p:tav>
+                                      </p:tavLst>
+                                    </p:anim>
+                                  </p:childTnLst>
+                                </p:cTn>
+                              </p:par>
+                            </p:childTnLst>
+                          </p:cTn>
+                        </p:par>
+                      </p:childTnLst>
+                    </p:cTn>
+                  </p:par>
+                </p:childTnLst>
+              </p:cTn>
+              <p:prevCondLst>
+                <p:cond evt="onPrev" delay="0">
+                  <p:tgtEl>
+                    <p:sldTgt/>
+                  </p:tgtEl>
+                </p:cond>
+              </p:prevCondLst>
+              <p:nextCondLst>
+                <p:cond evt="onNext" delay="0">
+                  <p:tgtEl>
+                    <p:sldTgt/>
+                  </p:tgtEl>
+                </p:cond>
+              </p:nextCondLst>
+            </p:seq>
+          </p:childTnLst>
+        </p:cTn>
+      </p:par>
+    </p:tnLst>
+  </p:timing>
+</p:sld>
+</file>
+
+<file path=ppt/slides/slide7.xml><?xml version="1.0" encoding="utf-8"?>
 <p:sld xmlns:a="http://schemas.openxmlformats.org/drawingml/2006/main" xmlns:r="http://schemas.openxmlformats.org/officeDocument/2006/relationships" xmlns:p="http://schemas.openxmlformats.org/presentationml/2006/main">
   <p:cSld>
     <p:spTree>
@@ -10117,47 +14612,281 @@
           <a:p>
             <a:r>
               <a:rPr lang="en-US" dirty="0"/>
-              <a:t>Team Member: OJ</a:t>
+              <a:t>Team Member: O.J.</a:t>
             </a:r>
           </a:p>
         </p:txBody>
       </p:sp>
       <p:sp>
         <p:nvSpPr>
-          <p:cNvPr id="3" name="Content Placeholder 2">
+          <p:cNvPr id="6" name="Content Placeholder 2">
             <a:extLst>
               <a:ext uri="{FF2B5EF4-FFF2-40B4-BE49-F238E27FC236}">
-                <a16:creationId xmlns:a16="http://schemas.microsoft.com/office/drawing/2014/main" id="{64C16206-387D-674A-AB89-AA8138B31D20}"/>
+                <a16:creationId xmlns:a16="http://schemas.microsoft.com/office/drawing/2014/main" id="{47AEF538-7043-445B-BA2C-1C68B931DC3B}"/>
               </a:ext>
             </a:extLst>
           </p:cNvPr>
-          <p:cNvSpPr>
-            <a:spLocks noGrp="1"/>
+          <p:cNvSpPr txBox="1">
+            <a:spLocks/>
           </p:cNvSpPr>
-          <p:nvPr>
-            <p:ph idx="1"/>
-          </p:nvPr>
+          <p:nvPr/>
         </p:nvSpPr>
-        <p:spPr/>
+        <p:spPr>
+          <a:xfrm>
+            <a:off x="677335" y="2160592"/>
+            <a:ext cx="8596668" cy="3880773"/>
+          </a:xfrm>
+          <a:prstGeom prst="rect">
+            <a:avLst/>
+          </a:prstGeom>
+        </p:spPr>
         <p:txBody>
-          <a:bodyPr/>
-          <a:lstStyle/>
+          <a:bodyPr vert="horz" lIns="91440" tIns="45720" rIns="91440" bIns="45720" rtlCol="0">
+            <a:normAutofit/>
+          </a:bodyPr>
+          <a:lstStyle>
+            <a:lvl1pPr marL="342891" indent="-342891" algn="l" defTabSz="457189" rtl="0" eaLnBrk="1" latinLnBrk="0" hangingPunct="1">
+              <a:spcBef>
+                <a:spcPts val="1000"/>
+              </a:spcBef>
+              <a:spcAft>
+                <a:spcPts val="0"/>
+              </a:spcAft>
+              <a:buClr>
+                <a:schemeClr val="accent1"/>
+              </a:buClr>
+              <a:buSzPct val="80000"/>
+              <a:buFont typeface="Wingdings 3" charset="2"/>
+              <a:buChar char=""/>
+              <a:defRPr sz="1800" kern="1200">
+                <a:solidFill>
+                  <a:schemeClr val="tx1">
+                    <a:lumMod val="75000"/>
+                    <a:lumOff val="25000"/>
+                  </a:schemeClr>
+                </a:solidFill>
+                <a:latin typeface="+mn-lt"/>
+                <a:ea typeface="+mn-ea"/>
+                <a:cs typeface="+mn-cs"/>
+              </a:defRPr>
+            </a:lvl1pPr>
+            <a:lvl2pPr marL="742932" indent="-285744" algn="l" defTabSz="457189" rtl="0" eaLnBrk="1" latinLnBrk="0" hangingPunct="1">
+              <a:spcBef>
+                <a:spcPts val="1000"/>
+              </a:spcBef>
+              <a:spcAft>
+                <a:spcPts val="0"/>
+              </a:spcAft>
+              <a:buClr>
+                <a:schemeClr val="accent1"/>
+              </a:buClr>
+              <a:buSzPct val="80000"/>
+              <a:buFont typeface="Wingdings 3" charset="2"/>
+              <a:buChar char=""/>
+              <a:defRPr sz="1600" kern="1200">
+                <a:solidFill>
+                  <a:schemeClr val="tx1">
+                    <a:lumMod val="75000"/>
+                    <a:lumOff val="25000"/>
+                  </a:schemeClr>
+                </a:solidFill>
+                <a:latin typeface="+mn-lt"/>
+                <a:ea typeface="+mn-ea"/>
+                <a:cs typeface="+mn-cs"/>
+              </a:defRPr>
+            </a:lvl2pPr>
+            <a:lvl3pPr marL="1142971" indent="-228594" algn="l" defTabSz="457189" rtl="0" eaLnBrk="1" latinLnBrk="0" hangingPunct="1">
+              <a:spcBef>
+                <a:spcPts val="1000"/>
+              </a:spcBef>
+              <a:spcAft>
+                <a:spcPts val="0"/>
+              </a:spcAft>
+              <a:buClr>
+                <a:schemeClr val="accent1"/>
+              </a:buClr>
+              <a:buSzPct val="80000"/>
+              <a:buFont typeface="Wingdings 3" charset="2"/>
+              <a:buChar char=""/>
+              <a:defRPr sz="1400" kern="1200">
+                <a:solidFill>
+                  <a:schemeClr val="tx1">
+                    <a:lumMod val="75000"/>
+                    <a:lumOff val="25000"/>
+                  </a:schemeClr>
+                </a:solidFill>
+                <a:latin typeface="+mn-lt"/>
+                <a:ea typeface="+mn-ea"/>
+                <a:cs typeface="+mn-cs"/>
+              </a:defRPr>
+            </a:lvl3pPr>
+            <a:lvl4pPr marL="1600160" indent="-228594" algn="l" defTabSz="457189" rtl="0" eaLnBrk="1" latinLnBrk="0" hangingPunct="1">
+              <a:spcBef>
+                <a:spcPts val="1000"/>
+              </a:spcBef>
+              <a:spcAft>
+                <a:spcPts val="0"/>
+              </a:spcAft>
+              <a:buClr>
+                <a:schemeClr val="accent1"/>
+              </a:buClr>
+              <a:buSzPct val="80000"/>
+              <a:buFont typeface="Wingdings 3" charset="2"/>
+              <a:buChar char=""/>
+              <a:defRPr sz="1200" kern="1200">
+                <a:solidFill>
+                  <a:schemeClr val="tx1">
+                    <a:lumMod val="75000"/>
+                    <a:lumOff val="25000"/>
+                  </a:schemeClr>
+                </a:solidFill>
+                <a:latin typeface="+mn-lt"/>
+                <a:ea typeface="+mn-ea"/>
+                <a:cs typeface="+mn-cs"/>
+              </a:defRPr>
+            </a:lvl4pPr>
+            <a:lvl5pPr marL="2057349" indent="-228594" algn="l" defTabSz="457189" rtl="0" eaLnBrk="1" latinLnBrk="0" hangingPunct="1">
+              <a:spcBef>
+                <a:spcPts val="1000"/>
+              </a:spcBef>
+              <a:spcAft>
+                <a:spcPts val="0"/>
+              </a:spcAft>
+              <a:buClr>
+                <a:schemeClr val="accent1"/>
+              </a:buClr>
+              <a:buSzPct val="80000"/>
+              <a:buFont typeface="Wingdings 3" charset="2"/>
+              <a:buChar char=""/>
+              <a:defRPr sz="1200" kern="1200">
+                <a:solidFill>
+                  <a:schemeClr val="tx1">
+                    <a:lumMod val="75000"/>
+                    <a:lumOff val="25000"/>
+                  </a:schemeClr>
+                </a:solidFill>
+                <a:latin typeface="+mn-lt"/>
+                <a:ea typeface="+mn-ea"/>
+                <a:cs typeface="+mn-cs"/>
+              </a:defRPr>
+            </a:lvl5pPr>
+            <a:lvl6pPr marL="2514537" indent="-228594" algn="l" defTabSz="457189" rtl="0" eaLnBrk="1" latinLnBrk="0" hangingPunct="1">
+              <a:spcBef>
+                <a:spcPts val="1000"/>
+              </a:spcBef>
+              <a:spcAft>
+                <a:spcPts val="0"/>
+              </a:spcAft>
+              <a:buClr>
+                <a:schemeClr val="accent1"/>
+              </a:buClr>
+              <a:buSzPct val="80000"/>
+              <a:buFont typeface="Wingdings 3" charset="2"/>
+              <a:buChar char=""/>
+              <a:defRPr sz="1200" kern="1200">
+                <a:solidFill>
+                  <a:schemeClr val="tx1">
+                    <a:lumMod val="75000"/>
+                    <a:lumOff val="25000"/>
+                  </a:schemeClr>
+                </a:solidFill>
+                <a:latin typeface="+mn-lt"/>
+                <a:ea typeface="+mn-ea"/>
+                <a:cs typeface="+mn-cs"/>
+              </a:defRPr>
+            </a:lvl6pPr>
+            <a:lvl7pPr marL="2971726" indent="-228594" algn="l" defTabSz="457189" rtl="0" eaLnBrk="1" latinLnBrk="0" hangingPunct="1">
+              <a:spcBef>
+                <a:spcPts val="1000"/>
+              </a:spcBef>
+              <a:spcAft>
+                <a:spcPts val="0"/>
+              </a:spcAft>
+              <a:buClr>
+                <a:schemeClr val="accent1"/>
+              </a:buClr>
+              <a:buSzPct val="80000"/>
+              <a:buFont typeface="Wingdings 3" charset="2"/>
+              <a:buChar char=""/>
+              <a:defRPr sz="1200" kern="1200">
+                <a:solidFill>
+                  <a:schemeClr val="tx1">
+                    <a:lumMod val="75000"/>
+                    <a:lumOff val="25000"/>
+                  </a:schemeClr>
+                </a:solidFill>
+                <a:latin typeface="+mn-lt"/>
+                <a:ea typeface="+mn-ea"/>
+                <a:cs typeface="+mn-cs"/>
+              </a:defRPr>
+            </a:lvl7pPr>
+            <a:lvl8pPr marL="3428914" indent="-228594" algn="l" defTabSz="457189" rtl="0" eaLnBrk="1" latinLnBrk="0" hangingPunct="1">
+              <a:spcBef>
+                <a:spcPts val="1000"/>
+              </a:spcBef>
+              <a:spcAft>
+                <a:spcPts val="0"/>
+              </a:spcAft>
+              <a:buClr>
+                <a:schemeClr val="accent1"/>
+              </a:buClr>
+              <a:buSzPct val="80000"/>
+              <a:buFont typeface="Wingdings 3" charset="2"/>
+              <a:buChar char=""/>
+              <a:defRPr sz="1200" kern="1200">
+                <a:solidFill>
+                  <a:schemeClr val="tx1">
+                    <a:lumMod val="75000"/>
+                    <a:lumOff val="25000"/>
+                  </a:schemeClr>
+                </a:solidFill>
+                <a:latin typeface="+mn-lt"/>
+                <a:ea typeface="+mn-ea"/>
+                <a:cs typeface="+mn-cs"/>
+              </a:defRPr>
+            </a:lvl8pPr>
+            <a:lvl9pPr marL="3886103" indent="-228594" algn="l" defTabSz="457189" rtl="0" eaLnBrk="1" latinLnBrk="0" hangingPunct="1">
+              <a:spcBef>
+                <a:spcPts val="1000"/>
+              </a:spcBef>
+              <a:spcAft>
+                <a:spcPts val="0"/>
+              </a:spcAft>
+              <a:buClr>
+                <a:schemeClr val="accent1"/>
+              </a:buClr>
+              <a:buSzPct val="80000"/>
+              <a:buFont typeface="Wingdings 3" charset="2"/>
+              <a:buChar char=""/>
+              <a:defRPr sz="1200" kern="1200">
+                <a:solidFill>
+                  <a:schemeClr val="tx1">
+                    <a:lumMod val="75000"/>
+                    <a:lumOff val="25000"/>
+                  </a:schemeClr>
+                </a:solidFill>
+                <a:latin typeface="+mn-lt"/>
+                <a:ea typeface="+mn-ea"/>
+                <a:cs typeface="+mn-cs"/>
+              </a:defRPr>
+            </a:lvl9pPr>
+          </a:lstStyle>
           <a:p>
             <a:r>
               <a:rPr lang="en-US" dirty="0"/>
-              <a:t>Describe</a:t>
+              <a:t>Questions to Answer</a:t>
             </a:r>
           </a:p>
           <a:p>
             <a:r>
               <a:rPr lang="en-US" dirty="0"/>
-              <a:t>Why?</a:t>
+              <a:t>Why These Questions?</a:t>
             </a:r>
           </a:p>
           <a:p>
             <a:r>
               <a:rPr lang="en-US" dirty="0"/>
-              <a:t>Analysis</a:t>
+              <a:t>Data Analytics</a:t>
             </a:r>
           </a:p>
           <a:p>
@@ -10168,6 +14897,86 @@
           </a:p>
         </p:txBody>
       </p:sp>
+      <p:pic>
+        <p:nvPicPr>
+          <p:cNvPr id="7" name="Picture 2">
+            <a:extLst>
+              <a:ext uri="{FF2B5EF4-FFF2-40B4-BE49-F238E27FC236}">
+                <a16:creationId xmlns:a16="http://schemas.microsoft.com/office/drawing/2014/main" id="{7E3BB28F-6FE2-467D-B331-6137D5D3792F}"/>
+              </a:ext>
+            </a:extLst>
+          </p:cNvPr>
+          <p:cNvPicPr>
+            <a:picLocks noChangeAspect="1" noChangeArrowheads="1"/>
+          </p:cNvPicPr>
+          <p:nvPr/>
+        </p:nvPicPr>
+        <p:blipFill>
+          <a:blip r:embed="rId3">
+            <a:extLst>
+              <a:ext uri="{28A0092B-C50C-407E-A947-70E740481C1C}">
+                <a14:useLocalDpi xmlns:a14="http://schemas.microsoft.com/office/drawing/2010/main" val="0"/>
+              </a:ext>
+            </a:extLst>
+          </a:blip>
+          <a:srcRect/>
+          <a:stretch>
+            <a:fillRect/>
+          </a:stretch>
+        </p:blipFill>
+        <p:spPr bwMode="auto">
+          <a:xfrm>
+            <a:off x="5128219" y="377483"/>
+            <a:ext cx="5385707" cy="2955471"/>
+          </a:xfrm>
+          <a:prstGeom prst="rect">
+            <a:avLst/>
+          </a:prstGeom>
+          <a:solidFill>
+            <a:schemeClr val="tx1"/>
+          </a:solidFill>
+        </p:spPr>
+      </p:pic>
+      <p:pic>
+        <p:nvPicPr>
+          <p:cNvPr id="8" name="Picture 4">
+            <a:extLst>
+              <a:ext uri="{FF2B5EF4-FFF2-40B4-BE49-F238E27FC236}">
+                <a16:creationId xmlns:a16="http://schemas.microsoft.com/office/drawing/2014/main" id="{3D9AA951-2CCA-434C-9FA1-BE910C05AD79}"/>
+              </a:ext>
+            </a:extLst>
+          </p:cNvPr>
+          <p:cNvPicPr>
+            <a:picLocks noChangeAspect="1" noChangeArrowheads="1"/>
+          </p:cNvPicPr>
+          <p:nvPr/>
+        </p:nvPicPr>
+        <p:blipFill>
+          <a:blip r:embed="rId4">
+            <a:extLst>
+              <a:ext uri="{28A0092B-C50C-407E-A947-70E740481C1C}">
+                <a14:useLocalDpi xmlns:a14="http://schemas.microsoft.com/office/drawing/2010/main" val="0"/>
+              </a:ext>
+            </a:extLst>
+          </a:blip>
+          <a:srcRect/>
+          <a:stretch>
+            <a:fillRect/>
+          </a:stretch>
+        </p:blipFill>
+        <p:spPr bwMode="auto">
+          <a:xfrm>
+            <a:off x="3448050" y="3448050"/>
+            <a:ext cx="8305800" cy="3151414"/>
+          </a:xfrm>
+          <a:prstGeom prst="rect">
+            <a:avLst/>
+          </a:prstGeom>
+          <a:solidFill>
+            <a:schemeClr val="tx2"/>
+          </a:solidFill>
+        </p:spPr>
+      </p:pic>
     </p:spTree>
     <p:extLst>
       <p:ext uri="{BB962C8B-B14F-4D97-AF65-F5344CB8AC3E}">
@@ -10178,89 +14987,590 @@
   <p:clrMapOvr>
     <a:masterClrMapping/>
   </p:clrMapOvr>
-</p:sld>
-</file>
-
-<file path=ppt/slides/slide7.xml><?xml version="1.0" encoding="utf-8"?>
-<p:sld xmlns:a="http://schemas.openxmlformats.org/drawingml/2006/main" xmlns:r="http://schemas.openxmlformats.org/officeDocument/2006/relationships" xmlns:p="http://schemas.openxmlformats.org/presentationml/2006/main">
-  <p:cSld>
-    <p:spTree>
-      <p:nvGrpSpPr>
-        <p:cNvPr id="1" name=""/>
-        <p:cNvGrpSpPr/>
-        <p:nvPr/>
-      </p:nvGrpSpPr>
-      <p:grpSpPr>
-        <a:xfrm>
-          <a:off x="0" y="0"/>
-          <a:ext cx="0" cy="0"/>
-          <a:chOff x="0" y="0"/>
-          <a:chExt cx="0" cy="0"/>
-        </a:xfrm>
-      </p:grpSpPr>
-      <p:sp>
-        <p:nvSpPr>
-          <p:cNvPr id="2" name="Title 1">
-            <a:extLst>
-              <a:ext uri="{FF2B5EF4-FFF2-40B4-BE49-F238E27FC236}">
-                <a16:creationId xmlns:a16="http://schemas.microsoft.com/office/drawing/2014/main" id="{9D4A42E2-D841-45F0-986F-0763617962AE}"/>
-              </a:ext>
-            </a:extLst>
-          </p:cNvPr>
-          <p:cNvSpPr>
-            <a:spLocks noGrp="1"/>
-          </p:cNvSpPr>
-          <p:nvPr>
-            <p:ph type="title"/>
-          </p:nvPr>
-        </p:nvSpPr>
-        <p:spPr/>
-        <p:txBody>
-          <a:bodyPr/>
-          <a:lstStyle/>
-          <a:p>
-            <a:r>
-              <a:rPr lang="en-US" dirty="0"/>
-              <a:t>Team Member: Henry</a:t>
-            </a:r>
-          </a:p>
-        </p:txBody>
-      </p:sp>
-      <p:sp>
-        <p:nvSpPr>
-          <p:cNvPr id="3" name="Content Placeholder 2">
-            <a:extLst>
-              <a:ext uri="{FF2B5EF4-FFF2-40B4-BE49-F238E27FC236}">
-                <a16:creationId xmlns:a16="http://schemas.microsoft.com/office/drawing/2014/main" id="{A3C5E0A1-4BBB-4FD4-8765-9C1869690B8B}"/>
-              </a:ext>
-            </a:extLst>
-          </p:cNvPr>
-          <p:cNvSpPr>
-            <a:spLocks noGrp="1"/>
-          </p:cNvSpPr>
-          <p:nvPr>
-            <p:ph idx="1"/>
-          </p:nvPr>
-        </p:nvSpPr>
-        <p:spPr/>
-        <p:txBody>
-          <a:bodyPr/>
-          <a:lstStyle/>
-          <a:p>
-            <a:endParaRPr lang="en-US"/>
-          </a:p>
-        </p:txBody>
-      </p:sp>
-    </p:spTree>
-    <p:extLst>
-      <p:ext uri="{BB962C8B-B14F-4D97-AF65-F5344CB8AC3E}">
-        <p14:creationId xmlns:p14="http://schemas.microsoft.com/office/powerpoint/2010/main" val="2772068299"/>
-      </p:ext>
-    </p:extLst>
-  </p:cSld>
-  <p:clrMapOvr>
-    <a:masterClrMapping/>
-  </p:clrMapOvr>
+  <mc:AlternateContent xmlns:mc="http://schemas.openxmlformats.org/markup-compatibility/2006">
+    <mc:Choice xmlns:p14="http://schemas.microsoft.com/office/powerpoint/2010/main" Requires="p14">
+      <p:transition spd="slow" p14:dur="2000">
+        <p:fade/>
+      </p:transition>
+    </mc:Choice>
+    <mc:Fallback>
+      <p:transition spd="slow">
+        <p:fade/>
+      </p:transition>
+    </mc:Fallback>
+  </mc:AlternateContent>
+  <p:timing>
+    <p:tnLst>
+      <p:par>
+        <p:cTn id="1" dur="indefinite" restart="never" nodeType="tmRoot">
+          <p:childTnLst>
+            <p:seq concurrent="1" nextAc="seek">
+              <p:cTn id="2" dur="indefinite" nodeType="mainSeq">
+                <p:childTnLst>
+                  <p:par>
+                    <p:cTn id="3" fill="hold">
+                      <p:stCondLst>
+                        <p:cond delay="indefinite"/>
+                      </p:stCondLst>
+                      <p:childTnLst>
+                        <p:par>
+                          <p:cTn id="4" fill="hold">
+                            <p:stCondLst>
+                              <p:cond delay="0"/>
+                            </p:stCondLst>
+                            <p:childTnLst>
+                              <p:par>
+                                <p:cTn id="5" presetID="42" presetClass="entr" presetSubtype="0" fill="hold" grpId="0" nodeType="clickEffect">
+                                  <p:stCondLst>
+                                    <p:cond delay="0"/>
+                                  </p:stCondLst>
+                                  <p:childTnLst>
+                                    <p:set>
+                                      <p:cBhvr>
+                                        <p:cTn id="6" dur="1" fill="hold">
+                                          <p:stCondLst>
+                                            <p:cond delay="0"/>
+                                          </p:stCondLst>
+                                        </p:cTn>
+                                        <p:tgtEl>
+                                          <p:spTgt spid="6">
+                                            <p:txEl>
+                                              <p:pRg st="0" end="0"/>
+                                            </p:txEl>
+                                          </p:spTgt>
+                                        </p:tgtEl>
+                                        <p:attrNameLst>
+                                          <p:attrName>style.visibility</p:attrName>
+                                        </p:attrNameLst>
+                                      </p:cBhvr>
+                                      <p:to>
+                                        <p:strVal val="visible"/>
+                                      </p:to>
+                                    </p:set>
+                                    <p:animEffect transition="in" filter="fade">
+                                      <p:cBhvr>
+                                        <p:cTn id="7" dur="1000"/>
+                                        <p:tgtEl>
+                                          <p:spTgt spid="6">
+                                            <p:txEl>
+                                              <p:pRg st="0" end="0"/>
+                                            </p:txEl>
+                                          </p:spTgt>
+                                        </p:tgtEl>
+                                      </p:cBhvr>
+                                    </p:animEffect>
+                                    <p:anim calcmode="lin" valueType="num">
+                                      <p:cBhvr>
+                                        <p:cTn id="8" dur="1000" fill="hold"/>
+                                        <p:tgtEl>
+                                          <p:spTgt spid="6">
+                                            <p:txEl>
+                                              <p:pRg st="0" end="0"/>
+                                            </p:txEl>
+                                          </p:spTgt>
+                                        </p:tgtEl>
+                                        <p:attrNameLst>
+                                          <p:attrName>ppt_x</p:attrName>
+                                        </p:attrNameLst>
+                                      </p:cBhvr>
+                                      <p:tavLst>
+                                        <p:tav tm="0">
+                                          <p:val>
+                                            <p:strVal val="#ppt_x"/>
+                                          </p:val>
+                                        </p:tav>
+                                        <p:tav tm="100000">
+                                          <p:val>
+                                            <p:strVal val="#ppt_x"/>
+                                          </p:val>
+                                        </p:tav>
+                                      </p:tavLst>
+                                    </p:anim>
+                                    <p:anim calcmode="lin" valueType="num">
+                                      <p:cBhvr>
+                                        <p:cTn id="9" dur="1000" fill="hold"/>
+                                        <p:tgtEl>
+                                          <p:spTgt spid="6">
+                                            <p:txEl>
+                                              <p:pRg st="0" end="0"/>
+                                            </p:txEl>
+                                          </p:spTgt>
+                                        </p:tgtEl>
+                                        <p:attrNameLst>
+                                          <p:attrName>ppt_y</p:attrName>
+                                        </p:attrNameLst>
+                                      </p:cBhvr>
+                                      <p:tavLst>
+                                        <p:tav tm="0">
+                                          <p:val>
+                                            <p:strVal val="#ppt_y+.1"/>
+                                          </p:val>
+                                        </p:tav>
+                                        <p:tav tm="100000">
+                                          <p:val>
+                                            <p:strVal val="#ppt_y"/>
+                                          </p:val>
+                                        </p:tav>
+                                      </p:tavLst>
+                                    </p:anim>
+                                  </p:childTnLst>
+                                </p:cTn>
+                              </p:par>
+                            </p:childTnLst>
+                          </p:cTn>
+                        </p:par>
+                        <p:par>
+                          <p:cTn id="10" fill="hold">
+                            <p:stCondLst>
+                              <p:cond delay="1000"/>
+                            </p:stCondLst>
+                            <p:childTnLst>
+                              <p:par>
+                                <p:cTn id="11" presetID="42" presetClass="entr" presetSubtype="0" fill="hold" grpId="0" nodeType="afterEffect">
+                                  <p:stCondLst>
+                                    <p:cond delay="0"/>
+                                  </p:stCondLst>
+                                  <p:childTnLst>
+                                    <p:set>
+                                      <p:cBhvr>
+                                        <p:cTn id="12" dur="1" fill="hold">
+                                          <p:stCondLst>
+                                            <p:cond delay="0"/>
+                                          </p:stCondLst>
+                                        </p:cTn>
+                                        <p:tgtEl>
+                                          <p:spTgt spid="6">
+                                            <p:txEl>
+                                              <p:pRg st="1" end="1"/>
+                                            </p:txEl>
+                                          </p:spTgt>
+                                        </p:tgtEl>
+                                        <p:attrNameLst>
+                                          <p:attrName>style.visibility</p:attrName>
+                                        </p:attrNameLst>
+                                      </p:cBhvr>
+                                      <p:to>
+                                        <p:strVal val="visible"/>
+                                      </p:to>
+                                    </p:set>
+                                    <p:animEffect transition="in" filter="fade">
+                                      <p:cBhvr>
+                                        <p:cTn id="13" dur="1000"/>
+                                        <p:tgtEl>
+                                          <p:spTgt spid="6">
+                                            <p:txEl>
+                                              <p:pRg st="1" end="1"/>
+                                            </p:txEl>
+                                          </p:spTgt>
+                                        </p:tgtEl>
+                                      </p:cBhvr>
+                                    </p:animEffect>
+                                    <p:anim calcmode="lin" valueType="num">
+                                      <p:cBhvr>
+                                        <p:cTn id="14" dur="1000" fill="hold"/>
+                                        <p:tgtEl>
+                                          <p:spTgt spid="6">
+                                            <p:txEl>
+                                              <p:pRg st="1" end="1"/>
+                                            </p:txEl>
+                                          </p:spTgt>
+                                        </p:tgtEl>
+                                        <p:attrNameLst>
+                                          <p:attrName>ppt_x</p:attrName>
+                                        </p:attrNameLst>
+                                      </p:cBhvr>
+                                      <p:tavLst>
+                                        <p:tav tm="0">
+                                          <p:val>
+                                            <p:strVal val="#ppt_x"/>
+                                          </p:val>
+                                        </p:tav>
+                                        <p:tav tm="100000">
+                                          <p:val>
+                                            <p:strVal val="#ppt_x"/>
+                                          </p:val>
+                                        </p:tav>
+                                      </p:tavLst>
+                                    </p:anim>
+                                    <p:anim calcmode="lin" valueType="num">
+                                      <p:cBhvr>
+                                        <p:cTn id="15" dur="1000" fill="hold"/>
+                                        <p:tgtEl>
+                                          <p:spTgt spid="6">
+                                            <p:txEl>
+                                              <p:pRg st="1" end="1"/>
+                                            </p:txEl>
+                                          </p:spTgt>
+                                        </p:tgtEl>
+                                        <p:attrNameLst>
+                                          <p:attrName>ppt_y</p:attrName>
+                                        </p:attrNameLst>
+                                      </p:cBhvr>
+                                      <p:tavLst>
+                                        <p:tav tm="0">
+                                          <p:val>
+                                            <p:strVal val="#ppt_y+.1"/>
+                                          </p:val>
+                                        </p:tav>
+                                        <p:tav tm="100000">
+                                          <p:val>
+                                            <p:strVal val="#ppt_y"/>
+                                          </p:val>
+                                        </p:tav>
+                                      </p:tavLst>
+                                    </p:anim>
+                                  </p:childTnLst>
+                                </p:cTn>
+                              </p:par>
+                            </p:childTnLst>
+                          </p:cTn>
+                        </p:par>
+                        <p:par>
+                          <p:cTn id="16" fill="hold">
+                            <p:stCondLst>
+                              <p:cond delay="2000"/>
+                            </p:stCondLst>
+                            <p:childTnLst>
+                              <p:par>
+                                <p:cTn id="17" presetID="42" presetClass="entr" presetSubtype="0" fill="hold" grpId="0" nodeType="afterEffect">
+                                  <p:stCondLst>
+                                    <p:cond delay="0"/>
+                                  </p:stCondLst>
+                                  <p:childTnLst>
+                                    <p:set>
+                                      <p:cBhvr>
+                                        <p:cTn id="18" dur="1" fill="hold">
+                                          <p:stCondLst>
+                                            <p:cond delay="0"/>
+                                          </p:stCondLst>
+                                        </p:cTn>
+                                        <p:tgtEl>
+                                          <p:spTgt spid="6">
+                                            <p:txEl>
+                                              <p:pRg st="2" end="2"/>
+                                            </p:txEl>
+                                          </p:spTgt>
+                                        </p:tgtEl>
+                                        <p:attrNameLst>
+                                          <p:attrName>style.visibility</p:attrName>
+                                        </p:attrNameLst>
+                                      </p:cBhvr>
+                                      <p:to>
+                                        <p:strVal val="visible"/>
+                                      </p:to>
+                                    </p:set>
+                                    <p:animEffect transition="in" filter="fade">
+                                      <p:cBhvr>
+                                        <p:cTn id="19" dur="1000"/>
+                                        <p:tgtEl>
+                                          <p:spTgt spid="6">
+                                            <p:txEl>
+                                              <p:pRg st="2" end="2"/>
+                                            </p:txEl>
+                                          </p:spTgt>
+                                        </p:tgtEl>
+                                      </p:cBhvr>
+                                    </p:animEffect>
+                                    <p:anim calcmode="lin" valueType="num">
+                                      <p:cBhvr>
+                                        <p:cTn id="20" dur="1000" fill="hold"/>
+                                        <p:tgtEl>
+                                          <p:spTgt spid="6">
+                                            <p:txEl>
+                                              <p:pRg st="2" end="2"/>
+                                            </p:txEl>
+                                          </p:spTgt>
+                                        </p:tgtEl>
+                                        <p:attrNameLst>
+                                          <p:attrName>ppt_x</p:attrName>
+                                        </p:attrNameLst>
+                                      </p:cBhvr>
+                                      <p:tavLst>
+                                        <p:tav tm="0">
+                                          <p:val>
+                                            <p:strVal val="#ppt_x"/>
+                                          </p:val>
+                                        </p:tav>
+                                        <p:tav tm="100000">
+                                          <p:val>
+                                            <p:strVal val="#ppt_x"/>
+                                          </p:val>
+                                        </p:tav>
+                                      </p:tavLst>
+                                    </p:anim>
+                                    <p:anim calcmode="lin" valueType="num">
+                                      <p:cBhvr>
+                                        <p:cTn id="21" dur="1000" fill="hold"/>
+                                        <p:tgtEl>
+                                          <p:spTgt spid="6">
+                                            <p:txEl>
+                                              <p:pRg st="2" end="2"/>
+                                            </p:txEl>
+                                          </p:spTgt>
+                                        </p:tgtEl>
+                                        <p:attrNameLst>
+                                          <p:attrName>ppt_y</p:attrName>
+                                        </p:attrNameLst>
+                                      </p:cBhvr>
+                                      <p:tavLst>
+                                        <p:tav tm="0">
+                                          <p:val>
+                                            <p:strVal val="#ppt_y+.1"/>
+                                          </p:val>
+                                        </p:tav>
+                                        <p:tav tm="100000">
+                                          <p:val>
+                                            <p:strVal val="#ppt_y"/>
+                                          </p:val>
+                                        </p:tav>
+                                      </p:tavLst>
+                                    </p:anim>
+                                  </p:childTnLst>
+                                </p:cTn>
+                              </p:par>
+                            </p:childTnLst>
+                          </p:cTn>
+                        </p:par>
+                        <p:par>
+                          <p:cTn id="22" fill="hold">
+                            <p:stCondLst>
+                              <p:cond delay="3000"/>
+                            </p:stCondLst>
+                            <p:childTnLst>
+                              <p:par>
+                                <p:cTn id="23" presetID="42" presetClass="entr" presetSubtype="0" fill="hold" grpId="0" nodeType="afterEffect">
+                                  <p:stCondLst>
+                                    <p:cond delay="0"/>
+                                  </p:stCondLst>
+                                  <p:childTnLst>
+                                    <p:set>
+                                      <p:cBhvr>
+                                        <p:cTn id="24" dur="1" fill="hold">
+                                          <p:stCondLst>
+                                            <p:cond delay="0"/>
+                                          </p:stCondLst>
+                                        </p:cTn>
+                                        <p:tgtEl>
+                                          <p:spTgt spid="6">
+                                            <p:txEl>
+                                              <p:pRg st="3" end="3"/>
+                                            </p:txEl>
+                                          </p:spTgt>
+                                        </p:tgtEl>
+                                        <p:attrNameLst>
+                                          <p:attrName>style.visibility</p:attrName>
+                                        </p:attrNameLst>
+                                      </p:cBhvr>
+                                      <p:to>
+                                        <p:strVal val="visible"/>
+                                      </p:to>
+                                    </p:set>
+                                    <p:animEffect transition="in" filter="fade">
+                                      <p:cBhvr>
+                                        <p:cTn id="25" dur="1000"/>
+                                        <p:tgtEl>
+                                          <p:spTgt spid="6">
+                                            <p:txEl>
+                                              <p:pRg st="3" end="3"/>
+                                            </p:txEl>
+                                          </p:spTgt>
+                                        </p:tgtEl>
+                                      </p:cBhvr>
+                                    </p:animEffect>
+                                    <p:anim calcmode="lin" valueType="num">
+                                      <p:cBhvr>
+                                        <p:cTn id="26" dur="1000" fill="hold"/>
+                                        <p:tgtEl>
+                                          <p:spTgt spid="6">
+                                            <p:txEl>
+                                              <p:pRg st="3" end="3"/>
+                                            </p:txEl>
+                                          </p:spTgt>
+                                        </p:tgtEl>
+                                        <p:attrNameLst>
+                                          <p:attrName>ppt_x</p:attrName>
+                                        </p:attrNameLst>
+                                      </p:cBhvr>
+                                      <p:tavLst>
+                                        <p:tav tm="0">
+                                          <p:val>
+                                            <p:strVal val="#ppt_x"/>
+                                          </p:val>
+                                        </p:tav>
+                                        <p:tav tm="100000">
+                                          <p:val>
+                                            <p:strVal val="#ppt_x"/>
+                                          </p:val>
+                                        </p:tav>
+                                      </p:tavLst>
+                                    </p:anim>
+                                    <p:anim calcmode="lin" valueType="num">
+                                      <p:cBhvr>
+                                        <p:cTn id="27" dur="1000" fill="hold"/>
+                                        <p:tgtEl>
+                                          <p:spTgt spid="6">
+                                            <p:txEl>
+                                              <p:pRg st="3" end="3"/>
+                                            </p:txEl>
+                                          </p:spTgt>
+                                        </p:tgtEl>
+                                        <p:attrNameLst>
+                                          <p:attrName>ppt_y</p:attrName>
+                                        </p:attrNameLst>
+                                      </p:cBhvr>
+                                      <p:tavLst>
+                                        <p:tav tm="0">
+                                          <p:val>
+                                            <p:strVal val="#ppt_y+.1"/>
+                                          </p:val>
+                                        </p:tav>
+                                        <p:tav tm="100000">
+                                          <p:val>
+                                            <p:strVal val="#ppt_y"/>
+                                          </p:val>
+                                        </p:tav>
+                                      </p:tavLst>
+                                    </p:anim>
+                                  </p:childTnLst>
+                                </p:cTn>
+                              </p:par>
+                            </p:childTnLst>
+                          </p:cTn>
+                        </p:par>
+                      </p:childTnLst>
+                    </p:cTn>
+                  </p:par>
+                  <p:par>
+                    <p:cTn id="28" fill="hold">
+                      <p:stCondLst>
+                        <p:cond delay="indefinite"/>
+                      </p:stCondLst>
+                      <p:childTnLst>
+                        <p:par>
+                          <p:cTn id="29" fill="hold">
+                            <p:stCondLst>
+                              <p:cond delay="0"/>
+                            </p:stCondLst>
+                            <p:childTnLst>
+                              <p:par>
+                                <p:cTn id="30" presetID="14" presetClass="entr" presetSubtype="10" fill="hold" nodeType="clickEffect">
+                                  <p:stCondLst>
+                                    <p:cond delay="0"/>
+                                  </p:stCondLst>
+                                  <p:childTnLst>
+                                    <p:set>
+                                      <p:cBhvr>
+                                        <p:cTn id="31" dur="1" fill="hold">
+                                          <p:stCondLst>
+                                            <p:cond delay="0"/>
+                                          </p:stCondLst>
+                                        </p:cTn>
+                                        <p:tgtEl>
+                                          <p:spTgt spid="7"/>
+                                        </p:tgtEl>
+                                        <p:attrNameLst>
+                                          <p:attrName>style.visibility</p:attrName>
+                                        </p:attrNameLst>
+                                      </p:cBhvr>
+                                      <p:to>
+                                        <p:strVal val="visible"/>
+                                      </p:to>
+                                    </p:set>
+                                    <p:animEffect transition="in" filter="randombar(horizontal)">
+                                      <p:cBhvr>
+                                        <p:cTn id="32" dur="500"/>
+                                        <p:tgtEl>
+                                          <p:spTgt spid="7"/>
+                                        </p:tgtEl>
+                                      </p:cBhvr>
+                                    </p:animEffect>
+                                  </p:childTnLst>
+                                </p:cTn>
+                              </p:par>
+                            </p:childTnLst>
+                          </p:cTn>
+                        </p:par>
+                      </p:childTnLst>
+                    </p:cTn>
+                  </p:par>
+                  <p:par>
+                    <p:cTn id="33" fill="hold">
+                      <p:stCondLst>
+                        <p:cond delay="indefinite"/>
+                      </p:stCondLst>
+                      <p:childTnLst>
+                        <p:par>
+                          <p:cTn id="34" fill="hold">
+                            <p:stCondLst>
+                              <p:cond delay="0"/>
+                            </p:stCondLst>
+                            <p:childTnLst>
+                              <p:par>
+                                <p:cTn id="35" presetID="14" presetClass="entr" presetSubtype="10" fill="hold" nodeType="clickEffect">
+                                  <p:stCondLst>
+                                    <p:cond delay="0"/>
+                                  </p:stCondLst>
+                                  <p:childTnLst>
+                                    <p:set>
+                                      <p:cBhvr>
+                                        <p:cTn id="36" dur="1" fill="hold">
+                                          <p:stCondLst>
+                                            <p:cond delay="0"/>
+                                          </p:stCondLst>
+                                        </p:cTn>
+                                        <p:tgtEl>
+                                          <p:spTgt spid="8"/>
+                                        </p:tgtEl>
+                                        <p:attrNameLst>
+                                          <p:attrName>style.visibility</p:attrName>
+                                        </p:attrNameLst>
+                                      </p:cBhvr>
+                                      <p:to>
+                                        <p:strVal val="visible"/>
+                                      </p:to>
+                                    </p:set>
+                                    <p:animEffect transition="in" filter="randombar(horizontal)">
+                                      <p:cBhvr>
+                                        <p:cTn id="37" dur="500"/>
+                                        <p:tgtEl>
+                                          <p:spTgt spid="8"/>
+                                        </p:tgtEl>
+                                      </p:cBhvr>
+                                    </p:animEffect>
+                                  </p:childTnLst>
+                                </p:cTn>
+                              </p:par>
+                            </p:childTnLst>
+                          </p:cTn>
+                        </p:par>
+                      </p:childTnLst>
+                    </p:cTn>
+                  </p:par>
+                </p:childTnLst>
+              </p:cTn>
+              <p:prevCondLst>
+                <p:cond evt="onPrev" delay="0">
+                  <p:tgtEl>
+                    <p:sldTgt/>
+                  </p:tgtEl>
+                </p:cond>
+              </p:prevCondLst>
+              <p:nextCondLst>
+                <p:cond evt="onNext" delay="0">
+                  <p:tgtEl>
+                    <p:sldTgt/>
+                  </p:tgtEl>
+                </p:cond>
+              </p:nextCondLst>
+            </p:seq>
+          </p:childTnLst>
+        </p:cTn>
+      </p:par>
+    </p:tnLst>
+    <p:bldLst>
+      <p:bldP spid="6" grpId="0" uiExpand="1" build="p"/>
+    </p:bldLst>
+  </p:timing>
 </p:sld>
 </file>
 
@@ -10286,7 +15596,7 @@
           <p:cNvPr id="2" name="Title 1">
             <a:extLst>
               <a:ext uri="{FF2B5EF4-FFF2-40B4-BE49-F238E27FC236}">
-                <a16:creationId xmlns:a16="http://schemas.microsoft.com/office/drawing/2014/main" id="{E0ED6F48-913C-4AA6-9222-1B06FBF5522E}"/>
+                <a16:creationId xmlns:a16="http://schemas.microsoft.com/office/drawing/2014/main" id="{498E7BE7-AC7C-6C46-B5DF-C352253290EA}"/>
               </a:ext>
             </a:extLst>
           </p:cNvPr>
@@ -10304,46 +15614,1049 @@
           <a:p>
             <a:r>
               <a:rPr lang="en-US" dirty="0"/>
-              <a:t>Summary</a:t>
+              <a:t>Team Member: Henry </a:t>
             </a:r>
           </a:p>
         </p:txBody>
       </p:sp>
       <p:sp>
         <p:nvSpPr>
-          <p:cNvPr id="3" name="Content Placeholder 2">
+          <p:cNvPr id="6" name="Content Placeholder 2">
             <a:extLst>
               <a:ext uri="{FF2B5EF4-FFF2-40B4-BE49-F238E27FC236}">
-                <a16:creationId xmlns:a16="http://schemas.microsoft.com/office/drawing/2014/main" id="{85FA2E1C-6C56-4F26-81A7-BFB8B0A86245}"/>
+                <a16:creationId xmlns:a16="http://schemas.microsoft.com/office/drawing/2014/main" id="{47AEF538-7043-445B-BA2C-1C68B931DC3B}"/>
               </a:ext>
             </a:extLst>
           </p:cNvPr>
-          <p:cNvSpPr>
-            <a:spLocks noGrp="1"/>
+          <p:cNvSpPr txBox="1">
+            <a:spLocks/>
           </p:cNvSpPr>
-          <p:nvPr>
-            <p:ph idx="1"/>
-          </p:nvPr>
+          <p:nvPr/>
         </p:nvSpPr>
-        <p:spPr/>
+        <p:spPr>
+          <a:xfrm>
+            <a:off x="677335" y="2160592"/>
+            <a:ext cx="8596668" cy="3880773"/>
+          </a:xfrm>
+          <a:prstGeom prst="rect">
+            <a:avLst/>
+          </a:prstGeom>
+        </p:spPr>
         <p:txBody>
-          <a:bodyPr/>
-          <a:lstStyle/>
-          <a:p>
-            <a:endParaRPr lang="en-US" dirty="0"/>
+          <a:bodyPr vert="horz" lIns="91440" tIns="45720" rIns="91440" bIns="45720" rtlCol="0">
+            <a:normAutofit/>
+          </a:bodyPr>
+          <a:lstStyle>
+            <a:lvl1pPr marL="342891" indent="-342891" algn="l" defTabSz="457189" rtl="0" eaLnBrk="1" latinLnBrk="0" hangingPunct="1">
+              <a:spcBef>
+                <a:spcPts val="1000"/>
+              </a:spcBef>
+              <a:spcAft>
+                <a:spcPts val="0"/>
+              </a:spcAft>
+              <a:buClr>
+                <a:schemeClr val="accent1"/>
+              </a:buClr>
+              <a:buSzPct val="80000"/>
+              <a:buFont typeface="Wingdings 3" charset="2"/>
+              <a:buChar char=""/>
+              <a:defRPr sz="1800" kern="1200">
+                <a:solidFill>
+                  <a:schemeClr val="tx1">
+                    <a:lumMod val="75000"/>
+                    <a:lumOff val="25000"/>
+                  </a:schemeClr>
+                </a:solidFill>
+                <a:latin typeface="+mn-lt"/>
+                <a:ea typeface="+mn-ea"/>
+                <a:cs typeface="+mn-cs"/>
+              </a:defRPr>
+            </a:lvl1pPr>
+            <a:lvl2pPr marL="742932" indent="-285744" algn="l" defTabSz="457189" rtl="0" eaLnBrk="1" latinLnBrk="0" hangingPunct="1">
+              <a:spcBef>
+                <a:spcPts val="1000"/>
+              </a:spcBef>
+              <a:spcAft>
+                <a:spcPts val="0"/>
+              </a:spcAft>
+              <a:buClr>
+                <a:schemeClr val="accent1"/>
+              </a:buClr>
+              <a:buSzPct val="80000"/>
+              <a:buFont typeface="Wingdings 3" charset="2"/>
+              <a:buChar char=""/>
+              <a:defRPr sz="1600" kern="1200">
+                <a:solidFill>
+                  <a:schemeClr val="tx1">
+                    <a:lumMod val="75000"/>
+                    <a:lumOff val="25000"/>
+                  </a:schemeClr>
+                </a:solidFill>
+                <a:latin typeface="+mn-lt"/>
+                <a:ea typeface="+mn-ea"/>
+                <a:cs typeface="+mn-cs"/>
+              </a:defRPr>
+            </a:lvl2pPr>
+            <a:lvl3pPr marL="1142971" indent="-228594" algn="l" defTabSz="457189" rtl="0" eaLnBrk="1" latinLnBrk="0" hangingPunct="1">
+              <a:spcBef>
+                <a:spcPts val="1000"/>
+              </a:spcBef>
+              <a:spcAft>
+                <a:spcPts val="0"/>
+              </a:spcAft>
+              <a:buClr>
+                <a:schemeClr val="accent1"/>
+              </a:buClr>
+              <a:buSzPct val="80000"/>
+              <a:buFont typeface="Wingdings 3" charset="2"/>
+              <a:buChar char=""/>
+              <a:defRPr sz="1400" kern="1200">
+                <a:solidFill>
+                  <a:schemeClr val="tx1">
+                    <a:lumMod val="75000"/>
+                    <a:lumOff val="25000"/>
+                  </a:schemeClr>
+                </a:solidFill>
+                <a:latin typeface="+mn-lt"/>
+                <a:ea typeface="+mn-ea"/>
+                <a:cs typeface="+mn-cs"/>
+              </a:defRPr>
+            </a:lvl3pPr>
+            <a:lvl4pPr marL="1600160" indent="-228594" algn="l" defTabSz="457189" rtl="0" eaLnBrk="1" latinLnBrk="0" hangingPunct="1">
+              <a:spcBef>
+                <a:spcPts val="1000"/>
+              </a:spcBef>
+              <a:spcAft>
+                <a:spcPts val="0"/>
+              </a:spcAft>
+              <a:buClr>
+                <a:schemeClr val="accent1"/>
+              </a:buClr>
+              <a:buSzPct val="80000"/>
+              <a:buFont typeface="Wingdings 3" charset="2"/>
+              <a:buChar char=""/>
+              <a:defRPr sz="1200" kern="1200">
+                <a:solidFill>
+                  <a:schemeClr val="tx1">
+                    <a:lumMod val="75000"/>
+                    <a:lumOff val="25000"/>
+                  </a:schemeClr>
+                </a:solidFill>
+                <a:latin typeface="+mn-lt"/>
+                <a:ea typeface="+mn-ea"/>
+                <a:cs typeface="+mn-cs"/>
+              </a:defRPr>
+            </a:lvl4pPr>
+            <a:lvl5pPr marL="2057349" indent="-228594" algn="l" defTabSz="457189" rtl="0" eaLnBrk="1" latinLnBrk="0" hangingPunct="1">
+              <a:spcBef>
+                <a:spcPts val="1000"/>
+              </a:spcBef>
+              <a:spcAft>
+                <a:spcPts val="0"/>
+              </a:spcAft>
+              <a:buClr>
+                <a:schemeClr val="accent1"/>
+              </a:buClr>
+              <a:buSzPct val="80000"/>
+              <a:buFont typeface="Wingdings 3" charset="2"/>
+              <a:buChar char=""/>
+              <a:defRPr sz="1200" kern="1200">
+                <a:solidFill>
+                  <a:schemeClr val="tx1">
+                    <a:lumMod val="75000"/>
+                    <a:lumOff val="25000"/>
+                  </a:schemeClr>
+                </a:solidFill>
+                <a:latin typeface="+mn-lt"/>
+                <a:ea typeface="+mn-ea"/>
+                <a:cs typeface="+mn-cs"/>
+              </a:defRPr>
+            </a:lvl5pPr>
+            <a:lvl6pPr marL="2514537" indent="-228594" algn="l" defTabSz="457189" rtl="0" eaLnBrk="1" latinLnBrk="0" hangingPunct="1">
+              <a:spcBef>
+                <a:spcPts val="1000"/>
+              </a:spcBef>
+              <a:spcAft>
+                <a:spcPts val="0"/>
+              </a:spcAft>
+              <a:buClr>
+                <a:schemeClr val="accent1"/>
+              </a:buClr>
+              <a:buSzPct val="80000"/>
+              <a:buFont typeface="Wingdings 3" charset="2"/>
+              <a:buChar char=""/>
+              <a:defRPr sz="1200" kern="1200">
+                <a:solidFill>
+                  <a:schemeClr val="tx1">
+                    <a:lumMod val="75000"/>
+                    <a:lumOff val="25000"/>
+                  </a:schemeClr>
+                </a:solidFill>
+                <a:latin typeface="+mn-lt"/>
+                <a:ea typeface="+mn-ea"/>
+                <a:cs typeface="+mn-cs"/>
+              </a:defRPr>
+            </a:lvl6pPr>
+            <a:lvl7pPr marL="2971726" indent="-228594" algn="l" defTabSz="457189" rtl="0" eaLnBrk="1" latinLnBrk="0" hangingPunct="1">
+              <a:spcBef>
+                <a:spcPts val="1000"/>
+              </a:spcBef>
+              <a:spcAft>
+                <a:spcPts val="0"/>
+              </a:spcAft>
+              <a:buClr>
+                <a:schemeClr val="accent1"/>
+              </a:buClr>
+              <a:buSzPct val="80000"/>
+              <a:buFont typeface="Wingdings 3" charset="2"/>
+              <a:buChar char=""/>
+              <a:defRPr sz="1200" kern="1200">
+                <a:solidFill>
+                  <a:schemeClr val="tx1">
+                    <a:lumMod val="75000"/>
+                    <a:lumOff val="25000"/>
+                  </a:schemeClr>
+                </a:solidFill>
+                <a:latin typeface="+mn-lt"/>
+                <a:ea typeface="+mn-ea"/>
+                <a:cs typeface="+mn-cs"/>
+              </a:defRPr>
+            </a:lvl7pPr>
+            <a:lvl8pPr marL="3428914" indent="-228594" algn="l" defTabSz="457189" rtl="0" eaLnBrk="1" latinLnBrk="0" hangingPunct="1">
+              <a:spcBef>
+                <a:spcPts val="1000"/>
+              </a:spcBef>
+              <a:spcAft>
+                <a:spcPts val="0"/>
+              </a:spcAft>
+              <a:buClr>
+                <a:schemeClr val="accent1"/>
+              </a:buClr>
+              <a:buSzPct val="80000"/>
+              <a:buFont typeface="Wingdings 3" charset="2"/>
+              <a:buChar char=""/>
+              <a:defRPr sz="1200" kern="1200">
+                <a:solidFill>
+                  <a:schemeClr val="tx1">
+                    <a:lumMod val="75000"/>
+                    <a:lumOff val="25000"/>
+                  </a:schemeClr>
+                </a:solidFill>
+                <a:latin typeface="+mn-lt"/>
+                <a:ea typeface="+mn-ea"/>
+                <a:cs typeface="+mn-cs"/>
+              </a:defRPr>
+            </a:lvl8pPr>
+            <a:lvl9pPr marL="3886103" indent="-228594" algn="l" defTabSz="457189" rtl="0" eaLnBrk="1" latinLnBrk="0" hangingPunct="1">
+              <a:spcBef>
+                <a:spcPts val="1000"/>
+              </a:spcBef>
+              <a:spcAft>
+                <a:spcPts val="0"/>
+              </a:spcAft>
+              <a:buClr>
+                <a:schemeClr val="accent1"/>
+              </a:buClr>
+              <a:buSzPct val="80000"/>
+              <a:buFont typeface="Wingdings 3" charset="2"/>
+              <a:buChar char=""/>
+              <a:defRPr sz="1200" kern="1200">
+                <a:solidFill>
+                  <a:schemeClr val="tx1">
+                    <a:lumMod val="75000"/>
+                    <a:lumOff val="25000"/>
+                  </a:schemeClr>
+                </a:solidFill>
+                <a:latin typeface="+mn-lt"/>
+                <a:ea typeface="+mn-ea"/>
+                <a:cs typeface="+mn-cs"/>
+              </a:defRPr>
+            </a:lvl9pPr>
+          </a:lstStyle>
+          <a:p>
+            <a:r>
+              <a:rPr lang="en-US" dirty="0"/>
+              <a:t>Questions to Answer</a:t>
+            </a:r>
+          </a:p>
+          <a:p>
+            <a:r>
+              <a:rPr lang="en-US" dirty="0"/>
+              <a:t>Why These Questions?</a:t>
+            </a:r>
+          </a:p>
+          <a:p>
+            <a:r>
+              <a:rPr lang="en-US" dirty="0"/>
+              <a:t>Data Analytics</a:t>
+            </a:r>
+          </a:p>
+          <a:p>
+            <a:r>
+              <a:rPr lang="en-US" dirty="0"/>
+              <a:t>Conclusion</a:t>
+            </a:r>
           </a:p>
         </p:txBody>
       </p:sp>
+      <p:pic>
+        <p:nvPicPr>
+          <p:cNvPr id="10" name="Picture 9">
+            <a:extLst>
+              <a:ext uri="{FF2B5EF4-FFF2-40B4-BE49-F238E27FC236}">
+                <a16:creationId xmlns:a16="http://schemas.microsoft.com/office/drawing/2014/main" id="{236AEEAC-B979-4DE9-9AE3-E23000383DA7}"/>
+              </a:ext>
+            </a:extLst>
+          </p:cNvPr>
+          <p:cNvPicPr>
+            <a:picLocks noChangeAspect="1"/>
+          </p:cNvPicPr>
+          <p:nvPr/>
+        </p:nvPicPr>
+        <p:blipFill>
+          <a:blip r:embed="rId3">
+            <a:extLst>
+              <a:ext uri="{28A0092B-C50C-407E-A947-70E740481C1C}">
+                <a14:useLocalDpi xmlns:a14="http://schemas.microsoft.com/office/drawing/2010/main" val="0"/>
+              </a:ext>
+            </a:extLst>
+          </a:blip>
+          <a:stretch>
+            <a:fillRect/>
+          </a:stretch>
+        </p:blipFill>
+        <p:spPr>
+          <a:xfrm>
+            <a:off x="3957097" y="1565668"/>
+            <a:ext cx="7832997" cy="4177598"/>
+          </a:xfrm>
+          <a:prstGeom prst="rect">
+            <a:avLst/>
+          </a:prstGeom>
+        </p:spPr>
+      </p:pic>
+      <p:pic>
+        <p:nvPicPr>
+          <p:cNvPr id="12" name="Picture 11">
+            <a:extLst>
+              <a:ext uri="{FF2B5EF4-FFF2-40B4-BE49-F238E27FC236}">
+                <a16:creationId xmlns:a16="http://schemas.microsoft.com/office/drawing/2014/main" id="{66FB3A2A-C253-42E8-8914-F03B48D8E324}"/>
+              </a:ext>
+            </a:extLst>
+          </p:cNvPr>
+          <p:cNvPicPr>
+            <a:picLocks noChangeAspect="1"/>
+          </p:cNvPicPr>
+          <p:nvPr/>
+        </p:nvPicPr>
+        <p:blipFill>
+          <a:blip r:embed="rId4">
+            <a:extLst>
+              <a:ext uri="{28A0092B-C50C-407E-A947-70E740481C1C}">
+                <a14:useLocalDpi xmlns:a14="http://schemas.microsoft.com/office/drawing/2010/main" val="0"/>
+              </a:ext>
+            </a:extLst>
+          </a:blip>
+          <a:stretch>
+            <a:fillRect/>
+          </a:stretch>
+        </p:blipFill>
+        <p:spPr>
+          <a:xfrm>
+            <a:off x="3957097" y="1565668"/>
+            <a:ext cx="7832995" cy="4177598"/>
+          </a:xfrm>
+          <a:prstGeom prst="rect">
+            <a:avLst/>
+          </a:prstGeom>
+        </p:spPr>
+      </p:pic>
     </p:spTree>
     <p:extLst>
       <p:ext uri="{BB962C8B-B14F-4D97-AF65-F5344CB8AC3E}">
-        <p14:creationId xmlns:p14="http://schemas.microsoft.com/office/powerpoint/2010/main" val="1484925481"/>
+        <p14:creationId xmlns:p14="http://schemas.microsoft.com/office/powerpoint/2010/main" val="4281741762"/>
       </p:ext>
     </p:extLst>
   </p:cSld>
   <p:clrMapOvr>
     <a:masterClrMapping/>
   </p:clrMapOvr>
+  <mc:AlternateContent xmlns:mc="http://schemas.openxmlformats.org/markup-compatibility/2006">
+    <mc:Choice xmlns:p14="http://schemas.microsoft.com/office/powerpoint/2010/main" Requires="p14">
+      <p:transition spd="slow" p14:dur="2000">
+        <p:fade/>
+      </p:transition>
+    </mc:Choice>
+    <mc:Fallback>
+      <p:transition spd="slow">
+        <p:fade/>
+      </p:transition>
+    </mc:Fallback>
+  </mc:AlternateContent>
+  <p:timing>
+    <p:tnLst>
+      <p:par>
+        <p:cTn id="1" dur="indefinite" restart="never" nodeType="tmRoot">
+          <p:childTnLst>
+            <p:seq concurrent="1" nextAc="seek">
+              <p:cTn id="2" dur="indefinite" nodeType="mainSeq">
+                <p:childTnLst>
+                  <p:par>
+                    <p:cTn id="3" fill="hold">
+                      <p:stCondLst>
+                        <p:cond delay="indefinite"/>
+                      </p:stCondLst>
+                      <p:childTnLst>
+                        <p:par>
+                          <p:cTn id="4" fill="hold">
+                            <p:stCondLst>
+                              <p:cond delay="0"/>
+                            </p:stCondLst>
+                            <p:childTnLst>
+                              <p:par>
+                                <p:cTn id="5" presetID="42" presetClass="entr" presetSubtype="0" fill="hold" grpId="0" nodeType="clickEffect">
+                                  <p:stCondLst>
+                                    <p:cond delay="0"/>
+                                  </p:stCondLst>
+                                  <p:childTnLst>
+                                    <p:set>
+                                      <p:cBhvr>
+                                        <p:cTn id="6" dur="1" fill="hold">
+                                          <p:stCondLst>
+                                            <p:cond delay="0"/>
+                                          </p:stCondLst>
+                                        </p:cTn>
+                                        <p:tgtEl>
+                                          <p:spTgt spid="6">
+                                            <p:txEl>
+                                              <p:pRg st="0" end="0"/>
+                                            </p:txEl>
+                                          </p:spTgt>
+                                        </p:tgtEl>
+                                        <p:attrNameLst>
+                                          <p:attrName>style.visibility</p:attrName>
+                                        </p:attrNameLst>
+                                      </p:cBhvr>
+                                      <p:to>
+                                        <p:strVal val="visible"/>
+                                      </p:to>
+                                    </p:set>
+                                    <p:animEffect transition="in" filter="fade">
+                                      <p:cBhvr>
+                                        <p:cTn id="7" dur="1000"/>
+                                        <p:tgtEl>
+                                          <p:spTgt spid="6">
+                                            <p:txEl>
+                                              <p:pRg st="0" end="0"/>
+                                            </p:txEl>
+                                          </p:spTgt>
+                                        </p:tgtEl>
+                                      </p:cBhvr>
+                                    </p:animEffect>
+                                    <p:anim calcmode="lin" valueType="num">
+                                      <p:cBhvr>
+                                        <p:cTn id="8" dur="1000" fill="hold"/>
+                                        <p:tgtEl>
+                                          <p:spTgt spid="6">
+                                            <p:txEl>
+                                              <p:pRg st="0" end="0"/>
+                                            </p:txEl>
+                                          </p:spTgt>
+                                        </p:tgtEl>
+                                        <p:attrNameLst>
+                                          <p:attrName>ppt_x</p:attrName>
+                                        </p:attrNameLst>
+                                      </p:cBhvr>
+                                      <p:tavLst>
+                                        <p:tav tm="0">
+                                          <p:val>
+                                            <p:strVal val="#ppt_x"/>
+                                          </p:val>
+                                        </p:tav>
+                                        <p:tav tm="100000">
+                                          <p:val>
+                                            <p:strVal val="#ppt_x"/>
+                                          </p:val>
+                                        </p:tav>
+                                      </p:tavLst>
+                                    </p:anim>
+                                    <p:anim calcmode="lin" valueType="num">
+                                      <p:cBhvr>
+                                        <p:cTn id="9" dur="1000" fill="hold"/>
+                                        <p:tgtEl>
+                                          <p:spTgt spid="6">
+                                            <p:txEl>
+                                              <p:pRg st="0" end="0"/>
+                                            </p:txEl>
+                                          </p:spTgt>
+                                        </p:tgtEl>
+                                        <p:attrNameLst>
+                                          <p:attrName>ppt_y</p:attrName>
+                                        </p:attrNameLst>
+                                      </p:cBhvr>
+                                      <p:tavLst>
+                                        <p:tav tm="0">
+                                          <p:val>
+                                            <p:strVal val="#ppt_y+.1"/>
+                                          </p:val>
+                                        </p:tav>
+                                        <p:tav tm="100000">
+                                          <p:val>
+                                            <p:strVal val="#ppt_y"/>
+                                          </p:val>
+                                        </p:tav>
+                                      </p:tavLst>
+                                    </p:anim>
+                                  </p:childTnLst>
+                                </p:cTn>
+                              </p:par>
+                            </p:childTnLst>
+                          </p:cTn>
+                        </p:par>
+                        <p:par>
+                          <p:cTn id="10" fill="hold">
+                            <p:stCondLst>
+                              <p:cond delay="1000"/>
+                            </p:stCondLst>
+                            <p:childTnLst>
+                              <p:par>
+                                <p:cTn id="11" presetID="42" presetClass="entr" presetSubtype="0" fill="hold" grpId="0" nodeType="afterEffect">
+                                  <p:stCondLst>
+                                    <p:cond delay="0"/>
+                                  </p:stCondLst>
+                                  <p:childTnLst>
+                                    <p:set>
+                                      <p:cBhvr>
+                                        <p:cTn id="12" dur="1" fill="hold">
+                                          <p:stCondLst>
+                                            <p:cond delay="0"/>
+                                          </p:stCondLst>
+                                        </p:cTn>
+                                        <p:tgtEl>
+                                          <p:spTgt spid="6">
+                                            <p:txEl>
+                                              <p:pRg st="1" end="1"/>
+                                            </p:txEl>
+                                          </p:spTgt>
+                                        </p:tgtEl>
+                                        <p:attrNameLst>
+                                          <p:attrName>style.visibility</p:attrName>
+                                        </p:attrNameLst>
+                                      </p:cBhvr>
+                                      <p:to>
+                                        <p:strVal val="visible"/>
+                                      </p:to>
+                                    </p:set>
+                                    <p:animEffect transition="in" filter="fade">
+                                      <p:cBhvr>
+                                        <p:cTn id="13" dur="1000"/>
+                                        <p:tgtEl>
+                                          <p:spTgt spid="6">
+                                            <p:txEl>
+                                              <p:pRg st="1" end="1"/>
+                                            </p:txEl>
+                                          </p:spTgt>
+                                        </p:tgtEl>
+                                      </p:cBhvr>
+                                    </p:animEffect>
+                                    <p:anim calcmode="lin" valueType="num">
+                                      <p:cBhvr>
+                                        <p:cTn id="14" dur="1000" fill="hold"/>
+                                        <p:tgtEl>
+                                          <p:spTgt spid="6">
+                                            <p:txEl>
+                                              <p:pRg st="1" end="1"/>
+                                            </p:txEl>
+                                          </p:spTgt>
+                                        </p:tgtEl>
+                                        <p:attrNameLst>
+                                          <p:attrName>ppt_x</p:attrName>
+                                        </p:attrNameLst>
+                                      </p:cBhvr>
+                                      <p:tavLst>
+                                        <p:tav tm="0">
+                                          <p:val>
+                                            <p:strVal val="#ppt_x"/>
+                                          </p:val>
+                                        </p:tav>
+                                        <p:tav tm="100000">
+                                          <p:val>
+                                            <p:strVal val="#ppt_x"/>
+                                          </p:val>
+                                        </p:tav>
+                                      </p:tavLst>
+                                    </p:anim>
+                                    <p:anim calcmode="lin" valueType="num">
+                                      <p:cBhvr>
+                                        <p:cTn id="15" dur="1000" fill="hold"/>
+                                        <p:tgtEl>
+                                          <p:spTgt spid="6">
+                                            <p:txEl>
+                                              <p:pRg st="1" end="1"/>
+                                            </p:txEl>
+                                          </p:spTgt>
+                                        </p:tgtEl>
+                                        <p:attrNameLst>
+                                          <p:attrName>ppt_y</p:attrName>
+                                        </p:attrNameLst>
+                                      </p:cBhvr>
+                                      <p:tavLst>
+                                        <p:tav tm="0">
+                                          <p:val>
+                                            <p:strVal val="#ppt_y+.1"/>
+                                          </p:val>
+                                        </p:tav>
+                                        <p:tav tm="100000">
+                                          <p:val>
+                                            <p:strVal val="#ppt_y"/>
+                                          </p:val>
+                                        </p:tav>
+                                      </p:tavLst>
+                                    </p:anim>
+                                  </p:childTnLst>
+                                </p:cTn>
+                              </p:par>
+                            </p:childTnLst>
+                          </p:cTn>
+                        </p:par>
+                        <p:par>
+                          <p:cTn id="16" fill="hold">
+                            <p:stCondLst>
+                              <p:cond delay="2000"/>
+                            </p:stCondLst>
+                            <p:childTnLst>
+                              <p:par>
+                                <p:cTn id="17" presetID="42" presetClass="entr" presetSubtype="0" fill="hold" grpId="0" nodeType="afterEffect">
+                                  <p:stCondLst>
+                                    <p:cond delay="0"/>
+                                  </p:stCondLst>
+                                  <p:childTnLst>
+                                    <p:set>
+                                      <p:cBhvr>
+                                        <p:cTn id="18" dur="1" fill="hold">
+                                          <p:stCondLst>
+                                            <p:cond delay="0"/>
+                                          </p:stCondLst>
+                                        </p:cTn>
+                                        <p:tgtEl>
+                                          <p:spTgt spid="6">
+                                            <p:txEl>
+                                              <p:pRg st="2" end="2"/>
+                                            </p:txEl>
+                                          </p:spTgt>
+                                        </p:tgtEl>
+                                        <p:attrNameLst>
+                                          <p:attrName>style.visibility</p:attrName>
+                                        </p:attrNameLst>
+                                      </p:cBhvr>
+                                      <p:to>
+                                        <p:strVal val="visible"/>
+                                      </p:to>
+                                    </p:set>
+                                    <p:animEffect transition="in" filter="fade">
+                                      <p:cBhvr>
+                                        <p:cTn id="19" dur="1000"/>
+                                        <p:tgtEl>
+                                          <p:spTgt spid="6">
+                                            <p:txEl>
+                                              <p:pRg st="2" end="2"/>
+                                            </p:txEl>
+                                          </p:spTgt>
+                                        </p:tgtEl>
+                                      </p:cBhvr>
+                                    </p:animEffect>
+                                    <p:anim calcmode="lin" valueType="num">
+                                      <p:cBhvr>
+                                        <p:cTn id="20" dur="1000" fill="hold"/>
+                                        <p:tgtEl>
+                                          <p:spTgt spid="6">
+                                            <p:txEl>
+                                              <p:pRg st="2" end="2"/>
+                                            </p:txEl>
+                                          </p:spTgt>
+                                        </p:tgtEl>
+                                        <p:attrNameLst>
+                                          <p:attrName>ppt_x</p:attrName>
+                                        </p:attrNameLst>
+                                      </p:cBhvr>
+                                      <p:tavLst>
+                                        <p:tav tm="0">
+                                          <p:val>
+                                            <p:strVal val="#ppt_x"/>
+                                          </p:val>
+                                        </p:tav>
+                                        <p:tav tm="100000">
+                                          <p:val>
+                                            <p:strVal val="#ppt_x"/>
+                                          </p:val>
+                                        </p:tav>
+                                      </p:tavLst>
+                                    </p:anim>
+                                    <p:anim calcmode="lin" valueType="num">
+                                      <p:cBhvr>
+                                        <p:cTn id="21" dur="1000" fill="hold"/>
+                                        <p:tgtEl>
+                                          <p:spTgt spid="6">
+                                            <p:txEl>
+                                              <p:pRg st="2" end="2"/>
+                                            </p:txEl>
+                                          </p:spTgt>
+                                        </p:tgtEl>
+                                        <p:attrNameLst>
+                                          <p:attrName>ppt_y</p:attrName>
+                                        </p:attrNameLst>
+                                      </p:cBhvr>
+                                      <p:tavLst>
+                                        <p:tav tm="0">
+                                          <p:val>
+                                            <p:strVal val="#ppt_y+.1"/>
+                                          </p:val>
+                                        </p:tav>
+                                        <p:tav tm="100000">
+                                          <p:val>
+                                            <p:strVal val="#ppt_y"/>
+                                          </p:val>
+                                        </p:tav>
+                                      </p:tavLst>
+                                    </p:anim>
+                                  </p:childTnLst>
+                                </p:cTn>
+                              </p:par>
+                            </p:childTnLst>
+                          </p:cTn>
+                        </p:par>
+                        <p:par>
+                          <p:cTn id="22" fill="hold">
+                            <p:stCondLst>
+                              <p:cond delay="3000"/>
+                            </p:stCondLst>
+                            <p:childTnLst>
+                              <p:par>
+                                <p:cTn id="23" presetID="42" presetClass="entr" presetSubtype="0" fill="hold" grpId="0" nodeType="afterEffect">
+                                  <p:stCondLst>
+                                    <p:cond delay="0"/>
+                                  </p:stCondLst>
+                                  <p:childTnLst>
+                                    <p:set>
+                                      <p:cBhvr>
+                                        <p:cTn id="24" dur="1" fill="hold">
+                                          <p:stCondLst>
+                                            <p:cond delay="0"/>
+                                          </p:stCondLst>
+                                        </p:cTn>
+                                        <p:tgtEl>
+                                          <p:spTgt spid="6">
+                                            <p:txEl>
+                                              <p:pRg st="3" end="3"/>
+                                            </p:txEl>
+                                          </p:spTgt>
+                                        </p:tgtEl>
+                                        <p:attrNameLst>
+                                          <p:attrName>style.visibility</p:attrName>
+                                        </p:attrNameLst>
+                                      </p:cBhvr>
+                                      <p:to>
+                                        <p:strVal val="visible"/>
+                                      </p:to>
+                                    </p:set>
+                                    <p:animEffect transition="in" filter="fade">
+                                      <p:cBhvr>
+                                        <p:cTn id="25" dur="1000"/>
+                                        <p:tgtEl>
+                                          <p:spTgt spid="6">
+                                            <p:txEl>
+                                              <p:pRg st="3" end="3"/>
+                                            </p:txEl>
+                                          </p:spTgt>
+                                        </p:tgtEl>
+                                      </p:cBhvr>
+                                    </p:animEffect>
+                                    <p:anim calcmode="lin" valueType="num">
+                                      <p:cBhvr>
+                                        <p:cTn id="26" dur="1000" fill="hold"/>
+                                        <p:tgtEl>
+                                          <p:spTgt spid="6">
+                                            <p:txEl>
+                                              <p:pRg st="3" end="3"/>
+                                            </p:txEl>
+                                          </p:spTgt>
+                                        </p:tgtEl>
+                                        <p:attrNameLst>
+                                          <p:attrName>ppt_x</p:attrName>
+                                        </p:attrNameLst>
+                                      </p:cBhvr>
+                                      <p:tavLst>
+                                        <p:tav tm="0">
+                                          <p:val>
+                                            <p:strVal val="#ppt_x"/>
+                                          </p:val>
+                                        </p:tav>
+                                        <p:tav tm="100000">
+                                          <p:val>
+                                            <p:strVal val="#ppt_x"/>
+                                          </p:val>
+                                        </p:tav>
+                                      </p:tavLst>
+                                    </p:anim>
+                                    <p:anim calcmode="lin" valueType="num">
+                                      <p:cBhvr>
+                                        <p:cTn id="27" dur="1000" fill="hold"/>
+                                        <p:tgtEl>
+                                          <p:spTgt spid="6">
+                                            <p:txEl>
+                                              <p:pRg st="3" end="3"/>
+                                            </p:txEl>
+                                          </p:spTgt>
+                                        </p:tgtEl>
+                                        <p:attrNameLst>
+                                          <p:attrName>ppt_y</p:attrName>
+                                        </p:attrNameLst>
+                                      </p:cBhvr>
+                                      <p:tavLst>
+                                        <p:tav tm="0">
+                                          <p:val>
+                                            <p:strVal val="#ppt_y+.1"/>
+                                          </p:val>
+                                        </p:tav>
+                                        <p:tav tm="100000">
+                                          <p:val>
+                                            <p:strVal val="#ppt_y"/>
+                                          </p:val>
+                                        </p:tav>
+                                      </p:tavLst>
+                                    </p:anim>
+                                  </p:childTnLst>
+                                </p:cTn>
+                              </p:par>
+                            </p:childTnLst>
+                          </p:cTn>
+                        </p:par>
+                      </p:childTnLst>
+                    </p:cTn>
+                  </p:par>
+                  <p:par>
+                    <p:cTn id="28" fill="hold">
+                      <p:stCondLst>
+                        <p:cond delay="indefinite"/>
+                      </p:stCondLst>
+                      <p:childTnLst>
+                        <p:par>
+                          <p:cTn id="29" fill="hold">
+                            <p:stCondLst>
+                              <p:cond delay="0"/>
+                            </p:stCondLst>
+                            <p:childTnLst>
+                              <p:par>
+                                <p:cTn id="30" presetID="42" presetClass="entr" presetSubtype="0" fill="hold" nodeType="clickEffect">
+                                  <p:stCondLst>
+                                    <p:cond delay="0"/>
+                                  </p:stCondLst>
+                                  <p:childTnLst>
+                                    <p:set>
+                                      <p:cBhvr>
+                                        <p:cTn id="31" dur="1" fill="hold">
+                                          <p:stCondLst>
+                                            <p:cond delay="0"/>
+                                          </p:stCondLst>
+                                        </p:cTn>
+                                        <p:tgtEl>
+                                          <p:spTgt spid="10"/>
+                                        </p:tgtEl>
+                                        <p:attrNameLst>
+                                          <p:attrName>style.visibility</p:attrName>
+                                        </p:attrNameLst>
+                                      </p:cBhvr>
+                                      <p:to>
+                                        <p:strVal val="visible"/>
+                                      </p:to>
+                                    </p:set>
+                                    <p:animEffect transition="in" filter="fade">
+                                      <p:cBhvr>
+                                        <p:cTn id="32" dur="1000"/>
+                                        <p:tgtEl>
+                                          <p:spTgt spid="10"/>
+                                        </p:tgtEl>
+                                      </p:cBhvr>
+                                    </p:animEffect>
+                                    <p:anim calcmode="lin" valueType="num">
+                                      <p:cBhvr>
+                                        <p:cTn id="33" dur="1000" fill="hold"/>
+                                        <p:tgtEl>
+                                          <p:spTgt spid="10"/>
+                                        </p:tgtEl>
+                                        <p:attrNameLst>
+                                          <p:attrName>ppt_x</p:attrName>
+                                        </p:attrNameLst>
+                                      </p:cBhvr>
+                                      <p:tavLst>
+                                        <p:tav tm="0">
+                                          <p:val>
+                                            <p:strVal val="#ppt_x"/>
+                                          </p:val>
+                                        </p:tav>
+                                        <p:tav tm="100000">
+                                          <p:val>
+                                            <p:strVal val="#ppt_x"/>
+                                          </p:val>
+                                        </p:tav>
+                                      </p:tavLst>
+                                    </p:anim>
+                                    <p:anim calcmode="lin" valueType="num">
+                                      <p:cBhvr>
+                                        <p:cTn id="34" dur="1000" fill="hold"/>
+                                        <p:tgtEl>
+                                          <p:spTgt spid="10"/>
+                                        </p:tgtEl>
+                                        <p:attrNameLst>
+                                          <p:attrName>ppt_y</p:attrName>
+                                        </p:attrNameLst>
+                                      </p:cBhvr>
+                                      <p:tavLst>
+                                        <p:tav tm="0">
+                                          <p:val>
+                                            <p:strVal val="#ppt_y+.1"/>
+                                          </p:val>
+                                        </p:tav>
+                                        <p:tav tm="100000">
+                                          <p:val>
+                                            <p:strVal val="#ppt_y"/>
+                                          </p:val>
+                                        </p:tav>
+                                      </p:tavLst>
+                                    </p:anim>
+                                  </p:childTnLst>
+                                </p:cTn>
+                              </p:par>
+                            </p:childTnLst>
+                          </p:cTn>
+                        </p:par>
+                      </p:childTnLst>
+                    </p:cTn>
+                  </p:par>
+                  <p:par>
+                    <p:cTn id="35" fill="hold">
+                      <p:stCondLst>
+                        <p:cond delay="indefinite"/>
+                      </p:stCondLst>
+                      <p:childTnLst>
+                        <p:par>
+                          <p:cTn id="36" fill="hold">
+                            <p:stCondLst>
+                              <p:cond delay="0"/>
+                            </p:stCondLst>
+                            <p:childTnLst>
+                              <p:par>
+                                <p:cTn id="37" presetID="42" presetClass="entr" presetSubtype="0" fill="hold" nodeType="clickEffect">
+                                  <p:stCondLst>
+                                    <p:cond delay="0"/>
+                                  </p:stCondLst>
+                                  <p:childTnLst>
+                                    <p:set>
+                                      <p:cBhvr>
+                                        <p:cTn id="38" dur="1" fill="hold">
+                                          <p:stCondLst>
+                                            <p:cond delay="0"/>
+                                          </p:stCondLst>
+                                        </p:cTn>
+                                        <p:tgtEl>
+                                          <p:spTgt spid="12"/>
+                                        </p:tgtEl>
+                                        <p:attrNameLst>
+                                          <p:attrName>style.visibility</p:attrName>
+                                        </p:attrNameLst>
+                                      </p:cBhvr>
+                                      <p:to>
+                                        <p:strVal val="visible"/>
+                                      </p:to>
+                                    </p:set>
+                                    <p:animEffect transition="in" filter="fade">
+                                      <p:cBhvr>
+                                        <p:cTn id="39" dur="1000"/>
+                                        <p:tgtEl>
+                                          <p:spTgt spid="12"/>
+                                        </p:tgtEl>
+                                      </p:cBhvr>
+                                    </p:animEffect>
+                                    <p:anim calcmode="lin" valueType="num">
+                                      <p:cBhvr>
+                                        <p:cTn id="40" dur="1000" fill="hold"/>
+                                        <p:tgtEl>
+                                          <p:spTgt spid="12"/>
+                                        </p:tgtEl>
+                                        <p:attrNameLst>
+                                          <p:attrName>ppt_x</p:attrName>
+                                        </p:attrNameLst>
+                                      </p:cBhvr>
+                                      <p:tavLst>
+                                        <p:tav tm="0">
+                                          <p:val>
+                                            <p:strVal val="#ppt_x"/>
+                                          </p:val>
+                                        </p:tav>
+                                        <p:tav tm="100000">
+                                          <p:val>
+                                            <p:strVal val="#ppt_x"/>
+                                          </p:val>
+                                        </p:tav>
+                                      </p:tavLst>
+                                    </p:anim>
+                                    <p:anim calcmode="lin" valueType="num">
+                                      <p:cBhvr>
+                                        <p:cTn id="41" dur="1000" fill="hold"/>
+                                        <p:tgtEl>
+                                          <p:spTgt spid="12"/>
+                                        </p:tgtEl>
+                                        <p:attrNameLst>
+                                          <p:attrName>ppt_y</p:attrName>
+                                        </p:attrNameLst>
+                                      </p:cBhvr>
+                                      <p:tavLst>
+                                        <p:tav tm="0">
+                                          <p:val>
+                                            <p:strVal val="#ppt_y+.1"/>
+                                          </p:val>
+                                        </p:tav>
+                                        <p:tav tm="100000">
+                                          <p:val>
+                                            <p:strVal val="#ppt_y"/>
+                                          </p:val>
+                                        </p:tav>
+                                      </p:tavLst>
+                                    </p:anim>
+                                  </p:childTnLst>
+                                </p:cTn>
+                              </p:par>
+                            </p:childTnLst>
+                          </p:cTn>
+                        </p:par>
+                      </p:childTnLst>
+                    </p:cTn>
+                  </p:par>
+                </p:childTnLst>
+              </p:cTn>
+              <p:prevCondLst>
+                <p:cond evt="onPrev" delay="0">
+                  <p:tgtEl>
+                    <p:sldTgt/>
+                  </p:tgtEl>
+                </p:cond>
+              </p:prevCondLst>
+              <p:nextCondLst>
+                <p:cond evt="onNext" delay="0">
+                  <p:tgtEl>
+                    <p:sldTgt/>
+                  </p:tgtEl>
+                </p:cond>
+              </p:nextCondLst>
+            </p:seq>
+          </p:childTnLst>
+        </p:cTn>
+      </p:par>
+    </p:tnLst>
+    <p:bldLst>
+      <p:bldP spid="6" grpId="0" uiExpand="1" build="p"/>
+    </p:bldLst>
+  </p:timing>
 </p:sld>
 </file>
 
@@ -10369,7 +16682,7 @@
           <p:cNvPr id="2" name="Title 1">
             <a:extLst>
               <a:ext uri="{FF2B5EF4-FFF2-40B4-BE49-F238E27FC236}">
-                <a16:creationId xmlns:a16="http://schemas.microsoft.com/office/drawing/2014/main" id="{428DDD17-EA40-4E09-A5FA-6519EAAB8EA3}"/>
+                <a16:creationId xmlns:a16="http://schemas.microsoft.com/office/drawing/2014/main" id="{498E7BE7-AC7C-6C46-B5DF-C352253290EA}"/>
               </a:ext>
             </a:extLst>
           </p:cNvPr>
@@ -10385,41 +16698,19 @@
           <a:bodyPr/>
           <a:lstStyle/>
           <a:p>
-            <a:endParaRPr lang="en-US"/>
-          </a:p>
-        </p:txBody>
-      </p:sp>
-      <p:sp>
-        <p:nvSpPr>
-          <p:cNvPr id="3" name="Content Placeholder 2">
-            <a:extLst>
-              <a:ext uri="{FF2B5EF4-FFF2-40B4-BE49-F238E27FC236}">
-                <a16:creationId xmlns:a16="http://schemas.microsoft.com/office/drawing/2014/main" id="{A67A72B7-D9AA-4C1C-953E-181817452D91}"/>
-              </a:ext>
-            </a:extLst>
-          </p:cNvPr>
-          <p:cNvSpPr>
-            <a:spLocks noGrp="1"/>
-          </p:cNvSpPr>
-          <p:nvPr>
-            <p:ph idx="1"/>
-          </p:nvPr>
-        </p:nvSpPr>
-        <p:spPr/>
-        <p:txBody>
-          <a:bodyPr/>
-          <a:lstStyle/>
-          <a:p>
-            <a:endParaRPr lang="en-US"/>
+            <a:r>
+              <a:rPr lang="en-US" dirty="0"/>
+              <a:t>Team Member: Henry </a:t>
+            </a:r>
           </a:p>
         </p:txBody>
       </p:sp>
       <p:pic>
         <p:nvPicPr>
-          <p:cNvPr id="4" name="Picture 3">
+          <p:cNvPr id="7" name="Picture 6">
             <a:extLst>
               <a:ext uri="{FF2B5EF4-FFF2-40B4-BE49-F238E27FC236}">
-                <a16:creationId xmlns:a16="http://schemas.microsoft.com/office/drawing/2014/main" id="{ED6FE4D0-1D88-4F0A-914D-23924F4A71EF}"/>
+                <a16:creationId xmlns:a16="http://schemas.microsoft.com/office/drawing/2014/main" id="{8781DB14-05A2-4A04-900F-BE0005A42BE6}"/>
               </a:ext>
             </a:extLst>
           </p:cNvPr>
@@ -10429,15 +16720,21 @@
           <p:nvPr/>
         </p:nvPicPr>
         <p:blipFill>
-          <a:blip r:embed="rId3"/>
+          <a:blip r:embed="rId3">
+            <a:extLst>
+              <a:ext uri="{28A0092B-C50C-407E-A947-70E740481C1C}">
+                <a14:useLocalDpi xmlns:a14="http://schemas.microsoft.com/office/drawing/2010/main" val="0"/>
+              </a:ext>
+            </a:extLst>
+          </a:blip>
           <a:stretch>
             <a:fillRect/>
           </a:stretch>
         </p:blipFill>
         <p:spPr>
           <a:xfrm>
-            <a:off x="733029" y="425140"/>
-            <a:ext cx="8540974" cy="6007719"/>
+            <a:off x="900642" y="1399582"/>
+            <a:ext cx="8150053" cy="4584404"/>
           </a:xfrm>
           <a:prstGeom prst="rect">
             <a:avLst/>
@@ -10447,13 +16744,146 @@
     </p:spTree>
     <p:extLst>
       <p:ext uri="{BB962C8B-B14F-4D97-AF65-F5344CB8AC3E}">
-        <p14:creationId xmlns:p14="http://schemas.microsoft.com/office/powerpoint/2010/main" val="2686583393"/>
+        <p14:creationId xmlns:p14="http://schemas.microsoft.com/office/powerpoint/2010/main" val="1694665264"/>
       </p:ext>
     </p:extLst>
   </p:cSld>
   <p:clrMapOvr>
     <a:masterClrMapping/>
   </p:clrMapOvr>
+  <mc:AlternateContent xmlns:mc="http://schemas.openxmlformats.org/markup-compatibility/2006">
+    <mc:Choice xmlns:p14="http://schemas.microsoft.com/office/powerpoint/2010/main" Requires="p14">
+      <p:transition spd="med" p14:dur="700">
+        <p:fade/>
+      </p:transition>
+    </mc:Choice>
+    <mc:Fallback>
+      <p:transition spd="med">
+        <p:fade/>
+      </p:transition>
+    </mc:Fallback>
+  </mc:AlternateContent>
+  <p:timing>
+    <p:tnLst>
+      <p:par>
+        <p:cTn id="1" dur="indefinite" restart="never" nodeType="tmRoot">
+          <p:childTnLst>
+            <p:seq concurrent="1" nextAc="seek">
+              <p:cTn id="2" dur="indefinite" nodeType="mainSeq">
+                <p:childTnLst>
+                  <p:par>
+                    <p:cTn id="3" fill="hold">
+                      <p:stCondLst>
+                        <p:cond delay="indefinite"/>
+                      </p:stCondLst>
+                      <p:childTnLst>
+                        <p:par>
+                          <p:cTn id="4" fill="hold">
+                            <p:stCondLst>
+                              <p:cond delay="0"/>
+                            </p:stCondLst>
+                            <p:childTnLst>
+                              <p:par>
+                                <p:cTn id="5" presetID="2" presetClass="entr" presetSubtype="4" fill="hold" nodeType="clickEffect">
+                                  <p:stCondLst>
+                                    <p:cond delay="0"/>
+                                  </p:stCondLst>
+                                  <p:childTnLst>
+                                    <p:set>
+                                      <p:cBhvr>
+                                        <p:cTn id="6" dur="1" fill="hold">
+                                          <p:stCondLst>
+                                            <p:cond delay="0"/>
+                                          </p:stCondLst>
+                                        </p:cTn>
+                                        <p:tgtEl>
+                                          <p:spTgt spid="7"/>
+                                        </p:tgtEl>
+                                        <p:attrNameLst>
+                                          <p:attrName>style.visibility</p:attrName>
+                                        </p:attrNameLst>
+                                      </p:cBhvr>
+                                      <p:to>
+                                        <p:strVal val="visible"/>
+                                      </p:to>
+                                    </p:set>
+                                    <p:anim calcmode="lin" valueType="num">
+                                      <p:cBhvr additive="base">
+                                        <p:cTn id="7" dur="500" fill="hold"/>
+                                        <p:tgtEl>
+                                          <p:spTgt spid="7"/>
+                                        </p:tgtEl>
+                                        <p:attrNameLst>
+                                          <p:attrName>ppt_x</p:attrName>
+                                        </p:attrNameLst>
+                                      </p:cBhvr>
+                                      <p:tavLst>
+                                        <p:tav tm="0">
+                                          <p:val>
+                                            <p:strVal val="#ppt_x"/>
+                                          </p:val>
+                                        </p:tav>
+                                        <p:tav tm="100000">
+                                          <p:val>
+                                            <p:strVal val="#ppt_x"/>
+                                          </p:val>
+                                        </p:tav>
+                                      </p:tavLst>
+                                    </p:anim>
+                                    <p:anim calcmode="lin" valueType="num">
+                                      <p:cBhvr additive="base">
+                                        <p:cTn id="8" dur="500" fill="hold"/>
+                                        <p:tgtEl>
+                                          <p:spTgt spid="7"/>
+                                        </p:tgtEl>
+                                        <p:attrNameLst>
+                                          <p:attrName>ppt_y</p:attrName>
+                                        </p:attrNameLst>
+                                      </p:cBhvr>
+                                      <p:tavLst>
+                                        <p:tav tm="0">
+                                          <p:val>
+                                            <p:strVal val="1+#ppt_h/2"/>
+                                          </p:val>
+                                        </p:tav>
+                                        <p:tav tm="100000">
+                                          <p:val>
+                                            <p:strVal val="#ppt_y"/>
+                                          </p:val>
+                                        </p:tav>
+                                      </p:tavLst>
+                                    </p:anim>
+                                  </p:childTnLst>
+                                </p:cTn>
+                              </p:par>
+                            </p:childTnLst>
+                          </p:cTn>
+                        </p:par>
+                      </p:childTnLst>
+                    </p:cTn>
+                  </p:par>
+                </p:childTnLst>
+              </p:cTn>
+              <p:prevCondLst>
+                <p:cond evt="onPrev" delay="0">
+                  <p:tgtEl>
+                    <p:sldTgt/>
+                  </p:tgtEl>
+                </p:cond>
+              </p:prevCondLst>
+              <p:nextCondLst>
+                <p:cond evt="onNext" delay="0">
+                  <p:tgtEl>
+                    <p:sldTgt/>
+                  </p:tgtEl>
+                </p:cond>
+              </p:nextCondLst>
+            </p:seq>
+          </p:childTnLst>
+        </p:cTn>
+      </p:par>
+    </p:tnLst>
+  </p:timing>
 </p:sld>
 </file>
 

--- a/Team_4_Proj_1.pptx
+++ b/Team_4_Proj_1.pptx
@@ -522,7 +522,7 @@
           <a:p>
             <a:r>
               <a:rPr lang="en-US" dirty="0"/>
-              <a:t>Probably you all remember hurricane Harvey that destroyed Houston not long ago. To some family, this event forever changed their lives. This picture is captured from ISS of Harvey. The topic we would like to talk about today is Global Warming which lots of people believe is the main cause of many devastating/ catastrophic events. </a:t>
+              <a:t>This picture is captured from ISS of Harvey which destroyed Houston not long ago. The topic we would like to talk about today is Global Warming which lots of people believe is the main cause of hurricanes.</a:t>
             </a:r>
           </a:p>
         </p:txBody>
@@ -1088,7 +1088,7 @@
           <a:p>
             <a:r>
               <a:rPr lang="en-US" dirty="0"/>
-              <a:t>This visual brought me to my next visual’s question about if TS are filtered out then just looking at categories 1 to 5, in which month is it occurring the most from 1851 to 2015? The reason I wanted to investigate this question was to see if hurricanes have been affected equally throughout entering the months from May to October due to an increase of global warming or has it created a bell curve? Results showed that a bell curve occurred and that the hurricanes weren’t just equally distributed throughout May to October and that there was a gradual increase and decrease from 1851 to 2015 instead of a number gap with no pattern. For example, a difference of about 8,000 hurricanes on the right and left months of the peak month. If I saw a pattern which was not creating a bell curve then I would think that global warming is throwing the hurricanes off through out the months which would have gradually created an equality of hurricanes through the months by an increase number of hurricanes in May, June, July, October, and November by 2015 which it didn’t. </a:t>
+              <a:t>This visual brought me to my next visual’s question about if TS are filtered out then just looking at categories 1 to 5, in which month is it occurring the most from 1851 to 2015? The reason I wanted to investigate this question was to see if hurricanes have been affected equally throughout entering the months from May to October due to an increase of global warming or has it created a bell curve? Results showed that a bell curve occurred and that the hurricanes weren’t just equally distributed throughout May to October and that there was a gradual increase and decrease from 1851 to 2015 instead of a number gap with no pattern. For example, a difference of about 8,000 hurricanes on the right and left months of the peak month. </a:t>
             </a:r>
           </a:p>
           <a:p>
@@ -7765,7 +7765,7 @@
             </a:r>
             <a:r>
               <a:rPr lang="en-US" i="1" dirty="0"/>
-              <a:t> on ISS - Tropical Storm Harvey</a:t>
+              <a:t> on ISS – Hurricane Harvey</a:t>
             </a:r>
           </a:p>
         </p:txBody>
@@ -8411,7 +8411,7 @@
           <a:p>
             <a:r>
               <a:rPr lang="en-US" dirty="0"/>
-              <a:t>Does it included every storms/ hurricanes that actually occurred?</a:t>
+              <a:t>Does it include every storm/ hurricane that actually occurred?</a:t>
             </a:r>
           </a:p>
           <a:p>
@@ -8447,13 +8447,13 @@
   <p:clrMapOvr>
     <a:masterClrMapping/>
   </p:clrMapOvr>
-  <mc:AlternateContent xmlns:mc="http://schemas.openxmlformats.org/markup-compatibility/2006">
-    <mc:Choice xmlns:p14="http://schemas.microsoft.com/office/powerpoint/2010/main" Requires="p14">
+  <mc:AlternateContent xmlns:mc="http://schemas.openxmlformats.org/markup-compatibility/2006" xmlns:p14="http://schemas.microsoft.com/office/powerpoint/2010/main">
+    <mc:Choice Requires="p14">
       <p:transition spd="med" p14:dur="700">
         <p:fade/>
       </p:transition>
     </mc:Choice>
-    <mc:Fallback>
+    <mc:Fallback xmlns="">
       <p:transition spd="med">
         <p:fade/>
       </p:transition>
@@ -8606,13 +8606,13 @@
   <p:clrMapOvr>
     <a:masterClrMapping/>
   </p:clrMapOvr>
-  <mc:AlternateContent xmlns:mc="http://schemas.openxmlformats.org/markup-compatibility/2006">
-    <mc:Choice xmlns:p14="http://schemas.microsoft.com/office/powerpoint/2010/main" Requires="p14">
+  <mc:AlternateContent xmlns:mc="http://schemas.openxmlformats.org/markup-compatibility/2006" xmlns:p14="http://schemas.microsoft.com/office/powerpoint/2010/main">
+    <mc:Choice Requires="p14">
       <p:transition spd="med" p14:dur="700">
         <p:fade/>
       </p:transition>
     </mc:Choice>
-    <mc:Fallback>
+    <mc:Fallback xmlns="">
       <p:transition spd="med">
         <p:fade/>
       </p:transition>
@@ -9579,13 +9579,13 @@
   <p:clrMapOvr>
     <a:masterClrMapping/>
   </p:clrMapOvr>
-  <mc:AlternateContent xmlns:mc="http://schemas.openxmlformats.org/markup-compatibility/2006">
-    <mc:Choice xmlns:p14="http://schemas.microsoft.com/office/powerpoint/2010/main" Requires="p14">
+  <mc:AlternateContent xmlns:mc="http://schemas.openxmlformats.org/markup-compatibility/2006" xmlns:p14="http://schemas.microsoft.com/office/powerpoint/2010/main">
+    <mc:Choice Requires="p14">
       <p:transition spd="med" p14:dur="700">
         <p:fade/>
       </p:transition>
     </mc:Choice>
-    <mc:Fallback>
+    <mc:Fallback xmlns="">
       <p:transition spd="med">
         <p:fade/>
       </p:transition>
@@ -9595,7 +9595,7 @@
 </file>
 
 <file path=ppt/slides/slide13.xml><?xml version="1.0" encoding="utf-8"?>
-<p:sld xmlns:a="http://schemas.openxmlformats.org/drawingml/2006/main" xmlns:r="http://schemas.openxmlformats.org/officeDocument/2006/relationships" xmlns:p="http://schemas.openxmlformats.org/presentationml/2006/main">
+<p:sld xmlns:a="http://schemas.openxmlformats.org/drawingml/2006/main" xmlns:r="http://schemas.openxmlformats.org/officeDocument/2006/relationships" xmlns:p="http://schemas.openxmlformats.org/presentationml/2006/main" show="0">
   <p:cSld>
     <p:spTree>
       <p:nvGrpSpPr>
@@ -9683,7 +9683,7 @@
         </p:blipFill>
         <p:spPr>
           <a:xfrm>
-            <a:off x="733029" y="425140"/>
+            <a:off x="677335" y="425140"/>
             <a:ext cx="8540974" cy="6007719"/>
           </a:xfrm>
           <a:prstGeom prst="rect">
@@ -9918,8 +9918,8 @@
           <a:p>
             <a:pPr marL="742932" lvl="2" indent="-342891">
               <a:tabLst>
-                <a:tab pos="5943600" algn="r"/>
-                <a:tab pos="7378700" algn="l"/>
+                <a:tab pos="6453188" algn="r"/>
+                <a:tab pos="7772400" algn="l"/>
                 <a:tab pos="8750300" algn="r"/>
               </a:tabLst>
             </a:pPr>
@@ -9932,7 +9932,7 @@
                   </a:schemeClr>
                 </a:solidFill>
               </a:rPr>
-              <a:t>Intro &amp; Topic Discover	01 min	S. </a:t>
+              <a:t>Intro &amp; Topic Discover (# 1, 2, 3)	01 min	H. Le / S. </a:t>
             </a:r>
             <a:r>
               <a:rPr lang="en-US" sz="1600" dirty="0" err="1">
@@ -9960,8 +9960,8 @@
           <a:p>
             <a:pPr marL="742932" lvl="2" indent="-342891">
               <a:tabLst>
-                <a:tab pos="5943600" algn="r"/>
-                <a:tab pos="7378700" algn="l"/>
+                <a:tab pos="6453188" algn="r"/>
+                <a:tab pos="7772400" algn="l"/>
                 <a:tab pos="8750300" algn="r"/>
               </a:tabLst>
             </a:pPr>
@@ -9974,7 +9974,7 @@
                   </a:schemeClr>
                 </a:solidFill>
               </a:rPr>
-              <a:t>Data Sourcing, Clean-Up and Exploration	01 min	O.J. </a:t>
+              <a:t>Data Sourcing, Clean-Up and Exploration (#4)	01 min	O.J. </a:t>
             </a:r>
             <a:r>
               <a:rPr lang="en-US" sz="1600" dirty="0" err="1">
@@ -10002,8 +10002,8 @@
           <a:p>
             <a:pPr marL="742932" lvl="2" indent="-342891">
               <a:tabLst>
-                <a:tab pos="5943600" algn="r"/>
-                <a:tab pos="7378700" algn="l"/>
+                <a:tab pos="6453188" algn="r"/>
+                <a:tab pos="7772400" algn="l"/>
                 <a:tab pos="8750300" algn="r"/>
               </a:tabLst>
             </a:pPr>
@@ -10016,7 +10016,7 @@
                   </a:schemeClr>
                 </a:solidFill>
               </a:rPr>
-              <a:t>200yrs/50yrs/Yearly Storms 	02 min	S. </a:t>
+              <a:t>200yrs/50yrs/Yearly Storms (#5,6)	02 min	S. </a:t>
             </a:r>
             <a:r>
               <a:rPr lang="en-US" sz="1600" dirty="0" err="1">
@@ -10041,8 +10041,8 @@
           <a:p>
             <a:pPr marL="742932" lvl="2" indent="-342891">
               <a:tabLst>
-                <a:tab pos="5943600" algn="r"/>
-                <a:tab pos="7378700" algn="l"/>
+                <a:tab pos="6453188" algn="r"/>
+                <a:tab pos="7772400" algn="l"/>
                 <a:tab pos="8750300" algn="r"/>
               </a:tabLst>
             </a:pPr>
@@ -10055,7 +10055,7 @@
                   </a:schemeClr>
                 </a:solidFill>
               </a:rPr>
-              <a:t>Storm Frequency	02 min	O.J. </a:t>
+              <a:t>Storm Frequency (#7)	02 min	O.J. </a:t>
             </a:r>
             <a:r>
               <a:rPr lang="en-US" sz="1600" dirty="0" err="1">
@@ -10080,8 +10080,8 @@
           <a:p>
             <a:pPr marL="742932" lvl="2" indent="-342891">
               <a:tabLst>
-                <a:tab pos="5943600" algn="r"/>
-                <a:tab pos="7378700" algn="l"/>
+                <a:tab pos="6453188" algn="r"/>
+                <a:tab pos="7772400" algn="l"/>
                 <a:tab pos="8750300" algn="r"/>
               </a:tabLst>
             </a:pPr>
@@ -10094,14 +10094,14 @@
                   </a:schemeClr>
                 </a:solidFill>
               </a:rPr>
-              <a:t>Category 3, 4, 5 Hurricanes | Storm Trackers	02 min	H. Le</a:t>
+              <a:t>Category 3, 4, 5 Hurricanes | Storm Trackers (#8, 9)	02 min	H. Le</a:t>
             </a:r>
           </a:p>
           <a:p>
             <a:pPr marL="742932" lvl="2" indent="-342891">
               <a:tabLst>
-                <a:tab pos="5943600" algn="r"/>
-                <a:tab pos="7378700" algn="l"/>
+                <a:tab pos="6453188" algn="r"/>
+                <a:tab pos="7772400" algn="l"/>
                 <a:tab pos="8750300" algn="r"/>
               </a:tabLst>
             </a:pPr>
@@ -10114,14 +10114,14 @@
                   </a:schemeClr>
                 </a:solidFill>
               </a:rPr>
-              <a:t>Challenges | Limitations	01 min	H. Le</a:t>
+              <a:t>Challenges | Limitations (#10)	01 min	H. Le</a:t>
             </a:r>
           </a:p>
           <a:p>
             <a:pPr marL="742932" lvl="2" indent="-342891">
               <a:tabLst>
-                <a:tab pos="5943600" algn="r"/>
-                <a:tab pos="7378700" algn="l"/>
+                <a:tab pos="6453188" algn="r"/>
+                <a:tab pos="7772400" algn="l"/>
                 <a:tab pos="8750300" algn="r"/>
               </a:tabLst>
             </a:pPr>
@@ -10134,14 +10134,14 @@
                   </a:schemeClr>
                 </a:solidFill>
               </a:rPr>
-              <a:t>Summary	 01 min	H. Le</a:t>
+              <a:t>Summary (#11)	 01 min	H. Le</a:t>
             </a:r>
           </a:p>
           <a:p>
             <a:pPr marL="742932" lvl="2" indent="-342891">
               <a:tabLst>
-                <a:tab pos="5943600" algn="r"/>
-                <a:tab pos="7378700" algn="l"/>
+                <a:tab pos="6453188" algn="r"/>
+                <a:tab pos="7772400" algn="l"/>
                 <a:tab pos="8750300" algn="r"/>
               </a:tabLst>
             </a:pPr>
@@ -10154,7 +10154,7 @@
                   </a:schemeClr>
                 </a:solidFill>
               </a:rPr>
-              <a:t>Q&amp;A	 05 min	Team 4</a:t>
+              <a:t>Q&amp;A (#12)	 05 min	Team 4</a:t>
             </a:r>
           </a:p>
           <a:p>
@@ -12511,7 +12511,7 @@
             </a:r>
             <a:r>
               <a:rPr lang="en-US" dirty="0"/>
-              <a:t> | pandas</a:t>
+              <a:t> | pandas | etc.</a:t>
             </a:r>
           </a:p>
           <a:p>
@@ -13451,7 +13451,12 @@
             <p:ph idx="1"/>
           </p:nvPr>
         </p:nvSpPr>
-        <p:spPr/>
+        <p:spPr>
+          <a:xfrm>
+            <a:off x="677335" y="2160590"/>
+            <a:ext cx="5117409" cy="3880773"/>
+          </a:xfrm>
+        </p:spPr>
         <p:txBody>
           <a:bodyPr/>
           <a:lstStyle/>
@@ -14317,15 +14322,6 @@
               <a:srgbClr val="FFFFFF"/>
             </a:contourClr>
           </a:sp3d>
-          <a:extLst>
-            <a:ext uri="{909E8E84-426E-40DD-AFC4-6F175D3DCCD1}">
-              <a14:hiddenFill xmlns:a14="http://schemas.microsoft.com/office/drawing/2010/main">
-                <a:solidFill>
-                  <a:srgbClr val="FFFFFF"/>
-                </a:solidFill>
-              </a14:hiddenFill>
-            </a:ext>
-          </a:extLst>
         </p:spPr>
       </p:pic>
     </p:spTree>
@@ -14987,13 +14983,13 @@
   <p:clrMapOvr>
     <a:masterClrMapping/>
   </p:clrMapOvr>
-  <mc:AlternateContent xmlns:mc="http://schemas.openxmlformats.org/markup-compatibility/2006">
-    <mc:Choice xmlns:p14="http://schemas.microsoft.com/office/powerpoint/2010/main" Requires="p14">
+  <mc:AlternateContent xmlns:mc="http://schemas.openxmlformats.org/markup-compatibility/2006" xmlns:p14="http://schemas.microsoft.com/office/powerpoint/2010/main">
+    <mc:Choice Requires="p14">
       <p:transition spd="slow" p14:dur="2000">
         <p:fade/>
       </p:transition>
     </mc:Choice>
-    <mc:Fallback>
+    <mc:Fallback xmlns="">
       <p:transition spd="slow">
         <p:fade/>
       </p:transition>
@@ -15981,13 +15977,13 @@
   <p:clrMapOvr>
     <a:masterClrMapping/>
   </p:clrMapOvr>
-  <mc:AlternateContent xmlns:mc="http://schemas.openxmlformats.org/markup-compatibility/2006">
-    <mc:Choice xmlns:p14="http://schemas.microsoft.com/office/powerpoint/2010/main" Requires="p14">
+  <mc:AlternateContent xmlns:mc="http://schemas.openxmlformats.org/markup-compatibility/2006" xmlns:p14="http://schemas.microsoft.com/office/powerpoint/2010/main">
+    <mc:Choice Requires="p14">
       <p:transition spd="slow" p14:dur="2000">
         <p:fade/>
       </p:transition>
     </mc:Choice>
-    <mc:Fallback>
+    <mc:Fallback xmlns="">
       <p:transition spd="slow">
         <p:fade/>
       </p:transition>
@@ -16751,13 +16747,13 @@
   <p:clrMapOvr>
     <a:masterClrMapping/>
   </p:clrMapOvr>
-  <mc:AlternateContent xmlns:mc="http://schemas.openxmlformats.org/markup-compatibility/2006">
-    <mc:Choice xmlns:p14="http://schemas.microsoft.com/office/powerpoint/2010/main" Requires="p14">
+  <mc:AlternateContent xmlns:mc="http://schemas.openxmlformats.org/markup-compatibility/2006" xmlns:p14="http://schemas.microsoft.com/office/powerpoint/2010/main">
+    <mc:Choice Requires="p14">
       <p:transition spd="med" p14:dur="700">
         <p:fade/>
       </p:transition>
     </mc:Choice>
-    <mc:Fallback>
+    <mc:Fallback xmlns="">
       <p:transition spd="med">
         <p:fade/>
       </p:transition>

--- a/Team_4_Proj_1.pptx
+++ b/Team_4_Proj_1.pptx
@@ -23,7 +23,7 @@
     <p:sldId id="260" r:id="rId14"/>
   </p:sldIdLst>
   <p:sldSz cx="12192000" cy="6858000"/>
-  <p:notesSz cx="6858000" cy="9144000"/>
+  <p:notesSz cx="7315200" cy="9601200"/>
   <p:defaultTextStyle>
     <a:defPPr>
       <a:defRPr lang="en-US"/>
@@ -162,17 +162,17 @@
         <p:spPr>
           <a:xfrm>
             <a:off x="0" y="0"/>
-            <a:ext cx="2971800" cy="458788"/>
+            <a:ext cx="3169920" cy="481727"/>
           </a:xfrm>
           <a:prstGeom prst="rect">
             <a:avLst/>
           </a:prstGeom>
         </p:spPr>
         <p:txBody>
-          <a:bodyPr vert="horz" lIns="91440" tIns="45720" rIns="91440" bIns="45720" rtlCol="0"/>
+          <a:bodyPr vert="horz" lIns="96661" tIns="48331" rIns="96661" bIns="48331" rtlCol="0"/>
           <a:lstStyle>
             <a:lvl1pPr algn="l">
-              <a:defRPr sz="1200"/>
+              <a:defRPr sz="1300"/>
             </a:lvl1pPr>
           </a:lstStyle>
           <a:p>
@@ -192,18 +192,18 @@
         </p:nvSpPr>
         <p:spPr>
           <a:xfrm>
-            <a:off x="3884613" y="0"/>
-            <a:ext cx="2971800" cy="458788"/>
+            <a:off x="4143587" y="0"/>
+            <a:ext cx="3169920" cy="481727"/>
           </a:xfrm>
           <a:prstGeom prst="rect">
             <a:avLst/>
           </a:prstGeom>
         </p:spPr>
         <p:txBody>
-          <a:bodyPr vert="horz" lIns="91440" tIns="45720" rIns="91440" bIns="45720" rtlCol="0"/>
+          <a:bodyPr vert="horz" lIns="96661" tIns="48331" rIns="96661" bIns="48331" rtlCol="0"/>
           <a:lstStyle>
             <a:lvl1pPr algn="r">
-              <a:defRPr sz="1200"/>
+              <a:defRPr sz="1300"/>
             </a:lvl1pPr>
           </a:lstStyle>
           <a:p>
@@ -227,8 +227,8 @@
         </p:nvSpPr>
         <p:spPr>
           <a:xfrm>
-            <a:off x="685800" y="1143000"/>
-            <a:ext cx="5486400" cy="3086100"/>
+            <a:off x="777875" y="1200150"/>
+            <a:ext cx="5759450" cy="3240088"/>
           </a:xfrm>
           <a:prstGeom prst="rect">
             <a:avLst/>
@@ -241,7 +241,7 @@
           </a:ln>
         </p:spPr>
         <p:txBody>
-          <a:bodyPr vert="horz" lIns="91440" tIns="45720" rIns="91440" bIns="45720" rtlCol="0" anchor="ctr"/>
+          <a:bodyPr vert="horz" lIns="96661" tIns="48331" rIns="96661" bIns="48331" rtlCol="0" anchor="ctr"/>
           <a:lstStyle/>
           <a:p>
             <a:endParaRPr lang="en-US"/>
@@ -260,15 +260,15 @@
         </p:nvSpPr>
         <p:spPr>
           <a:xfrm>
-            <a:off x="685800" y="4400550"/>
-            <a:ext cx="5486400" cy="3600450"/>
+            <a:off x="731520" y="4620577"/>
+            <a:ext cx="5852160" cy="3780473"/>
           </a:xfrm>
           <a:prstGeom prst="rect">
             <a:avLst/>
           </a:prstGeom>
         </p:spPr>
         <p:txBody>
-          <a:bodyPr vert="horz" lIns="91440" tIns="45720" rIns="91440" bIns="45720" rtlCol="0"/>
+          <a:bodyPr vert="horz" lIns="96661" tIns="48331" rIns="96661" bIns="48331" rtlCol="0"/>
           <a:lstStyle/>
           <a:p>
             <a:pPr lvl="0"/>
@@ -319,18 +319,18 @@
         </p:nvSpPr>
         <p:spPr>
           <a:xfrm>
-            <a:off x="0" y="8685213"/>
-            <a:ext cx="2971800" cy="458787"/>
+            <a:off x="0" y="9119474"/>
+            <a:ext cx="3169920" cy="481726"/>
           </a:xfrm>
           <a:prstGeom prst="rect">
             <a:avLst/>
           </a:prstGeom>
         </p:spPr>
         <p:txBody>
-          <a:bodyPr vert="horz" lIns="91440" tIns="45720" rIns="91440" bIns="45720" rtlCol="0" anchor="b"/>
+          <a:bodyPr vert="horz" lIns="96661" tIns="48331" rIns="96661" bIns="48331" rtlCol="0" anchor="b"/>
           <a:lstStyle>
             <a:lvl1pPr algn="l">
-              <a:defRPr sz="1200"/>
+              <a:defRPr sz="1300"/>
             </a:lvl1pPr>
           </a:lstStyle>
           <a:p>
@@ -350,18 +350,18 @@
         </p:nvSpPr>
         <p:spPr>
           <a:xfrm>
-            <a:off x="3884613" y="8685213"/>
-            <a:ext cx="2971800" cy="458787"/>
+            <a:off x="4143587" y="9119474"/>
+            <a:ext cx="3169920" cy="481726"/>
           </a:xfrm>
           <a:prstGeom prst="rect">
             <a:avLst/>
           </a:prstGeom>
         </p:spPr>
         <p:txBody>
-          <a:bodyPr vert="horz" lIns="91440" tIns="45720" rIns="91440" bIns="45720" rtlCol="0" anchor="b"/>
+          <a:bodyPr vert="horz" lIns="96661" tIns="48331" rIns="96661" bIns="48331" rtlCol="0" anchor="b"/>
           <a:lstStyle>
             <a:lvl1pPr algn="r">
-              <a:defRPr sz="1200"/>
+              <a:defRPr sz="1300"/>
             </a:lvl1pPr>
           </a:lstStyle>
           <a:p>
@@ -522,7 +522,7 @@
           <a:p>
             <a:r>
               <a:rPr lang="en-US" dirty="0"/>
-              <a:t>This picture is captured from ISS of Harvey which destroyed Houston not long ago. The topic we would like to talk about today is Global Warming which lots of people believe is the main cause of hurricanes.</a:t>
+              <a:t>This beautiful picture is captured from ISS of Harvey which destroyed Houston not long ago. The topic we would like to talk about today is Global Warming which lots of people believe is the main cause of hurricanes. </a:t>
             </a:r>
           </a:p>
         </p:txBody>
@@ -607,6 +607,258 @@
           <a:bodyPr/>
           <a:lstStyle/>
           <a:p>
+            <a:endParaRPr lang="en-US"/>
+          </a:p>
+        </p:txBody>
+      </p:sp>
+      <p:sp>
+        <p:nvSpPr>
+          <p:cNvPr id="4" name="Slide Number Placeholder 3"/>
+          <p:cNvSpPr>
+            <a:spLocks noGrp="1"/>
+          </p:cNvSpPr>
+          <p:nvPr>
+            <p:ph type="sldNum" sz="quarter" idx="5"/>
+          </p:nvPr>
+        </p:nvSpPr>
+        <p:spPr/>
+        <p:txBody>
+          <a:bodyPr/>
+          <a:lstStyle/>
+          <a:p>
+            <a:fld id="{7889D460-D7B2-43E9-850A-CB3D07019344}" type="slidenum">
+              <a:rPr lang="en-US" smtClean="0"/>
+              <a:t>10</a:t>
+            </a:fld>
+            <a:endParaRPr lang="en-US"/>
+          </a:p>
+        </p:txBody>
+      </p:sp>
+    </p:spTree>
+    <p:extLst>
+      <p:ext uri="{BB962C8B-B14F-4D97-AF65-F5344CB8AC3E}">
+        <p14:creationId xmlns:p14="http://schemas.microsoft.com/office/powerpoint/2010/main" val="1459110105"/>
+      </p:ext>
+    </p:extLst>
+  </p:cSld>
+  <p:clrMapOvr>
+    <a:masterClrMapping/>
+  </p:clrMapOvr>
+</p:notes>
+</file>
+
+<file path=ppt/notesSlides/notesSlide11.xml><?xml version="1.0" encoding="utf-8"?>
+<p:notes xmlns:a="http://schemas.openxmlformats.org/drawingml/2006/main" xmlns:r="http://schemas.openxmlformats.org/officeDocument/2006/relationships" xmlns:p="http://schemas.openxmlformats.org/presentationml/2006/main">
+  <p:cSld>
+    <p:spTree>
+      <p:nvGrpSpPr>
+        <p:cNvPr id="1" name=""/>
+        <p:cNvGrpSpPr/>
+        <p:nvPr/>
+      </p:nvGrpSpPr>
+      <p:grpSpPr>
+        <a:xfrm>
+          <a:off x="0" y="0"/>
+          <a:ext cx="0" cy="0"/>
+          <a:chOff x="0" y="0"/>
+          <a:chExt cx="0" cy="0"/>
+        </a:xfrm>
+      </p:grpSpPr>
+      <p:sp>
+        <p:nvSpPr>
+          <p:cNvPr id="2" name="Slide Image Placeholder 1"/>
+          <p:cNvSpPr>
+            <a:spLocks noGrp="1" noRot="1" noChangeAspect="1"/>
+          </p:cNvSpPr>
+          <p:nvPr>
+            <p:ph type="sldImg"/>
+          </p:nvPr>
+        </p:nvSpPr>
+        <p:spPr/>
+      </p:sp>
+      <p:sp>
+        <p:nvSpPr>
+          <p:cNvPr id="3" name="Notes Placeholder 2"/>
+          <p:cNvSpPr>
+            <a:spLocks noGrp="1"/>
+          </p:cNvSpPr>
+          <p:nvPr>
+            <p:ph type="body" idx="1"/>
+          </p:nvPr>
+        </p:nvSpPr>
+        <p:spPr/>
+        <p:txBody>
+          <a:bodyPr/>
+          <a:lstStyle/>
+          <a:p>
+            <a:endParaRPr lang="en-US"/>
+          </a:p>
+        </p:txBody>
+      </p:sp>
+      <p:sp>
+        <p:nvSpPr>
+          <p:cNvPr id="4" name="Slide Number Placeholder 3"/>
+          <p:cNvSpPr>
+            <a:spLocks noGrp="1"/>
+          </p:cNvSpPr>
+          <p:nvPr>
+            <p:ph type="sldNum" sz="quarter" idx="5"/>
+          </p:nvPr>
+        </p:nvSpPr>
+        <p:spPr/>
+        <p:txBody>
+          <a:bodyPr/>
+          <a:lstStyle/>
+          <a:p>
+            <a:fld id="{7889D460-D7B2-43E9-850A-CB3D07019344}" type="slidenum">
+              <a:rPr lang="en-US" smtClean="0"/>
+              <a:t>11</a:t>
+            </a:fld>
+            <a:endParaRPr lang="en-US"/>
+          </a:p>
+        </p:txBody>
+      </p:sp>
+    </p:spTree>
+    <p:extLst>
+      <p:ext uri="{BB962C8B-B14F-4D97-AF65-F5344CB8AC3E}">
+        <p14:creationId xmlns:p14="http://schemas.microsoft.com/office/powerpoint/2010/main" val="4227609039"/>
+      </p:ext>
+    </p:extLst>
+  </p:cSld>
+  <p:clrMapOvr>
+    <a:masterClrMapping/>
+  </p:clrMapOvr>
+</p:notes>
+</file>
+
+<file path=ppt/notesSlides/notesSlide12.xml><?xml version="1.0" encoding="utf-8"?>
+<p:notes xmlns:a="http://schemas.openxmlformats.org/drawingml/2006/main" xmlns:r="http://schemas.openxmlformats.org/officeDocument/2006/relationships" xmlns:p="http://schemas.openxmlformats.org/presentationml/2006/main">
+  <p:cSld>
+    <p:spTree>
+      <p:nvGrpSpPr>
+        <p:cNvPr id="1" name=""/>
+        <p:cNvGrpSpPr/>
+        <p:nvPr/>
+      </p:nvGrpSpPr>
+      <p:grpSpPr>
+        <a:xfrm>
+          <a:off x="0" y="0"/>
+          <a:ext cx="0" cy="0"/>
+          <a:chOff x="0" y="0"/>
+          <a:chExt cx="0" cy="0"/>
+        </a:xfrm>
+      </p:grpSpPr>
+      <p:sp>
+        <p:nvSpPr>
+          <p:cNvPr id="2" name="Slide Image Placeholder 1"/>
+          <p:cNvSpPr>
+            <a:spLocks noGrp="1" noRot="1" noChangeAspect="1"/>
+          </p:cNvSpPr>
+          <p:nvPr>
+            <p:ph type="sldImg"/>
+          </p:nvPr>
+        </p:nvSpPr>
+        <p:spPr/>
+      </p:sp>
+      <p:sp>
+        <p:nvSpPr>
+          <p:cNvPr id="3" name="Notes Placeholder 2"/>
+          <p:cNvSpPr>
+            <a:spLocks noGrp="1"/>
+          </p:cNvSpPr>
+          <p:nvPr>
+            <p:ph type="body" idx="1"/>
+          </p:nvPr>
+        </p:nvSpPr>
+        <p:spPr/>
+        <p:txBody>
+          <a:bodyPr/>
+          <a:lstStyle/>
+          <a:p>
+            <a:endParaRPr lang="en-US"/>
+          </a:p>
+        </p:txBody>
+      </p:sp>
+      <p:sp>
+        <p:nvSpPr>
+          <p:cNvPr id="4" name="Slide Number Placeholder 3"/>
+          <p:cNvSpPr>
+            <a:spLocks noGrp="1"/>
+          </p:cNvSpPr>
+          <p:nvPr>
+            <p:ph type="sldNum" sz="quarter" idx="5"/>
+          </p:nvPr>
+        </p:nvSpPr>
+        <p:spPr/>
+        <p:txBody>
+          <a:bodyPr/>
+          <a:lstStyle/>
+          <a:p>
+            <a:fld id="{7889D460-D7B2-43E9-850A-CB3D07019344}" type="slidenum">
+              <a:rPr lang="en-US" smtClean="0"/>
+              <a:t>12</a:t>
+            </a:fld>
+            <a:endParaRPr lang="en-US"/>
+          </a:p>
+        </p:txBody>
+      </p:sp>
+    </p:spTree>
+    <p:extLst>
+      <p:ext uri="{BB962C8B-B14F-4D97-AF65-F5344CB8AC3E}">
+        <p14:creationId xmlns:p14="http://schemas.microsoft.com/office/powerpoint/2010/main" val="3259368906"/>
+      </p:ext>
+    </p:extLst>
+  </p:cSld>
+  <p:clrMapOvr>
+    <a:masterClrMapping/>
+  </p:clrMapOvr>
+</p:notes>
+</file>
+
+<file path=ppt/notesSlides/notesSlide13.xml><?xml version="1.0" encoding="utf-8"?>
+<p:notes xmlns:a="http://schemas.openxmlformats.org/drawingml/2006/main" xmlns:r="http://schemas.openxmlformats.org/officeDocument/2006/relationships" xmlns:p="http://schemas.openxmlformats.org/presentationml/2006/main">
+  <p:cSld>
+    <p:spTree>
+      <p:nvGrpSpPr>
+        <p:cNvPr id="1" name=""/>
+        <p:cNvGrpSpPr/>
+        <p:nvPr/>
+      </p:nvGrpSpPr>
+      <p:grpSpPr>
+        <a:xfrm>
+          <a:off x="0" y="0"/>
+          <a:ext cx="0" cy="0"/>
+          <a:chOff x="0" y="0"/>
+          <a:chExt cx="0" cy="0"/>
+        </a:xfrm>
+      </p:grpSpPr>
+      <p:sp>
+        <p:nvSpPr>
+          <p:cNvPr id="2" name="Slide Image Placeholder 1"/>
+          <p:cNvSpPr>
+            <a:spLocks noGrp="1" noRot="1" noChangeAspect="1"/>
+          </p:cNvSpPr>
+          <p:nvPr>
+            <p:ph type="sldImg"/>
+          </p:nvPr>
+        </p:nvSpPr>
+        <p:spPr/>
+      </p:sp>
+      <p:sp>
+        <p:nvSpPr>
+          <p:cNvPr id="3" name="Notes Placeholder 2"/>
+          <p:cNvSpPr>
+            <a:spLocks noGrp="1"/>
+          </p:cNvSpPr>
+          <p:nvPr>
+            <p:ph type="body" idx="1"/>
+          </p:nvPr>
+        </p:nvSpPr>
+        <p:spPr/>
+        <p:txBody>
+          <a:bodyPr/>
+          <a:lstStyle/>
+          <a:p>
             <a:endParaRPr lang="en-US" dirty="0"/>
           </a:p>
         </p:txBody>
@@ -676,8 +928,8 @@
         </p:nvSpPr>
         <p:spPr>
           <a:xfrm>
-            <a:off x="685800" y="1143000"/>
-            <a:ext cx="5486400" cy="3086100"/>
+            <a:off x="777875" y="1200150"/>
+            <a:ext cx="5759450" cy="3240088"/>
           </a:xfrm>
         </p:spPr>
       </p:sp>
@@ -696,21 +948,7 @@
           <a:bodyPr/>
           <a:lstStyle/>
           <a:p>
-            <a:pPr marL="0" marR="0" lvl="0" indent="0" algn="l" defTabSz="914400" rtl="0" eaLnBrk="1" fontAlgn="auto" latinLnBrk="0" hangingPunct="1">
-              <a:lnSpc>
-                <a:spcPct val="100000"/>
-              </a:lnSpc>
-              <a:spcBef>
-                <a:spcPts val="0"/>
-              </a:spcBef>
-              <a:spcAft>
-                <a:spcPts val="0"/>
-              </a:spcAft>
-              <a:buClrTx/>
-              <a:buSzTx/>
-              <a:buFontTx/>
-              <a:buNone/>
-              <a:tabLst/>
+            <a:pPr defTabSz="966612">
               <a:defRPr/>
             </a:pPr>
             <a:r>
@@ -788,8 +1026,8 @@
         </p:nvSpPr>
         <p:spPr>
           <a:xfrm>
-            <a:off x="685800" y="1143000"/>
-            <a:ext cx="5486400" cy="3086100"/>
+            <a:off x="777875" y="1200150"/>
+            <a:ext cx="5759450" cy="3240088"/>
           </a:xfrm>
         </p:spPr>
       </p:sp>
@@ -808,21 +1046,7 @@
           <a:bodyPr/>
           <a:lstStyle/>
           <a:p>
-            <a:pPr marL="0" marR="0" lvl="0" indent="0" algn="l" defTabSz="914400" rtl="0" eaLnBrk="1" fontAlgn="auto" latinLnBrk="0" hangingPunct="1">
-              <a:lnSpc>
-                <a:spcPct val="100000"/>
-              </a:lnSpc>
-              <a:spcBef>
-                <a:spcPts val="0"/>
-              </a:spcBef>
-              <a:spcAft>
-                <a:spcPts val="0"/>
-              </a:spcAft>
-              <a:buClrTx/>
-              <a:buSzTx/>
-              <a:buFontTx/>
-              <a:buNone/>
-              <a:tabLst/>
+            <a:pPr defTabSz="966612">
               <a:defRPr/>
             </a:pPr>
             <a:r>
@@ -831,21 +1055,7 @@
             </a:r>
           </a:p>
           <a:p>
-            <a:pPr marL="0" marR="0" lvl="0" indent="0" algn="l" defTabSz="914400" rtl="0" eaLnBrk="1" fontAlgn="auto" latinLnBrk="0" hangingPunct="1">
-              <a:lnSpc>
-                <a:spcPct val="100000"/>
-              </a:lnSpc>
-              <a:spcBef>
-                <a:spcPts val="0"/>
-              </a:spcBef>
-              <a:spcAft>
-                <a:spcPts val="0"/>
-              </a:spcAft>
-              <a:buClrTx/>
-              <a:buSzTx/>
-              <a:buFontTx/>
-              <a:buNone/>
-              <a:tabLst/>
+            <a:pPr defTabSz="966612">
               <a:defRPr/>
             </a:pPr>
             <a:r>
@@ -854,29 +1064,12 @@
             </a:r>
           </a:p>
           <a:p>
-            <a:pPr marL="0" marR="0" lvl="0" indent="0" algn="l" defTabSz="914400" rtl="0" eaLnBrk="1" fontAlgn="auto" latinLnBrk="0" hangingPunct="1">
-              <a:lnSpc>
-                <a:spcPct val="100000"/>
-              </a:lnSpc>
-              <a:spcBef>
-                <a:spcPts val="0"/>
-              </a:spcBef>
-              <a:spcAft>
-                <a:spcPts val="0"/>
-              </a:spcAft>
-              <a:buClrTx/>
-              <a:buSzTx/>
-              <a:buFontTx/>
-              <a:buNone/>
-              <a:tabLst/>
+            <a:pPr defTabSz="966612">
               <a:defRPr/>
             </a:pPr>
             <a:endParaRPr lang="en-US" dirty="0"/>
           </a:p>
           <a:p>
-            <a:pPr marL="0" indent="0">
-              <a:buNone/>
-            </a:pPr>
             <a:endParaRPr lang="en-US" dirty="0"/>
           </a:p>
         </p:txBody>
@@ -961,27 +1154,40 @@
           <a:bodyPr/>
           <a:lstStyle/>
           <a:p>
-            <a:pPr marL="0" marR="0" lvl="0" indent="0" algn="l" defTabSz="914400" rtl="0" eaLnBrk="1" fontAlgn="auto" latinLnBrk="0" hangingPunct="1">
-              <a:lnSpc>
-                <a:spcPct val="100000"/>
-              </a:lnSpc>
-              <a:spcBef>
-                <a:spcPts val="0"/>
-              </a:spcBef>
-              <a:spcAft>
-                <a:spcPts val="0"/>
-              </a:spcAft>
-              <a:buClrTx/>
-              <a:buSzTx/>
-              <a:buFontTx/>
-              <a:buNone/>
-              <a:tabLst/>
+            <a:pPr defTabSz="966612">
               <a:defRPr/>
             </a:pPr>
             <a:r>
               <a:rPr lang="en-US" dirty="0"/>
-              <a:t>We know for sure, to answer this question, we need to look for historical data of global hurricanes and tropical storms. We have looked through multiple sources including NOAA, NASA, EPA and we finally found on Kaggle 2 csv files of hurricane dated from 1851 to 2015. After inspecting the files, we found both of the csv contains great data for analyzing and answers our questions. We glad that the data we found helps us gain understanding about the real truth behind the claim.</a:t>
-            </a:r>
+              <a:t>For this project we know that we need historical data of all hurricanes and trop storms, and the database has to have to be at least &gt; 50 years span to see any significant trend.</a:t>
+            </a:r>
+          </a:p>
+          <a:p>
+            <a:pPr defTabSz="966612">
+              <a:defRPr/>
+            </a:pPr>
+            <a:endParaRPr lang="en-US" dirty="0"/>
+          </a:p>
+          <a:p>
+            <a:pPr defTabSz="966612">
+              <a:defRPr/>
+            </a:pPr>
+            <a:r>
+              <a:rPr lang="en-US" dirty="0"/>
+              <a:t>We have looked through multiple sources including NOAA, NASA, EPA and we finally found on Kaggle 2 csv files of hurricane dated from 1851 to 2015. After inspecting the files, we found both of the csv contains great data for analyzing and answers our questions. We glad that the data we found helps us gain understanding about the real truth behind the claim.</a:t>
+            </a:r>
+          </a:p>
+          <a:p>
+            <a:pPr defTabSz="966612">
+              <a:defRPr/>
+            </a:pPr>
+            <a:endParaRPr lang="en-US" dirty="0"/>
+          </a:p>
+          <a:p>
+            <a:pPr defTabSz="966612">
+              <a:defRPr/>
+            </a:pPr>
+            <a:endParaRPr lang="en-US" dirty="0"/>
           </a:p>
           <a:p>
             <a:endParaRPr lang="en-US" dirty="0"/>
@@ -1298,15 +1504,22 @@
           <a:p>
             <a:pPr rtl="0" latinLnBrk="0"/>
             <a:r>
-              <a:rPr lang="en-US" sz="1200" b="1" kern="1200" dirty="0">
-                <a:solidFill>
-                  <a:schemeClr val="tx1"/>
-                </a:solidFill>
-                <a:effectLst/>
-                <a:latin typeface="+mn-lt"/>
-                <a:ea typeface="+mn-ea"/>
-                <a:cs typeface="+mn-cs"/>
-              </a:rPr>
+              <a:rPr lang="en-US" sz="1300" b="1" dirty="0"/>
+              <a:t>PACMAN</a:t>
+            </a:r>
+            <a:r>
+              <a:rPr lang="en-US" sz="1300" dirty="0"/>
+              <a:t> Pie Plot tries to eat pizzas </a:t>
+            </a:r>
+          </a:p>
+          <a:p>
+            <a:pPr rtl="0" latinLnBrk="0"/>
+            <a:endParaRPr lang="en-US" sz="1300" b="1" dirty="0"/>
+          </a:p>
+          <a:p>
+            <a:pPr rtl="0" latinLnBrk="0"/>
+            <a:r>
+              <a:rPr lang="en-US" sz="1300" b="1" dirty="0"/>
               <a:t>Analysis: Plot A</a:t>
             </a:r>
             <a:endParaRPr lang="en-US" dirty="0">
@@ -1316,22 +1529,8 @@
           <a:p>
             <a:pPr rtl="0" latinLnBrk="0"/>
             <a:r>
-              <a:rPr lang="en-US" sz="1200" dirty="0">
-                <a:effectLst/>
-              </a:rPr>
-              <a:t>-</a:t>
-            </a:r>
-            <a:r>
-              <a:rPr lang="en-US" sz="1200" kern="1200" dirty="0">
-                <a:solidFill>
-                  <a:schemeClr val="tx1"/>
-                </a:solidFill>
-                <a:effectLst/>
-                <a:latin typeface="+mn-lt"/>
-                <a:ea typeface="+mn-ea"/>
-                <a:cs typeface="+mn-cs"/>
-              </a:rPr>
-              <a:t>After cleaning up the data and doing the necessary groupings for the analysis, a pie plot was created to show the 10 top hurricanes that occurred during the time interval. 92% of the storm was unnamed and 8% represented the 10 top hurricane hits. </a:t>
+              <a:rPr lang="en-US" sz="1300" dirty="0"/>
+              <a:t>-After cleaning up the data and doing the necessary groupings for the analysis, a pie plot was created to show the 10 top hurricanes that occurred during the time interval. 92% of the storm was unnamed and 8% represented the 10 top hurricane hits. </a:t>
             </a:r>
             <a:endParaRPr lang="en-US" dirty="0">
               <a:effectLst/>
@@ -1340,9 +1539,7 @@
           <a:p>
             <a:pPr rtl="0" latinLnBrk="0"/>
             <a:r>
-              <a:rPr lang="en-US" sz="1200" dirty="0">
-                <a:effectLst/>
-              </a:rPr>
+              <a:rPr lang="en-US" sz="1300" dirty="0"/>
               <a:t>-</a:t>
             </a:r>
             <a:endParaRPr lang="en-US" dirty="0">
@@ -1352,15 +1549,7 @@
           <a:p>
             <a:pPr rtl="0" latinLnBrk="0"/>
             <a:r>
-              <a:rPr lang="en-US" sz="1200" b="1" kern="1200" dirty="0">
-                <a:solidFill>
-                  <a:schemeClr val="tx1"/>
-                </a:solidFill>
-                <a:effectLst/>
-                <a:latin typeface="+mn-lt"/>
-                <a:ea typeface="+mn-ea"/>
-                <a:cs typeface="+mn-cs"/>
-              </a:rPr>
+              <a:rPr lang="en-US" sz="1300" b="1" dirty="0"/>
               <a:t>Plot B (Periodic hurricane intervals)</a:t>
             </a:r>
             <a:endParaRPr lang="en-US" dirty="0">
@@ -1370,22 +1559,8 @@
           <a:p>
             <a:pPr rtl="0" latinLnBrk="0"/>
             <a:r>
-              <a:rPr lang="en-US" sz="1200" dirty="0">
-                <a:effectLst/>
-              </a:rPr>
-              <a:t>-</a:t>
-            </a:r>
-            <a:r>
-              <a:rPr lang="en-US" sz="1200" kern="1200" dirty="0">
-                <a:solidFill>
-                  <a:schemeClr val="tx1"/>
-                </a:solidFill>
-                <a:effectLst/>
-                <a:latin typeface="+mn-lt"/>
-                <a:ea typeface="+mn-ea"/>
-                <a:cs typeface="+mn-cs"/>
-              </a:rPr>
-              <a:t>The second plot shows the average storm hits yearly. An average of 10 storms occurs during each hurricane season looking at the plot. </a:t>
+              <a:rPr lang="en-US" sz="1300" dirty="0"/>
+              <a:t>-The second plot shows the average storm hits yearly. An average of 10 storms occurs during each hurricane season looking at the plot. </a:t>
             </a:r>
             <a:endParaRPr lang="en-US" dirty="0">
               <a:effectLst/>
@@ -1394,22 +1569,8 @@
           <a:p>
             <a:pPr rtl="0" latinLnBrk="0"/>
             <a:r>
-              <a:rPr lang="en-US" sz="1200" dirty="0">
-                <a:effectLst/>
-              </a:rPr>
-              <a:t>-</a:t>
-            </a:r>
-            <a:r>
-              <a:rPr lang="en-US" sz="1200" kern="1200" dirty="0">
-                <a:solidFill>
-                  <a:schemeClr val="tx1"/>
-                </a:solidFill>
-                <a:effectLst/>
-                <a:latin typeface="+mn-lt"/>
-                <a:ea typeface="+mn-ea"/>
-                <a:cs typeface="+mn-cs"/>
-              </a:rPr>
-              <a:t>The plot also shows a slight increase in the occurrence &amp; severity of storms over the decades.</a:t>
+              <a:rPr lang="en-US" sz="1300" dirty="0"/>
+              <a:t>-The plot also shows a slight increase in the occurrence &amp; severity of storms over the decades.</a:t>
             </a:r>
             <a:endParaRPr lang="en-US" dirty="0">
               <a:effectLst/>
@@ -1418,22 +1579,8 @@
           <a:p>
             <a:pPr rtl="0" latinLnBrk="0"/>
             <a:r>
-              <a:rPr lang="en-US" sz="1200" dirty="0">
-                <a:effectLst/>
-              </a:rPr>
-              <a:t>-</a:t>
-            </a:r>
-            <a:r>
-              <a:rPr lang="en-US" sz="1200" kern="1200" dirty="0">
-                <a:solidFill>
-                  <a:schemeClr val="tx1"/>
-                </a:solidFill>
-                <a:effectLst/>
-                <a:latin typeface="+mn-lt"/>
-                <a:ea typeface="+mn-ea"/>
-                <a:cs typeface="+mn-cs"/>
-              </a:rPr>
-              <a:t>It could also be said that with the slight spike in hurricane activities, this could be as a result of multi-decadal oscillation patterns in the north Atlantic ocean.</a:t>
+              <a:rPr lang="en-US" sz="1300" dirty="0"/>
+              <a:t>-It could also be said that with the slight spike in hurricane activities, this could be as a result of multi-decadal oscillation patterns in the north Atlantic ocean.</a:t>
             </a:r>
             <a:endParaRPr lang="en-US" dirty="0">
               <a:effectLst/>
@@ -1442,21 +1589,11 @@
           <a:p>
             <a:pPr rtl="0" latinLnBrk="0"/>
             <a:r>
-              <a:rPr lang="en-US" sz="1200" dirty="0">
-                <a:effectLst/>
-              </a:rPr>
+              <a:rPr lang="en-US" sz="1300" dirty="0"/>
               <a:t>-</a:t>
             </a:r>
             <a:r>
-              <a:rPr lang="en-US" sz="1200" b="1" kern="1200" dirty="0">
-                <a:solidFill>
-                  <a:schemeClr val="tx1"/>
-                </a:solidFill>
-                <a:effectLst/>
-                <a:latin typeface="+mn-lt"/>
-                <a:ea typeface="+mn-ea"/>
-                <a:cs typeface="+mn-cs"/>
-              </a:rPr>
+              <a:rPr lang="en-US" sz="1300" b="1" dirty="0"/>
               <a:t>Conclusion:</a:t>
             </a:r>
             <a:endParaRPr lang="en-US" dirty="0">
@@ -1466,22 +1603,8 @@
           <a:p>
             <a:pPr rtl="0" latinLnBrk="0"/>
             <a:r>
-              <a:rPr lang="en-US" sz="1200" dirty="0">
-                <a:effectLst/>
-              </a:rPr>
-              <a:t>-</a:t>
-            </a:r>
-            <a:r>
-              <a:rPr lang="en-US" sz="1200" kern="1200" dirty="0">
-                <a:solidFill>
-                  <a:schemeClr val="tx1"/>
-                </a:solidFill>
-                <a:effectLst/>
-                <a:latin typeface="+mn-lt"/>
-                <a:ea typeface="+mn-ea"/>
-                <a:cs typeface="+mn-cs"/>
-              </a:rPr>
-              <a:t>From the analysis above, it's still uncertain to say if climate change is the cause for the increase in occurrence &amp; severity of storms. </a:t>
+              <a:rPr lang="en-US" sz="1300" dirty="0"/>
+              <a:t>-From the analysis above, it's still uncertain to say if climate change is the cause for the increase in occurrence &amp; severity of storms. </a:t>
             </a:r>
             <a:endParaRPr lang="en-US" dirty="0">
               <a:effectLst/>
@@ -1490,22 +1613,8 @@
           <a:p>
             <a:pPr rtl="0" latinLnBrk="0"/>
             <a:r>
-              <a:rPr lang="en-US" sz="1200" dirty="0">
-                <a:effectLst/>
-              </a:rPr>
-              <a:t>-</a:t>
-            </a:r>
-            <a:r>
-              <a:rPr lang="en-US" sz="1200" kern="1200" dirty="0">
-                <a:solidFill>
-                  <a:schemeClr val="tx1"/>
-                </a:solidFill>
-                <a:effectLst/>
-                <a:latin typeface="+mn-lt"/>
-                <a:ea typeface="+mn-ea"/>
-                <a:cs typeface="+mn-cs"/>
-              </a:rPr>
-              <a:t>A more comprehensive analysis taking all other causes and effects would validate the concept of global warming.</a:t>
+              <a:rPr lang="en-US" sz="1300" dirty="0"/>
+              <a:t>-A more comprehensive analysis taking all other causes and effects would validate the concept of global warming.</a:t>
             </a:r>
             <a:endParaRPr lang="en-US" dirty="0">
               <a:effectLst/>
@@ -1599,7 +1708,7 @@
           <a:bodyPr/>
           <a:lstStyle/>
           <a:p>
-            <a:pPr marL="228600" indent="-228600">
+            <a:pPr marL="241653" indent="-241653">
               <a:buAutoNum type="arabicPeriod"/>
             </a:pPr>
             <a:r>
@@ -1608,21 +1717,9 @@
             </a:r>
           </a:p>
           <a:p>
-            <a:pPr marL="228600" marR="0" lvl="0" indent="-228600" algn="l" defTabSz="914400" rtl="0" eaLnBrk="1" fontAlgn="auto" latinLnBrk="0" hangingPunct="1">
-              <a:lnSpc>
-                <a:spcPct val="100000"/>
-              </a:lnSpc>
-              <a:spcBef>
-                <a:spcPts val="0"/>
-              </a:spcBef>
-              <a:spcAft>
-                <a:spcPts val="0"/>
-              </a:spcAft>
-              <a:buClrTx/>
-              <a:buSzTx/>
+            <a:pPr marL="241653" indent="-241653" defTabSz="966612">
               <a:buFontTx/>
               <a:buAutoNum type="arabicPeriod"/>
-              <a:tabLst/>
               <a:defRPr/>
             </a:pPr>
             <a:r>
@@ -1631,21 +1728,9 @@
             </a:r>
           </a:p>
           <a:p>
-            <a:pPr marL="228600" marR="0" lvl="0" indent="-228600" algn="l" defTabSz="914400" rtl="0" eaLnBrk="1" fontAlgn="auto" latinLnBrk="0" hangingPunct="1">
-              <a:lnSpc>
-                <a:spcPct val="100000"/>
-              </a:lnSpc>
-              <a:spcBef>
-                <a:spcPts val="0"/>
-              </a:spcBef>
-              <a:spcAft>
-                <a:spcPts val="0"/>
-              </a:spcAft>
-              <a:buClrTx/>
-              <a:buSzTx/>
+            <a:pPr marL="241653" indent="-241653" defTabSz="966612">
               <a:buFontTx/>
               <a:buAutoNum type="arabicPeriod"/>
-              <a:tabLst/>
               <a:defRPr/>
             </a:pPr>
             <a:r>
@@ -1654,41 +1739,13 @@
             </a:r>
           </a:p>
           <a:p>
-            <a:pPr marL="0" marR="0" lvl="0" indent="0" algn="l" defTabSz="914400" rtl="0" eaLnBrk="1" fontAlgn="auto" latinLnBrk="0" hangingPunct="1">
-              <a:lnSpc>
-                <a:spcPct val="100000"/>
-              </a:lnSpc>
-              <a:spcBef>
-                <a:spcPts val="0"/>
-              </a:spcBef>
-              <a:spcAft>
-                <a:spcPts val="0"/>
-              </a:spcAft>
-              <a:buClrTx/>
-              <a:buSzTx/>
-              <a:buFontTx/>
-              <a:buNone/>
-              <a:tabLst/>
+            <a:pPr defTabSz="966612">
               <a:defRPr/>
             </a:pPr>
             <a:endParaRPr lang="en-US" dirty="0"/>
           </a:p>
           <a:p>
-            <a:pPr marL="0" marR="0" lvl="0" indent="0" algn="l" defTabSz="914400" rtl="0" eaLnBrk="1" fontAlgn="auto" latinLnBrk="0" hangingPunct="1">
-              <a:lnSpc>
-                <a:spcPct val="100000"/>
-              </a:lnSpc>
-              <a:spcBef>
-                <a:spcPts val="0"/>
-              </a:spcBef>
-              <a:spcAft>
-                <a:spcPts val="0"/>
-              </a:spcAft>
-              <a:buClrTx/>
-              <a:buSzTx/>
-              <a:buFontTx/>
-              <a:buNone/>
-              <a:tabLst/>
+            <a:pPr defTabSz="966612">
               <a:defRPr/>
             </a:pPr>
             <a:r>
@@ -1697,21 +1754,9 @@
             </a:r>
           </a:p>
           <a:p>
-            <a:pPr marL="228600" marR="0" lvl="0" indent="-228600" algn="l" defTabSz="914400" rtl="0" eaLnBrk="1" fontAlgn="auto" latinLnBrk="0" hangingPunct="1">
-              <a:lnSpc>
-                <a:spcPct val="100000"/>
-              </a:lnSpc>
-              <a:spcBef>
-                <a:spcPts val="0"/>
-              </a:spcBef>
-              <a:spcAft>
-                <a:spcPts val="0"/>
-              </a:spcAft>
-              <a:buClrTx/>
-              <a:buSzTx/>
+            <a:pPr marL="241653" indent="-241653" defTabSz="966612">
               <a:buFontTx/>
               <a:buAutoNum type="arabicPeriod"/>
-              <a:tabLst/>
               <a:defRPr/>
             </a:pPr>
             <a:endParaRPr lang="en-US" dirty="0"/>
@@ -1798,7 +1843,7 @@
           <a:bodyPr/>
           <a:lstStyle/>
           <a:p>
-            <a:pPr marL="228600" indent="-228600">
+            <a:pPr marL="241653" indent="-241653">
               <a:buAutoNum type="arabicPeriod"/>
             </a:pPr>
             <a:r>
@@ -1807,21 +1852,9 @@
             </a:r>
           </a:p>
           <a:p>
-            <a:pPr marL="228600" marR="0" lvl="0" indent="-228600" algn="l" defTabSz="914400" rtl="0" eaLnBrk="1" fontAlgn="auto" latinLnBrk="0" hangingPunct="1">
-              <a:lnSpc>
-                <a:spcPct val="100000"/>
-              </a:lnSpc>
-              <a:spcBef>
-                <a:spcPts val="0"/>
-              </a:spcBef>
-              <a:spcAft>
-                <a:spcPts val="0"/>
-              </a:spcAft>
-              <a:buClrTx/>
-              <a:buSzTx/>
+            <a:pPr marL="241653" indent="-241653" defTabSz="966612">
               <a:buFontTx/>
               <a:buAutoNum type="arabicPeriod"/>
-              <a:tabLst/>
               <a:defRPr/>
             </a:pPr>
             <a:r>
@@ -1830,21 +1863,9 @@
             </a:r>
           </a:p>
           <a:p>
-            <a:pPr marL="228600" marR="0" lvl="0" indent="-228600" algn="l" defTabSz="914400" rtl="0" eaLnBrk="1" fontAlgn="auto" latinLnBrk="0" hangingPunct="1">
-              <a:lnSpc>
-                <a:spcPct val="100000"/>
-              </a:lnSpc>
-              <a:spcBef>
-                <a:spcPts val="0"/>
-              </a:spcBef>
-              <a:spcAft>
-                <a:spcPts val="0"/>
-              </a:spcAft>
-              <a:buClrTx/>
-              <a:buSzTx/>
+            <a:pPr marL="241653" indent="-241653" defTabSz="966612">
               <a:buFontTx/>
               <a:buAutoNum type="arabicPeriod"/>
-              <a:tabLst/>
               <a:defRPr/>
             </a:pPr>
             <a:r>
@@ -1853,21 +1874,9 @@
             </a:r>
           </a:p>
           <a:p>
-            <a:pPr marL="228600" marR="0" lvl="0" indent="-228600" algn="l" defTabSz="914400" rtl="0" eaLnBrk="1" fontAlgn="auto" latinLnBrk="0" hangingPunct="1">
-              <a:lnSpc>
-                <a:spcPct val="100000"/>
-              </a:lnSpc>
-              <a:spcBef>
-                <a:spcPts val="0"/>
-              </a:spcBef>
-              <a:spcAft>
-                <a:spcPts val="0"/>
-              </a:spcAft>
-              <a:buClrTx/>
-              <a:buSzTx/>
+            <a:pPr marL="241653" indent="-241653" defTabSz="966612">
               <a:buFontTx/>
               <a:buAutoNum type="arabicPeriod"/>
-              <a:tabLst/>
               <a:defRPr/>
             </a:pPr>
             <a:endParaRPr lang="en-US" dirty="0"/>
@@ -8028,10 +8037,7 @@
               <a:rPr lang="en-US" dirty="0" err="1"/>
               <a:t>Gmaps</a:t>
             </a:r>
-            <a:r>
-              <a:rPr lang="en-US" dirty="0"/>
-              <a:t> </a:t>
-            </a:r>
+            <a:endParaRPr lang="en-US" dirty="0"/>
           </a:p>
           <a:p>
             <a:endParaRPr lang="en-US" dirty="0"/>
@@ -8559,6 +8565,12 @@
             </a:r>
           </a:p>
           <a:p>
+            <a:r>
+              <a:rPr lang="en-US" dirty="0"/>
+              <a:t>2005 was a very active year of hurricanes including Katrina and Rita</a:t>
+            </a:r>
+          </a:p>
+          <a:p>
             <a:endParaRPr lang="en-US" dirty="0"/>
           </a:p>
           <a:p>
@@ -9017,7 +9029,7 @@
                               <p:par>
                                 <p:cTn id="25" presetID="2" presetClass="entr" presetSubtype="8" fill="hold" nodeType="afterEffect">
                                   <p:stCondLst>
-                                    <p:cond delay="0"/>
+                                    <p:cond delay="200"/>
                                   </p:stCondLst>
                                   <p:childTnLst>
                                     <p:set>
@@ -9030,7 +9042,7 @@
                                         <p:tgtEl>
                                           <p:spTgt spid="3">
                                             <p:txEl>
-                                              <p:pRg st="5" end="5"/>
+                                              <p:pRg st="4" end="4"/>
                                             </p:txEl>
                                           </p:spTgt>
                                         </p:tgtEl>
@@ -9044,11 +9056,11 @@
                                     </p:set>
                                     <p:anim calcmode="lin" valueType="num">
                                       <p:cBhvr additive="base">
-                                        <p:cTn id="27" dur="500" fill="hold"/>
+                                        <p:cTn id="27" dur="300" fill="hold"/>
                                         <p:tgtEl>
                                           <p:spTgt spid="3">
                                             <p:txEl>
-                                              <p:pRg st="5" end="5"/>
+                                              <p:pRg st="4" end="4"/>
                                             </p:txEl>
                                           </p:spTgt>
                                         </p:tgtEl>
@@ -9071,11 +9083,11 @@
                                     </p:anim>
                                     <p:anim calcmode="lin" valueType="num">
                                       <p:cBhvr additive="base">
-                                        <p:cTn id="28" dur="500" fill="hold"/>
+                                        <p:cTn id="28" dur="300" fill="hold"/>
                                         <p:tgtEl>
                                           <p:spTgt spid="3">
                                             <p:txEl>
-                                              <p:pRg st="5" end="5"/>
+                                              <p:pRg st="4" end="4"/>
                                             </p:txEl>
                                           </p:spTgt>
                                         </p:tgtEl>
@@ -9452,6 +9464,100 @@
                                           <p:spTgt spid="3">
                                             <p:txEl>
                                               <p:pRg st="9" end="9"/>
+                                            </p:txEl>
+                                          </p:spTgt>
+                                        </p:tgtEl>
+                                        <p:attrNameLst>
+                                          <p:attrName>ppt_y</p:attrName>
+                                        </p:attrNameLst>
+                                      </p:cBhvr>
+                                      <p:tavLst>
+                                        <p:tav tm="0">
+                                          <p:val>
+                                            <p:strVal val="#ppt_y"/>
+                                          </p:val>
+                                        </p:tav>
+                                        <p:tav tm="100000">
+                                          <p:val>
+                                            <p:strVal val="#ppt_y"/>
+                                          </p:val>
+                                        </p:tav>
+                                      </p:tavLst>
+                                    </p:anim>
+                                  </p:childTnLst>
+                                </p:cTn>
+                              </p:par>
+                            </p:childTnLst>
+                          </p:cTn>
+                        </p:par>
+                        <p:par>
+                          <p:cTn id="49" fill="hold">
+                            <p:stCondLst>
+                              <p:cond delay="6000"/>
+                            </p:stCondLst>
+                            <p:childTnLst>
+                              <p:par>
+                                <p:cTn id="50" presetID="2" presetClass="entr" presetSubtype="8" fill="hold" nodeType="afterEffect">
+                                  <p:stCondLst>
+                                    <p:cond delay="0"/>
+                                  </p:stCondLst>
+                                  <p:childTnLst>
+                                    <p:set>
+                                      <p:cBhvr>
+                                        <p:cTn id="51" dur="1" fill="hold">
+                                          <p:stCondLst>
+                                            <p:cond delay="0"/>
+                                          </p:stCondLst>
+                                        </p:cTn>
+                                        <p:tgtEl>
+                                          <p:spTgt spid="3">
+                                            <p:txEl>
+                                              <p:pRg st="10" end="10"/>
+                                            </p:txEl>
+                                          </p:spTgt>
+                                        </p:tgtEl>
+                                        <p:attrNameLst>
+                                          <p:attrName>style.visibility</p:attrName>
+                                        </p:attrNameLst>
+                                      </p:cBhvr>
+                                      <p:to>
+                                        <p:strVal val="visible"/>
+                                      </p:to>
+                                    </p:set>
+                                    <p:anim calcmode="lin" valueType="num">
+                                      <p:cBhvr additive="base">
+                                        <p:cTn id="52" dur="500" fill="hold"/>
+                                        <p:tgtEl>
+                                          <p:spTgt spid="3">
+                                            <p:txEl>
+                                              <p:pRg st="10" end="10"/>
+                                            </p:txEl>
+                                          </p:spTgt>
+                                        </p:tgtEl>
+                                        <p:attrNameLst>
+                                          <p:attrName>ppt_x</p:attrName>
+                                        </p:attrNameLst>
+                                      </p:cBhvr>
+                                      <p:tavLst>
+                                        <p:tav tm="0">
+                                          <p:val>
+                                            <p:strVal val="0-#ppt_w/2"/>
+                                          </p:val>
+                                        </p:tav>
+                                        <p:tav tm="100000">
+                                          <p:val>
+                                            <p:strVal val="#ppt_x"/>
+                                          </p:val>
+                                        </p:tav>
+                                      </p:tavLst>
+                                    </p:anim>
+                                    <p:anim calcmode="lin" valueType="num">
+                                      <p:cBhvr additive="base">
+                                        <p:cTn id="53" dur="500" fill="hold"/>
+                                        <p:tgtEl>
+                                          <p:spTgt spid="3">
+                                            <p:txEl>
+                                              <p:pRg st="10" end="10"/>
                                             </p:txEl>
                                           </p:spTgt>
                                         </p:tgtEl>
@@ -9701,13 +9807,13 @@
   <p:clrMapOvr>
     <a:masterClrMapping/>
   </p:clrMapOvr>
-  <mc:AlternateContent xmlns:mc="http://schemas.openxmlformats.org/markup-compatibility/2006">
-    <mc:Choice xmlns:p14="http://schemas.microsoft.com/office/powerpoint/2010/main" Requires="p14">
+  <mc:AlternateContent xmlns:mc="http://schemas.openxmlformats.org/markup-compatibility/2006" xmlns:p14="http://schemas.microsoft.com/office/powerpoint/2010/main">
+    <mc:Choice Requires="p14">
       <p:transition spd="med" p14:dur="700">
         <p:fade/>
       </p:transition>
     </mc:Choice>
-    <mc:Fallback>
+    <mc:Fallback xmlns="">
       <p:transition spd="med">
         <p:fade/>
       </p:transition>
@@ -12429,12 +12535,14 @@
         </p:nvSpPr>
         <p:spPr>
           <a:xfrm>
-            <a:off x="677335" y="1230315"/>
-            <a:ext cx="8596668" cy="3880773"/>
+            <a:off x="677334" y="1230315"/>
+            <a:ext cx="9157781" cy="4511266"/>
           </a:xfrm>
         </p:spPr>
         <p:txBody>
-          <a:bodyPr/>
+          <a:bodyPr>
+            <a:normAutofit/>
+          </a:bodyPr>
           <a:lstStyle/>
           <a:p>
             <a:r>
@@ -12488,13 +12596,6 @@
             <a:pPr lvl="1"/>
             <a:r>
               <a:rPr lang="en-US" dirty="0"/>
-              <a:t>Drop null values, extract relevant column, covert date to year and month, separate hurricane and tropical storm data, convert coordinates, convert number format.</a:t>
-            </a:r>
-          </a:p>
-          <a:p>
-            <a:pPr lvl="1"/>
-            <a:r>
-              <a:rPr lang="en-US" dirty="0"/>
               <a:t>Techniques: .</a:t>
             </a:r>
             <a:r>
@@ -12515,7 +12616,20 @@
             </a:r>
           </a:p>
           <a:p>
-            <a:pPr lvl="1"/>
+            <a:pPr lvl="2">
+              <a:buFont typeface="Wingdings" panose="05000000000000000000" pitchFamily="2" charset="2"/>
+              <a:buChar char="§"/>
+            </a:pPr>
+            <a:r>
+              <a:rPr lang="en-US" dirty="0"/>
+              <a:t>Drop null values, extract relevant column, covert date to year and month, separate hurricane and tropical storm data, convert coordinates, convert number format.</a:t>
+            </a:r>
+          </a:p>
+          <a:p>
+            <a:pPr lvl="2">
+              <a:buFont typeface="Wingdings" panose="05000000000000000000" pitchFamily="2" charset="2"/>
+              <a:buChar char="§"/>
+            </a:pPr>
             <a:r>
               <a:rPr lang="en-US" dirty="0"/>
               <a:t>Split Dataset into Hurricanes and Tropical Storms</a:t>
@@ -12557,118 +12671,6 @@
           </a:p>
         </p:txBody>
       </p:sp>
-      <p:pic>
-        <p:nvPicPr>
-          <p:cNvPr id="4" name="Picture 3">
-            <a:extLst>
-              <a:ext uri="{FF2B5EF4-FFF2-40B4-BE49-F238E27FC236}">
-                <a16:creationId xmlns:a16="http://schemas.microsoft.com/office/drawing/2014/main" id="{27FBF86B-4321-4F7B-BC57-96B70251596F}"/>
-              </a:ext>
-            </a:extLst>
-          </p:cNvPr>
-          <p:cNvPicPr>
-            <a:picLocks noChangeAspect="1"/>
-          </p:cNvPicPr>
-          <p:nvPr/>
-        </p:nvPicPr>
-        <p:blipFill>
-          <a:blip r:embed="rId3"/>
-          <a:stretch>
-            <a:fillRect/>
-          </a:stretch>
-        </p:blipFill>
-        <p:spPr>
-          <a:xfrm>
-            <a:off x="121832" y="5247169"/>
-            <a:ext cx="5880248" cy="1162050"/>
-          </a:xfrm>
-          <a:prstGeom prst="roundRect">
-            <a:avLst>
-              <a:gd name="adj" fmla="val 4167"/>
-            </a:avLst>
-          </a:prstGeom>
-          <a:solidFill>
-            <a:srgbClr val="FFFFFF"/>
-          </a:solidFill>
-          <a:ln w="3175" cap="sq">
-            <a:solidFill>
-              <a:srgbClr val="292929"/>
-            </a:solidFill>
-            <a:miter lim="800000"/>
-          </a:ln>
-          <a:effectLst>
-            <a:reflection blurRad="12700" stA="28000" endPos="28000" dist="5000" dir="5400000" sy="-100000" algn="bl" rotWithShape="0"/>
-          </a:effectLst>
-          <a:scene3d>
-            <a:camera prst="orthographicFront"/>
-            <a:lightRig rig="threePt" dir="t">
-              <a:rot lat="0" lon="0" rev="2700000"/>
-            </a:lightRig>
-          </a:scene3d>
-          <a:sp3d>
-            <a:bevelT h="38100"/>
-            <a:contourClr>
-              <a:srgbClr val="C0C0C0"/>
-            </a:contourClr>
-          </a:sp3d>
-        </p:spPr>
-      </p:pic>
-      <p:pic>
-        <p:nvPicPr>
-          <p:cNvPr id="5" name="Picture 4">
-            <a:extLst>
-              <a:ext uri="{FF2B5EF4-FFF2-40B4-BE49-F238E27FC236}">
-                <a16:creationId xmlns:a16="http://schemas.microsoft.com/office/drawing/2014/main" id="{E27B6410-B9F3-4680-89F7-CC3CEAAA11B5}"/>
-              </a:ext>
-            </a:extLst>
-          </p:cNvPr>
-          <p:cNvPicPr>
-            <a:picLocks noChangeAspect="1"/>
-          </p:cNvPicPr>
-          <p:nvPr/>
-        </p:nvPicPr>
-        <p:blipFill>
-          <a:blip r:embed="rId4"/>
-          <a:stretch>
-            <a:fillRect/>
-          </a:stretch>
-        </p:blipFill>
-        <p:spPr>
-          <a:xfrm>
-            <a:off x="6189921" y="5247169"/>
-            <a:ext cx="5905500" cy="1162050"/>
-          </a:xfrm>
-          <a:prstGeom prst="roundRect">
-            <a:avLst>
-              <a:gd name="adj" fmla="val 4167"/>
-            </a:avLst>
-          </a:prstGeom>
-          <a:solidFill>
-            <a:srgbClr val="FFFFFF"/>
-          </a:solidFill>
-          <a:ln w="3175" cap="sq">
-            <a:solidFill>
-              <a:srgbClr val="292929"/>
-            </a:solidFill>
-            <a:miter lim="800000"/>
-          </a:ln>
-          <a:effectLst>
-            <a:reflection blurRad="12700" stA="28000" endPos="28000" dist="5000" dir="5400000" sy="-100000" algn="bl" rotWithShape="0"/>
-          </a:effectLst>
-          <a:scene3d>
-            <a:camera prst="orthographicFront"/>
-            <a:lightRig rig="threePt" dir="t">
-              <a:rot lat="0" lon="0" rev="2700000"/>
-            </a:lightRig>
-          </a:scene3d>
-          <a:sp3d>
-            <a:bevelT h="38100"/>
-            <a:contourClr>
-              <a:srgbClr val="C0C0C0"/>
-            </a:contourClr>
-          </a:sp3d>
-        </p:spPr>
-      </p:pic>
     </p:spTree>
     <p:extLst>
       <p:ext uri="{BB962C8B-B14F-4D97-AF65-F5344CB8AC3E}">
@@ -12974,7 +12976,7 @@
                               <p:par>
                                 <p:cTn id="26" presetID="22" presetClass="entr" presetSubtype="8" fill="hold" nodeType="afterEffect">
                                   <p:stCondLst>
-                                    <p:cond delay="1750"/>
+                                    <p:cond delay="2000"/>
                                   </p:stCondLst>
                                   <p:childTnLst>
                                     <p:set>
@@ -13020,7 +13022,7 @@
                         <p:par>
                           <p:cTn id="29" fill="hold">
                             <p:stCondLst>
-                              <p:cond delay="4750"/>
+                              <p:cond delay="5000"/>
                             </p:stCondLst>
                             <p:childTnLst>
                               <p:par>
@@ -13072,7 +13074,7 @@
                         <p:par>
                           <p:cTn id="33" fill="hold">
                             <p:stCondLst>
-                              <p:cond delay="7250"/>
+                              <p:cond delay="7500"/>
                             </p:stCondLst>
                             <p:childTnLst>
                               <p:par>
@@ -13124,7 +13126,7 @@
                         <p:par>
                           <p:cTn id="37" fill="hold">
                             <p:stCondLst>
-                              <p:cond delay="9750"/>
+                              <p:cond delay="10000"/>
                             </p:stCondLst>
                             <p:childTnLst>
                               <p:par>
@@ -13167,195 +13169,6 @@
                                         </p:tgtEl>
                                       </p:cBhvr>
                                     </p:animEffect>
-                                  </p:childTnLst>
-                                </p:cTn>
-                              </p:par>
-                            </p:childTnLst>
-                          </p:cTn>
-                        </p:par>
-                      </p:childTnLst>
-                    </p:cTn>
-                  </p:par>
-                  <p:par>
-                    <p:cTn id="41" fill="hold">
-                      <p:stCondLst>
-                        <p:cond delay="indefinite"/>
-                      </p:stCondLst>
-                      <p:childTnLst>
-                        <p:par>
-                          <p:cTn id="42" fill="hold">
-                            <p:stCondLst>
-                              <p:cond delay="0"/>
-                            </p:stCondLst>
-                            <p:childTnLst>
-                              <p:par>
-                                <p:cTn id="43" presetID="42" presetClass="entr" presetSubtype="0" fill="hold" nodeType="clickEffect">
-                                  <p:stCondLst>
-                                    <p:cond delay="0"/>
-                                  </p:stCondLst>
-                                  <p:childTnLst>
-                                    <p:set>
-                                      <p:cBhvr>
-                                        <p:cTn id="44" dur="1" fill="hold">
-                                          <p:stCondLst>
-                                            <p:cond delay="0"/>
-                                          </p:stCondLst>
-                                        </p:cTn>
-                                        <p:tgtEl>
-                                          <p:spTgt spid="4"/>
-                                        </p:tgtEl>
-                                        <p:attrNameLst>
-                                          <p:attrName>style.visibility</p:attrName>
-                                        </p:attrNameLst>
-                                      </p:cBhvr>
-                                      <p:to>
-                                        <p:strVal val="visible"/>
-                                      </p:to>
-                                    </p:set>
-                                    <p:animEffect transition="in" filter="fade">
-                                      <p:cBhvr>
-                                        <p:cTn id="45" dur="1000"/>
-                                        <p:tgtEl>
-                                          <p:spTgt spid="4"/>
-                                        </p:tgtEl>
-                                      </p:cBhvr>
-                                    </p:animEffect>
-                                    <p:anim calcmode="lin" valueType="num">
-                                      <p:cBhvr>
-                                        <p:cTn id="46" dur="1000" fill="hold"/>
-                                        <p:tgtEl>
-                                          <p:spTgt spid="4"/>
-                                        </p:tgtEl>
-                                        <p:attrNameLst>
-                                          <p:attrName>ppt_x</p:attrName>
-                                        </p:attrNameLst>
-                                      </p:cBhvr>
-                                      <p:tavLst>
-                                        <p:tav tm="0">
-                                          <p:val>
-                                            <p:strVal val="#ppt_x"/>
-                                          </p:val>
-                                        </p:tav>
-                                        <p:tav tm="100000">
-                                          <p:val>
-                                            <p:strVal val="#ppt_x"/>
-                                          </p:val>
-                                        </p:tav>
-                                      </p:tavLst>
-                                    </p:anim>
-                                    <p:anim calcmode="lin" valueType="num">
-                                      <p:cBhvr>
-                                        <p:cTn id="47" dur="1000" fill="hold"/>
-                                        <p:tgtEl>
-                                          <p:spTgt spid="4"/>
-                                        </p:tgtEl>
-                                        <p:attrNameLst>
-                                          <p:attrName>ppt_y</p:attrName>
-                                        </p:attrNameLst>
-                                      </p:cBhvr>
-                                      <p:tavLst>
-                                        <p:tav tm="0">
-                                          <p:val>
-                                            <p:strVal val="#ppt_y+.1"/>
-                                          </p:val>
-                                        </p:tav>
-                                        <p:tav tm="100000">
-                                          <p:val>
-                                            <p:strVal val="#ppt_y"/>
-                                          </p:val>
-                                        </p:tav>
-                                      </p:tavLst>
-                                    </p:anim>
-                                  </p:childTnLst>
-                                </p:cTn>
-                              </p:par>
-                            </p:childTnLst>
-                          </p:cTn>
-                        </p:par>
-                        <p:par>
-                          <p:cTn id="48" fill="hold">
-                            <p:stCondLst>
-                              <p:cond delay="1000"/>
-                            </p:stCondLst>
-                            <p:childTnLst>
-                              <p:par>
-                                <p:cTn id="49" presetID="42" presetClass="entr" presetSubtype="0" fill="hold" nodeType="afterEffect">
-                                  <p:stCondLst>
-                                    <p:cond delay="0"/>
-                                  </p:stCondLst>
-                                  <p:childTnLst>
-                                    <p:set>
-                                      <p:cBhvr>
-                                        <p:cTn id="50" dur="1" fill="hold">
-                                          <p:stCondLst>
-                                            <p:cond delay="0"/>
-                                          </p:stCondLst>
-                                        </p:cTn>
-                                        <p:tgtEl>
-                                          <p:spTgt spid="5"/>
-                                        </p:tgtEl>
-                                        <p:attrNameLst>
-                                          <p:attrName>style.visibility</p:attrName>
-                                        </p:attrNameLst>
-                                      </p:cBhvr>
-                                      <p:to>
-                                        <p:strVal val="visible"/>
-                                      </p:to>
-                                    </p:set>
-                                    <p:animEffect transition="in" filter="fade">
-                                      <p:cBhvr>
-                                        <p:cTn id="51" dur="1000"/>
-                                        <p:tgtEl>
-                                          <p:spTgt spid="5"/>
-                                        </p:tgtEl>
-                                      </p:cBhvr>
-                                    </p:animEffect>
-                                    <p:anim calcmode="lin" valueType="num">
-                                      <p:cBhvr>
-                                        <p:cTn id="52" dur="1000" fill="hold"/>
-                                        <p:tgtEl>
-                                          <p:spTgt spid="5"/>
-                                        </p:tgtEl>
-                                        <p:attrNameLst>
-                                          <p:attrName>ppt_x</p:attrName>
-                                        </p:attrNameLst>
-                                      </p:cBhvr>
-                                      <p:tavLst>
-                                        <p:tav tm="0">
-                                          <p:val>
-                                            <p:strVal val="#ppt_x"/>
-                                          </p:val>
-                                        </p:tav>
-                                        <p:tav tm="100000">
-                                          <p:val>
-                                            <p:strVal val="#ppt_x"/>
-                                          </p:val>
-                                        </p:tav>
-                                      </p:tavLst>
-                                    </p:anim>
-                                    <p:anim calcmode="lin" valueType="num">
-                                      <p:cBhvr>
-                                        <p:cTn id="53" dur="1000" fill="hold"/>
-                                        <p:tgtEl>
-                                          <p:spTgt spid="5"/>
-                                        </p:tgtEl>
-                                        <p:attrNameLst>
-                                          <p:attrName>ppt_y</p:attrName>
-                                        </p:attrNameLst>
-                                      </p:cBhvr>
-                                      <p:tavLst>
-                                        <p:tav tm="0">
-                                          <p:val>
-                                            <p:strVal val="#ppt_y+.1"/>
-                                          </p:val>
-                                        </p:tav>
-                                        <p:tav tm="100000">
-                                          <p:val>
-                                            <p:strVal val="#ppt_y"/>
-                                          </p:val>
-                                        </p:tav>
-                                      </p:tavLst>
-                                    </p:anim>
                                   </p:childTnLst>
                                 </p:cTn>
                               </p:par>
@@ -14895,46 +14708,6 @@
       </p:sp>
       <p:pic>
         <p:nvPicPr>
-          <p:cNvPr id="7" name="Picture 2">
-            <a:extLst>
-              <a:ext uri="{FF2B5EF4-FFF2-40B4-BE49-F238E27FC236}">
-                <a16:creationId xmlns:a16="http://schemas.microsoft.com/office/drawing/2014/main" id="{7E3BB28F-6FE2-467D-B331-6137D5D3792F}"/>
-              </a:ext>
-            </a:extLst>
-          </p:cNvPr>
-          <p:cNvPicPr>
-            <a:picLocks noChangeAspect="1" noChangeArrowheads="1"/>
-          </p:cNvPicPr>
-          <p:nvPr/>
-        </p:nvPicPr>
-        <p:blipFill>
-          <a:blip r:embed="rId3">
-            <a:extLst>
-              <a:ext uri="{28A0092B-C50C-407E-A947-70E740481C1C}">
-                <a14:useLocalDpi xmlns:a14="http://schemas.microsoft.com/office/drawing/2010/main" val="0"/>
-              </a:ext>
-            </a:extLst>
-          </a:blip>
-          <a:srcRect/>
-          <a:stretch>
-            <a:fillRect/>
-          </a:stretch>
-        </p:blipFill>
-        <p:spPr bwMode="auto">
-          <a:xfrm>
-            <a:off x="5128219" y="377483"/>
-            <a:ext cx="5385707" cy="2955471"/>
-          </a:xfrm>
-          <a:prstGeom prst="rect">
-            <a:avLst/>
-          </a:prstGeom>
-          <a:solidFill>
-            <a:schemeClr val="tx1"/>
-          </a:solidFill>
-        </p:spPr>
-      </p:pic>
-      <p:pic>
-        <p:nvPicPr>
           <p:cNvPr id="8" name="Picture 4">
             <a:extLst>
               <a:ext uri="{FF2B5EF4-FFF2-40B4-BE49-F238E27FC236}">
@@ -14948,7 +14721,7 @@
           <p:nvPr/>
         </p:nvPicPr>
         <p:blipFill>
-          <a:blip r:embed="rId4">
+          <a:blip r:embed="rId3">
             <a:extLst>
               <a:ext uri="{28A0092B-C50C-407E-A947-70E740481C1C}">
                 <a14:useLocalDpi xmlns:a14="http://schemas.microsoft.com/office/drawing/2010/main" val="0"/>
@@ -14973,6 +14746,132 @@
           </a:solidFill>
         </p:spPr>
       </p:pic>
+      <p:pic>
+        <p:nvPicPr>
+          <p:cNvPr id="1026" name="Picture 2">
+            <a:extLst>
+              <a:ext uri="{FF2B5EF4-FFF2-40B4-BE49-F238E27FC236}">
+                <a16:creationId xmlns:a16="http://schemas.microsoft.com/office/drawing/2014/main" id="{404DB78D-65C1-4F71-BF7A-5AD285530E99}"/>
+              </a:ext>
+            </a:extLst>
+          </p:cNvPr>
+          <p:cNvPicPr>
+            <a:picLocks noChangeAspect="1" noChangeArrowheads="1"/>
+          </p:cNvPicPr>
+          <p:nvPr/>
+        </p:nvPicPr>
+        <p:blipFill>
+          <a:blip r:embed="rId4">
+            <a:extLst>
+              <a:ext uri="{28A0092B-C50C-407E-A947-70E740481C1C}">
+                <a14:useLocalDpi xmlns:a14="http://schemas.microsoft.com/office/drawing/2010/main" val="0"/>
+              </a:ext>
+            </a:extLst>
+          </a:blip>
+          <a:srcRect/>
+          <a:stretch>
+            <a:fillRect/>
+          </a:stretch>
+        </p:blipFill>
+        <p:spPr bwMode="auto">
+          <a:xfrm>
+            <a:off x="5174806" y="169055"/>
+            <a:ext cx="5202571" cy="3200457"/>
+          </a:xfrm>
+          <a:prstGeom prst="rect">
+            <a:avLst/>
+          </a:prstGeom>
+          <a:solidFill>
+            <a:srgbClr val="FFFFFF">
+              <a:shade val="85000"/>
+            </a:srgbClr>
+          </a:solidFill>
+          <a:ln w="9525">
+            <a:solidFill>
+              <a:srgbClr val="000000"/>
+            </a:solidFill>
+            <a:miter lim="800000"/>
+            <a:headEnd/>
+            <a:tailEnd/>
+          </a:ln>
+          <a:effectLst>
+            <a:outerShdw blurRad="55000" dist="18000" dir="5400000" algn="tl" rotWithShape="0">
+              <a:srgbClr val="000000">
+                <a:alpha val="40000"/>
+              </a:srgbClr>
+            </a:outerShdw>
+          </a:effectLst>
+          <a:scene3d>
+            <a:camera prst="orthographicFront"/>
+            <a:lightRig rig="twoPt" dir="t">
+              <a:rot lat="0" lon="0" rev="7200000"/>
+            </a:lightRig>
+          </a:scene3d>
+          <a:sp3d>
+            <a:bevelT w="25400" h="19050"/>
+            <a:contourClr>
+              <a:srgbClr val="FFFFFF"/>
+            </a:contourClr>
+          </a:sp3d>
+          <a:extLst>
+            <a:ext uri="{909E8E84-426E-40DD-AFC4-6F175D3DCCD1}">
+              <a14:hiddenFill xmlns:a14="http://schemas.microsoft.com/office/drawing/2010/main">
+                <a:solidFill>
+                  <a:srgbClr val="FFFFFF"/>
+                </a:solidFill>
+              </a14:hiddenFill>
+            </a:ext>
+          </a:extLst>
+        </p:spPr>
+      </p:pic>
+      <p:sp>
+        <p:nvSpPr>
+          <p:cNvPr id="3" name="TextBox 2">
+            <a:extLst>
+              <a:ext uri="{FF2B5EF4-FFF2-40B4-BE49-F238E27FC236}">
+                <a16:creationId xmlns:a16="http://schemas.microsoft.com/office/drawing/2014/main" id="{AF5A1877-8C3D-4973-B06B-6D70AED978C2}"/>
+              </a:ext>
+            </a:extLst>
+          </p:cNvPr>
+          <p:cNvSpPr txBox="1"/>
+          <p:nvPr/>
+        </p:nvSpPr>
+        <p:spPr>
+          <a:xfrm>
+            <a:off x="3958930" y="3810057"/>
+            <a:ext cx="1899610" cy="307777"/>
+          </a:xfrm>
+          <a:prstGeom prst="rect">
+            <a:avLst/>
+          </a:prstGeom>
+        </p:spPr>
+        <p:style>
+          <a:lnRef idx="2">
+            <a:schemeClr val="dk1"/>
+          </a:lnRef>
+          <a:fillRef idx="1">
+            <a:schemeClr val="lt1"/>
+          </a:fillRef>
+          <a:effectRef idx="0">
+            <a:schemeClr val="dk1"/>
+          </a:effectRef>
+          <a:fontRef idx="minor">
+            <a:schemeClr val="dk1"/>
+          </a:fontRef>
+        </p:style>
+        <p:txBody>
+          <a:bodyPr wrap="square" rtlCol="0">
+            <a:spAutoFit/>
+          </a:bodyPr>
+          <a:lstStyle/>
+          <a:p>
+            <a:r>
+              <a:rPr lang="en-US" sz="1400" dirty="0"/>
+              <a:t>MA : Moving Average </a:t>
+            </a:r>
+          </a:p>
+        </p:txBody>
+      </p:sp>
     </p:spTree>
     <p:extLst>
       <p:ext uri="{BB962C8B-B14F-4D97-AF65-F5344CB8AC3E}">
@@ -15462,7 +15361,7 @@
                                           </p:stCondLst>
                                         </p:cTn>
                                         <p:tgtEl>
-                                          <p:spTgt spid="7"/>
+                                          <p:spTgt spid="8"/>
                                         </p:tgtEl>
                                         <p:attrNameLst>
                                           <p:attrName>style.visibility</p:attrName>
@@ -15475,59 +15374,6 @@
                                     <p:animEffect transition="in" filter="randombar(horizontal)">
                                       <p:cBhvr>
                                         <p:cTn id="32" dur="500"/>
-                                        <p:tgtEl>
-                                          <p:spTgt spid="7"/>
-                                        </p:tgtEl>
-                                      </p:cBhvr>
-                                    </p:animEffect>
-                                  </p:childTnLst>
-                                </p:cTn>
-                              </p:par>
-                            </p:childTnLst>
-                          </p:cTn>
-                        </p:par>
-                      </p:childTnLst>
-                    </p:cTn>
-                  </p:par>
-                  <p:par>
-                    <p:cTn id="33" fill="hold">
-                      <p:stCondLst>
-                        <p:cond delay="indefinite"/>
-                      </p:stCondLst>
-                      <p:childTnLst>
-                        <p:par>
-                          <p:cTn id="34" fill="hold">
-                            <p:stCondLst>
-                              <p:cond delay="0"/>
-                            </p:stCondLst>
-                            <p:childTnLst>
-                              <p:par>
-                                <p:cTn id="35" presetID="14" presetClass="entr" presetSubtype="10" fill="hold" nodeType="clickEffect">
-                                  <p:stCondLst>
-                                    <p:cond delay="0"/>
-                                  </p:stCondLst>
-                                  <p:childTnLst>
-                                    <p:set>
-                                      <p:cBhvr>
-                                        <p:cTn id="36" dur="1" fill="hold">
-                                          <p:stCondLst>
-                                            <p:cond delay="0"/>
-                                          </p:stCondLst>
-                                        </p:cTn>
-                                        <p:tgtEl>
-                                          <p:spTgt spid="8"/>
-                                        </p:tgtEl>
-                                        <p:attrNameLst>
-                                          <p:attrName>style.visibility</p:attrName>
-                                        </p:attrNameLst>
-                                      </p:cBhvr>
-                                      <p:to>
-                                        <p:strVal val="visible"/>
-                                      </p:to>
-                                    </p:set>
-                                    <p:animEffect transition="in" filter="randombar(horizontal)">
-                                      <p:cBhvr>
-                                        <p:cTn id="37" dur="500"/>
                                         <p:tgtEl>
                                           <p:spTgt spid="8"/>
                                         </p:tgtEl>
@@ -16718,6 +16564,18 @@
         <p:blipFill>
           <a:blip r:embed="rId3">
             <a:extLst>
+              <a:ext uri="{BEBA8EAE-BF5A-486C-A8C5-ECC9F3942E4B}">
+                <a14:imgProps xmlns:a14="http://schemas.microsoft.com/office/drawing/2010/main">
+                  <a14:imgLayer r:embed="rId4">
+                    <a14:imgEffect>
+                      <a14:artisticPhotocopy/>
+                    </a14:imgEffect>
+                    <a14:imgEffect>
+                      <a14:brightnessContrast contrast="-40000"/>
+                    </a14:imgEffect>
+                  </a14:imgLayer>
+                </a14:imgProps>
+              </a:ext>
               <a:ext uri="{28A0092B-C50C-407E-A947-70E740481C1C}">
                 <a14:useLocalDpi xmlns:a14="http://schemas.microsoft.com/office/drawing/2010/main" val="0"/>
               </a:ext>
@@ -16729,12 +16587,17 @@
         </p:blipFill>
         <p:spPr>
           <a:xfrm>
-            <a:off x="900642" y="1399582"/>
-            <a:ext cx="8150053" cy="4584404"/>
+            <a:off x="677335" y="1270000"/>
+            <a:ext cx="9159228" cy="5152065"/>
           </a:xfrm>
           <a:prstGeom prst="rect">
             <a:avLst/>
           </a:prstGeom>
+          <a:ln w="3175">
+            <a:solidFill>
+              <a:schemeClr val="tx1"/>
+            </a:solidFill>
+          </a:ln>
         </p:spPr>
       </p:pic>
     </p:spTree>

--- a/Team_4_Proj_1.pptx
+++ b/Team_4_Proj_1.pptx
@@ -209,7 +209,7 @@
           <a:p>
             <a:fld id="{A817B47D-F3DF-42C8-8551-B9FFD7CFFCDD}" type="datetimeFigureOut">
               <a:rPr lang="en-US" smtClean="0"/>
-              <a:t>3/20/2020</a:t>
+              <a:t>3/21/2020</a:t>
             </a:fld>
             <a:endParaRPr lang="en-US"/>
           </a:p>
@@ -2643,7 +2643,7 @@
           <a:p>
             <a:fld id="{DFF4724C-4500-4919-9776-BE89A6686EDF}" type="datetimeFigureOut">
               <a:rPr lang="en-US" smtClean="0"/>
-              <a:t>3/20/2020</a:t>
+              <a:t>3/21/2020</a:t>
             </a:fld>
             <a:endParaRPr lang="en-US"/>
           </a:p>
@@ -2894,7 +2894,7 @@
           <a:p>
             <a:fld id="{DFF4724C-4500-4919-9776-BE89A6686EDF}" type="datetimeFigureOut">
               <a:rPr lang="en-US" smtClean="0"/>
-              <a:t>3/20/2020</a:t>
+              <a:t>3/21/2020</a:t>
             </a:fld>
             <a:endParaRPr lang="en-US"/>
           </a:p>
@@ -3208,7 +3208,7 @@
           <a:p>
             <a:fld id="{DFF4724C-4500-4919-9776-BE89A6686EDF}" type="datetimeFigureOut">
               <a:rPr lang="en-US" smtClean="0"/>
-              <a:t>3/20/2020</a:t>
+              <a:t>3/21/2020</a:t>
             </a:fld>
             <a:endParaRPr lang="en-US"/>
           </a:p>
@@ -3535,7 +3535,7 @@
           <a:p>
             <a:fld id="{DFF4724C-4500-4919-9776-BE89A6686EDF}" type="datetimeFigureOut">
               <a:rPr lang="en-US" smtClean="0"/>
-              <a:t>3/20/2020</a:t>
+              <a:t>3/21/2020</a:t>
             </a:fld>
             <a:endParaRPr lang="en-US"/>
           </a:p>
@@ -3849,7 +3849,7 @@
           <a:p>
             <a:fld id="{DFF4724C-4500-4919-9776-BE89A6686EDF}" type="datetimeFigureOut">
               <a:rPr lang="en-US" smtClean="0"/>
-              <a:t>3/20/2020</a:t>
+              <a:t>3/21/2020</a:t>
             </a:fld>
             <a:endParaRPr lang="en-US"/>
           </a:p>
@@ -4236,7 +4236,7 @@
           <a:p>
             <a:fld id="{DFF4724C-4500-4919-9776-BE89A6686EDF}" type="datetimeFigureOut">
               <a:rPr lang="en-US" smtClean="0"/>
-              <a:t>3/20/2020</a:t>
+              <a:t>3/21/2020</a:t>
             </a:fld>
             <a:endParaRPr lang="en-US"/>
           </a:p>
@@ -4406,7 +4406,7 @@
           <a:p>
             <a:fld id="{DFF4724C-4500-4919-9776-BE89A6686EDF}" type="datetimeFigureOut">
               <a:rPr lang="en-US" smtClean="0"/>
-              <a:t>3/20/2020</a:t>
+              <a:t>3/21/2020</a:t>
             </a:fld>
             <a:endParaRPr lang="en-US"/>
           </a:p>
@@ -4586,7 +4586,7 @@
           <a:p>
             <a:fld id="{DFF4724C-4500-4919-9776-BE89A6686EDF}" type="datetimeFigureOut">
               <a:rPr lang="en-US" smtClean="0"/>
-              <a:t>3/20/2020</a:t>
+              <a:t>3/21/2020</a:t>
             </a:fld>
             <a:endParaRPr lang="en-US"/>
           </a:p>
@@ -4762,7 +4762,7 @@
           <a:p>
             <a:fld id="{DFF4724C-4500-4919-9776-BE89A6686EDF}" type="datetimeFigureOut">
               <a:rPr lang="en-US" smtClean="0"/>
-              <a:t>3/20/2020</a:t>
+              <a:t>3/21/2020</a:t>
             </a:fld>
             <a:endParaRPr lang="en-US"/>
           </a:p>
@@ -5009,7 +5009,7 @@
           <a:p>
             <a:fld id="{DFF4724C-4500-4919-9776-BE89A6686EDF}" type="datetimeFigureOut">
               <a:rPr lang="en-US" smtClean="0"/>
-              <a:t>3/20/2020</a:t>
+              <a:t>3/21/2020</a:t>
             </a:fld>
             <a:endParaRPr lang="en-US"/>
           </a:p>
@@ -5241,7 +5241,7 @@
           <a:p>
             <a:fld id="{DFF4724C-4500-4919-9776-BE89A6686EDF}" type="datetimeFigureOut">
               <a:rPr lang="en-US" smtClean="0"/>
-              <a:t>3/20/2020</a:t>
+              <a:t>3/21/2020</a:t>
             </a:fld>
             <a:endParaRPr lang="en-US"/>
           </a:p>
@@ -5615,7 +5615,7 @@
           <a:p>
             <a:fld id="{DFF4724C-4500-4919-9776-BE89A6686EDF}" type="datetimeFigureOut">
               <a:rPr lang="en-US" smtClean="0"/>
-              <a:t>3/20/2020</a:t>
+              <a:t>3/21/2020</a:t>
             </a:fld>
             <a:endParaRPr lang="en-US"/>
           </a:p>
@@ -5738,7 +5738,7 @@
           <a:p>
             <a:fld id="{DFF4724C-4500-4919-9776-BE89A6686EDF}" type="datetimeFigureOut">
               <a:rPr lang="en-US" smtClean="0"/>
-              <a:t>3/20/2020</a:t>
+              <a:t>3/21/2020</a:t>
             </a:fld>
             <a:endParaRPr lang="en-US"/>
           </a:p>
@@ -5833,7 +5833,7 @@
           <a:p>
             <a:fld id="{DFF4724C-4500-4919-9776-BE89A6686EDF}" type="datetimeFigureOut">
               <a:rPr lang="en-US" smtClean="0"/>
-              <a:t>3/20/2020</a:t>
+              <a:t>3/21/2020</a:t>
             </a:fld>
             <a:endParaRPr lang="en-US"/>
           </a:p>
@@ -6088,7 +6088,7 @@
           <a:p>
             <a:fld id="{DFF4724C-4500-4919-9776-BE89A6686EDF}" type="datetimeFigureOut">
               <a:rPr lang="en-US" smtClean="0"/>
-              <a:t>3/20/2020</a:t>
+              <a:t>3/21/2020</a:t>
             </a:fld>
             <a:endParaRPr lang="en-US"/>
           </a:p>
@@ -6351,7 +6351,7 @@
           <a:p>
             <a:fld id="{DFF4724C-4500-4919-9776-BE89A6686EDF}" type="datetimeFigureOut">
               <a:rPr lang="en-US" smtClean="0"/>
-              <a:t>3/20/2020</a:t>
+              <a:t>3/21/2020</a:t>
             </a:fld>
             <a:endParaRPr lang="en-US"/>
           </a:p>
@@ -7096,7 +7096,7 @@
           <a:p>
             <a:fld id="{DFF4724C-4500-4919-9776-BE89A6686EDF}" type="datetimeFigureOut">
               <a:rPr lang="en-US" smtClean="0"/>
-              <a:t>3/20/2020</a:t>
+              <a:t>3/21/2020</a:t>
             </a:fld>
             <a:endParaRPr lang="en-US"/>
           </a:p>
@@ -11757,35 +11757,6 @@
       </p:grpSpPr>
       <p:pic>
         <p:nvPicPr>
-          <p:cNvPr id="4" name="Picture 3">
-            <a:extLst>
-              <a:ext uri="{FF2B5EF4-FFF2-40B4-BE49-F238E27FC236}">
-                <a16:creationId xmlns:a16="http://schemas.microsoft.com/office/drawing/2014/main" id="{994215E6-CC9C-4289-BDCD-9B5040C8E66C}"/>
-              </a:ext>
-            </a:extLst>
-          </p:cNvPr>
-          <p:cNvPicPr>
-            <a:picLocks noChangeAspect="1"/>
-          </p:cNvPicPr>
-          <p:nvPr/>
-        </p:nvPicPr>
-        <p:blipFill rotWithShape="1">
-          <a:blip r:embed="rId3"/>
-          <a:srcRect l="4363" t="21091" r="3455" b="11515"/>
-          <a:stretch/>
-        </p:blipFill>
-        <p:spPr>
-          <a:xfrm>
-            <a:off x="1274619" y="861189"/>
-            <a:ext cx="8451272" cy="3458763"/>
-          </a:xfrm>
-          <a:prstGeom prst="rect">
-            <a:avLst/>
-          </a:prstGeom>
-        </p:spPr>
-      </p:pic>
-      <p:pic>
-        <p:nvPicPr>
           <p:cNvPr id="6" name="Picture 5">
             <a:extLst>
               <a:ext uri="{FF2B5EF4-FFF2-40B4-BE49-F238E27FC236}">
@@ -11799,18 +11770,28 @@
           <p:nvPr/>
         </p:nvPicPr>
         <p:blipFill rotWithShape="1">
-          <a:blip r:embed="rId4"/>
+          <a:blip r:embed="rId3"/>
           <a:srcRect l="1164" r="394"/>
           <a:stretch/>
         </p:blipFill>
         <p:spPr>
           <a:xfrm>
-            <a:off x="606832" y="4581008"/>
+            <a:off x="606832" y="4857456"/>
             <a:ext cx="10379827" cy="916875"/>
           </a:xfrm>
           <a:prstGeom prst="rect">
             <a:avLst/>
           </a:prstGeom>
+          <a:ln>
+            <a:noFill/>
+          </a:ln>
+          <a:effectLst>
+            <a:outerShdw blurRad="292100" dist="139700" dir="2700000" algn="tl" rotWithShape="0">
+              <a:srgbClr val="333333">
+                <a:alpha val="65000"/>
+              </a:srgbClr>
+            </a:outerShdw>
+          </a:effectLst>
         </p:spPr>
       </p:pic>
       <p:pic>
@@ -11828,13 +11809,13 @@
           <p:nvPr/>
         </p:nvPicPr>
         <p:blipFill rotWithShape="1">
-          <a:blip r:embed="rId5"/>
+          <a:blip r:embed="rId4"/>
           <a:srcRect l="394" t="18061" r="1152" b="1"/>
           <a:stretch/>
         </p:blipFill>
         <p:spPr>
           <a:xfrm>
-            <a:off x="606831" y="5377119"/>
+            <a:off x="606831" y="5653567"/>
             <a:ext cx="10379827" cy="550224"/>
           </a:xfrm>
           <a:prstGeom prst="rect">
@@ -11857,13 +11838,13 @@
           <p:nvPr/>
         </p:nvPicPr>
         <p:blipFill rotWithShape="1">
-          <a:blip r:embed="rId6"/>
+          <a:blip r:embed="rId5"/>
           <a:srcRect l="3786" t="16468" r="5174"/>
           <a:stretch/>
         </p:blipFill>
         <p:spPr>
           <a:xfrm>
-            <a:off x="606831" y="5777989"/>
+            <a:off x="606831" y="6054437"/>
             <a:ext cx="10379827" cy="642751"/>
           </a:xfrm>
           <a:prstGeom prst="rect">
@@ -11885,7 +11866,7 @@
         </p:nvSpPr>
         <p:spPr>
           <a:xfrm rot="472317">
-            <a:off x="2078908" y="5201388"/>
+            <a:off x="2078908" y="5477836"/>
             <a:ext cx="1560285" cy="1188757"/>
           </a:xfrm>
           <a:prstGeom prst="irregularSeal1">
@@ -11972,6 +11953,51 @@
           </a:p>
         </p:txBody>
       </p:sp>
+      <p:pic>
+        <p:nvPicPr>
+          <p:cNvPr id="3" name="Picture 2">
+            <a:extLst>
+              <a:ext uri="{FF2B5EF4-FFF2-40B4-BE49-F238E27FC236}">
+                <a16:creationId xmlns:a16="http://schemas.microsoft.com/office/drawing/2014/main" id="{F4DC0DE6-D7F3-406F-BF82-EB1B484E9252}"/>
+              </a:ext>
+            </a:extLst>
+          </p:cNvPr>
+          <p:cNvPicPr>
+            <a:picLocks noChangeAspect="1"/>
+          </p:cNvPicPr>
+          <p:nvPr/>
+        </p:nvPicPr>
+        <p:blipFill rotWithShape="1">
+          <a:blip r:embed="rId6" cstate="screen">
+            <a:extLst>
+              <a:ext uri="{28A0092B-C50C-407E-A947-70E740481C1C}">
+                <a14:useLocalDpi xmlns:a14="http://schemas.microsoft.com/office/drawing/2010/main"/>
+              </a:ext>
+            </a:extLst>
+          </a:blip>
+          <a:srcRect/>
+          <a:stretch/>
+        </p:blipFill>
+        <p:spPr>
+          <a:xfrm>
+            <a:off x="1656391" y="830547"/>
+            <a:ext cx="7617612" cy="3886856"/>
+          </a:xfrm>
+          <a:prstGeom prst="rect">
+            <a:avLst/>
+          </a:prstGeom>
+          <a:ln>
+            <a:noFill/>
+          </a:ln>
+          <a:effectLst>
+            <a:outerShdw blurRad="292100" dist="139700" dir="2700000" algn="tl" rotWithShape="0">
+              <a:srgbClr val="333333">
+                <a:alpha val="65000"/>
+              </a:srgbClr>
+            </a:outerShdw>
+          </a:effectLst>
+        </p:spPr>
+      </p:pic>
     </p:spTree>
     <p:extLst>
       <p:ext uri="{BB962C8B-B14F-4D97-AF65-F5344CB8AC3E}">
@@ -14813,15 +14839,6 @@
               <a:srgbClr val="FFFFFF"/>
             </a:contourClr>
           </a:sp3d>
-          <a:extLst>
-            <a:ext uri="{909E8E84-426E-40DD-AFC4-6F175D3DCCD1}">
-              <a14:hiddenFill xmlns:a14="http://schemas.microsoft.com/office/drawing/2010/main">
-                <a:solidFill>
-                  <a:srgbClr val="FFFFFF"/>
-                </a:solidFill>
-              </a14:hiddenFill>
-            </a:ext>
-          </a:extLst>
         </p:spPr>
       </p:pic>
       <p:sp>

--- a/Team_4_Proj_1.pptx
+++ b/Team_4_Proj_1.pptx
@@ -11998,6 +11998,44 @@
           </a:effectLst>
         </p:spPr>
       </p:pic>
+      <p:sp>
+        <p:nvSpPr>
+          <p:cNvPr id="2" name="TextBox 1">
+            <a:extLst>
+              <a:ext uri="{FF2B5EF4-FFF2-40B4-BE49-F238E27FC236}">
+                <a16:creationId xmlns:a16="http://schemas.microsoft.com/office/drawing/2014/main" id="{4CFDE1B6-4135-4291-886C-F5F09BC12DC2}"/>
+              </a:ext>
+            </a:extLst>
+          </p:cNvPr>
+          <p:cNvSpPr txBox="1"/>
+          <p:nvPr/>
+        </p:nvSpPr>
+        <p:spPr>
+          <a:xfrm>
+            <a:off x="6647392" y="904214"/>
+            <a:ext cx="3158239" cy="307777"/>
+          </a:xfrm>
+          <a:prstGeom prst="rect">
+            <a:avLst/>
+          </a:prstGeom>
+          <a:noFill/>
+        </p:spPr>
+        <p:txBody>
+          <a:bodyPr wrap="square" rtlCol="0">
+            <a:spAutoFit/>
+          </a:bodyPr>
+          <a:lstStyle/>
+          <a:p>
+            <a:r>
+              <a:rPr lang="en-US" sz="1400" b="1" dirty="0">
+                <a:latin typeface="Calibri Light" panose="020F0302020204030204" pitchFamily="34" charset="0"/>
+                <a:cs typeface="Calibri Light" panose="020F0302020204030204" pitchFamily="34" charset="0"/>
+              </a:rPr>
+              <a:t>&lt;https://climate.nasa.gov/effects/&gt;</a:t>
+            </a:r>
+          </a:p>
+        </p:txBody>
+      </p:sp>
     </p:spTree>
     <p:extLst>
       <p:ext uri="{BB962C8B-B14F-4D97-AF65-F5344CB8AC3E}">
